--- a/sample_en.pptx
+++ b/sample_en.pptx
@@ -3559,6 +3559,70 @@
         </p:nvSpPr>
         <p:spPr>
           <a:xfrm>
+            <a:off x="457200" y="5577840"/>
+            <a:ext cx="6858000" cy="2194560"/>
+          </a:xfrm>
+          <a:prstGeom prst="rect">
+            <a:avLst/>
+          </a:prstGeom>
+          <a:noFill/>
+          <a:ln w="12700">
+            <a:solidFill>
+              <a:srgbClr val="000000"/>
+            </a:solidFill>
+          </a:ln>
+        </p:spPr>
+        <p:txBody>
+          <a:bodyPr wrap="square">
+            <a:noAutofit/>
+          </a:bodyPr>
+          <a:lstStyle/>
+          <a:p>
+            <a:pPr>
+              <a:defRPr sz="1600" u="sng">
+                <a:solidFill>
+                  <a:srgbClr val="008000"/>
+                </a:solidFill>
+              </a:defRPr>
+            </a:pPr>
+            <a:r>
+              <a:t>Cost Structure</a:t>
+            </a:r>
+          </a:p>
+          <a:p>
+            <a:pPr>
+              <a:defRPr sz="900"/>
+            </a:pPr>
+            <a:r>
+              <a:t>・Server and infrastructure maintenance</a:t>
+            </a:r>
+          </a:p>
+          <a:p>
+            <a:pPr>
+              <a:defRPr sz="900"/>
+            </a:pPr>
+            <a:r>
+              <a:t>・Algorithm and software development</a:t>
+            </a:r>
+          </a:p>
+          <a:p>
+            <a:pPr>
+              <a:defRPr sz="900"/>
+            </a:pPr>
+            <a:r>
+              <a:t>・Marketing and brand building</a:t>
+            </a:r>
+          </a:p>
+        </p:txBody>
+      </p:sp>
+      <p:sp>
+        <p:nvSpPr>
+          <p:cNvPr id="11" name="TextBox 10"/>
+          <p:cNvSpPr txBox="1"/>
+          <p:nvPr/>
+        </p:nvSpPr>
+        <p:spPr>
+          <a:xfrm>
             <a:off x="7315200" y="5577840"/>
             <a:ext cx="6858000" cy="2194560"/>
           </a:xfrm>
@@ -4089,6 +4153,70 @@
         </p:nvSpPr>
         <p:spPr>
           <a:xfrm>
+            <a:off x="457200" y="5577840"/>
+            <a:ext cx="6858000" cy="2194560"/>
+          </a:xfrm>
+          <a:prstGeom prst="rect">
+            <a:avLst/>
+          </a:prstGeom>
+          <a:noFill/>
+          <a:ln w="12700">
+            <a:solidFill>
+              <a:srgbClr val="000000"/>
+            </a:solidFill>
+          </a:ln>
+        </p:spPr>
+        <p:txBody>
+          <a:bodyPr wrap="square">
+            <a:noAutofit/>
+          </a:bodyPr>
+          <a:lstStyle/>
+          <a:p>
+            <a:pPr>
+              <a:defRPr sz="1600" u="sng">
+                <a:solidFill>
+                  <a:srgbClr val="008000"/>
+                </a:solidFill>
+              </a:defRPr>
+            </a:pPr>
+            <a:r>
+              <a:t>Cost Structure</a:t>
+            </a:r>
+          </a:p>
+          <a:p>
+            <a:pPr>
+              <a:defRPr sz="900"/>
+            </a:pPr>
+            <a:r>
+              <a:t>・App development and maintenance</a:t>
+            </a:r>
+          </a:p>
+          <a:p>
+            <a:pPr>
+              <a:defRPr sz="900"/>
+            </a:pPr>
+            <a:r>
+              <a:t>・Marketing and brand building</a:t>
+            </a:r>
+          </a:p>
+          <a:p>
+            <a:pPr>
+              <a:defRPr sz="900"/>
+            </a:pPr>
+            <a:r>
+              <a:t>・Customer support</a:t>
+            </a:r>
+          </a:p>
+        </p:txBody>
+      </p:sp>
+      <p:sp>
+        <p:nvSpPr>
+          <p:cNvPr id="11" name="TextBox 10"/>
+          <p:cNvSpPr txBox="1"/>
+          <p:nvPr/>
+        </p:nvSpPr>
+        <p:spPr>
+          <a:xfrm>
             <a:off x="7315200" y="5577840"/>
             <a:ext cx="6858000" cy="2194560"/>
           </a:xfrm>
@@ -4587,6 +4715,70 @@
         </p:nvSpPr>
         <p:spPr>
           <a:xfrm>
+            <a:off x="457200" y="5577840"/>
+            <a:ext cx="6858000" cy="2194560"/>
+          </a:xfrm>
+          <a:prstGeom prst="rect">
+            <a:avLst/>
+          </a:prstGeom>
+          <a:noFill/>
+          <a:ln w="12700">
+            <a:solidFill>
+              <a:srgbClr val="000000"/>
+            </a:solidFill>
+          </a:ln>
+        </p:spPr>
+        <p:txBody>
+          <a:bodyPr wrap="square">
+            <a:noAutofit/>
+          </a:bodyPr>
+          <a:lstStyle/>
+          <a:p>
+            <a:pPr>
+              <a:defRPr sz="1600" u="sng">
+                <a:solidFill>
+                  <a:srgbClr val="008000"/>
+                </a:solidFill>
+              </a:defRPr>
+            </a:pPr>
+            <a:r>
+              <a:t>Cost Structure</a:t>
+            </a:r>
+          </a:p>
+          <a:p>
+            <a:pPr>
+              <a:defRPr sz="900"/>
+            </a:pPr>
+            <a:r>
+              <a:t>・Product development and maintenance</a:t>
+            </a:r>
+          </a:p>
+          <a:p>
+            <a:pPr>
+              <a:defRPr sz="900"/>
+            </a:pPr>
+            <a:r>
+              <a:t>・Marketing and sales</a:t>
+            </a:r>
+          </a:p>
+          <a:p>
+            <a:pPr>
+              <a:defRPr sz="900"/>
+            </a:pPr>
+            <a:r>
+              <a:t>・Customer support</a:t>
+            </a:r>
+          </a:p>
+        </p:txBody>
+      </p:sp>
+      <p:sp>
+        <p:nvSpPr>
+          <p:cNvPr id="11" name="TextBox 10"/>
+          <p:cNvSpPr txBox="1"/>
+          <p:nvPr/>
+        </p:nvSpPr>
+        <p:spPr>
+          <a:xfrm>
             <a:off x="7315200" y="5577840"/>
             <a:ext cx="6858000" cy="2194560"/>
           </a:xfrm>
@@ -5093,6 +5285,70 @@
         </p:nvSpPr>
         <p:spPr>
           <a:xfrm>
+            <a:off x="457200" y="5577840"/>
+            <a:ext cx="6858000" cy="2194560"/>
+          </a:xfrm>
+          <a:prstGeom prst="rect">
+            <a:avLst/>
+          </a:prstGeom>
+          <a:noFill/>
+          <a:ln w="12700">
+            <a:solidFill>
+              <a:srgbClr val="000000"/>
+            </a:solidFill>
+          </a:ln>
+        </p:spPr>
+        <p:txBody>
+          <a:bodyPr wrap="square">
+            <a:noAutofit/>
+          </a:bodyPr>
+          <a:lstStyle/>
+          <a:p>
+            <a:pPr>
+              <a:defRPr sz="1600" u="sng">
+                <a:solidFill>
+                  <a:srgbClr val="008000"/>
+                </a:solidFill>
+              </a:defRPr>
+            </a:pPr>
+            <a:r>
+              <a:t>Cost Structure</a:t>
+            </a:r>
+          </a:p>
+          <a:p>
+            <a:pPr>
+              <a:defRPr sz="900"/>
+            </a:pPr>
+            <a:r>
+              <a:t>・Product development and maintenance</a:t>
+            </a:r>
+          </a:p>
+          <a:p>
+            <a:pPr>
+              <a:defRPr sz="900"/>
+            </a:pPr>
+            <a:r>
+              <a:t>・Marketing and sales</a:t>
+            </a:r>
+          </a:p>
+          <a:p>
+            <a:pPr>
+              <a:defRPr sz="900"/>
+            </a:pPr>
+            <a:r>
+              <a:t>・Customer support</a:t>
+            </a:r>
+          </a:p>
+        </p:txBody>
+      </p:sp>
+      <p:sp>
+        <p:nvSpPr>
+          <p:cNvPr id="11" name="TextBox 10"/>
+          <p:cNvSpPr txBox="1"/>
+          <p:nvPr/>
+        </p:nvSpPr>
+        <p:spPr>
+          <a:xfrm>
             <a:off x="7315200" y="5577840"/>
             <a:ext cx="6858000" cy="2194560"/>
           </a:xfrm>
@@ -5615,6 +5871,70 @@
         </p:nvSpPr>
         <p:spPr>
           <a:xfrm>
+            <a:off x="457200" y="5577840"/>
+            <a:ext cx="6858000" cy="2194560"/>
+          </a:xfrm>
+          <a:prstGeom prst="rect">
+            <a:avLst/>
+          </a:prstGeom>
+          <a:noFill/>
+          <a:ln w="12700">
+            <a:solidFill>
+              <a:srgbClr val="000000"/>
+            </a:solidFill>
+          </a:ln>
+        </p:spPr>
+        <p:txBody>
+          <a:bodyPr wrap="square">
+            <a:noAutofit/>
+          </a:bodyPr>
+          <a:lstStyle/>
+          <a:p>
+            <a:pPr>
+              <a:defRPr sz="1600" u="sng">
+                <a:solidFill>
+                  <a:srgbClr val="008000"/>
+                </a:solidFill>
+              </a:defRPr>
+            </a:pPr>
+            <a:r>
+              <a:t>Cost Structure</a:t>
+            </a:r>
+          </a:p>
+          <a:p>
+            <a:pPr>
+              <a:defRPr sz="900"/>
+            </a:pPr>
+            <a:r>
+              <a:t>・Platform development and maintenance</a:t>
+            </a:r>
+          </a:p>
+          <a:p>
+            <a:pPr>
+              <a:defRPr sz="900"/>
+            </a:pPr>
+            <a:r>
+              <a:t>・Hardware and software costs</a:t>
+            </a:r>
+          </a:p>
+          <a:p>
+            <a:pPr>
+              <a:defRPr sz="900"/>
+            </a:pPr>
+            <a:r>
+              <a:t>・Marketing and promotion</a:t>
+            </a:r>
+          </a:p>
+        </p:txBody>
+      </p:sp>
+      <p:sp>
+        <p:nvSpPr>
+          <p:cNvPr id="11" name="TextBox 10"/>
+          <p:cNvSpPr txBox="1"/>
+          <p:nvPr/>
+        </p:nvSpPr>
+        <p:spPr>
+          <a:xfrm>
             <a:off x="7315200" y="5577840"/>
             <a:ext cx="6858000" cy="2194560"/>
           </a:xfrm>
@@ -6145,6 +6465,70 @@
         </p:nvSpPr>
         <p:spPr>
           <a:xfrm>
+            <a:off x="457200" y="5577840"/>
+            <a:ext cx="6858000" cy="2194560"/>
+          </a:xfrm>
+          <a:prstGeom prst="rect">
+            <a:avLst/>
+          </a:prstGeom>
+          <a:noFill/>
+          <a:ln w="12700">
+            <a:solidFill>
+              <a:srgbClr val="000000"/>
+            </a:solidFill>
+          </a:ln>
+        </p:spPr>
+        <p:txBody>
+          <a:bodyPr wrap="square">
+            <a:noAutofit/>
+          </a:bodyPr>
+          <a:lstStyle/>
+          <a:p>
+            <a:pPr>
+              <a:defRPr sz="1600" u="sng">
+                <a:solidFill>
+                  <a:srgbClr val="008000"/>
+                </a:solidFill>
+              </a:defRPr>
+            </a:pPr>
+            <a:r>
+              <a:t>Cost Structure</a:t>
+            </a:r>
+          </a:p>
+          <a:p>
+            <a:pPr>
+              <a:defRPr sz="900"/>
+            </a:pPr>
+            <a:r>
+              <a:t>・Platform development and maintenance</a:t>
+            </a:r>
+          </a:p>
+          <a:p>
+            <a:pPr>
+              <a:defRPr sz="900"/>
+            </a:pPr>
+            <a:r>
+              <a:t>・Maintain cloud infrastructure</a:t>
+            </a:r>
+          </a:p>
+          <a:p>
+            <a:pPr>
+              <a:defRPr sz="900"/>
+            </a:pPr>
+            <a:r>
+              <a:t>・Marketing and promotion</a:t>
+            </a:r>
+          </a:p>
+        </p:txBody>
+      </p:sp>
+      <p:sp>
+        <p:nvSpPr>
+          <p:cNvPr id="11" name="TextBox 10"/>
+          <p:cNvSpPr txBox="1"/>
+          <p:nvPr/>
+        </p:nvSpPr>
+        <p:spPr>
+          <a:xfrm>
             <a:off x="7315200" y="5577840"/>
             <a:ext cx="6858000" cy="2194560"/>
           </a:xfrm>
@@ -6710,6 +7094,70 @@
       <p:sp>
         <p:nvSpPr>
           <p:cNvPr id="10" name="TextBox 9"/>
+          <p:cNvSpPr txBox="1"/>
+          <p:nvPr/>
+        </p:nvSpPr>
+        <p:spPr>
+          <a:xfrm>
+            <a:off x="457200" y="5577840"/>
+            <a:ext cx="6858000" cy="2194560"/>
+          </a:xfrm>
+          <a:prstGeom prst="rect">
+            <a:avLst/>
+          </a:prstGeom>
+          <a:noFill/>
+          <a:ln w="12700">
+            <a:solidFill>
+              <a:srgbClr val="000000"/>
+            </a:solidFill>
+          </a:ln>
+        </p:spPr>
+        <p:txBody>
+          <a:bodyPr wrap="square">
+            <a:noAutofit/>
+          </a:bodyPr>
+          <a:lstStyle/>
+          <a:p>
+            <a:pPr>
+              <a:defRPr sz="1600" u="sng">
+                <a:solidFill>
+                  <a:srgbClr val="008000"/>
+                </a:solidFill>
+              </a:defRPr>
+            </a:pPr>
+            <a:r>
+              <a:t>Cost Structure</a:t>
+            </a:r>
+          </a:p>
+          <a:p>
+            <a:pPr>
+              <a:defRPr sz="900"/>
+            </a:pPr>
+            <a:r>
+              <a:t>・Development and maintenance</a:t>
+            </a:r>
+          </a:p>
+          <a:p>
+            <a:pPr>
+              <a:defRPr sz="900"/>
+            </a:pPr>
+            <a:r>
+              <a:t>・Customer support</a:t>
+            </a:r>
+          </a:p>
+          <a:p>
+            <a:pPr>
+              <a:defRPr sz="900"/>
+            </a:pPr>
+            <a:r>
+              <a:t>・Marketing and promotion</a:t>
+            </a:r>
+          </a:p>
+        </p:txBody>
+      </p:sp>
+      <p:sp>
+        <p:nvSpPr>
+          <p:cNvPr id="11" name="TextBox 10"/>
           <p:cNvSpPr txBox="1"/>
           <p:nvPr/>
         </p:nvSpPr>

--- a/sample_en.pptx
+++ b/sample_en.pptx
@@ -13,6 +13,14 @@
     <p:sldId id="261" r:id="rId12"/>
     <p:sldId id="262" r:id="rId13"/>
     <p:sldId id="263" r:id="rId14"/>
+    <p:sldId id="264" r:id="rId15"/>
+    <p:sldId id="265" r:id="rId16"/>
+    <p:sldId id="266" r:id="rId17"/>
+    <p:sldId id="267" r:id="rId18"/>
+    <p:sldId id="268" r:id="rId19"/>
+    <p:sldId id="269" r:id="rId20"/>
+    <p:sldId id="270" r:id="rId21"/>
+    <p:sldId id="271" r:id="rId22"/>
   </p:sldIdLst>
   <p:sldSz cx="14630400" cy="8229600" type="screen4x3"/>
   <p:notesSz cx="6858000" cy="9144000"/>
@@ -3242,15 +3250,15 @@
               <a:defRPr sz="900"/>
             </a:pPr>
             <a:r>
-              <a:t>・Improve user's search experience</a:t>
-            </a:r>
-          </a:p>
-          <a:p>
-            <a:pPr>
-              <a:defRPr sz="900"/>
-            </a:pPr>
-            <a:r>
-              <a:t>・Organize and search web pages efficiently</a:t>
+              <a:t>・Improved user search experience</a:t>
+            </a:r>
+          </a:p>
+          <a:p>
+            <a:pPr>
+              <a:defRPr sz="900"/>
+            </a:pPr>
+            <a:r>
+              <a:t>・Organize and search web pages more efficiently</a:t>
             </a:r>
           </a:p>
         </p:txBody>
@@ -3314,7 +3322,7 @@
               <a:defRPr sz="900"/>
             </a:pPr>
             <a:r>
-              <a:t>・User feedback</a:t>
+              <a:t>・User Feedback</a:t>
             </a:r>
           </a:p>
         </p:txBody>
@@ -3370,7 +3378,7 @@
               <a:defRPr sz="900"/>
             </a:pPr>
             <a:r>
-              <a:t>・A powerful tool for efficiently exploring the web</a:t>
+              <a:t>・Powerful tools to explore the Web efficiently</a:t>
             </a:r>
           </a:p>
         </p:txBody>
@@ -3418,7 +3426,7 @@
               <a:defRPr sz="900"/>
             </a:pPr>
             <a:r>
-              <a:t>・Advanced search algorithm (PageRank)</a:t>
+              <a:t>・Advanced Search Algorithm (PageRank)</a:t>
             </a:r>
           </a:p>
           <a:p>
@@ -3474,23 +3482,23 @@
               <a:defRPr sz="900"/>
             </a:pPr>
             <a:r>
-              <a:t>・website</a:t>
-            </a:r>
-          </a:p>
-          <a:p>
-            <a:pPr>
-              <a:defRPr sz="900"/>
-            </a:pPr>
-            <a:r>
-              <a:t>・Word of Mouse</a:t>
-            </a:r>
-          </a:p>
-          <a:p>
-            <a:pPr>
-              <a:defRPr sz="900"/>
-            </a:pPr>
-            <a:r>
-              <a:t>・media exposure</a:t>
+              <a:t>・Website</a:t>
+            </a:r>
+          </a:p>
+          <a:p>
+            <a:pPr>
+              <a:defRPr sz="900"/>
+            </a:pPr>
+            <a:r>
+              <a:t>・Word of Mouth</a:t>
+            </a:r>
+          </a:p>
+          <a:p>
+            <a:pPr>
+              <a:defRPr sz="900"/>
+            </a:pPr>
+            <a:r>
+              <a:t>・Media Exposure</a:t>
             </a:r>
           </a:p>
         </p:txBody>
@@ -3538,15 +3546,15 @@
               <a:defRPr sz="900"/>
             </a:pPr>
             <a:r>
-              <a:t>・All Internet users</a:t>
-            </a:r>
-          </a:p>
-          <a:p>
-            <a:pPr>
-              <a:defRPr sz="900"/>
-            </a:pPr>
-            <a:r>
-              <a:t>・People who need information in business</a:t>
+              <a:t>・Internet users overall</a:t>
+            </a:r>
+          </a:p>
+          <a:p>
+            <a:pPr>
+              <a:defRPr sz="900"/>
+            </a:pPr>
+            <a:r>
+              <a:t>・People who need information for their business</a:t>
             </a:r>
           </a:p>
         </p:txBody>
@@ -3594,23 +3602,23 @@
               <a:defRPr sz="900"/>
             </a:pPr>
             <a:r>
-              <a:t>・Server and infrastructure maintenance</a:t>
-            </a:r>
-          </a:p>
-          <a:p>
-            <a:pPr>
-              <a:defRPr sz="900"/>
-            </a:pPr>
-            <a:r>
-              <a:t>・Algorithm and software development</a:t>
-            </a:r>
-          </a:p>
-          <a:p>
-            <a:pPr>
-              <a:defRPr sz="900"/>
-            </a:pPr>
-            <a:r>
-              <a:t>・Marketing and brand building</a:t>
+              <a:t>・Maintain servers and infrastructure</a:t>
+            </a:r>
+          </a:p>
+          <a:p>
+            <a:pPr>
+              <a:defRPr sz="900"/>
+            </a:pPr>
+            <a:r>
+              <a:t>・Algorithm and Software Development</a:t>
+            </a:r>
+          </a:p>
+          <a:p>
+            <a:pPr>
+              <a:defRPr sz="900"/>
+            </a:pPr>
+            <a:r>
+              <a:t>・Marketing and Brand Building</a:t>
             </a:r>
           </a:p>
         </p:txBody>
@@ -3659,6 +3667,4060 @@
             </a:pPr>
             <a:r>
               <a:t>・Advertising revenue (AdWords and AdSense)</a:t>
+            </a:r>
+          </a:p>
+        </p:txBody>
+      </p:sp>
+    </p:spTree>
+  </p:cSld>
+  <p:clrMapOvr>
+    <a:masterClrMapping/>
+  </p:clrMapOvr>
+</p:sld>
+</file>
+
+<file path=ppt/slides/slide10.xml><?xml version="1.0" encoding="utf-8"?>
+<p:sld xmlns:a="http://schemas.openxmlformats.org/drawingml/2006/main" xmlns:p="http://schemas.openxmlformats.org/presentationml/2006/main" xmlns:r="http://schemas.openxmlformats.org/officeDocument/2006/relationships">
+  <p:cSld>
+    <p:spTree>
+      <p:nvGrpSpPr>
+        <p:cNvPr id="1" name=""/>
+        <p:cNvGrpSpPr/>
+        <p:nvPr/>
+      </p:nvGrpSpPr>
+      <p:grpSpPr/>
+      <p:sp>
+        <p:nvSpPr>
+          <p:cNvPr id="2" name="TextBox 1"/>
+          <p:cNvSpPr txBox="1"/>
+          <p:nvPr/>
+        </p:nvSpPr>
+        <p:spPr>
+          <a:xfrm>
+            <a:off x="457200" y="457200"/>
+            <a:ext cx="13258800" cy="457200"/>
+          </a:xfrm>
+          <a:prstGeom prst="rect">
+            <a:avLst/>
+          </a:prstGeom>
+          <a:noFill/>
+        </p:spPr>
+        <p:txBody>
+          <a:bodyPr wrap="none">
+            <a:spAutoFit/>
+          </a:bodyPr>
+          <a:lstStyle/>
+          <a:p/>
+          <a:p>
+            <a:pPr algn="ctr">
+              <a:defRPr sz="2000"/>
+            </a:pPr>
+            <a:r>
+              <a:t>NANOX (2016-01-01)</a:t>
+            </a:r>
+          </a:p>
+        </p:txBody>
+      </p:sp>
+      <p:sp>
+        <p:nvSpPr>
+          <p:cNvPr id="3" name="TextBox 2"/>
+          <p:cNvSpPr txBox="1"/>
+          <p:nvPr/>
+        </p:nvSpPr>
+        <p:spPr>
+          <a:xfrm>
+            <a:off x="457200" y="1188720"/>
+            <a:ext cx="2743200" cy="4389120"/>
+          </a:xfrm>
+          <a:prstGeom prst="rect">
+            <a:avLst/>
+          </a:prstGeom>
+          <a:noFill/>
+          <a:ln w="12700">
+            <a:solidFill>
+              <a:srgbClr val="000000"/>
+            </a:solidFill>
+          </a:ln>
+        </p:spPr>
+        <p:txBody>
+          <a:bodyPr wrap="square">
+            <a:noAutofit/>
+          </a:bodyPr>
+          <a:lstStyle/>
+          <a:p>
+            <a:pPr>
+              <a:defRPr sz="1600" u="sng">
+                <a:solidFill>
+                  <a:srgbClr val="008000"/>
+                </a:solidFill>
+              </a:defRPr>
+            </a:pPr>
+            <a:r>
+              <a:t>Problem</a:t>
+            </a:r>
+          </a:p>
+          <a:p>
+            <a:pPr>
+              <a:defRPr sz="900"/>
+            </a:pPr>
+            <a:r>
+              <a:t>・High cost of X-ray equipment</a:t>
+            </a:r>
+          </a:p>
+          <a:p>
+            <a:pPr>
+              <a:defRPr sz="900"/>
+            </a:pPr>
+            <a:r>
+              <a:t>・Limited medical diagnosis in inaccessible areas</a:t>
+            </a:r>
+          </a:p>
+          <a:p>
+            <a:pPr>
+              <a:defRPr sz="900"/>
+            </a:pPr>
+            <a:r>
+              <a:t>・Waiting time for diagnostic results</a:t>
+            </a:r>
+          </a:p>
+        </p:txBody>
+      </p:sp>
+      <p:sp>
+        <p:nvSpPr>
+          <p:cNvPr id="4" name="TextBox 3"/>
+          <p:cNvSpPr txBox="1"/>
+          <p:nvPr/>
+        </p:nvSpPr>
+        <p:spPr>
+          <a:xfrm>
+            <a:off x="3200400" y="1188720"/>
+            <a:ext cx="2743200" cy="2194560"/>
+          </a:xfrm>
+          <a:prstGeom prst="rect">
+            <a:avLst/>
+          </a:prstGeom>
+          <a:noFill/>
+          <a:ln w="12700">
+            <a:solidFill>
+              <a:srgbClr val="000000"/>
+            </a:solidFill>
+          </a:ln>
+        </p:spPr>
+        <p:txBody>
+          <a:bodyPr wrap="square">
+            <a:noAutofit/>
+          </a:bodyPr>
+          <a:lstStyle/>
+          <a:p>
+            <a:pPr>
+              <a:defRPr sz="1600" u="sng">
+                <a:solidFill>
+                  <a:srgbClr val="008000"/>
+                </a:solidFill>
+              </a:defRPr>
+            </a:pPr>
+            <a:r>
+              <a:t>Solution</a:t>
+            </a:r>
+          </a:p>
+          <a:p>
+            <a:pPr>
+              <a:defRPr sz="900"/>
+            </a:pPr>
+            <a:r>
+              <a:t>・Low-cost, compact X-ray equipment (Nanox.ARC)</a:t>
+            </a:r>
+          </a:p>
+          <a:p>
+            <a:pPr>
+              <a:defRPr sz="900"/>
+            </a:pPr>
+            <a:r>
+              <a:t>・Cloud-based diagnostic network (Nanox.Cloud)</a:t>
+            </a:r>
+          </a:p>
+          <a:p>
+            <a:pPr>
+              <a:defRPr sz="900"/>
+            </a:pPr>
+            <a:r>
+              <a:t>・Immediate diagnostic support using AI</a:t>
+            </a:r>
+          </a:p>
+        </p:txBody>
+      </p:sp>
+      <p:sp>
+        <p:nvSpPr>
+          <p:cNvPr id="5" name="TextBox 4"/>
+          <p:cNvSpPr txBox="1"/>
+          <p:nvPr/>
+        </p:nvSpPr>
+        <p:spPr>
+          <a:xfrm>
+            <a:off x="3200400" y="3383280"/>
+            <a:ext cx="2743200" cy="2194560"/>
+          </a:xfrm>
+          <a:prstGeom prst="rect">
+            <a:avLst/>
+          </a:prstGeom>
+          <a:noFill/>
+          <a:ln w="12700">
+            <a:solidFill>
+              <a:srgbClr val="000000"/>
+            </a:solidFill>
+          </a:ln>
+        </p:spPr>
+        <p:txBody>
+          <a:bodyPr wrap="square">
+            <a:noAutofit/>
+          </a:bodyPr>
+          <a:lstStyle/>
+          <a:p>
+            <a:pPr>
+              <a:defRPr sz="1600" u="sng">
+                <a:solidFill>
+                  <a:srgbClr val="008000"/>
+                </a:solidFill>
+              </a:defRPr>
+            </a:pPr>
+            <a:r>
+              <a:t>Key Metrics</a:t>
+            </a:r>
+          </a:p>
+          <a:p>
+            <a:pPr>
+              <a:defRPr sz="900"/>
+            </a:pPr>
+            <a:r>
+              <a:t>・Number of Nanox.ARC shipments</a:t>
+            </a:r>
+          </a:p>
+          <a:p>
+            <a:pPr>
+              <a:defRPr sz="900"/>
+            </a:pPr>
+            <a:r>
+              <a:t>・Number of connections to Nanox.Cloud</a:t>
+            </a:r>
+          </a:p>
+          <a:p>
+            <a:pPr>
+              <a:defRPr sz="900"/>
+            </a:pPr>
+            <a:r>
+              <a:t>・Diagnostic processing volume by AI</a:t>
+            </a:r>
+          </a:p>
+        </p:txBody>
+      </p:sp>
+      <p:sp>
+        <p:nvSpPr>
+          <p:cNvPr id="6" name="TextBox 5"/>
+          <p:cNvSpPr txBox="1"/>
+          <p:nvPr/>
+        </p:nvSpPr>
+        <p:spPr>
+          <a:xfrm>
+            <a:off x="5943600" y="1188720"/>
+            <a:ext cx="2743200" cy="4389120"/>
+          </a:xfrm>
+          <a:prstGeom prst="rect">
+            <a:avLst/>
+          </a:prstGeom>
+          <a:noFill/>
+          <a:ln w="12700">
+            <a:solidFill>
+              <a:srgbClr val="000000"/>
+            </a:solidFill>
+          </a:ln>
+        </p:spPr>
+        <p:txBody>
+          <a:bodyPr wrap="square">
+            <a:noAutofit/>
+          </a:bodyPr>
+          <a:lstStyle/>
+          <a:p>
+            <a:pPr>
+              <a:defRPr sz="1600" u="sng">
+                <a:solidFill>
+                  <a:srgbClr val="008000"/>
+                </a:solidFill>
+              </a:defRPr>
+            </a:pPr>
+            <a:r>
+              <a:t>Unique Value Proposition</a:t>
+            </a:r>
+          </a:p>
+          <a:p>
+            <a:pPr>
+              <a:defRPr sz="900"/>
+            </a:pPr>
+            <a:r>
+              <a:t>・Provide low-cost, accessible x-ray diagnostic technology</a:t>
+            </a:r>
+          </a:p>
+        </p:txBody>
+      </p:sp>
+      <p:sp>
+        <p:nvSpPr>
+          <p:cNvPr id="7" name="TextBox 6"/>
+          <p:cNvSpPr txBox="1"/>
+          <p:nvPr/>
+        </p:nvSpPr>
+        <p:spPr>
+          <a:xfrm>
+            <a:off x="8686800" y="1188720"/>
+            <a:ext cx="2743200" cy="2194560"/>
+          </a:xfrm>
+          <a:prstGeom prst="rect">
+            <a:avLst/>
+          </a:prstGeom>
+          <a:noFill/>
+          <a:ln w="12700">
+            <a:solidFill>
+              <a:srgbClr val="000000"/>
+            </a:solidFill>
+          </a:ln>
+        </p:spPr>
+        <p:txBody>
+          <a:bodyPr wrap="square">
+            <a:noAutofit/>
+          </a:bodyPr>
+          <a:lstStyle/>
+          <a:p>
+            <a:pPr>
+              <a:defRPr sz="1600" u="sng">
+                <a:solidFill>
+                  <a:srgbClr val="008000"/>
+                </a:solidFill>
+              </a:defRPr>
+            </a:pPr>
+            <a:r>
+              <a:t>Unfair Advantage</a:t>
+            </a:r>
+          </a:p>
+          <a:p>
+            <a:pPr>
+              <a:defRPr sz="900"/>
+            </a:pPr>
+            <a:r>
+              <a:t>・Development of innovative low-cost X-ray systems</a:t>
+            </a:r>
+          </a:p>
+          <a:p>
+            <a:pPr>
+              <a:defRPr sz="900"/>
+            </a:pPr>
+            <a:r>
+              <a:t>・Integrated solution combining cloud-based diagnostic platform</a:t>
+            </a:r>
+          </a:p>
+        </p:txBody>
+      </p:sp>
+      <p:sp>
+        <p:nvSpPr>
+          <p:cNvPr id="8" name="TextBox 7"/>
+          <p:cNvSpPr txBox="1"/>
+          <p:nvPr/>
+        </p:nvSpPr>
+        <p:spPr>
+          <a:xfrm>
+            <a:off x="8686800" y="3383280"/>
+            <a:ext cx="2743200" cy="2194560"/>
+          </a:xfrm>
+          <a:prstGeom prst="rect">
+            <a:avLst/>
+          </a:prstGeom>
+          <a:noFill/>
+          <a:ln w="12700">
+            <a:solidFill>
+              <a:srgbClr val="000000"/>
+            </a:solidFill>
+          </a:ln>
+        </p:spPr>
+        <p:txBody>
+          <a:bodyPr wrap="square">
+            <a:noAutofit/>
+          </a:bodyPr>
+          <a:lstStyle/>
+          <a:p>
+            <a:pPr>
+              <a:defRPr sz="1600" u="sng">
+                <a:solidFill>
+                  <a:srgbClr val="008000"/>
+                </a:solidFill>
+              </a:defRPr>
+            </a:pPr>
+            <a:r>
+              <a:t>Channels</a:t>
+            </a:r>
+          </a:p>
+          <a:p>
+            <a:pPr>
+              <a:defRPr sz="900"/>
+            </a:pPr>
+            <a:r>
+              <a:t>・Direct sales to medical institutions</a:t>
+            </a:r>
+          </a:p>
+          <a:p>
+            <a:pPr>
+              <a:defRPr sz="900"/>
+            </a:pPr>
+            <a:r>
+              <a:t>・Medical events and conferences</a:t>
+            </a:r>
+          </a:p>
+          <a:p>
+            <a:pPr>
+              <a:defRPr sz="900"/>
+            </a:pPr>
+            <a:r>
+              <a:t>・Online (website, social media)</a:t>
+            </a:r>
+          </a:p>
+        </p:txBody>
+      </p:sp>
+      <p:sp>
+        <p:nvSpPr>
+          <p:cNvPr id="9" name="TextBox 8"/>
+          <p:cNvSpPr txBox="1"/>
+          <p:nvPr/>
+        </p:nvSpPr>
+        <p:spPr>
+          <a:xfrm>
+            <a:off x="11430000" y="1188720"/>
+            <a:ext cx="2743200" cy="4389120"/>
+          </a:xfrm>
+          <a:prstGeom prst="rect">
+            <a:avLst/>
+          </a:prstGeom>
+          <a:noFill/>
+          <a:ln w="12700">
+            <a:solidFill>
+              <a:srgbClr val="000000"/>
+            </a:solidFill>
+          </a:ln>
+        </p:spPr>
+        <p:txBody>
+          <a:bodyPr wrap="square">
+            <a:noAutofit/>
+          </a:bodyPr>
+          <a:lstStyle/>
+          <a:p>
+            <a:pPr>
+              <a:defRPr sz="1600" u="sng">
+                <a:solidFill>
+                  <a:srgbClr val="008000"/>
+                </a:solidFill>
+              </a:defRPr>
+            </a:pPr>
+            <a:r>
+              <a:t>Customer Segments</a:t>
+            </a:r>
+          </a:p>
+          <a:p>
+            <a:pPr>
+              <a:defRPr sz="900"/>
+            </a:pPr>
+            <a:r>
+              <a:t>・Medical institutions in developing countries</a:t>
+            </a:r>
+          </a:p>
+          <a:p>
+            <a:pPr>
+              <a:defRPr sz="900"/>
+            </a:pPr>
+            <a:r>
+              <a:t>・Local clinics and small hospitals</a:t>
+            </a:r>
+          </a:p>
+          <a:p>
+            <a:pPr>
+              <a:defRPr sz="900"/>
+            </a:pPr>
+            <a:r>
+              <a:t>・Large medical institutions and hospitals</a:t>
+            </a:r>
+          </a:p>
+        </p:txBody>
+      </p:sp>
+      <p:sp>
+        <p:nvSpPr>
+          <p:cNvPr id="10" name="TextBox 9"/>
+          <p:cNvSpPr txBox="1"/>
+          <p:nvPr/>
+        </p:nvSpPr>
+        <p:spPr>
+          <a:xfrm>
+            <a:off x="457200" y="5577840"/>
+            <a:ext cx="6858000" cy="2194560"/>
+          </a:xfrm>
+          <a:prstGeom prst="rect">
+            <a:avLst/>
+          </a:prstGeom>
+          <a:noFill/>
+          <a:ln w="12700">
+            <a:solidFill>
+              <a:srgbClr val="000000"/>
+            </a:solidFill>
+          </a:ln>
+        </p:spPr>
+        <p:txBody>
+          <a:bodyPr wrap="square">
+            <a:noAutofit/>
+          </a:bodyPr>
+          <a:lstStyle/>
+          <a:p>
+            <a:pPr>
+              <a:defRPr sz="1600" u="sng">
+                <a:solidFill>
+                  <a:srgbClr val="008000"/>
+                </a:solidFill>
+              </a:defRPr>
+            </a:pPr>
+            <a:r>
+              <a:t>Cost Structure</a:t>
+            </a:r>
+          </a:p>
+          <a:p>
+            <a:pPr>
+              <a:defRPr sz="900"/>
+            </a:pPr>
+            <a:r>
+              <a:t>・R&amp;D Expenses</a:t>
+            </a:r>
+          </a:p>
+          <a:p>
+            <a:pPr>
+              <a:defRPr sz="900"/>
+            </a:pPr>
+            <a:r>
+              <a:t>・production cost</a:t>
+            </a:r>
+          </a:p>
+          <a:p>
+            <a:pPr>
+              <a:defRPr sz="900"/>
+            </a:pPr>
+            <a:r>
+              <a:t>・Marketing and sales costs</a:t>
+            </a:r>
+          </a:p>
+        </p:txBody>
+      </p:sp>
+      <p:sp>
+        <p:nvSpPr>
+          <p:cNvPr id="11" name="TextBox 10"/>
+          <p:cNvSpPr txBox="1"/>
+          <p:nvPr/>
+        </p:nvSpPr>
+        <p:spPr>
+          <a:xfrm>
+            <a:off x="7315200" y="5577840"/>
+            <a:ext cx="6858000" cy="2194560"/>
+          </a:xfrm>
+          <a:prstGeom prst="rect">
+            <a:avLst/>
+          </a:prstGeom>
+          <a:noFill/>
+          <a:ln w="12700">
+            <a:solidFill>
+              <a:srgbClr val="000000"/>
+            </a:solidFill>
+          </a:ln>
+        </p:spPr>
+        <p:txBody>
+          <a:bodyPr wrap="square">
+            <a:noAutofit/>
+          </a:bodyPr>
+          <a:lstStyle/>
+          <a:p>
+            <a:pPr>
+              <a:defRPr sz="1600" u="sng">
+                <a:solidFill>
+                  <a:srgbClr val="008000"/>
+                </a:solidFill>
+              </a:defRPr>
+            </a:pPr>
+            <a:r>
+              <a:t>Revenue Streams</a:t>
+            </a:r>
+          </a:p>
+          <a:p>
+            <a:pPr>
+              <a:defRPr sz="900"/>
+            </a:pPr>
+            <a:r>
+              <a:t>・Nanox.ARC for sale</a:t>
+            </a:r>
+          </a:p>
+          <a:p>
+            <a:pPr>
+              <a:defRPr sz="900"/>
+            </a:pPr>
+            <a:r>
+              <a:t>・Nanox.Cloud service fees</a:t>
+            </a:r>
+          </a:p>
+          <a:p>
+            <a:pPr>
+              <a:defRPr sz="900"/>
+            </a:pPr>
+            <a:r>
+              <a:t>・Fees for AI Diagnostic Support</a:t>
+            </a:r>
+          </a:p>
+        </p:txBody>
+      </p:sp>
+    </p:spTree>
+  </p:cSld>
+  <p:clrMapOvr>
+    <a:masterClrMapping/>
+  </p:clrMapOvr>
+</p:sld>
+</file>
+
+<file path=ppt/slides/slide11.xml><?xml version="1.0" encoding="utf-8"?>
+<p:sld xmlns:a="http://schemas.openxmlformats.org/drawingml/2006/main" xmlns:p="http://schemas.openxmlformats.org/presentationml/2006/main" xmlns:r="http://schemas.openxmlformats.org/officeDocument/2006/relationships">
+  <p:cSld>
+    <p:spTree>
+      <p:nvGrpSpPr>
+        <p:cNvPr id="1" name=""/>
+        <p:cNvGrpSpPr/>
+        <p:nvPr/>
+      </p:nvGrpSpPr>
+      <p:grpSpPr/>
+      <p:sp>
+        <p:nvSpPr>
+          <p:cNvPr id="2" name="TextBox 1"/>
+          <p:cNvSpPr txBox="1"/>
+          <p:nvPr/>
+        </p:nvSpPr>
+        <p:spPr>
+          <a:xfrm>
+            <a:off x="457200" y="457200"/>
+            <a:ext cx="13258800" cy="457200"/>
+          </a:xfrm>
+          <a:prstGeom prst="rect">
+            <a:avLst/>
+          </a:prstGeom>
+          <a:noFill/>
+        </p:spPr>
+        <p:txBody>
+          <a:bodyPr wrap="none">
+            <a:spAutoFit/>
+          </a:bodyPr>
+          <a:lstStyle/>
+          <a:p/>
+          <a:p>
+            <a:pPr algn="ctr">
+              <a:defRPr sz="2000"/>
+            </a:pPr>
+            <a:r>
+              <a:t>Snowflake (2012-07-01)</a:t>
+            </a:r>
+          </a:p>
+        </p:txBody>
+      </p:sp>
+      <p:sp>
+        <p:nvSpPr>
+          <p:cNvPr id="3" name="TextBox 2"/>
+          <p:cNvSpPr txBox="1"/>
+          <p:nvPr/>
+        </p:nvSpPr>
+        <p:spPr>
+          <a:xfrm>
+            <a:off x="457200" y="1188720"/>
+            <a:ext cx="2743200" cy="4389120"/>
+          </a:xfrm>
+          <a:prstGeom prst="rect">
+            <a:avLst/>
+          </a:prstGeom>
+          <a:noFill/>
+          <a:ln w="12700">
+            <a:solidFill>
+              <a:srgbClr val="000000"/>
+            </a:solidFill>
+          </a:ln>
+        </p:spPr>
+        <p:txBody>
+          <a:bodyPr wrap="square">
+            <a:noAutofit/>
+          </a:bodyPr>
+          <a:lstStyle/>
+          <a:p>
+            <a:pPr>
+              <a:defRPr sz="1600" u="sng">
+                <a:solidFill>
+                  <a:srgbClr val="008000"/>
+                </a:solidFill>
+              </a:defRPr>
+            </a:pPr>
+            <a:r>
+              <a:t>Problem</a:t>
+            </a:r>
+          </a:p>
+          <a:p>
+            <a:pPr>
+              <a:defRPr sz="900"/>
+            </a:pPr>
+            <a:r>
+              <a:t>・Scaling issues with existing data warehouses</a:t>
+            </a:r>
+          </a:p>
+          <a:p>
+            <a:pPr>
+              <a:defRPr sz="900"/>
+            </a:pPr>
+            <a:r>
+              <a:t>・Data consistency and security issues</a:t>
+            </a:r>
+          </a:p>
+          <a:p>
+            <a:pPr>
+              <a:defRPr sz="900"/>
+            </a:pPr>
+            <a:r>
+              <a:t>・Slow data processing speed</a:t>
+            </a:r>
+          </a:p>
+        </p:txBody>
+      </p:sp>
+      <p:sp>
+        <p:nvSpPr>
+          <p:cNvPr id="4" name="TextBox 3"/>
+          <p:cNvSpPr txBox="1"/>
+          <p:nvPr/>
+        </p:nvSpPr>
+        <p:spPr>
+          <a:xfrm>
+            <a:off x="3200400" y="1188720"/>
+            <a:ext cx="2743200" cy="2194560"/>
+          </a:xfrm>
+          <a:prstGeom prst="rect">
+            <a:avLst/>
+          </a:prstGeom>
+          <a:noFill/>
+          <a:ln w="12700">
+            <a:solidFill>
+              <a:srgbClr val="000000"/>
+            </a:solidFill>
+          </a:ln>
+        </p:spPr>
+        <p:txBody>
+          <a:bodyPr wrap="square">
+            <a:noAutofit/>
+          </a:bodyPr>
+          <a:lstStyle/>
+          <a:p>
+            <a:pPr>
+              <a:defRPr sz="1600" u="sng">
+                <a:solidFill>
+                  <a:srgbClr val="008000"/>
+                </a:solidFill>
+              </a:defRPr>
+            </a:pPr>
+            <a:r>
+              <a:t>Solution</a:t>
+            </a:r>
+          </a:p>
+          <a:p>
+            <a:pPr>
+              <a:defRPr sz="900"/>
+            </a:pPr>
+            <a:r>
+              <a:t>・Cloud-native data warehousing</a:t>
+            </a:r>
+          </a:p>
+          <a:p>
+            <a:pPr>
+              <a:defRPr sz="900"/>
+            </a:pPr>
+            <a:r>
+              <a:t>・Scalable storage and computing resources on demand</a:t>
+            </a:r>
+          </a:p>
+          <a:p>
+            <a:pPr>
+              <a:defRPr sz="900"/>
+            </a:pPr>
+            <a:r>
+              <a:t>・Centralized data management and fast query processing</a:t>
+            </a:r>
+          </a:p>
+        </p:txBody>
+      </p:sp>
+      <p:sp>
+        <p:nvSpPr>
+          <p:cNvPr id="5" name="TextBox 4"/>
+          <p:cNvSpPr txBox="1"/>
+          <p:nvPr/>
+        </p:nvSpPr>
+        <p:spPr>
+          <a:xfrm>
+            <a:off x="3200400" y="3383280"/>
+            <a:ext cx="2743200" cy="2194560"/>
+          </a:xfrm>
+          <a:prstGeom prst="rect">
+            <a:avLst/>
+          </a:prstGeom>
+          <a:noFill/>
+          <a:ln w="12700">
+            <a:solidFill>
+              <a:srgbClr val="000000"/>
+            </a:solidFill>
+          </a:ln>
+        </p:spPr>
+        <p:txBody>
+          <a:bodyPr wrap="square">
+            <a:noAutofit/>
+          </a:bodyPr>
+          <a:lstStyle/>
+          <a:p>
+            <a:pPr>
+              <a:defRPr sz="1600" u="sng">
+                <a:solidFill>
+                  <a:srgbClr val="008000"/>
+                </a:solidFill>
+              </a:defRPr>
+            </a:pPr>
+            <a:r>
+              <a:t>Key Metrics</a:t>
+            </a:r>
+          </a:p>
+          <a:p>
+            <a:pPr>
+              <a:defRPr sz="900"/>
+            </a:pPr>
+            <a:r>
+              <a:t>・Number of active users</a:t>
+            </a:r>
+          </a:p>
+          <a:p>
+            <a:pPr>
+              <a:defRPr sz="900"/>
+            </a:pPr>
+            <a:r>
+              <a:t>・Amount of storage and computing resources used</a:t>
+            </a:r>
+          </a:p>
+          <a:p>
+            <a:pPr>
+              <a:defRPr sz="900"/>
+            </a:pPr>
+            <a:r>
+              <a:t>・Number of queries to the data warehouse</a:t>
+            </a:r>
+          </a:p>
+        </p:txBody>
+      </p:sp>
+      <p:sp>
+        <p:nvSpPr>
+          <p:cNvPr id="6" name="TextBox 5"/>
+          <p:cNvSpPr txBox="1"/>
+          <p:nvPr/>
+        </p:nvSpPr>
+        <p:spPr>
+          <a:xfrm>
+            <a:off x="5943600" y="1188720"/>
+            <a:ext cx="2743200" cy="4389120"/>
+          </a:xfrm>
+          <a:prstGeom prst="rect">
+            <a:avLst/>
+          </a:prstGeom>
+          <a:noFill/>
+          <a:ln w="12700">
+            <a:solidFill>
+              <a:srgbClr val="000000"/>
+            </a:solidFill>
+          </a:ln>
+        </p:spPr>
+        <p:txBody>
+          <a:bodyPr wrap="square">
+            <a:noAutofit/>
+          </a:bodyPr>
+          <a:lstStyle/>
+          <a:p>
+            <a:pPr>
+              <a:defRPr sz="1600" u="sng">
+                <a:solidFill>
+                  <a:srgbClr val="008000"/>
+                </a:solidFill>
+              </a:defRPr>
+            </a:pPr>
+            <a:r>
+              <a:t>Unique Value Proposition</a:t>
+            </a:r>
+          </a:p>
+          <a:p>
+            <a:pPr>
+              <a:defRPr sz="900"/>
+            </a:pPr>
+            <a:r>
+              <a:t>・Provide a fast and scalable data warehouse in the cloud</a:t>
+            </a:r>
+          </a:p>
+        </p:txBody>
+      </p:sp>
+      <p:sp>
+        <p:nvSpPr>
+          <p:cNvPr id="7" name="TextBox 6"/>
+          <p:cNvSpPr txBox="1"/>
+          <p:nvPr/>
+        </p:nvSpPr>
+        <p:spPr>
+          <a:xfrm>
+            <a:off x="8686800" y="1188720"/>
+            <a:ext cx="2743200" cy="2194560"/>
+          </a:xfrm>
+          <a:prstGeom prst="rect">
+            <a:avLst/>
+          </a:prstGeom>
+          <a:noFill/>
+          <a:ln w="12700">
+            <a:solidFill>
+              <a:srgbClr val="000000"/>
+            </a:solidFill>
+          </a:ln>
+        </p:spPr>
+        <p:txBody>
+          <a:bodyPr wrap="square">
+            <a:noAutofit/>
+          </a:bodyPr>
+          <a:lstStyle/>
+          <a:p>
+            <a:pPr>
+              <a:defRPr sz="1600" u="sng">
+                <a:solidFill>
+                  <a:srgbClr val="008000"/>
+                </a:solidFill>
+              </a:defRPr>
+            </a:pPr>
+            <a:r>
+              <a:t>Unfair Advantage</a:t>
+            </a:r>
+          </a:p>
+          <a:p>
+            <a:pPr>
+              <a:defRPr sz="900"/>
+            </a:pPr>
+            <a:r>
+              <a:t>・Cloud-native design for both data warehouse scaling and query performance</a:t>
+            </a:r>
+          </a:p>
+          <a:p>
+            <a:pPr>
+              <a:defRPr sz="900"/>
+            </a:pPr>
+            <a:r>
+              <a:t>・On-demand scaling and fee structure</a:t>
+            </a:r>
+          </a:p>
+        </p:txBody>
+      </p:sp>
+      <p:sp>
+        <p:nvSpPr>
+          <p:cNvPr id="8" name="TextBox 7"/>
+          <p:cNvSpPr txBox="1"/>
+          <p:nvPr/>
+        </p:nvSpPr>
+        <p:spPr>
+          <a:xfrm>
+            <a:off x="8686800" y="3383280"/>
+            <a:ext cx="2743200" cy="2194560"/>
+          </a:xfrm>
+          <a:prstGeom prst="rect">
+            <a:avLst/>
+          </a:prstGeom>
+          <a:noFill/>
+          <a:ln w="12700">
+            <a:solidFill>
+              <a:srgbClr val="000000"/>
+            </a:solidFill>
+          </a:ln>
+        </p:spPr>
+        <p:txBody>
+          <a:bodyPr wrap="square">
+            <a:noAutofit/>
+          </a:bodyPr>
+          <a:lstStyle/>
+          <a:p>
+            <a:pPr>
+              <a:defRPr sz="1600" u="sng">
+                <a:solidFill>
+                  <a:srgbClr val="008000"/>
+                </a:solidFill>
+              </a:defRPr>
+            </a:pPr>
+            <a:r>
+              <a:t>Channels</a:t>
+            </a:r>
+          </a:p>
+          <a:p>
+            <a:pPr>
+              <a:defRPr sz="900"/>
+            </a:pPr>
+            <a:r>
+              <a:t>・Website</a:t>
+            </a:r>
+          </a:p>
+          <a:p>
+            <a:pPr>
+              <a:defRPr sz="900"/>
+            </a:pPr>
+            <a:r>
+              <a:t>・cloud marketplace</a:t>
+            </a:r>
+          </a:p>
+          <a:p>
+            <a:pPr>
+              <a:defRPr sz="900"/>
+            </a:pPr>
+            <a:r>
+              <a:t>・Direct Sales and Partnerships</a:t>
+            </a:r>
+          </a:p>
+        </p:txBody>
+      </p:sp>
+      <p:sp>
+        <p:nvSpPr>
+          <p:cNvPr id="9" name="TextBox 8"/>
+          <p:cNvSpPr txBox="1"/>
+          <p:nvPr/>
+        </p:nvSpPr>
+        <p:spPr>
+          <a:xfrm>
+            <a:off x="11430000" y="1188720"/>
+            <a:ext cx="2743200" cy="4389120"/>
+          </a:xfrm>
+          <a:prstGeom prst="rect">
+            <a:avLst/>
+          </a:prstGeom>
+          <a:noFill/>
+          <a:ln w="12700">
+            <a:solidFill>
+              <a:srgbClr val="000000"/>
+            </a:solidFill>
+          </a:ln>
+        </p:spPr>
+        <p:txBody>
+          <a:bodyPr wrap="square">
+            <a:noAutofit/>
+          </a:bodyPr>
+          <a:lstStyle/>
+          <a:p>
+            <a:pPr>
+              <a:defRPr sz="1600" u="sng">
+                <a:solidFill>
+                  <a:srgbClr val="008000"/>
+                </a:solidFill>
+              </a:defRPr>
+            </a:pPr>
+            <a:r>
+              <a:t>Customer Segments</a:t>
+            </a:r>
+          </a:p>
+          <a:p>
+            <a:pPr>
+              <a:defRPr sz="900"/>
+            </a:pPr>
+            <a:r>
+              <a:t>・enterprise</a:t>
+            </a:r>
+          </a:p>
+          <a:p>
+            <a:pPr>
+              <a:defRPr sz="900"/>
+            </a:pPr>
+            <a:r>
+              <a:t>・Tech Startups</a:t>
+            </a:r>
+          </a:p>
+          <a:p>
+            <a:pPr>
+              <a:defRPr sz="900"/>
+            </a:pPr>
+            <a:r>
+              <a:t>・Various industries requiring data analysis</a:t>
+            </a:r>
+          </a:p>
+        </p:txBody>
+      </p:sp>
+      <p:sp>
+        <p:nvSpPr>
+          <p:cNvPr id="10" name="TextBox 9"/>
+          <p:cNvSpPr txBox="1"/>
+          <p:nvPr/>
+        </p:nvSpPr>
+        <p:spPr>
+          <a:xfrm>
+            <a:off x="457200" y="5577840"/>
+            <a:ext cx="6858000" cy="2194560"/>
+          </a:xfrm>
+          <a:prstGeom prst="rect">
+            <a:avLst/>
+          </a:prstGeom>
+          <a:noFill/>
+          <a:ln w="12700">
+            <a:solidFill>
+              <a:srgbClr val="000000"/>
+            </a:solidFill>
+          </a:ln>
+        </p:spPr>
+        <p:txBody>
+          <a:bodyPr wrap="square">
+            <a:noAutofit/>
+          </a:bodyPr>
+          <a:lstStyle/>
+          <a:p>
+            <a:pPr>
+              <a:defRPr sz="1600" u="sng">
+                <a:solidFill>
+                  <a:srgbClr val="008000"/>
+                </a:solidFill>
+              </a:defRPr>
+            </a:pPr>
+            <a:r>
+              <a:t>Cost Structure</a:t>
+            </a:r>
+          </a:p>
+          <a:p>
+            <a:pPr>
+              <a:defRPr sz="900"/>
+            </a:pPr>
+            <a:r>
+              <a:t>・Platform development and maintenance</a:t>
+            </a:r>
+          </a:p>
+          <a:p>
+            <a:pPr>
+              <a:defRPr sz="900"/>
+            </a:pPr>
+            <a:r>
+              <a:t>・Cost of using cloud services</a:t>
+            </a:r>
+          </a:p>
+          <a:p>
+            <a:pPr>
+              <a:defRPr sz="900"/>
+            </a:pPr>
+            <a:r>
+              <a:t>・Marketing and sales costs</a:t>
+            </a:r>
+          </a:p>
+        </p:txBody>
+      </p:sp>
+      <p:sp>
+        <p:nvSpPr>
+          <p:cNvPr id="11" name="TextBox 10"/>
+          <p:cNvSpPr txBox="1"/>
+          <p:nvPr/>
+        </p:nvSpPr>
+        <p:spPr>
+          <a:xfrm>
+            <a:off x="7315200" y="5577840"/>
+            <a:ext cx="6858000" cy="2194560"/>
+          </a:xfrm>
+          <a:prstGeom prst="rect">
+            <a:avLst/>
+          </a:prstGeom>
+          <a:noFill/>
+          <a:ln w="12700">
+            <a:solidFill>
+              <a:srgbClr val="000000"/>
+            </a:solidFill>
+          </a:ln>
+        </p:spPr>
+        <p:txBody>
+          <a:bodyPr wrap="square">
+            <a:noAutofit/>
+          </a:bodyPr>
+          <a:lstStyle/>
+          <a:p>
+            <a:pPr>
+              <a:defRPr sz="1600" u="sng">
+                <a:solidFill>
+                  <a:srgbClr val="008000"/>
+                </a:solidFill>
+              </a:defRPr>
+            </a:pPr>
+            <a:r>
+              <a:t>Revenue Streams</a:t>
+            </a:r>
+          </a:p>
+          <a:p>
+            <a:pPr>
+              <a:defRPr sz="900"/>
+            </a:pPr>
+            <a:r>
+              <a:t>・Billing based on usage volume</a:t>
+            </a:r>
+          </a:p>
+          <a:p>
+            <a:pPr>
+              <a:defRPr sz="900"/>
+            </a:pPr>
+            <a:r>
+              <a:t>・Rate plans for long-term use</a:t>
+            </a:r>
+          </a:p>
+          <a:p>
+            <a:pPr>
+              <a:defRPr sz="900"/>
+            </a:pPr>
+            <a:r>
+              <a:t>・Cost of data migration and consulting services</a:t>
+            </a:r>
+          </a:p>
+        </p:txBody>
+      </p:sp>
+    </p:spTree>
+  </p:cSld>
+  <p:clrMapOvr>
+    <a:masterClrMapping/>
+  </p:clrMapOvr>
+</p:sld>
+</file>
+
+<file path=ppt/slides/slide12.xml><?xml version="1.0" encoding="utf-8"?>
+<p:sld xmlns:a="http://schemas.openxmlformats.org/drawingml/2006/main" xmlns:p="http://schemas.openxmlformats.org/presentationml/2006/main" xmlns:r="http://schemas.openxmlformats.org/officeDocument/2006/relationships">
+  <p:cSld>
+    <p:spTree>
+      <p:nvGrpSpPr>
+        <p:cNvPr id="1" name=""/>
+        <p:cNvGrpSpPr/>
+        <p:nvPr/>
+      </p:nvGrpSpPr>
+      <p:grpSpPr/>
+      <p:sp>
+        <p:nvSpPr>
+          <p:cNvPr id="2" name="TextBox 1"/>
+          <p:cNvSpPr txBox="1"/>
+          <p:nvPr/>
+        </p:nvSpPr>
+        <p:spPr>
+          <a:xfrm>
+            <a:off x="457200" y="457200"/>
+            <a:ext cx="13258800" cy="457200"/>
+          </a:xfrm>
+          <a:prstGeom prst="rect">
+            <a:avLst/>
+          </a:prstGeom>
+          <a:noFill/>
+        </p:spPr>
+        <p:txBody>
+          <a:bodyPr wrap="none">
+            <a:spAutoFit/>
+          </a:bodyPr>
+          <a:lstStyle/>
+          <a:p/>
+          <a:p>
+            <a:pPr algn="ctr">
+              <a:defRPr sz="2000"/>
+            </a:pPr>
+            <a:r>
+              <a:t>C3.AI (2009-01-01)</a:t>
+            </a:r>
+          </a:p>
+        </p:txBody>
+      </p:sp>
+      <p:sp>
+        <p:nvSpPr>
+          <p:cNvPr id="3" name="TextBox 2"/>
+          <p:cNvSpPr txBox="1"/>
+          <p:nvPr/>
+        </p:nvSpPr>
+        <p:spPr>
+          <a:xfrm>
+            <a:off x="457200" y="1188720"/>
+            <a:ext cx="2743200" cy="4389120"/>
+          </a:xfrm>
+          <a:prstGeom prst="rect">
+            <a:avLst/>
+          </a:prstGeom>
+          <a:noFill/>
+          <a:ln w="12700">
+            <a:solidFill>
+              <a:srgbClr val="000000"/>
+            </a:solidFill>
+          </a:ln>
+        </p:spPr>
+        <p:txBody>
+          <a:bodyPr wrap="square">
+            <a:noAutofit/>
+          </a:bodyPr>
+          <a:lstStyle/>
+          <a:p>
+            <a:pPr>
+              <a:defRPr sz="1600" u="sng">
+                <a:solidFill>
+                  <a:srgbClr val="008000"/>
+                </a:solidFill>
+              </a:defRPr>
+            </a:pPr>
+            <a:r>
+              <a:t>Problem</a:t>
+            </a:r>
+          </a:p>
+          <a:p>
+            <a:pPr>
+              <a:defRPr sz="900"/>
+            </a:pPr>
+            <a:r>
+              <a:t>・Difficult to utilize AI and big data</a:t>
+            </a:r>
+          </a:p>
+          <a:p>
+            <a:pPr>
+              <a:defRPr sz="900"/>
+            </a:pPr>
+            <a:r>
+              <a:t>・Difficult to integrate with existing enterprise systems</a:t>
+            </a:r>
+          </a:p>
+          <a:p>
+            <a:pPr>
+              <a:defRPr sz="900"/>
+            </a:pPr>
+            <a:r>
+              <a:t>・Lack of scalable AI solutions</a:t>
+            </a:r>
+          </a:p>
+        </p:txBody>
+      </p:sp>
+      <p:sp>
+        <p:nvSpPr>
+          <p:cNvPr id="4" name="TextBox 3"/>
+          <p:cNvSpPr txBox="1"/>
+          <p:nvPr/>
+        </p:nvSpPr>
+        <p:spPr>
+          <a:xfrm>
+            <a:off x="3200400" y="1188720"/>
+            <a:ext cx="2743200" cy="2194560"/>
+          </a:xfrm>
+          <a:prstGeom prst="rect">
+            <a:avLst/>
+          </a:prstGeom>
+          <a:noFill/>
+          <a:ln w="12700">
+            <a:solidFill>
+              <a:srgbClr val="000000"/>
+            </a:solidFill>
+          </a:ln>
+        </p:spPr>
+        <p:txBody>
+          <a:bodyPr wrap="square">
+            <a:noAutofit/>
+          </a:bodyPr>
+          <a:lstStyle/>
+          <a:p>
+            <a:pPr>
+              <a:defRPr sz="1600" u="sng">
+                <a:solidFill>
+                  <a:srgbClr val="008000"/>
+                </a:solidFill>
+              </a:defRPr>
+            </a:pPr>
+            <a:r>
+              <a:t>Solution</a:t>
+            </a:r>
+          </a:p>
+          <a:p>
+            <a:pPr>
+              <a:defRPr sz="900"/>
+            </a:pPr>
+            <a:r>
+              <a:t>・Integrated platform for AI and Big Data</a:t>
+            </a:r>
+          </a:p>
+          <a:p>
+            <a:pPr>
+              <a:defRPr sz="900"/>
+            </a:pPr>
+            <a:r>
+              <a:t>・Easy integration with enterprise systems</a:t>
+            </a:r>
+          </a:p>
+          <a:p>
+            <a:pPr>
+              <a:defRPr sz="900"/>
+            </a:pPr>
+            <a:r>
+              <a:t>・Highly scalable AI applications</a:t>
+            </a:r>
+          </a:p>
+        </p:txBody>
+      </p:sp>
+      <p:sp>
+        <p:nvSpPr>
+          <p:cNvPr id="5" name="TextBox 4"/>
+          <p:cNvSpPr txBox="1"/>
+          <p:nvPr/>
+        </p:nvSpPr>
+        <p:spPr>
+          <a:xfrm>
+            <a:off x="3200400" y="3383280"/>
+            <a:ext cx="2743200" cy="2194560"/>
+          </a:xfrm>
+          <a:prstGeom prst="rect">
+            <a:avLst/>
+          </a:prstGeom>
+          <a:noFill/>
+          <a:ln w="12700">
+            <a:solidFill>
+              <a:srgbClr val="000000"/>
+            </a:solidFill>
+          </a:ln>
+        </p:spPr>
+        <p:txBody>
+          <a:bodyPr wrap="square">
+            <a:noAutofit/>
+          </a:bodyPr>
+          <a:lstStyle/>
+          <a:p>
+            <a:pPr>
+              <a:defRPr sz="1600" u="sng">
+                <a:solidFill>
+                  <a:srgbClr val="008000"/>
+                </a:solidFill>
+              </a:defRPr>
+            </a:pPr>
+            <a:r>
+              <a:t>Key Metrics</a:t>
+            </a:r>
+          </a:p>
+          <a:p>
+            <a:pPr>
+              <a:defRPr sz="900"/>
+            </a:pPr>
+            <a:r>
+              <a:t>・Number of AI applications running on the platform</a:t>
+            </a:r>
+          </a:p>
+          <a:p>
+            <a:pPr>
+              <a:defRPr sz="900"/>
+            </a:pPr>
+            <a:r>
+              <a:t>・data processing volume</a:t>
+            </a:r>
+          </a:p>
+          <a:p>
+            <a:pPr>
+              <a:defRPr sz="900"/>
+            </a:pPr>
+            <a:r>
+              <a:t>・Customer satisfaction and repeat business</a:t>
+            </a:r>
+          </a:p>
+        </p:txBody>
+      </p:sp>
+      <p:sp>
+        <p:nvSpPr>
+          <p:cNvPr id="6" name="TextBox 5"/>
+          <p:cNvSpPr txBox="1"/>
+          <p:nvPr/>
+        </p:nvSpPr>
+        <p:spPr>
+          <a:xfrm>
+            <a:off x="5943600" y="1188720"/>
+            <a:ext cx="2743200" cy="4389120"/>
+          </a:xfrm>
+          <a:prstGeom prst="rect">
+            <a:avLst/>
+          </a:prstGeom>
+          <a:noFill/>
+          <a:ln w="12700">
+            <a:solidFill>
+              <a:srgbClr val="000000"/>
+            </a:solidFill>
+          </a:ln>
+        </p:spPr>
+        <p:txBody>
+          <a:bodyPr wrap="square">
+            <a:noAutofit/>
+          </a:bodyPr>
+          <a:lstStyle/>
+          <a:p>
+            <a:pPr>
+              <a:defRPr sz="1600" u="sng">
+                <a:solidFill>
+                  <a:srgbClr val="008000"/>
+                </a:solidFill>
+              </a:defRPr>
+            </a:pPr>
+            <a:r>
+              <a:t>Unique Value Proposition</a:t>
+            </a:r>
+          </a:p>
+          <a:p>
+            <a:pPr>
+              <a:defRPr sz="900"/>
+            </a:pPr>
+            <a:r>
+              <a:t>・AI-enabled business transformation platform</a:t>
+            </a:r>
+          </a:p>
+        </p:txBody>
+      </p:sp>
+      <p:sp>
+        <p:nvSpPr>
+          <p:cNvPr id="7" name="TextBox 6"/>
+          <p:cNvSpPr txBox="1"/>
+          <p:nvPr/>
+        </p:nvSpPr>
+        <p:spPr>
+          <a:xfrm>
+            <a:off x="8686800" y="1188720"/>
+            <a:ext cx="2743200" cy="2194560"/>
+          </a:xfrm>
+          <a:prstGeom prst="rect">
+            <a:avLst/>
+          </a:prstGeom>
+          <a:noFill/>
+          <a:ln w="12700">
+            <a:solidFill>
+              <a:srgbClr val="000000"/>
+            </a:solidFill>
+          </a:ln>
+        </p:spPr>
+        <p:txBody>
+          <a:bodyPr wrap="square">
+            <a:noAutofit/>
+          </a:bodyPr>
+          <a:lstStyle/>
+          <a:p>
+            <a:pPr>
+              <a:defRPr sz="1600" u="sng">
+                <a:solidFill>
+                  <a:srgbClr val="008000"/>
+                </a:solidFill>
+              </a:defRPr>
+            </a:pPr>
+            <a:r>
+              <a:t>Unfair Advantage</a:t>
+            </a:r>
+          </a:p>
+          <a:p>
+            <a:pPr>
+              <a:defRPr sz="900"/>
+            </a:pPr>
+            <a:r>
+              <a:t>・Provide consistent AI solutions</a:t>
+            </a:r>
+          </a:p>
+          <a:p>
+            <a:pPr>
+              <a:defRPr sz="900"/>
+            </a:pPr>
+            <a:r>
+              <a:t>・High level of integration capability with existing systems</a:t>
+            </a:r>
+          </a:p>
+        </p:txBody>
+      </p:sp>
+      <p:sp>
+        <p:nvSpPr>
+          <p:cNvPr id="8" name="TextBox 7"/>
+          <p:cNvSpPr txBox="1"/>
+          <p:nvPr/>
+        </p:nvSpPr>
+        <p:spPr>
+          <a:xfrm>
+            <a:off x="8686800" y="3383280"/>
+            <a:ext cx="2743200" cy="2194560"/>
+          </a:xfrm>
+          <a:prstGeom prst="rect">
+            <a:avLst/>
+          </a:prstGeom>
+          <a:noFill/>
+          <a:ln w="12700">
+            <a:solidFill>
+              <a:srgbClr val="000000"/>
+            </a:solidFill>
+          </a:ln>
+        </p:spPr>
+        <p:txBody>
+          <a:bodyPr wrap="square">
+            <a:noAutofit/>
+          </a:bodyPr>
+          <a:lstStyle/>
+          <a:p>
+            <a:pPr>
+              <a:defRPr sz="1600" u="sng">
+                <a:solidFill>
+                  <a:srgbClr val="008000"/>
+                </a:solidFill>
+              </a:defRPr>
+            </a:pPr>
+            <a:r>
+              <a:t>Channels</a:t>
+            </a:r>
+          </a:p>
+          <a:p>
+            <a:pPr>
+              <a:defRPr sz="900"/>
+            </a:pPr>
+            <a:r>
+              <a:t>・Website</a:t>
+            </a:r>
+          </a:p>
+          <a:p>
+            <a:pPr>
+              <a:defRPr sz="900"/>
+            </a:pPr>
+            <a:r>
+              <a:t>・direct sales</a:t>
+            </a:r>
+          </a:p>
+          <a:p>
+            <a:pPr>
+              <a:defRPr sz="900"/>
+            </a:pPr>
+            <a:r>
+              <a:t>・partnership</a:t>
+            </a:r>
+          </a:p>
+        </p:txBody>
+      </p:sp>
+      <p:sp>
+        <p:nvSpPr>
+          <p:cNvPr id="9" name="TextBox 8"/>
+          <p:cNvSpPr txBox="1"/>
+          <p:nvPr/>
+        </p:nvSpPr>
+        <p:spPr>
+          <a:xfrm>
+            <a:off x="11430000" y="1188720"/>
+            <a:ext cx="2743200" cy="4389120"/>
+          </a:xfrm>
+          <a:prstGeom prst="rect">
+            <a:avLst/>
+          </a:prstGeom>
+          <a:noFill/>
+          <a:ln w="12700">
+            <a:solidFill>
+              <a:srgbClr val="000000"/>
+            </a:solidFill>
+          </a:ln>
+        </p:spPr>
+        <p:txBody>
+          <a:bodyPr wrap="square">
+            <a:noAutofit/>
+          </a:bodyPr>
+          <a:lstStyle/>
+          <a:p>
+            <a:pPr>
+              <a:defRPr sz="1600" u="sng">
+                <a:solidFill>
+                  <a:srgbClr val="008000"/>
+                </a:solidFill>
+              </a:defRPr>
+            </a:pPr>
+            <a:r>
+              <a:t>Customer Segments</a:t>
+            </a:r>
+          </a:p>
+          <a:p>
+            <a:pPr>
+              <a:defRPr sz="900"/>
+            </a:pPr>
+            <a:r>
+              <a:t>・enterprise</a:t>
+            </a:r>
+          </a:p>
+          <a:p>
+            <a:pPr>
+              <a:defRPr sz="900"/>
+            </a:pPr>
+            <a:r>
+              <a:t>・Enterprise Software Developer</a:t>
+            </a:r>
+          </a:p>
+        </p:txBody>
+      </p:sp>
+      <p:sp>
+        <p:nvSpPr>
+          <p:cNvPr id="10" name="TextBox 9"/>
+          <p:cNvSpPr txBox="1"/>
+          <p:nvPr/>
+        </p:nvSpPr>
+        <p:spPr>
+          <a:xfrm>
+            <a:off x="457200" y="5577840"/>
+            <a:ext cx="6858000" cy="2194560"/>
+          </a:xfrm>
+          <a:prstGeom prst="rect">
+            <a:avLst/>
+          </a:prstGeom>
+          <a:noFill/>
+          <a:ln w="12700">
+            <a:solidFill>
+              <a:srgbClr val="000000"/>
+            </a:solidFill>
+          </a:ln>
+        </p:spPr>
+        <p:txBody>
+          <a:bodyPr wrap="square">
+            <a:noAutofit/>
+          </a:bodyPr>
+          <a:lstStyle/>
+          <a:p>
+            <a:pPr>
+              <a:defRPr sz="1600" u="sng">
+                <a:solidFill>
+                  <a:srgbClr val="008000"/>
+                </a:solidFill>
+              </a:defRPr>
+            </a:pPr>
+            <a:r>
+              <a:t>Cost Structure</a:t>
+            </a:r>
+          </a:p>
+          <a:p>
+            <a:pPr>
+              <a:defRPr sz="900"/>
+            </a:pPr>
+            <a:r>
+              <a:t>・Platform development and maintenance</a:t>
+            </a:r>
+          </a:p>
+          <a:p>
+            <a:pPr>
+              <a:defRPr sz="900"/>
+            </a:pPr>
+            <a:r>
+              <a:t>・Sales and marketing costs</a:t>
+            </a:r>
+          </a:p>
+          <a:p>
+            <a:pPr>
+              <a:defRPr sz="900"/>
+            </a:pPr>
+            <a:r>
+              <a:t>・Customer support and training costs</a:t>
+            </a:r>
+          </a:p>
+        </p:txBody>
+      </p:sp>
+      <p:sp>
+        <p:nvSpPr>
+          <p:cNvPr id="11" name="TextBox 10"/>
+          <p:cNvSpPr txBox="1"/>
+          <p:nvPr/>
+        </p:nvSpPr>
+        <p:spPr>
+          <a:xfrm>
+            <a:off x="7315200" y="5577840"/>
+            <a:ext cx="6858000" cy="2194560"/>
+          </a:xfrm>
+          <a:prstGeom prst="rect">
+            <a:avLst/>
+          </a:prstGeom>
+          <a:noFill/>
+          <a:ln w="12700">
+            <a:solidFill>
+              <a:srgbClr val="000000"/>
+            </a:solidFill>
+          </a:ln>
+        </p:spPr>
+        <p:txBody>
+          <a:bodyPr wrap="square">
+            <a:noAutofit/>
+          </a:bodyPr>
+          <a:lstStyle/>
+          <a:p>
+            <a:pPr>
+              <a:defRPr sz="1600" u="sng">
+                <a:solidFill>
+                  <a:srgbClr val="008000"/>
+                </a:solidFill>
+              </a:defRPr>
+            </a:pPr>
+            <a:r>
+              <a:t>Revenue Streams</a:t>
+            </a:r>
+          </a:p>
+          <a:p>
+            <a:pPr>
+              <a:defRPr sz="900"/>
+            </a:pPr>
+            <a:r>
+              <a:t>・Platform usage fees</a:t>
+            </a:r>
+          </a:p>
+          <a:p>
+            <a:pPr>
+              <a:defRPr sz="900"/>
+            </a:pPr>
+            <a:r>
+              <a:t>・Consulting fees for providing solutions</a:t>
+            </a:r>
+          </a:p>
+          <a:p>
+            <a:pPr>
+              <a:defRPr sz="900"/>
+            </a:pPr>
+            <a:r>
+              <a:t>・Customization and development support costs</a:t>
+            </a:r>
+          </a:p>
+        </p:txBody>
+      </p:sp>
+    </p:spTree>
+  </p:cSld>
+  <p:clrMapOvr>
+    <a:masterClrMapping/>
+  </p:clrMapOvr>
+</p:sld>
+</file>
+
+<file path=ppt/slides/slide13.xml><?xml version="1.0" encoding="utf-8"?>
+<p:sld xmlns:a="http://schemas.openxmlformats.org/drawingml/2006/main" xmlns:p="http://schemas.openxmlformats.org/presentationml/2006/main" xmlns:r="http://schemas.openxmlformats.org/officeDocument/2006/relationships">
+  <p:cSld>
+    <p:spTree>
+      <p:nvGrpSpPr>
+        <p:cNvPr id="1" name=""/>
+        <p:cNvGrpSpPr/>
+        <p:nvPr/>
+      </p:nvGrpSpPr>
+      <p:grpSpPr/>
+      <p:sp>
+        <p:nvSpPr>
+          <p:cNvPr id="2" name="TextBox 1"/>
+          <p:cNvSpPr txBox="1"/>
+          <p:nvPr/>
+        </p:nvSpPr>
+        <p:spPr>
+          <a:xfrm>
+            <a:off x="457200" y="457200"/>
+            <a:ext cx="13258800" cy="457200"/>
+          </a:xfrm>
+          <a:prstGeom prst="rect">
+            <a:avLst/>
+          </a:prstGeom>
+          <a:noFill/>
+        </p:spPr>
+        <p:txBody>
+          <a:bodyPr wrap="none">
+            <a:spAutoFit/>
+          </a:bodyPr>
+          <a:lstStyle/>
+          <a:p/>
+          <a:p>
+            <a:pPr algn="ctr">
+              <a:defRPr sz="2000"/>
+            </a:pPr>
+            <a:r>
+              <a:t>Unity (2004-08-02)</a:t>
+            </a:r>
+          </a:p>
+        </p:txBody>
+      </p:sp>
+      <p:sp>
+        <p:nvSpPr>
+          <p:cNvPr id="3" name="TextBox 2"/>
+          <p:cNvSpPr txBox="1"/>
+          <p:nvPr/>
+        </p:nvSpPr>
+        <p:spPr>
+          <a:xfrm>
+            <a:off x="457200" y="1188720"/>
+            <a:ext cx="2743200" cy="4389120"/>
+          </a:xfrm>
+          <a:prstGeom prst="rect">
+            <a:avLst/>
+          </a:prstGeom>
+          <a:noFill/>
+          <a:ln w="12700">
+            <a:solidFill>
+              <a:srgbClr val="000000"/>
+            </a:solidFill>
+          </a:ln>
+        </p:spPr>
+        <p:txBody>
+          <a:bodyPr wrap="square">
+            <a:noAutofit/>
+          </a:bodyPr>
+          <a:lstStyle/>
+          <a:p>
+            <a:pPr>
+              <a:defRPr sz="1600" u="sng">
+                <a:solidFill>
+                  <a:srgbClr val="008000"/>
+                </a:solidFill>
+              </a:defRPr>
+            </a:pPr>
+            <a:r>
+              <a:t>Problem</a:t>
+            </a:r>
+          </a:p>
+          <a:p>
+            <a:pPr>
+              <a:defRPr sz="900"/>
+            </a:pPr>
+            <a:r>
+              <a:t>・Advanced game development skills and resource requirements</a:t>
+            </a:r>
+          </a:p>
+          <a:p>
+            <a:pPr>
+              <a:defRPr sz="900"/>
+            </a:pPr>
+            <a:r>
+              <a:t>・Difficult to port to multiple platforms</a:t>
+            </a:r>
+          </a:p>
+        </p:txBody>
+      </p:sp>
+      <p:sp>
+        <p:nvSpPr>
+          <p:cNvPr id="4" name="TextBox 3"/>
+          <p:cNvSpPr txBox="1"/>
+          <p:nvPr/>
+        </p:nvSpPr>
+        <p:spPr>
+          <a:xfrm>
+            <a:off x="3200400" y="1188720"/>
+            <a:ext cx="2743200" cy="2194560"/>
+          </a:xfrm>
+          <a:prstGeom prst="rect">
+            <a:avLst/>
+          </a:prstGeom>
+          <a:noFill/>
+          <a:ln w="12700">
+            <a:solidFill>
+              <a:srgbClr val="000000"/>
+            </a:solidFill>
+          </a:ln>
+        </p:spPr>
+        <p:txBody>
+          <a:bodyPr wrap="square">
+            <a:noAutofit/>
+          </a:bodyPr>
+          <a:lstStyle/>
+          <a:p>
+            <a:pPr>
+              <a:defRPr sz="1600" u="sng">
+                <a:solidFill>
+                  <a:srgbClr val="008000"/>
+                </a:solidFill>
+              </a:defRPr>
+            </a:pPr>
+            <a:r>
+              <a:t>Solution</a:t>
+            </a:r>
+          </a:p>
+          <a:p>
+            <a:pPr>
+              <a:defRPr sz="900"/>
+            </a:pPr>
+            <a:r>
+              <a:t>・Providing an integrated development environment that simplifies game development</a:t>
+            </a:r>
+          </a:p>
+          <a:p>
+            <a:pPr>
+              <a:defRPr sz="900"/>
+            </a:pPr>
+            <a:r>
+              <a:t>・One-click, multi-platform support</a:t>
+            </a:r>
+          </a:p>
+        </p:txBody>
+      </p:sp>
+      <p:sp>
+        <p:nvSpPr>
+          <p:cNvPr id="5" name="TextBox 4"/>
+          <p:cNvSpPr txBox="1"/>
+          <p:nvPr/>
+        </p:nvSpPr>
+        <p:spPr>
+          <a:xfrm>
+            <a:off x="3200400" y="3383280"/>
+            <a:ext cx="2743200" cy="2194560"/>
+          </a:xfrm>
+          <a:prstGeom prst="rect">
+            <a:avLst/>
+          </a:prstGeom>
+          <a:noFill/>
+          <a:ln w="12700">
+            <a:solidFill>
+              <a:srgbClr val="000000"/>
+            </a:solidFill>
+          </a:ln>
+        </p:spPr>
+        <p:txBody>
+          <a:bodyPr wrap="square">
+            <a:noAutofit/>
+          </a:bodyPr>
+          <a:lstStyle/>
+          <a:p>
+            <a:pPr>
+              <a:defRPr sz="1600" u="sng">
+                <a:solidFill>
+                  <a:srgbClr val="008000"/>
+                </a:solidFill>
+              </a:defRPr>
+            </a:pPr>
+            <a:r>
+              <a:t>Key Metrics</a:t>
+            </a:r>
+          </a:p>
+          <a:p>
+            <a:pPr>
+              <a:defRPr sz="900"/>
+            </a:pPr>
+            <a:r>
+              <a:t>・Number of users</a:t>
+            </a:r>
+          </a:p>
+          <a:p>
+            <a:pPr>
+              <a:defRPr sz="900"/>
+            </a:pPr>
+            <a:r>
+              <a:t>・Number of games developed</a:t>
+            </a:r>
+          </a:p>
+          <a:p>
+            <a:pPr>
+              <a:defRPr sz="900"/>
+            </a:pPr>
+            <a:r>
+              <a:t>・Use of time</a:t>
+            </a:r>
+          </a:p>
+        </p:txBody>
+      </p:sp>
+      <p:sp>
+        <p:nvSpPr>
+          <p:cNvPr id="6" name="TextBox 5"/>
+          <p:cNvSpPr txBox="1"/>
+          <p:nvPr/>
+        </p:nvSpPr>
+        <p:spPr>
+          <a:xfrm>
+            <a:off x="5943600" y="1188720"/>
+            <a:ext cx="2743200" cy="4389120"/>
+          </a:xfrm>
+          <a:prstGeom prst="rect">
+            <a:avLst/>
+          </a:prstGeom>
+          <a:noFill/>
+          <a:ln w="12700">
+            <a:solidFill>
+              <a:srgbClr val="000000"/>
+            </a:solidFill>
+          </a:ln>
+        </p:spPr>
+        <p:txBody>
+          <a:bodyPr wrap="square">
+            <a:noAutofit/>
+          </a:bodyPr>
+          <a:lstStyle/>
+          <a:p>
+            <a:pPr>
+              <a:defRPr sz="1600" u="sng">
+                <a:solidFill>
+                  <a:srgbClr val="008000"/>
+                </a:solidFill>
+              </a:defRPr>
+            </a:pPr>
+            <a:r>
+              <a:t>Unique Value Proposition</a:t>
+            </a:r>
+          </a:p>
+          <a:p>
+            <a:pPr>
+              <a:defRPr sz="900"/>
+            </a:pPr>
+            <a:r>
+              <a:t>・Game Development Made Easy for Everyone</a:t>
+            </a:r>
+          </a:p>
+        </p:txBody>
+      </p:sp>
+      <p:sp>
+        <p:nvSpPr>
+          <p:cNvPr id="7" name="TextBox 6"/>
+          <p:cNvSpPr txBox="1"/>
+          <p:nvPr/>
+        </p:nvSpPr>
+        <p:spPr>
+          <a:xfrm>
+            <a:off x="8686800" y="1188720"/>
+            <a:ext cx="2743200" cy="2194560"/>
+          </a:xfrm>
+          <a:prstGeom prst="rect">
+            <a:avLst/>
+          </a:prstGeom>
+          <a:noFill/>
+          <a:ln w="12700">
+            <a:solidFill>
+              <a:srgbClr val="000000"/>
+            </a:solidFill>
+          </a:ln>
+        </p:spPr>
+        <p:txBody>
+          <a:bodyPr wrap="square">
+            <a:noAutofit/>
+          </a:bodyPr>
+          <a:lstStyle/>
+          <a:p>
+            <a:pPr>
+              <a:defRPr sz="1600" u="sng">
+                <a:solidFill>
+                  <a:srgbClr val="008000"/>
+                </a:solidFill>
+              </a:defRPr>
+            </a:pPr>
+            <a:r>
+              <a:t>Unfair Advantage</a:t>
+            </a:r>
+          </a:p>
+          <a:p>
+            <a:pPr>
+              <a:defRPr sz="900"/>
+            </a:pPr>
+            <a:r>
+              <a:t>・User-friendly interface for beginners and professionals alike</a:t>
+            </a:r>
+          </a:p>
+          <a:p>
+            <a:pPr>
+              <a:defRPr sz="900"/>
+            </a:pPr>
+            <a:r>
+              <a:t>・Extensive platform support</a:t>
+            </a:r>
+          </a:p>
+        </p:txBody>
+      </p:sp>
+      <p:sp>
+        <p:nvSpPr>
+          <p:cNvPr id="8" name="TextBox 7"/>
+          <p:cNvSpPr txBox="1"/>
+          <p:nvPr/>
+        </p:nvSpPr>
+        <p:spPr>
+          <a:xfrm>
+            <a:off x="8686800" y="3383280"/>
+            <a:ext cx="2743200" cy="2194560"/>
+          </a:xfrm>
+          <a:prstGeom prst="rect">
+            <a:avLst/>
+          </a:prstGeom>
+          <a:noFill/>
+          <a:ln w="12700">
+            <a:solidFill>
+              <a:srgbClr val="000000"/>
+            </a:solidFill>
+          </a:ln>
+        </p:spPr>
+        <p:txBody>
+          <a:bodyPr wrap="square">
+            <a:noAutofit/>
+          </a:bodyPr>
+          <a:lstStyle/>
+          <a:p>
+            <a:pPr>
+              <a:defRPr sz="1600" u="sng">
+                <a:solidFill>
+                  <a:srgbClr val="008000"/>
+                </a:solidFill>
+              </a:defRPr>
+            </a:pPr>
+            <a:r>
+              <a:t>Channels</a:t>
+            </a:r>
+          </a:p>
+          <a:p>
+            <a:pPr>
+              <a:defRPr sz="900"/>
+            </a:pPr>
+            <a:r>
+              <a:t>・Website</a:t>
+            </a:r>
+          </a:p>
+          <a:p>
+            <a:pPr>
+              <a:defRPr sz="900"/>
+            </a:pPr>
+            <a:r>
+              <a:t>・Partnerships with Educational Institutions</a:t>
+            </a:r>
+          </a:p>
+        </p:txBody>
+      </p:sp>
+      <p:sp>
+        <p:nvSpPr>
+          <p:cNvPr id="9" name="TextBox 8"/>
+          <p:cNvSpPr txBox="1"/>
+          <p:nvPr/>
+        </p:nvSpPr>
+        <p:spPr>
+          <a:xfrm>
+            <a:off x="11430000" y="1188720"/>
+            <a:ext cx="2743200" cy="4389120"/>
+          </a:xfrm>
+          <a:prstGeom prst="rect">
+            <a:avLst/>
+          </a:prstGeom>
+          <a:noFill/>
+          <a:ln w="12700">
+            <a:solidFill>
+              <a:srgbClr val="000000"/>
+            </a:solidFill>
+          </a:ln>
+        </p:spPr>
+        <p:txBody>
+          <a:bodyPr wrap="square">
+            <a:noAutofit/>
+          </a:bodyPr>
+          <a:lstStyle/>
+          <a:p>
+            <a:pPr>
+              <a:defRPr sz="1600" u="sng">
+                <a:solidFill>
+                  <a:srgbClr val="008000"/>
+                </a:solidFill>
+              </a:defRPr>
+            </a:pPr>
+            <a:r>
+              <a:t>Customer Segments</a:t>
+            </a:r>
+          </a:p>
+          <a:p>
+            <a:pPr>
+              <a:defRPr sz="900"/>
+            </a:pPr>
+            <a:r>
+              <a:t>・game developer</a:t>
+            </a:r>
+          </a:p>
+          <a:p>
+            <a:pPr>
+              <a:defRPr sz="900"/>
+            </a:pPr>
+            <a:r>
+              <a:t>・educational institution</a:t>
+            </a:r>
+          </a:p>
+        </p:txBody>
+      </p:sp>
+      <p:sp>
+        <p:nvSpPr>
+          <p:cNvPr id="10" name="TextBox 9"/>
+          <p:cNvSpPr txBox="1"/>
+          <p:nvPr/>
+        </p:nvSpPr>
+        <p:spPr>
+          <a:xfrm>
+            <a:off x="457200" y="5577840"/>
+            <a:ext cx="6858000" cy="2194560"/>
+          </a:xfrm>
+          <a:prstGeom prst="rect">
+            <a:avLst/>
+          </a:prstGeom>
+          <a:noFill/>
+          <a:ln w="12700">
+            <a:solidFill>
+              <a:srgbClr val="000000"/>
+            </a:solidFill>
+          </a:ln>
+        </p:spPr>
+        <p:txBody>
+          <a:bodyPr wrap="square">
+            <a:noAutofit/>
+          </a:bodyPr>
+          <a:lstStyle/>
+          <a:p>
+            <a:pPr>
+              <a:defRPr sz="1600" u="sng">
+                <a:solidFill>
+                  <a:srgbClr val="008000"/>
+                </a:solidFill>
+              </a:defRPr>
+            </a:pPr>
+            <a:r>
+              <a:t>Cost Structure</a:t>
+            </a:r>
+          </a:p>
+          <a:p>
+            <a:pPr>
+              <a:defRPr sz="900"/>
+            </a:pPr>
+            <a:r>
+              <a:t>・Development and maintenance costs</a:t>
+            </a:r>
+          </a:p>
+          <a:p>
+            <a:pPr>
+              <a:defRPr sz="900"/>
+            </a:pPr>
+            <a:r>
+              <a:t>・marketing cost</a:t>
+            </a:r>
+          </a:p>
+        </p:txBody>
+      </p:sp>
+      <p:sp>
+        <p:nvSpPr>
+          <p:cNvPr id="11" name="TextBox 10"/>
+          <p:cNvSpPr txBox="1"/>
+          <p:nvPr/>
+        </p:nvSpPr>
+        <p:spPr>
+          <a:xfrm>
+            <a:off x="7315200" y="5577840"/>
+            <a:ext cx="6858000" cy="2194560"/>
+          </a:xfrm>
+          <a:prstGeom prst="rect">
+            <a:avLst/>
+          </a:prstGeom>
+          <a:noFill/>
+          <a:ln w="12700">
+            <a:solidFill>
+              <a:srgbClr val="000000"/>
+            </a:solidFill>
+          </a:ln>
+        </p:spPr>
+        <p:txBody>
+          <a:bodyPr wrap="square">
+            <a:noAutofit/>
+          </a:bodyPr>
+          <a:lstStyle/>
+          <a:p>
+            <a:pPr>
+              <a:defRPr sz="1600" u="sng">
+                <a:solidFill>
+                  <a:srgbClr val="008000"/>
+                </a:solidFill>
+              </a:defRPr>
+            </a:pPr>
+            <a:r>
+              <a:t>Revenue Streams</a:t>
+            </a:r>
+          </a:p>
+          <a:p>
+            <a:pPr>
+              <a:defRPr sz="900"/>
+            </a:pPr>
+            <a:r>
+              <a:t>・Professional version licenses for sale</a:t>
+            </a:r>
+          </a:p>
+          <a:p>
+            <a:pPr>
+              <a:defRPr sz="900"/>
+            </a:pPr>
+            <a:r>
+              <a:t>・Subscription fees for services</a:t>
+            </a:r>
+          </a:p>
+          <a:p>
+            <a:pPr>
+              <a:defRPr sz="900"/>
+            </a:pPr>
+            <a:r>
+              <a:t>・Revenue from Unity Asset Store</a:t>
+            </a:r>
+          </a:p>
+        </p:txBody>
+      </p:sp>
+    </p:spTree>
+  </p:cSld>
+  <p:clrMapOvr>
+    <a:masterClrMapping/>
+  </p:clrMapOvr>
+</p:sld>
+</file>
+
+<file path=ppt/slides/slide14.xml><?xml version="1.0" encoding="utf-8"?>
+<p:sld xmlns:a="http://schemas.openxmlformats.org/drawingml/2006/main" xmlns:p="http://schemas.openxmlformats.org/presentationml/2006/main" xmlns:r="http://schemas.openxmlformats.org/officeDocument/2006/relationships">
+  <p:cSld>
+    <p:spTree>
+      <p:nvGrpSpPr>
+        <p:cNvPr id="1" name=""/>
+        <p:cNvGrpSpPr/>
+        <p:nvPr/>
+      </p:nvGrpSpPr>
+      <p:grpSpPr/>
+      <p:sp>
+        <p:nvSpPr>
+          <p:cNvPr id="2" name="TextBox 1"/>
+          <p:cNvSpPr txBox="1"/>
+          <p:nvPr/>
+        </p:nvSpPr>
+        <p:spPr>
+          <a:xfrm>
+            <a:off x="457200" y="457200"/>
+            <a:ext cx="13258800" cy="457200"/>
+          </a:xfrm>
+          <a:prstGeom prst="rect">
+            <a:avLst/>
+          </a:prstGeom>
+          <a:noFill/>
+        </p:spPr>
+        <p:txBody>
+          <a:bodyPr wrap="none">
+            <a:spAutoFit/>
+          </a:bodyPr>
+          <a:lstStyle/>
+          <a:p/>
+          <a:p>
+            <a:pPr algn="ctr">
+              <a:defRPr sz="2000"/>
+            </a:pPr>
+            <a:r>
+              <a:t>Roblox (2006-09-01)</a:t>
+            </a:r>
+          </a:p>
+        </p:txBody>
+      </p:sp>
+      <p:sp>
+        <p:nvSpPr>
+          <p:cNvPr id="3" name="TextBox 2"/>
+          <p:cNvSpPr txBox="1"/>
+          <p:nvPr/>
+        </p:nvSpPr>
+        <p:spPr>
+          <a:xfrm>
+            <a:off x="457200" y="1188720"/>
+            <a:ext cx="2743200" cy="4389120"/>
+          </a:xfrm>
+          <a:prstGeom prst="rect">
+            <a:avLst/>
+          </a:prstGeom>
+          <a:noFill/>
+          <a:ln w="12700">
+            <a:solidFill>
+              <a:srgbClr val="000000"/>
+            </a:solidFill>
+          </a:ln>
+        </p:spPr>
+        <p:txBody>
+          <a:bodyPr wrap="square">
+            <a:noAutofit/>
+          </a:bodyPr>
+          <a:lstStyle/>
+          <a:p>
+            <a:pPr>
+              <a:defRPr sz="1600" u="sng">
+                <a:solidFill>
+                  <a:srgbClr val="008000"/>
+                </a:solidFill>
+              </a:defRPr>
+            </a:pPr>
+            <a:r>
+              <a:t>Problem</a:t>
+            </a:r>
+          </a:p>
+          <a:p>
+            <a:pPr>
+              <a:defRPr sz="900"/>
+            </a:pPr>
+            <a:r>
+              <a:t>・Lack of a platform to give shape to one's ideas</a:t>
+            </a:r>
+          </a:p>
+          <a:p>
+            <a:pPr>
+              <a:defRPr sz="900"/>
+            </a:pPr>
+            <a:r>
+              <a:t>・Lack of safe online gaming environment for children</a:t>
+            </a:r>
+          </a:p>
+        </p:txBody>
+      </p:sp>
+      <p:sp>
+        <p:nvSpPr>
+          <p:cNvPr id="4" name="TextBox 3"/>
+          <p:cNvSpPr txBox="1"/>
+          <p:nvPr/>
+        </p:nvSpPr>
+        <p:spPr>
+          <a:xfrm>
+            <a:off x="3200400" y="1188720"/>
+            <a:ext cx="2743200" cy="2194560"/>
+          </a:xfrm>
+          <a:prstGeom prst="rect">
+            <a:avLst/>
+          </a:prstGeom>
+          <a:noFill/>
+          <a:ln w="12700">
+            <a:solidFill>
+              <a:srgbClr val="000000"/>
+            </a:solidFill>
+          </a:ln>
+        </p:spPr>
+        <p:txBody>
+          <a:bodyPr wrap="square">
+            <a:noAutofit/>
+          </a:bodyPr>
+          <a:lstStyle/>
+          <a:p>
+            <a:pPr>
+              <a:defRPr sz="1600" u="sng">
+                <a:solidFill>
+                  <a:srgbClr val="008000"/>
+                </a:solidFill>
+              </a:defRPr>
+            </a:pPr>
+            <a:r>
+              <a:t>Solution</a:t>
+            </a:r>
+          </a:p>
+          <a:p>
+            <a:pPr>
+              <a:defRPr sz="900"/>
+            </a:pPr>
+            <a:r>
+              <a:t>・Platform for users to create and share their own games</a:t>
+            </a:r>
+          </a:p>
+          <a:p>
+            <a:pPr>
+              <a:defRPr sz="900"/>
+            </a:pPr>
+            <a:r>
+              <a:t>・Safe environment with strong norms and moderation system</a:t>
+            </a:r>
+          </a:p>
+        </p:txBody>
+      </p:sp>
+      <p:sp>
+        <p:nvSpPr>
+          <p:cNvPr id="5" name="TextBox 4"/>
+          <p:cNvSpPr txBox="1"/>
+          <p:nvPr/>
+        </p:nvSpPr>
+        <p:spPr>
+          <a:xfrm>
+            <a:off x="3200400" y="3383280"/>
+            <a:ext cx="2743200" cy="2194560"/>
+          </a:xfrm>
+          <a:prstGeom prst="rect">
+            <a:avLst/>
+          </a:prstGeom>
+          <a:noFill/>
+          <a:ln w="12700">
+            <a:solidFill>
+              <a:srgbClr val="000000"/>
+            </a:solidFill>
+          </a:ln>
+        </p:spPr>
+        <p:txBody>
+          <a:bodyPr wrap="square">
+            <a:noAutofit/>
+          </a:bodyPr>
+          <a:lstStyle/>
+          <a:p>
+            <a:pPr>
+              <a:defRPr sz="1600" u="sng">
+                <a:solidFill>
+                  <a:srgbClr val="008000"/>
+                </a:solidFill>
+              </a:defRPr>
+            </a:pPr>
+            <a:r>
+              <a:t>Key Metrics</a:t>
+            </a:r>
+          </a:p>
+          <a:p>
+            <a:pPr>
+              <a:defRPr sz="900"/>
+            </a:pPr>
+            <a:r>
+              <a:t>・Number of registered users</a:t>
+            </a:r>
+          </a:p>
+          <a:p>
+            <a:pPr>
+              <a:defRPr sz="900"/>
+            </a:pPr>
+            <a:r>
+              <a:t>・Number of games created</a:t>
+            </a:r>
+          </a:p>
+          <a:p>
+            <a:pPr>
+              <a:defRPr sz="900"/>
+            </a:pPr>
+            <a:r>
+              <a:t>・Average utilization time</a:t>
+            </a:r>
+          </a:p>
+        </p:txBody>
+      </p:sp>
+      <p:sp>
+        <p:nvSpPr>
+          <p:cNvPr id="6" name="TextBox 5"/>
+          <p:cNvSpPr txBox="1"/>
+          <p:nvPr/>
+        </p:nvSpPr>
+        <p:spPr>
+          <a:xfrm>
+            <a:off x="5943600" y="1188720"/>
+            <a:ext cx="2743200" cy="4389120"/>
+          </a:xfrm>
+          <a:prstGeom prst="rect">
+            <a:avLst/>
+          </a:prstGeom>
+          <a:noFill/>
+          <a:ln w="12700">
+            <a:solidFill>
+              <a:srgbClr val="000000"/>
+            </a:solidFill>
+          </a:ln>
+        </p:spPr>
+        <p:txBody>
+          <a:bodyPr wrap="square">
+            <a:noAutofit/>
+          </a:bodyPr>
+          <a:lstStyle/>
+          <a:p>
+            <a:pPr>
+              <a:defRPr sz="1600" u="sng">
+                <a:solidFill>
+                  <a:srgbClr val="008000"/>
+                </a:solidFill>
+              </a:defRPr>
+            </a:pPr>
+            <a:r>
+              <a:t>Unique Value Proposition</a:t>
+            </a:r>
+          </a:p>
+          <a:p>
+            <a:pPr>
+              <a:defRPr sz="900"/>
+            </a:pPr>
+            <a:r>
+              <a:t>・Experience creating your own games and sharing them with others</a:t>
+            </a:r>
+          </a:p>
+        </p:txBody>
+      </p:sp>
+      <p:sp>
+        <p:nvSpPr>
+          <p:cNvPr id="7" name="TextBox 6"/>
+          <p:cNvSpPr txBox="1"/>
+          <p:nvPr/>
+        </p:nvSpPr>
+        <p:spPr>
+          <a:xfrm>
+            <a:off x="8686800" y="1188720"/>
+            <a:ext cx="2743200" cy="2194560"/>
+          </a:xfrm>
+          <a:prstGeom prst="rect">
+            <a:avLst/>
+          </a:prstGeom>
+          <a:noFill/>
+          <a:ln w="12700">
+            <a:solidFill>
+              <a:srgbClr val="000000"/>
+            </a:solidFill>
+          </a:ln>
+        </p:spPr>
+        <p:txBody>
+          <a:bodyPr wrap="square">
+            <a:noAutofit/>
+          </a:bodyPr>
+          <a:lstStyle/>
+          <a:p>
+            <a:pPr>
+              <a:defRPr sz="1600" u="sng">
+                <a:solidFill>
+                  <a:srgbClr val="008000"/>
+                </a:solidFill>
+              </a:defRPr>
+            </a:pPr>
+            <a:r>
+              <a:t>Unfair Advantage</a:t>
+            </a:r>
+          </a:p>
+          <a:p>
+            <a:pPr>
+              <a:defRPr sz="900"/>
+            </a:pPr>
+            <a:r>
+              <a:t>・Unique user-generated content and social bodies</a:t>
+            </a:r>
+          </a:p>
+          <a:p>
+            <a:pPr>
+              <a:defRPr sz="900"/>
+            </a:pPr>
+            <a:r>
+              <a:t>・High brand recognition and safety for children</a:t>
+            </a:r>
+          </a:p>
+        </p:txBody>
+      </p:sp>
+      <p:sp>
+        <p:nvSpPr>
+          <p:cNvPr id="8" name="TextBox 7"/>
+          <p:cNvSpPr txBox="1"/>
+          <p:nvPr/>
+        </p:nvSpPr>
+        <p:spPr>
+          <a:xfrm>
+            <a:off x="8686800" y="3383280"/>
+            <a:ext cx="2743200" cy="2194560"/>
+          </a:xfrm>
+          <a:prstGeom prst="rect">
+            <a:avLst/>
+          </a:prstGeom>
+          <a:noFill/>
+          <a:ln w="12700">
+            <a:solidFill>
+              <a:srgbClr val="000000"/>
+            </a:solidFill>
+          </a:ln>
+        </p:spPr>
+        <p:txBody>
+          <a:bodyPr wrap="square">
+            <a:noAutofit/>
+          </a:bodyPr>
+          <a:lstStyle/>
+          <a:p>
+            <a:pPr>
+              <a:defRPr sz="1600" u="sng">
+                <a:solidFill>
+                  <a:srgbClr val="008000"/>
+                </a:solidFill>
+              </a:defRPr>
+            </a:pPr>
+            <a:r>
+              <a:t>Channels</a:t>
+            </a:r>
+          </a:p>
+          <a:p>
+            <a:pPr>
+              <a:defRPr sz="900"/>
+            </a:pPr>
+            <a:r>
+              <a:t>・Website</a:t>
+            </a:r>
+          </a:p>
+          <a:p>
+            <a:pPr>
+              <a:defRPr sz="900"/>
+            </a:pPr>
+            <a:r>
+              <a:t>・Mobile Apps</a:t>
+            </a:r>
+          </a:p>
+        </p:txBody>
+      </p:sp>
+      <p:sp>
+        <p:nvSpPr>
+          <p:cNvPr id="9" name="TextBox 8"/>
+          <p:cNvSpPr txBox="1"/>
+          <p:nvPr/>
+        </p:nvSpPr>
+        <p:spPr>
+          <a:xfrm>
+            <a:off x="11430000" y="1188720"/>
+            <a:ext cx="2743200" cy="4389120"/>
+          </a:xfrm>
+          <a:prstGeom prst="rect">
+            <a:avLst/>
+          </a:prstGeom>
+          <a:noFill/>
+          <a:ln w="12700">
+            <a:solidFill>
+              <a:srgbClr val="000000"/>
+            </a:solidFill>
+          </a:ln>
+        </p:spPr>
+        <p:txBody>
+          <a:bodyPr wrap="square">
+            <a:noAutofit/>
+          </a:bodyPr>
+          <a:lstStyle/>
+          <a:p>
+            <a:pPr>
+              <a:defRPr sz="1600" u="sng">
+                <a:solidFill>
+                  <a:srgbClr val="008000"/>
+                </a:solidFill>
+              </a:defRPr>
+            </a:pPr>
+            <a:r>
+              <a:t>Customer Segments</a:t>
+            </a:r>
+          </a:p>
+          <a:p>
+            <a:pPr>
+              <a:defRPr sz="900"/>
+            </a:pPr>
+            <a:r>
+              <a:t>・Children and Youth</a:t>
+            </a:r>
+          </a:p>
+          <a:p>
+            <a:pPr>
+              <a:defRPr sz="900"/>
+            </a:pPr>
+            <a:r>
+              <a:t>・People who want to learn game development</a:t>
+            </a:r>
+          </a:p>
+        </p:txBody>
+      </p:sp>
+      <p:sp>
+        <p:nvSpPr>
+          <p:cNvPr id="10" name="TextBox 9"/>
+          <p:cNvSpPr txBox="1"/>
+          <p:nvPr/>
+        </p:nvSpPr>
+        <p:spPr>
+          <a:xfrm>
+            <a:off x="457200" y="5577840"/>
+            <a:ext cx="6858000" cy="2194560"/>
+          </a:xfrm>
+          <a:prstGeom prst="rect">
+            <a:avLst/>
+          </a:prstGeom>
+          <a:noFill/>
+          <a:ln w="12700">
+            <a:solidFill>
+              <a:srgbClr val="000000"/>
+            </a:solidFill>
+          </a:ln>
+        </p:spPr>
+        <p:txBody>
+          <a:bodyPr wrap="square">
+            <a:noAutofit/>
+          </a:bodyPr>
+          <a:lstStyle/>
+          <a:p>
+            <a:pPr>
+              <a:defRPr sz="1600" u="sng">
+                <a:solidFill>
+                  <a:srgbClr val="008000"/>
+                </a:solidFill>
+              </a:defRPr>
+            </a:pPr>
+            <a:r>
+              <a:t>Cost Structure</a:t>
+            </a:r>
+          </a:p>
+          <a:p>
+            <a:pPr>
+              <a:defRPr sz="900"/>
+            </a:pPr>
+            <a:r>
+              <a:t>・Platform development and maintenance</a:t>
+            </a:r>
+          </a:p>
+          <a:p>
+            <a:pPr>
+              <a:defRPr sz="900"/>
+            </a:pPr>
+            <a:r>
+              <a:t>・Moderation and norm reinforcement</a:t>
+            </a:r>
+          </a:p>
+          <a:p>
+            <a:pPr>
+              <a:defRPr sz="900"/>
+            </a:pPr>
+            <a:r>
+              <a:t>・marketing cost</a:t>
+            </a:r>
+          </a:p>
+        </p:txBody>
+      </p:sp>
+      <p:sp>
+        <p:nvSpPr>
+          <p:cNvPr id="11" name="TextBox 10"/>
+          <p:cNvSpPr txBox="1"/>
+          <p:nvPr/>
+        </p:nvSpPr>
+        <p:spPr>
+          <a:xfrm>
+            <a:off x="7315200" y="5577840"/>
+            <a:ext cx="6858000" cy="2194560"/>
+          </a:xfrm>
+          <a:prstGeom prst="rect">
+            <a:avLst/>
+          </a:prstGeom>
+          <a:noFill/>
+          <a:ln w="12700">
+            <a:solidFill>
+              <a:srgbClr val="000000"/>
+            </a:solidFill>
+          </a:ln>
+        </p:spPr>
+        <p:txBody>
+          <a:bodyPr wrap="square">
+            <a:noAutofit/>
+          </a:bodyPr>
+          <a:lstStyle/>
+          <a:p>
+            <a:pPr>
+              <a:defRPr sz="1600" u="sng">
+                <a:solidFill>
+                  <a:srgbClr val="008000"/>
+                </a:solidFill>
+              </a:defRPr>
+            </a:pPr>
+            <a:r>
+              <a:t>Revenue Streams</a:t>
+            </a:r>
+          </a:p>
+          <a:p>
+            <a:pPr>
+              <a:defRPr sz="900"/>
+            </a:pPr>
+            <a:r>
+              <a:t>・Sale of virtual currency "Robux</a:t>
+            </a:r>
+          </a:p>
+          <a:p>
+            <a:pPr>
+              <a:defRPr sz="900"/>
+            </a:pPr>
+            <a:r>
+              <a:t>・Subscription Fees</a:t>
+            </a:r>
+          </a:p>
+          <a:p>
+            <a:pPr>
+              <a:defRPr sz="900"/>
+            </a:pPr>
+            <a:r>
+              <a:t>・Advertising Revenue</a:t>
+            </a:r>
+          </a:p>
+        </p:txBody>
+      </p:sp>
+    </p:spTree>
+  </p:cSld>
+  <p:clrMapOvr>
+    <a:masterClrMapping/>
+  </p:clrMapOvr>
+</p:sld>
+</file>
+
+<file path=ppt/slides/slide15.xml><?xml version="1.0" encoding="utf-8"?>
+<p:sld xmlns:a="http://schemas.openxmlformats.org/drawingml/2006/main" xmlns:p="http://schemas.openxmlformats.org/presentationml/2006/main" xmlns:r="http://schemas.openxmlformats.org/officeDocument/2006/relationships">
+  <p:cSld>
+    <p:spTree>
+      <p:nvGrpSpPr>
+        <p:cNvPr id="1" name=""/>
+        <p:cNvGrpSpPr/>
+        <p:nvPr/>
+      </p:nvGrpSpPr>
+      <p:grpSpPr/>
+      <p:sp>
+        <p:nvSpPr>
+          <p:cNvPr id="2" name="TextBox 1"/>
+          <p:cNvSpPr txBox="1"/>
+          <p:nvPr/>
+        </p:nvSpPr>
+        <p:spPr>
+          <a:xfrm>
+            <a:off x="457200" y="457200"/>
+            <a:ext cx="13258800" cy="457200"/>
+          </a:xfrm>
+          <a:prstGeom prst="rect">
+            <a:avLst/>
+          </a:prstGeom>
+          <a:noFill/>
+        </p:spPr>
+        <p:txBody>
+          <a:bodyPr wrap="none">
+            <a:spAutoFit/>
+          </a:bodyPr>
+          <a:lstStyle/>
+          <a:p/>
+          <a:p>
+            <a:pPr algn="ctr">
+              <a:defRPr sz="2000"/>
+            </a:pPr>
+            <a:r>
+              <a:t>Tesla (2003-07-01)</a:t>
+            </a:r>
+          </a:p>
+        </p:txBody>
+      </p:sp>
+      <p:sp>
+        <p:nvSpPr>
+          <p:cNvPr id="3" name="TextBox 2"/>
+          <p:cNvSpPr txBox="1"/>
+          <p:nvPr/>
+        </p:nvSpPr>
+        <p:spPr>
+          <a:xfrm>
+            <a:off x="457200" y="1188720"/>
+            <a:ext cx="2743200" cy="4389120"/>
+          </a:xfrm>
+          <a:prstGeom prst="rect">
+            <a:avLst/>
+          </a:prstGeom>
+          <a:noFill/>
+          <a:ln w="12700">
+            <a:solidFill>
+              <a:srgbClr val="000000"/>
+            </a:solidFill>
+          </a:ln>
+        </p:spPr>
+        <p:txBody>
+          <a:bodyPr wrap="square">
+            <a:noAutofit/>
+          </a:bodyPr>
+          <a:lstStyle/>
+          <a:p>
+            <a:pPr>
+              <a:defRPr sz="1600" u="sng">
+                <a:solidFill>
+                  <a:srgbClr val="008000"/>
+                </a:solidFill>
+              </a:defRPr>
+            </a:pPr>
+            <a:r>
+              <a:t>Problem</a:t>
+            </a:r>
+          </a:p>
+          <a:p>
+            <a:pPr>
+              <a:defRPr sz="900"/>
+            </a:pPr>
+            <a:r>
+              <a:t>・Highly oil-dependent vehicle industry</a:t>
+            </a:r>
+          </a:p>
+          <a:p>
+            <a:pPr>
+              <a:defRPr sz="900"/>
+            </a:pPr>
+            <a:r>
+              <a:t>・Negative environmental impact</a:t>
+            </a:r>
+          </a:p>
+        </p:txBody>
+      </p:sp>
+      <p:sp>
+        <p:nvSpPr>
+          <p:cNvPr id="4" name="TextBox 3"/>
+          <p:cNvSpPr txBox="1"/>
+          <p:nvPr/>
+        </p:nvSpPr>
+        <p:spPr>
+          <a:xfrm>
+            <a:off x="3200400" y="1188720"/>
+            <a:ext cx="2743200" cy="2194560"/>
+          </a:xfrm>
+          <a:prstGeom prst="rect">
+            <a:avLst/>
+          </a:prstGeom>
+          <a:noFill/>
+          <a:ln w="12700">
+            <a:solidFill>
+              <a:srgbClr val="000000"/>
+            </a:solidFill>
+          </a:ln>
+        </p:spPr>
+        <p:txBody>
+          <a:bodyPr wrap="square">
+            <a:noAutofit/>
+          </a:bodyPr>
+          <a:lstStyle/>
+          <a:p>
+            <a:pPr>
+              <a:defRPr sz="1600" u="sng">
+                <a:solidFill>
+                  <a:srgbClr val="008000"/>
+                </a:solidFill>
+              </a:defRPr>
+            </a:pPr>
+            <a:r>
+              <a:t>Solution</a:t>
+            </a:r>
+          </a:p>
+          <a:p>
+            <a:pPr>
+              <a:defRPr sz="900"/>
+            </a:pPr>
+            <a:r>
+              <a:t>・Manufacture of high-performance, environmentally friendly electric vehicles</a:t>
+            </a:r>
+          </a:p>
+          <a:p>
+            <a:pPr>
+              <a:defRPr sz="900"/>
+            </a:pPr>
+            <a:r>
+              <a:t>・Battery Technology Innovation</a:t>
+            </a:r>
+          </a:p>
+        </p:txBody>
+      </p:sp>
+      <p:sp>
+        <p:nvSpPr>
+          <p:cNvPr id="5" name="TextBox 4"/>
+          <p:cNvSpPr txBox="1"/>
+          <p:nvPr/>
+        </p:nvSpPr>
+        <p:spPr>
+          <a:xfrm>
+            <a:off x="3200400" y="3383280"/>
+            <a:ext cx="2743200" cy="2194560"/>
+          </a:xfrm>
+          <a:prstGeom prst="rect">
+            <a:avLst/>
+          </a:prstGeom>
+          <a:noFill/>
+          <a:ln w="12700">
+            <a:solidFill>
+              <a:srgbClr val="000000"/>
+            </a:solidFill>
+          </a:ln>
+        </p:spPr>
+        <p:txBody>
+          <a:bodyPr wrap="square">
+            <a:noAutofit/>
+          </a:bodyPr>
+          <a:lstStyle/>
+          <a:p>
+            <a:pPr>
+              <a:defRPr sz="1600" u="sng">
+                <a:solidFill>
+                  <a:srgbClr val="008000"/>
+                </a:solidFill>
+              </a:defRPr>
+            </a:pPr>
+            <a:r>
+              <a:t>Key Metrics</a:t>
+            </a:r>
+          </a:p>
+          <a:p>
+            <a:pPr>
+              <a:defRPr sz="900"/>
+            </a:pPr>
+            <a:r>
+              <a:t>・Number of units sold</a:t>
+            </a:r>
+          </a:p>
+          <a:p>
+            <a:pPr>
+              <a:defRPr sz="900"/>
+            </a:pPr>
+            <a:r>
+              <a:t>・Brand recognition</a:t>
+            </a:r>
+          </a:p>
+          <a:p>
+            <a:pPr>
+              <a:defRPr sz="900"/>
+            </a:pPr>
+            <a:r>
+              <a:t>・earnings</a:t>
+            </a:r>
+          </a:p>
+        </p:txBody>
+      </p:sp>
+      <p:sp>
+        <p:nvSpPr>
+          <p:cNvPr id="6" name="TextBox 5"/>
+          <p:cNvSpPr txBox="1"/>
+          <p:nvPr/>
+        </p:nvSpPr>
+        <p:spPr>
+          <a:xfrm>
+            <a:off x="5943600" y="1188720"/>
+            <a:ext cx="2743200" cy="4389120"/>
+          </a:xfrm>
+          <a:prstGeom prst="rect">
+            <a:avLst/>
+          </a:prstGeom>
+          <a:noFill/>
+          <a:ln w="12700">
+            <a:solidFill>
+              <a:srgbClr val="000000"/>
+            </a:solidFill>
+          </a:ln>
+        </p:spPr>
+        <p:txBody>
+          <a:bodyPr wrap="square">
+            <a:noAutofit/>
+          </a:bodyPr>
+          <a:lstStyle/>
+          <a:p>
+            <a:pPr>
+              <a:defRPr sz="1600" u="sng">
+                <a:solidFill>
+                  <a:srgbClr val="008000"/>
+                </a:solidFill>
+              </a:defRPr>
+            </a:pPr>
+            <a:r>
+              <a:t>Unique Value Proposition</a:t>
+            </a:r>
+          </a:p>
+          <a:p>
+            <a:pPr>
+              <a:defRPr sz="900"/>
+            </a:pPr>
+            <a:r>
+              <a:t>・Fast and sustainable energy solutions</a:t>
+            </a:r>
+          </a:p>
+        </p:txBody>
+      </p:sp>
+      <p:sp>
+        <p:nvSpPr>
+          <p:cNvPr id="7" name="TextBox 6"/>
+          <p:cNvSpPr txBox="1"/>
+          <p:nvPr/>
+        </p:nvSpPr>
+        <p:spPr>
+          <a:xfrm>
+            <a:off x="8686800" y="1188720"/>
+            <a:ext cx="2743200" cy="2194560"/>
+          </a:xfrm>
+          <a:prstGeom prst="rect">
+            <a:avLst/>
+          </a:prstGeom>
+          <a:noFill/>
+          <a:ln w="12700">
+            <a:solidFill>
+              <a:srgbClr val="000000"/>
+            </a:solidFill>
+          </a:ln>
+        </p:spPr>
+        <p:txBody>
+          <a:bodyPr wrap="square">
+            <a:noAutofit/>
+          </a:bodyPr>
+          <a:lstStyle/>
+          <a:p>
+            <a:pPr>
+              <a:defRPr sz="1600" u="sng">
+                <a:solidFill>
+                  <a:srgbClr val="008000"/>
+                </a:solidFill>
+              </a:defRPr>
+            </a:pPr>
+            <a:r>
+              <a:t>Unfair Advantage</a:t>
+            </a:r>
+          </a:p>
+          <a:p>
+            <a:pPr>
+              <a:defRPr sz="900"/>
+            </a:pPr>
+            <a:r>
+              <a:t>・Brand awareness and innovation</a:t>
+            </a:r>
+          </a:p>
+          <a:p>
+            <a:pPr>
+              <a:defRPr sz="900"/>
+            </a:pPr>
+            <a:r>
+              <a:t>・Advanced Battery Technology</a:t>
+            </a:r>
+          </a:p>
+        </p:txBody>
+      </p:sp>
+      <p:sp>
+        <p:nvSpPr>
+          <p:cNvPr id="8" name="TextBox 7"/>
+          <p:cNvSpPr txBox="1"/>
+          <p:nvPr/>
+        </p:nvSpPr>
+        <p:spPr>
+          <a:xfrm>
+            <a:off x="8686800" y="3383280"/>
+            <a:ext cx="2743200" cy="2194560"/>
+          </a:xfrm>
+          <a:prstGeom prst="rect">
+            <a:avLst/>
+          </a:prstGeom>
+          <a:noFill/>
+          <a:ln w="12700">
+            <a:solidFill>
+              <a:srgbClr val="000000"/>
+            </a:solidFill>
+          </a:ln>
+        </p:spPr>
+        <p:txBody>
+          <a:bodyPr wrap="square">
+            <a:noAutofit/>
+          </a:bodyPr>
+          <a:lstStyle/>
+          <a:p>
+            <a:pPr>
+              <a:defRPr sz="1600" u="sng">
+                <a:solidFill>
+                  <a:srgbClr val="008000"/>
+                </a:solidFill>
+              </a:defRPr>
+            </a:pPr>
+            <a:r>
+              <a:t>Channels</a:t>
+            </a:r>
+          </a:p>
+          <a:p>
+            <a:pPr>
+              <a:defRPr sz="900"/>
+            </a:pPr>
+            <a:r>
+              <a:t>・Direct Distributors</a:t>
+            </a:r>
+          </a:p>
+          <a:p>
+            <a:pPr>
+              <a:defRPr sz="900"/>
+            </a:pPr>
+            <a:r>
+              <a:t>・Online Sales</a:t>
+            </a:r>
+          </a:p>
+        </p:txBody>
+      </p:sp>
+      <p:sp>
+        <p:nvSpPr>
+          <p:cNvPr id="9" name="TextBox 8"/>
+          <p:cNvSpPr txBox="1"/>
+          <p:nvPr/>
+        </p:nvSpPr>
+        <p:spPr>
+          <a:xfrm>
+            <a:off x="11430000" y="1188720"/>
+            <a:ext cx="2743200" cy="4389120"/>
+          </a:xfrm>
+          <a:prstGeom prst="rect">
+            <a:avLst/>
+          </a:prstGeom>
+          <a:noFill/>
+          <a:ln w="12700">
+            <a:solidFill>
+              <a:srgbClr val="000000"/>
+            </a:solidFill>
+          </a:ln>
+        </p:spPr>
+        <p:txBody>
+          <a:bodyPr wrap="square">
+            <a:noAutofit/>
+          </a:bodyPr>
+          <a:lstStyle/>
+          <a:p>
+            <a:pPr>
+              <a:defRPr sz="1600" u="sng">
+                <a:solidFill>
+                  <a:srgbClr val="008000"/>
+                </a:solidFill>
+              </a:defRPr>
+            </a:pPr>
+            <a:r>
+              <a:t>Customer Segments</a:t>
+            </a:r>
+          </a:p>
+          <a:p>
+            <a:pPr>
+              <a:defRPr sz="900"/>
+            </a:pPr>
+            <a:r>
+              <a:t>・Environmentally Conscious Consumers</a:t>
+            </a:r>
+          </a:p>
+          <a:p>
+            <a:pPr>
+              <a:defRPr sz="900"/>
+            </a:pPr>
+            <a:r>
+              <a:t>・Premium segment car buyers</a:t>
+            </a:r>
+          </a:p>
+        </p:txBody>
+      </p:sp>
+      <p:sp>
+        <p:nvSpPr>
+          <p:cNvPr id="10" name="TextBox 9"/>
+          <p:cNvSpPr txBox="1"/>
+          <p:nvPr/>
+        </p:nvSpPr>
+        <p:spPr>
+          <a:xfrm>
+            <a:off x="457200" y="5577840"/>
+            <a:ext cx="6858000" cy="2194560"/>
+          </a:xfrm>
+          <a:prstGeom prst="rect">
+            <a:avLst/>
+          </a:prstGeom>
+          <a:noFill/>
+          <a:ln w="12700">
+            <a:solidFill>
+              <a:srgbClr val="000000"/>
+            </a:solidFill>
+          </a:ln>
+        </p:spPr>
+        <p:txBody>
+          <a:bodyPr wrap="square">
+            <a:noAutofit/>
+          </a:bodyPr>
+          <a:lstStyle/>
+          <a:p>
+            <a:pPr>
+              <a:defRPr sz="1600" u="sng">
+                <a:solidFill>
+                  <a:srgbClr val="008000"/>
+                </a:solidFill>
+              </a:defRPr>
+            </a:pPr>
+            <a:r>
+              <a:t>Cost Structure</a:t>
+            </a:r>
+          </a:p>
+          <a:p>
+            <a:pPr>
+              <a:defRPr sz="900"/>
+            </a:pPr>
+            <a:r>
+              <a:t>・Manufacturing cost</a:t>
+            </a:r>
+          </a:p>
+          <a:p>
+            <a:pPr>
+              <a:defRPr sz="900"/>
+            </a:pPr>
+            <a:r>
+              <a:t>・R &amp; D</a:t>
+            </a:r>
+          </a:p>
+          <a:p>
+            <a:pPr>
+              <a:defRPr sz="900"/>
+            </a:pPr>
+            <a:r>
+              <a:t>・Operating and administrative expenses</a:t>
+            </a:r>
+          </a:p>
+        </p:txBody>
+      </p:sp>
+      <p:sp>
+        <p:nvSpPr>
+          <p:cNvPr id="11" name="TextBox 10"/>
+          <p:cNvSpPr txBox="1"/>
+          <p:nvPr/>
+        </p:nvSpPr>
+        <p:spPr>
+          <a:xfrm>
+            <a:off x="7315200" y="5577840"/>
+            <a:ext cx="6858000" cy="2194560"/>
+          </a:xfrm>
+          <a:prstGeom prst="rect">
+            <a:avLst/>
+          </a:prstGeom>
+          <a:noFill/>
+          <a:ln w="12700">
+            <a:solidFill>
+              <a:srgbClr val="000000"/>
+            </a:solidFill>
+          </a:ln>
+        </p:spPr>
+        <p:txBody>
+          <a:bodyPr wrap="square">
+            <a:noAutofit/>
+          </a:bodyPr>
+          <a:lstStyle/>
+          <a:p>
+            <a:pPr>
+              <a:defRPr sz="1600" u="sng">
+                <a:solidFill>
+                  <a:srgbClr val="008000"/>
+                </a:solidFill>
+              </a:defRPr>
+            </a:pPr>
+            <a:r>
+              <a:t>Revenue Streams</a:t>
+            </a:r>
+          </a:p>
+          <a:p>
+            <a:pPr>
+              <a:defRPr sz="900"/>
+            </a:pPr>
+            <a:r>
+              <a:t>・Vehicle Sales</a:t>
+            </a:r>
+          </a:p>
+          <a:p>
+            <a:pPr>
+              <a:defRPr sz="900"/>
+            </a:pPr>
+            <a:r>
+              <a:t>・Services and Accessories</a:t>
+            </a:r>
+          </a:p>
+        </p:txBody>
+      </p:sp>
+    </p:spTree>
+  </p:cSld>
+  <p:clrMapOvr>
+    <a:masterClrMapping/>
+  </p:clrMapOvr>
+</p:sld>
+</file>
+
+<file path=ppt/slides/slide16.xml><?xml version="1.0" encoding="utf-8"?>
+<p:sld xmlns:a="http://schemas.openxmlformats.org/drawingml/2006/main" xmlns:p="http://schemas.openxmlformats.org/presentationml/2006/main" xmlns:r="http://schemas.openxmlformats.org/officeDocument/2006/relationships">
+  <p:cSld>
+    <p:spTree>
+      <p:nvGrpSpPr>
+        <p:cNvPr id="1" name=""/>
+        <p:cNvGrpSpPr/>
+        <p:nvPr/>
+      </p:nvGrpSpPr>
+      <p:grpSpPr/>
+      <p:sp>
+        <p:nvSpPr>
+          <p:cNvPr id="2" name="TextBox 1"/>
+          <p:cNvSpPr txBox="1"/>
+          <p:nvPr/>
+        </p:nvSpPr>
+        <p:spPr>
+          <a:xfrm>
+            <a:off x="457200" y="457200"/>
+            <a:ext cx="13258800" cy="457200"/>
+          </a:xfrm>
+          <a:prstGeom prst="rect">
+            <a:avLst/>
+          </a:prstGeom>
+          <a:noFill/>
+        </p:spPr>
+        <p:txBody>
+          <a:bodyPr wrap="none">
+            <a:spAutoFit/>
+          </a:bodyPr>
+          <a:lstStyle/>
+          <a:p/>
+          <a:p>
+            <a:pPr algn="ctr">
+              <a:defRPr sz="2000"/>
+            </a:pPr>
+            <a:r>
+              <a:t>SpaceX (2002-03-14)</a:t>
+            </a:r>
+          </a:p>
+        </p:txBody>
+      </p:sp>
+      <p:sp>
+        <p:nvSpPr>
+          <p:cNvPr id="3" name="TextBox 2"/>
+          <p:cNvSpPr txBox="1"/>
+          <p:nvPr/>
+        </p:nvSpPr>
+        <p:spPr>
+          <a:xfrm>
+            <a:off x="457200" y="1188720"/>
+            <a:ext cx="2743200" cy="4389120"/>
+          </a:xfrm>
+          <a:prstGeom prst="rect">
+            <a:avLst/>
+          </a:prstGeom>
+          <a:noFill/>
+          <a:ln w="12700">
+            <a:solidFill>
+              <a:srgbClr val="000000"/>
+            </a:solidFill>
+          </a:ln>
+        </p:spPr>
+        <p:txBody>
+          <a:bodyPr wrap="square">
+            <a:noAutofit/>
+          </a:bodyPr>
+          <a:lstStyle/>
+          <a:p>
+            <a:pPr>
+              <a:defRPr sz="1600" u="sng">
+                <a:solidFill>
+                  <a:srgbClr val="008000"/>
+                </a:solidFill>
+              </a:defRPr>
+            </a:pPr>
+            <a:r>
+              <a:t>Problem</a:t>
+            </a:r>
+          </a:p>
+          <a:p>
+            <a:pPr>
+              <a:defRPr sz="900"/>
+            </a:pPr>
+            <a:r>
+              <a:t>・High-cost space exploration</a:t>
+            </a:r>
+          </a:p>
+          <a:p>
+            <a:pPr>
+              <a:defRPr sz="900"/>
+            </a:pPr>
+            <a:r>
+              <a:t>・Non-reusable rocket</a:t>
+            </a:r>
+          </a:p>
+        </p:txBody>
+      </p:sp>
+      <p:sp>
+        <p:nvSpPr>
+          <p:cNvPr id="4" name="TextBox 3"/>
+          <p:cNvSpPr txBox="1"/>
+          <p:nvPr/>
+        </p:nvSpPr>
+        <p:spPr>
+          <a:xfrm>
+            <a:off x="3200400" y="1188720"/>
+            <a:ext cx="2743200" cy="2194560"/>
+          </a:xfrm>
+          <a:prstGeom prst="rect">
+            <a:avLst/>
+          </a:prstGeom>
+          <a:noFill/>
+          <a:ln w="12700">
+            <a:solidFill>
+              <a:srgbClr val="000000"/>
+            </a:solidFill>
+          </a:ln>
+        </p:spPr>
+        <p:txBody>
+          <a:bodyPr wrap="square">
+            <a:noAutofit/>
+          </a:bodyPr>
+          <a:lstStyle/>
+          <a:p>
+            <a:pPr>
+              <a:defRPr sz="1600" u="sng">
+                <a:solidFill>
+                  <a:srgbClr val="008000"/>
+                </a:solidFill>
+              </a:defRPr>
+            </a:pPr>
+            <a:r>
+              <a:t>Solution</a:t>
+            </a:r>
+          </a:p>
+          <a:p>
+            <a:pPr>
+              <a:defRPr sz="900"/>
+            </a:pPr>
+            <a:r>
+              <a:t>・Development of reusable rockets</a:t>
+            </a:r>
+          </a:p>
+          <a:p>
+            <a:pPr>
+              <a:defRPr sz="900"/>
+            </a:pPr>
+            <a:r>
+              <a:t>・Realization of low-cost space travel</a:t>
+            </a:r>
+          </a:p>
+        </p:txBody>
+      </p:sp>
+      <p:sp>
+        <p:nvSpPr>
+          <p:cNvPr id="5" name="TextBox 4"/>
+          <p:cNvSpPr txBox="1"/>
+          <p:nvPr/>
+        </p:nvSpPr>
+        <p:spPr>
+          <a:xfrm>
+            <a:off x="3200400" y="3383280"/>
+            <a:ext cx="2743200" cy="2194560"/>
+          </a:xfrm>
+          <a:prstGeom prst="rect">
+            <a:avLst/>
+          </a:prstGeom>
+          <a:noFill/>
+          <a:ln w="12700">
+            <a:solidFill>
+              <a:srgbClr val="000000"/>
+            </a:solidFill>
+          </a:ln>
+        </p:spPr>
+        <p:txBody>
+          <a:bodyPr wrap="square">
+            <a:noAutofit/>
+          </a:bodyPr>
+          <a:lstStyle/>
+          <a:p>
+            <a:pPr>
+              <a:defRPr sz="1600" u="sng">
+                <a:solidFill>
+                  <a:srgbClr val="008000"/>
+                </a:solidFill>
+              </a:defRPr>
+            </a:pPr>
+            <a:r>
+              <a:t>Key Metrics</a:t>
+            </a:r>
+          </a:p>
+          <a:p>
+            <a:pPr>
+              <a:defRPr sz="900"/>
+            </a:pPr>
+            <a:r>
+              <a:t>・Number of launches</a:t>
+            </a:r>
+          </a:p>
+          <a:p>
+            <a:pPr>
+              <a:defRPr sz="900"/>
+            </a:pPr>
+            <a:r>
+              <a:t>・Number of successful reusable rockets</a:t>
+            </a:r>
+          </a:p>
+          <a:p>
+            <a:pPr>
+              <a:defRPr sz="900"/>
+            </a:pPr>
+            <a:r>
+              <a:t>・Number of contracts</a:t>
+            </a:r>
+          </a:p>
+        </p:txBody>
+      </p:sp>
+      <p:sp>
+        <p:nvSpPr>
+          <p:cNvPr id="6" name="TextBox 5"/>
+          <p:cNvSpPr txBox="1"/>
+          <p:nvPr/>
+        </p:nvSpPr>
+        <p:spPr>
+          <a:xfrm>
+            <a:off x="5943600" y="1188720"/>
+            <a:ext cx="2743200" cy="4389120"/>
+          </a:xfrm>
+          <a:prstGeom prst="rect">
+            <a:avLst/>
+          </a:prstGeom>
+          <a:noFill/>
+          <a:ln w="12700">
+            <a:solidFill>
+              <a:srgbClr val="000000"/>
+            </a:solidFill>
+          </a:ln>
+        </p:spPr>
+        <p:txBody>
+          <a:bodyPr wrap="square">
+            <a:noAutofit/>
+          </a:bodyPr>
+          <a:lstStyle/>
+          <a:p>
+            <a:pPr>
+              <a:defRPr sz="1600" u="sng">
+                <a:solidFill>
+                  <a:srgbClr val="008000"/>
+                </a:solidFill>
+              </a:defRPr>
+            </a:pPr>
+            <a:r>
+              <a:t>Unique Value Proposition</a:t>
+            </a:r>
+          </a:p>
+          <a:p>
+            <a:pPr>
+              <a:defRPr sz="900"/>
+            </a:pPr>
+            <a:r>
+              <a:t>・Allow humans to explore the universe and live on other planets</a:t>
+            </a:r>
+          </a:p>
+        </p:txBody>
+      </p:sp>
+      <p:sp>
+        <p:nvSpPr>
+          <p:cNvPr id="7" name="TextBox 6"/>
+          <p:cNvSpPr txBox="1"/>
+          <p:nvPr/>
+        </p:nvSpPr>
+        <p:spPr>
+          <a:xfrm>
+            <a:off x="8686800" y="1188720"/>
+            <a:ext cx="2743200" cy="2194560"/>
+          </a:xfrm>
+          <a:prstGeom prst="rect">
+            <a:avLst/>
+          </a:prstGeom>
+          <a:noFill/>
+          <a:ln w="12700">
+            <a:solidFill>
+              <a:srgbClr val="000000"/>
+            </a:solidFill>
+          </a:ln>
+        </p:spPr>
+        <p:txBody>
+          <a:bodyPr wrap="square">
+            <a:noAutofit/>
+          </a:bodyPr>
+          <a:lstStyle/>
+          <a:p>
+            <a:pPr>
+              <a:defRPr sz="1600" u="sng">
+                <a:solidFill>
+                  <a:srgbClr val="008000"/>
+                </a:solidFill>
+              </a:defRPr>
+            </a:pPr>
+            <a:r>
+              <a:t>Unfair Advantage</a:t>
+            </a:r>
+          </a:p>
+          <a:p>
+            <a:pPr>
+              <a:defRPr sz="900"/>
+            </a:pPr>
+            <a:r>
+              <a:t>・Reusable Rocket Technology</a:t>
+            </a:r>
+          </a:p>
+          <a:p>
+            <a:pPr>
+              <a:defRPr sz="900"/>
+            </a:pPr>
+            <a:r>
+              <a:t>・Strong brand and innovation</a:t>
+            </a:r>
+          </a:p>
+        </p:txBody>
+      </p:sp>
+      <p:sp>
+        <p:nvSpPr>
+          <p:cNvPr id="8" name="TextBox 7"/>
+          <p:cNvSpPr txBox="1"/>
+          <p:nvPr/>
+        </p:nvSpPr>
+        <p:spPr>
+          <a:xfrm>
+            <a:off x="8686800" y="3383280"/>
+            <a:ext cx="2743200" cy="2194560"/>
+          </a:xfrm>
+          <a:prstGeom prst="rect">
+            <a:avLst/>
+          </a:prstGeom>
+          <a:noFill/>
+          <a:ln w="12700">
+            <a:solidFill>
+              <a:srgbClr val="000000"/>
+            </a:solidFill>
+          </a:ln>
+        </p:spPr>
+        <p:txBody>
+          <a:bodyPr wrap="square">
+            <a:noAutofit/>
+          </a:bodyPr>
+          <a:lstStyle/>
+          <a:p>
+            <a:pPr>
+              <a:defRPr sz="1600" u="sng">
+                <a:solidFill>
+                  <a:srgbClr val="008000"/>
+                </a:solidFill>
+              </a:defRPr>
+            </a:pPr>
+            <a:r>
+              <a:t>Channels</a:t>
+            </a:r>
+          </a:p>
+          <a:p>
+            <a:pPr>
+              <a:defRPr sz="900"/>
+            </a:pPr>
+            <a:r>
+              <a:t>・Government Contracts</a:t>
+            </a:r>
+          </a:p>
+          <a:p>
+            <a:pPr>
+              <a:defRPr sz="900"/>
+            </a:pPr>
+            <a:r>
+              <a:t>・Commercial Launch Agreement</a:t>
+            </a:r>
+          </a:p>
+        </p:txBody>
+      </p:sp>
+      <p:sp>
+        <p:nvSpPr>
+          <p:cNvPr id="9" name="TextBox 8"/>
+          <p:cNvSpPr txBox="1"/>
+          <p:nvPr/>
+        </p:nvSpPr>
+        <p:spPr>
+          <a:xfrm>
+            <a:off x="11430000" y="1188720"/>
+            <a:ext cx="2743200" cy="4389120"/>
+          </a:xfrm>
+          <a:prstGeom prst="rect">
+            <a:avLst/>
+          </a:prstGeom>
+          <a:noFill/>
+          <a:ln w="12700">
+            <a:solidFill>
+              <a:srgbClr val="000000"/>
+            </a:solidFill>
+          </a:ln>
+        </p:spPr>
+        <p:txBody>
+          <a:bodyPr wrap="square">
+            <a:noAutofit/>
+          </a:bodyPr>
+          <a:lstStyle/>
+          <a:p>
+            <a:pPr>
+              <a:defRPr sz="1600" u="sng">
+                <a:solidFill>
+                  <a:srgbClr val="008000"/>
+                </a:solidFill>
+              </a:defRPr>
+            </a:pPr>
+            <a:r>
+              <a:t>Customer Segments</a:t>
+            </a:r>
+          </a:p>
+          <a:p>
+            <a:pPr>
+              <a:defRPr sz="900"/>
+            </a:pPr>
+            <a:r>
+              <a:t>・government body (agency)</a:t>
+            </a:r>
+          </a:p>
+          <a:p>
+            <a:pPr>
+              <a:defRPr sz="900"/>
+            </a:pPr>
+            <a:r>
+              <a:t>・satellite company</a:t>
+            </a:r>
+          </a:p>
+        </p:txBody>
+      </p:sp>
+      <p:sp>
+        <p:nvSpPr>
+          <p:cNvPr id="10" name="TextBox 9"/>
+          <p:cNvSpPr txBox="1"/>
+          <p:nvPr/>
+        </p:nvSpPr>
+        <p:spPr>
+          <a:xfrm>
+            <a:off x="457200" y="5577840"/>
+            <a:ext cx="6858000" cy="2194560"/>
+          </a:xfrm>
+          <a:prstGeom prst="rect">
+            <a:avLst/>
+          </a:prstGeom>
+          <a:noFill/>
+          <a:ln w="12700">
+            <a:solidFill>
+              <a:srgbClr val="000000"/>
+            </a:solidFill>
+          </a:ln>
+        </p:spPr>
+        <p:txBody>
+          <a:bodyPr wrap="square">
+            <a:noAutofit/>
+          </a:bodyPr>
+          <a:lstStyle/>
+          <a:p>
+            <a:pPr>
+              <a:defRPr sz="1600" u="sng">
+                <a:solidFill>
+                  <a:srgbClr val="008000"/>
+                </a:solidFill>
+              </a:defRPr>
+            </a:pPr>
+            <a:r>
+              <a:t>Cost Structure</a:t>
+            </a:r>
+          </a:p>
+          <a:p>
+            <a:pPr>
+              <a:defRPr sz="900"/>
+            </a:pPr>
+            <a:r>
+              <a:t>・Rocket Development and Manufacturing</a:t>
+            </a:r>
+          </a:p>
+          <a:p>
+            <a:pPr>
+              <a:defRPr sz="900"/>
+            </a:pPr>
+            <a:r>
+              <a:t>・Launch costs</a:t>
+            </a:r>
+          </a:p>
+          <a:p>
+            <a:pPr>
+              <a:defRPr sz="900"/>
+            </a:pPr>
+            <a:r>
+              <a:t>・R &amp; D</a:t>
+            </a:r>
+          </a:p>
+        </p:txBody>
+      </p:sp>
+      <p:sp>
+        <p:nvSpPr>
+          <p:cNvPr id="11" name="TextBox 10"/>
+          <p:cNvSpPr txBox="1"/>
+          <p:nvPr/>
+        </p:nvSpPr>
+        <p:spPr>
+          <a:xfrm>
+            <a:off x="7315200" y="5577840"/>
+            <a:ext cx="6858000" cy="2194560"/>
+          </a:xfrm>
+          <a:prstGeom prst="rect">
+            <a:avLst/>
+          </a:prstGeom>
+          <a:noFill/>
+          <a:ln w="12700">
+            <a:solidFill>
+              <a:srgbClr val="000000"/>
+            </a:solidFill>
+          </a:ln>
+        </p:spPr>
+        <p:txBody>
+          <a:bodyPr wrap="square">
+            <a:noAutofit/>
+          </a:bodyPr>
+          <a:lstStyle/>
+          <a:p>
+            <a:pPr>
+              <a:defRPr sz="1600" u="sng">
+                <a:solidFill>
+                  <a:srgbClr val="008000"/>
+                </a:solidFill>
+              </a:defRPr>
+            </a:pPr>
+            <a:r>
+              <a:t>Revenue Streams</a:t>
+            </a:r>
+          </a:p>
+          <a:p>
+            <a:pPr>
+              <a:defRPr sz="900"/>
+            </a:pPr>
+            <a:r>
+              <a:t>・launch contract</a:t>
+            </a:r>
+          </a:p>
+          <a:p>
+            <a:pPr>
+              <a:defRPr sz="900"/>
+            </a:pPr>
+            <a:r>
+              <a:t>・Income from space travel</a:t>
             </a:r>
           </a:p>
         </p:txBody>
@@ -3756,23 +7818,23 @@
               <a:defRPr sz="900"/>
             </a:pPr>
             <a:r>
-              <a:t>・Taxis are inconvenient and time consuming</a:t>
-            </a:r>
-          </a:p>
-          <a:p>
-            <a:pPr>
-              <a:defRPr sz="900"/>
-            </a:pPr>
-            <a:r>
-              <a:t>・Taxis are expensive</a:t>
-            </a:r>
-          </a:p>
-          <a:p>
-            <a:pPr>
-              <a:defRPr sz="900"/>
-            </a:pPr>
-            <a:r>
-              <a:t>・It is difficult to reserve a car for hire</a:t>
+              <a:t>・Cab access is inconvenient and time consuming</a:t>
+            </a:r>
+          </a:p>
+          <a:p>
+            <a:pPr>
+              <a:defRPr sz="900"/>
+            </a:pPr>
+            <a:r>
+              <a:t>・Cab fares are high.</a:t>
+            </a:r>
+          </a:p>
+          <a:p>
+            <a:pPr>
+              <a:defRPr sz="900"/>
+            </a:pPr>
+            <a:r>
+              <a:t>・Difficult to book a hired car</a:t>
             </a:r>
           </a:p>
         </p:txBody>
@@ -3820,23 +7882,23 @@
               <a:defRPr sz="900"/>
             </a:pPr>
             <a:r>
-              <a:t>・A service that allows you to call a car in real time through a smartphone app</a:t>
-            </a:r>
-          </a:p>
-          <a:p>
-            <a:pPr>
-              <a:defRPr sz="900"/>
-            </a:pPr>
-            <a:r>
-              <a:t>・Flat rate and clear pricing</a:t>
-            </a:r>
-          </a:p>
-          <a:p>
-            <a:pPr>
-              <a:defRPr sz="900"/>
-            </a:pPr>
-            <a:r>
-              <a:t>・Provide premium hire service</a:t>
+              <a:t>・A service that allows users to call for a car in real time through a smartphone app</a:t>
+            </a:r>
+          </a:p>
+          <a:p>
+            <a:pPr>
+              <a:defRPr sz="900"/>
+            </a:pPr>
+            <a:r>
+              <a:t>・Fixed price system with clear rates.</a:t>
+            </a:r>
+          </a:p>
+          <a:p>
+            <a:pPr>
+              <a:defRPr sz="900"/>
+            </a:pPr>
+            <a:r>
+              <a:t>・Providing premium hire services</a:t>
             </a:r>
           </a:p>
         </p:txBody>
@@ -3892,15 +7954,15 @@
               <a:defRPr sz="900"/>
             </a:pPr>
             <a:r>
-              <a:t>・Number of rides</a:t>
-            </a:r>
-          </a:p>
-          <a:p>
-            <a:pPr>
-              <a:defRPr sz="900"/>
-            </a:pPr>
-            <a:r>
-              <a:t>・User feedback</a:t>
+              <a:t>・Number of Rides</a:t>
+            </a:r>
+          </a:p>
+          <a:p>
+            <a:pPr>
+              <a:defRPr sz="900"/>
+            </a:pPr>
+            <a:r>
+              <a:t>・User Feedback</a:t>
             </a:r>
           </a:p>
         </p:txBody>
@@ -3948,23 +8010,23 @@
               <a:defRPr sz="900"/>
             </a:pPr>
             <a:r>
-              <a:t>・Ride anywhere with a tap</a:t>
-            </a:r>
-          </a:p>
-          <a:p>
-            <a:pPr>
-              <a:defRPr sz="900"/>
-            </a:pPr>
-            <a:r>
-              <a:t>・Know the price in advance</a:t>
-            </a:r>
-          </a:p>
-          <a:p>
-            <a:pPr>
-              <a:defRPr sz="900"/>
-            </a:pPr>
-            <a:r>
-              <a:t>・Transportation by comfortable car</a:t>
+              <a:t>・Just tap to board anywhere</a:t>
+            </a:r>
+          </a:p>
+          <a:p>
+            <a:pPr>
+              <a:defRPr sz="900"/>
+            </a:pPr>
+            <a:r>
+              <a:t>・Know the fees in advance.</a:t>
+            </a:r>
+          </a:p>
+          <a:p>
+            <a:pPr>
+              <a:defRPr sz="900"/>
+            </a:pPr>
+            <a:r>
+              <a:t>・Comfortable car ride</a:t>
             </a:r>
           </a:p>
         </p:txBody>
@@ -4020,7 +8082,7 @@
               <a:defRPr sz="900"/>
             </a:pPr>
             <a:r>
-              <a:t>・New vehicle call experience using technology</a:t>
+              <a:t>・New Vehicle Calling Experience Using Technology</a:t>
             </a:r>
           </a:p>
         </p:txBody>
@@ -4068,23 +8130,23 @@
               <a:defRPr sz="900"/>
             </a:pPr>
             <a:r>
-              <a:t>・Smartphone app</a:t>
-            </a:r>
-          </a:p>
-          <a:p>
-            <a:pPr>
-              <a:defRPr sz="900"/>
-            </a:pPr>
-            <a:r>
-              <a:t>・Word of Mouse</a:t>
-            </a:r>
-          </a:p>
-          <a:p>
-            <a:pPr>
-              <a:defRPr sz="900"/>
-            </a:pPr>
-            <a:r>
-              <a:t>・media exposure</a:t>
+              <a:t>・Smart Phone Apps</a:t>
+            </a:r>
+          </a:p>
+          <a:p>
+            <a:pPr>
+              <a:defRPr sz="900"/>
+            </a:pPr>
+            <a:r>
+              <a:t>・Word of Mouth</a:t>
+            </a:r>
+          </a:p>
+          <a:p>
+            <a:pPr>
+              <a:defRPr sz="900"/>
+            </a:pPr>
+            <a:r>
+              <a:t>・Media Exposure</a:t>
             </a:r>
           </a:p>
         </p:txBody>
@@ -4132,15 +8194,15 @@
               <a:defRPr sz="900"/>
             </a:pPr>
             <a:r>
-              <a:t>・Wealthy people looking for hire services</a:t>
-            </a:r>
-          </a:p>
-          <a:p>
-            <a:pPr>
-              <a:defRPr sz="900"/>
-            </a:pPr>
-            <a:r>
-              <a:t>・Businessmen who frequently use taxis</a:t>
+              <a:t>・Affluent people seeking hire services</a:t>
+            </a:r>
+          </a:p>
+          <a:p>
+            <a:pPr>
+              <a:defRPr sz="900"/>
+            </a:pPr>
+            <a:r>
+              <a:t>・Businessmen who frequently use cabs</a:t>
             </a:r>
           </a:p>
         </p:txBody>
@@ -4188,23 +8250,23 @@
               <a:defRPr sz="900"/>
             </a:pPr>
             <a:r>
-              <a:t>・App development and maintenance</a:t>
-            </a:r>
-          </a:p>
-          <a:p>
-            <a:pPr>
-              <a:defRPr sz="900"/>
-            </a:pPr>
-            <a:r>
-              <a:t>・Marketing and brand building</a:t>
-            </a:r>
-          </a:p>
-          <a:p>
-            <a:pPr>
-              <a:defRPr sz="900"/>
-            </a:pPr>
-            <a:r>
-              <a:t>・Customer support</a:t>
+              <a:t>・Application development and maintenance</a:t>
+            </a:r>
+          </a:p>
+          <a:p>
+            <a:pPr>
+              <a:defRPr sz="900"/>
+            </a:pPr>
+            <a:r>
+              <a:t>・Marketing and Brand Building</a:t>
+            </a:r>
+          </a:p>
+          <a:p>
+            <a:pPr>
+              <a:defRPr sz="900"/>
+            </a:pPr>
+            <a:r>
+              <a:t>・Customer Support</a:t>
             </a:r>
           </a:p>
         </p:txBody>
@@ -4252,15 +8314,15 @@
               <a:defRPr sz="900"/>
             </a:pPr>
             <a:r>
-              <a:t>・fare</a:t>
-            </a:r>
-          </a:p>
-          <a:p>
-            <a:pPr>
-              <a:defRPr sz="900"/>
-            </a:pPr>
-            <a:r>
-              <a:t>・Providing premium services</a:t>
+              <a:t>・one's fare for a train or bus</a:t>
+            </a:r>
+          </a:p>
+          <a:p>
+            <a:pPr>
+              <a:defRPr sz="900"/>
+            </a:pPr>
+            <a:r>
+              <a:t>・Premium Service Offerings</a:t>
             </a:r>
           </a:p>
         </p:txBody>
@@ -4358,7 +8420,7 @@
               <a:defRPr sz="900"/>
             </a:pPr>
             <a:r>
-              <a:t>・Expensive and poorly performing traditional disk-based storage</a:t>
+              <a:t>・Expensive, low performance traditional disk-based storage</a:t>
             </a:r>
           </a:p>
           <a:p>
@@ -4486,7 +8548,7 @@
               <a:defRPr sz="900"/>
             </a:pPr>
             <a:r>
-              <a:t>・Customer Satisfaction</a:t>
+              <a:t>・customer satisfaction</a:t>
             </a:r>
           </a:p>
         </p:txBody>
@@ -4590,7 +8652,7 @@
               <a:defRPr sz="900"/>
             </a:pPr>
             <a:r>
-              <a:t>・Advanced data reduction technology</a:t>
+              <a:t>・Advanced data reduction techniques</a:t>
             </a:r>
           </a:p>
         </p:txBody>
@@ -4638,15 +8700,15 @@
               <a:defRPr sz="900"/>
             </a:pPr>
             <a:r>
-              <a:t>・Direct sales</a:t>
-            </a:r>
-          </a:p>
-          <a:p>
-            <a:pPr>
-              <a:defRPr sz="900"/>
-            </a:pPr>
-            <a:r>
-              <a:t>・Partner companies</a:t>
+              <a:t>・Direct Sale</a:t>
+            </a:r>
+          </a:p>
+          <a:p>
+            <a:pPr>
+              <a:defRPr sz="900"/>
+            </a:pPr>
+            <a:r>
+              <a:t>・Partners</a:t>
             </a:r>
           </a:p>
         </p:txBody>
@@ -4702,7 +8764,7 @@
               <a:defRPr sz="900"/>
             </a:pPr>
             <a:r>
-              <a:t>・Businesses that require high performance storage</a:t>
+              <a:t>・Businesses requiring high-performance storage</a:t>
             </a:r>
           </a:p>
         </p:txBody>
@@ -4750,23 +8812,23 @@
               <a:defRPr sz="900"/>
             </a:pPr>
             <a:r>
-              <a:t>・Product development and maintenance</a:t>
-            </a:r>
-          </a:p>
-          <a:p>
-            <a:pPr>
-              <a:defRPr sz="900"/>
-            </a:pPr>
-            <a:r>
-              <a:t>・Marketing and sales</a:t>
-            </a:r>
-          </a:p>
-          <a:p>
-            <a:pPr>
-              <a:defRPr sz="900"/>
-            </a:pPr>
-            <a:r>
-              <a:t>・Customer support</a:t>
+              <a:t>・Product Development and Maintenance</a:t>
+            </a:r>
+          </a:p>
+          <a:p>
+            <a:pPr>
+              <a:defRPr sz="900"/>
+            </a:pPr>
+            <a:r>
+              <a:t>・Marketing and Sales</a:t>
+            </a:r>
+          </a:p>
+          <a:p>
+            <a:pPr>
+              <a:defRPr sz="900"/>
+            </a:pPr>
+            <a:r>
+              <a:t>・Customer Support</a:t>
             </a:r>
           </a:p>
         </p:txBody>
@@ -4814,15 +8876,15 @@
               <a:defRPr sz="900"/>
             </a:pPr>
             <a:r>
-              <a:t>・hardware sales</a:t>
-            </a:r>
-          </a:p>
-          <a:p>
-            <a:pPr>
-              <a:defRPr sz="900"/>
-            </a:pPr>
-            <a:r>
-              <a:t>・Fees for support and services</a:t>
+              <a:t>・Hardware sales</a:t>
+            </a:r>
+          </a:p>
+          <a:p>
+            <a:pPr>
+              <a:defRPr sz="900"/>
+            </a:pPr>
+            <a:r>
+              <a:t>・Support and Service Fees</a:t>
             </a:r>
           </a:p>
         </p:txBody>
@@ -4920,15 +8982,15 @@
               <a:defRPr sz="900"/>
             </a:pPr>
             <a:r>
-              <a:t>・The need to cope with the increase in data volume</a:t>
-            </a:r>
-          </a:p>
-          <a:p>
-            <a:pPr>
-              <a:defRPr sz="900"/>
-            </a:pPr>
-            <a:r>
-              <a:t>・Complexity of data management in multi-cloud environments</a:t>
+              <a:t>・Need to cope with increasing data volume</a:t>
+            </a:r>
+          </a:p>
+          <a:p>
+            <a:pPr>
+              <a:defRPr sz="900"/>
+            </a:pPr>
+            <a:r>
+              <a:t>・Complexity of managing data in a multi-cloud environment</a:t>
             </a:r>
           </a:p>
         </p:txBody>
@@ -4984,7 +9046,7 @@
               <a:defRPr sz="900"/>
             </a:pPr>
             <a:r>
-              <a:t>・Cloud-ready data service and integrated management platform</a:t>
+              <a:t>・Cloud-enabled data services and integrated management platform</a:t>
             </a:r>
           </a:p>
         </p:txBody>
@@ -5048,7 +9110,7 @@
               <a:defRPr sz="900"/>
             </a:pPr>
             <a:r>
-              <a:t>・Number of cloud service subscriptions</a:t>
+              <a:t>・Number of subscriptions to cloud services</a:t>
             </a:r>
           </a:p>
         </p:txBody>
@@ -5096,7 +9158,7 @@
               <a:defRPr sz="900"/>
             </a:pPr>
             <a:r>
-              <a:t>・Fast, simple, scalable cloud-ready storage solution</a:t>
+              <a:t>・Fast, simple, scalable cloud-enabled storage solutions</a:t>
             </a:r>
           </a:p>
         </p:txBody>
@@ -5152,7 +9214,7 @@
               <a:defRPr sz="900"/>
             </a:pPr>
             <a:r>
-              <a:t>・Powerful data platform for multi-cloud</a:t>
+              <a:t>・Powerful data platform with multi-cloud support</a:t>
             </a:r>
           </a:p>
         </p:txBody>
@@ -5200,23 +9262,23 @@
               <a:defRPr sz="900"/>
             </a:pPr>
             <a:r>
-              <a:t>・Direct sales</a:t>
-            </a:r>
-          </a:p>
-          <a:p>
-            <a:pPr>
-              <a:defRPr sz="900"/>
-            </a:pPr>
-            <a:r>
-              <a:t>・Partner companies</a:t>
-            </a:r>
-          </a:p>
-          <a:p>
-            <a:pPr>
-              <a:defRPr sz="900"/>
-            </a:pPr>
-            <a:r>
-              <a:t>・Cloud Marketplace</a:t>
+              <a:t>・Direct Sale</a:t>
+            </a:r>
+          </a:p>
+          <a:p>
+            <a:pPr>
+              <a:defRPr sz="900"/>
+            </a:pPr>
+            <a:r>
+              <a:t>・Partners</a:t>
+            </a:r>
+          </a:p>
+          <a:p>
+            <a:pPr>
+              <a:defRPr sz="900"/>
+            </a:pPr>
+            <a:r>
+              <a:t>・cloud marketplace</a:t>
             </a:r>
           </a:p>
         </p:txBody>
@@ -5272,7 +9334,7 @@
               <a:defRPr sz="900"/>
             </a:pPr>
             <a:r>
-              <a:t>・Business with multi-cloud</a:t>
+              <a:t>・Businesses using multi-cloud</a:t>
             </a:r>
           </a:p>
         </p:txBody>
@@ -5320,23 +9382,23 @@
               <a:defRPr sz="900"/>
             </a:pPr>
             <a:r>
-              <a:t>・Product development and maintenance</a:t>
-            </a:r>
-          </a:p>
-          <a:p>
-            <a:pPr>
-              <a:defRPr sz="900"/>
-            </a:pPr>
-            <a:r>
-              <a:t>・Marketing and sales</a:t>
-            </a:r>
-          </a:p>
-          <a:p>
-            <a:pPr>
-              <a:defRPr sz="900"/>
-            </a:pPr>
-            <a:r>
-              <a:t>・Customer support</a:t>
+              <a:t>・Product Development and Maintenance</a:t>
+            </a:r>
+          </a:p>
+          <a:p>
+            <a:pPr>
+              <a:defRPr sz="900"/>
+            </a:pPr>
+            <a:r>
+              <a:t>・Marketing and Sales</a:t>
+            </a:r>
+          </a:p>
+          <a:p>
+            <a:pPr>
+              <a:defRPr sz="900"/>
+            </a:pPr>
+            <a:r>
+              <a:t>・Customer Support</a:t>
             </a:r>
           </a:p>
         </p:txBody>
@@ -5384,23 +9446,23 @@
               <a:defRPr sz="900"/>
             </a:pPr>
             <a:r>
-              <a:t>・hardware sales</a:t>
-            </a:r>
-          </a:p>
-          <a:p>
-            <a:pPr>
-              <a:defRPr sz="900"/>
-            </a:pPr>
-            <a:r>
-              <a:t>・Cloud service subscription</a:t>
-            </a:r>
-          </a:p>
-          <a:p>
-            <a:pPr>
-              <a:defRPr sz="900"/>
-            </a:pPr>
-            <a:r>
-              <a:t>・Fees for support and services</a:t>
+              <a:t>・Hardware sales</a:t>
+            </a:r>
+          </a:p>
+          <a:p>
+            <a:pPr>
+              <a:defRPr sz="900"/>
+            </a:pPr>
+            <a:r>
+              <a:t>・Subscription to cloud services</a:t>
+            </a:r>
+          </a:p>
+          <a:p>
+            <a:pPr>
+              <a:defRPr sz="900"/>
+            </a:pPr>
+            <a:r>
+              <a:t>・Support and Service Fees</a:t>
             </a:r>
           </a:p>
         </p:txBody>
@@ -5498,7 +9560,7 @@
               <a:defRPr sz="900"/>
             </a:pPr>
             <a:r>
-              <a:t>・IT infrastructure management is complex and time consuming</a:t>
+              <a:t>・Managing IT infrastructure is complex and time consuming</a:t>
             </a:r>
           </a:p>
           <a:p>
@@ -5514,7 +9576,7 @@
               <a:defRPr sz="900"/>
             </a:pPr>
             <a:r>
-              <a:t>・CAPEX burden</a:t>
+              <a:t>・Burden of CAPEX</a:t>
             </a:r>
           </a:p>
         </p:txBody>
@@ -5562,7 +9624,7 @@
               <a:defRPr sz="900"/>
             </a:pPr>
             <a:r>
-              <a:t>・A platform of IT solutions provided all at once</a:t>
+              <a:t>・A platform of IT solutions offered in a single package</a:t>
             </a:r>
           </a:p>
           <a:p>
@@ -5578,7 +9640,7 @@
               <a:defRPr sz="900"/>
             </a:pPr>
             <a:r>
-              <a:t>・Can be scaled up or down according to the scope of application</a:t>
+              <a:t>・Scale up and down according to the scope of application</a:t>
             </a:r>
           </a:p>
         </p:txBody>
@@ -5626,23 +9688,23 @@
               <a:defRPr sz="900"/>
             </a:pPr>
             <a:r>
-              <a:t>・number of users</a:t>
-            </a:r>
-          </a:p>
-          <a:p>
-            <a:pPr>
-              <a:defRPr sz="900"/>
-            </a:pPr>
-            <a:r>
-              <a:t>・total contract value</a:t>
-            </a:r>
-          </a:p>
-          <a:p>
-            <a:pPr>
-              <a:defRPr sz="900"/>
-            </a:pPr>
-            <a:r>
-              <a:t>・service uptime</a:t>
+              <a:t>・Number of users</a:t>
+            </a:r>
+          </a:p>
+          <a:p>
+            <a:pPr>
+              <a:defRPr sz="900"/>
+            </a:pPr>
+            <a:r>
+              <a:t>・total contract amount</a:t>
+            </a:r>
+          </a:p>
+          <a:p>
+            <a:pPr>
+              <a:defRPr sz="900"/>
+            </a:pPr>
+            <a:r>
+              <a:t>・Uptime for service</a:t>
             </a:r>
           </a:p>
         </p:txBody>
@@ -5738,15 +9800,15 @@
               <a:defRPr sz="900"/>
             </a:pPr>
             <a:r>
-              <a:t>・Dell EMC existing products and customer base</a:t>
-            </a:r>
-          </a:p>
-          <a:p>
-            <a:pPr>
-              <a:defRPr sz="900"/>
-            </a:pPr>
-            <a:r>
-              <a:t>・Integrated management of hardware and software</a:t>
+              <a:t>・Dell EMC's existing product and customer base</a:t>
+            </a:r>
+          </a:p>
+          <a:p>
+            <a:pPr>
+              <a:defRPr sz="900"/>
+            </a:pPr>
+            <a:r>
+              <a:t>・Integrated hardware and software management</a:t>
             </a:r>
           </a:p>
         </p:txBody>
@@ -5794,15 +9856,15 @@
               <a:defRPr sz="900"/>
             </a:pPr>
             <a:r>
-              <a:t>・Dell EMC existing business channels</a:t>
-            </a:r>
-          </a:p>
-          <a:p>
-            <a:pPr>
-              <a:defRPr sz="900"/>
-            </a:pPr>
-            <a:r>
-              <a:t>・website</a:t>
+              <a:t>・Dell EMC's existing business channels</a:t>
+            </a:r>
+          </a:p>
+          <a:p>
+            <a:pPr>
+              <a:defRPr sz="900"/>
+            </a:pPr>
+            <a:r>
+              <a:t>・Website</a:t>
             </a:r>
           </a:p>
         </p:txBody>
@@ -5850,15 +9912,15 @@
               <a:defRPr sz="900"/>
             </a:pPr>
             <a:r>
-              <a:t>・Small and medium-sized enterprises</a:t>
-            </a:r>
-          </a:p>
-          <a:p>
-            <a:pPr>
-              <a:defRPr sz="900"/>
-            </a:pPr>
-            <a:r>
-              <a:t>・Enterprise organization</a:t>
+              <a:t>・smaller companies</a:t>
+            </a:r>
+          </a:p>
+          <a:p>
+            <a:pPr>
+              <a:defRPr sz="900"/>
+            </a:pPr>
+            <a:r>
+              <a:t>・Enterprise Organization</a:t>
             </a:r>
           </a:p>
         </p:txBody>
@@ -5922,7 +9984,7 @@
               <a:defRPr sz="900"/>
             </a:pPr>
             <a:r>
-              <a:t>・Marketing and promotion</a:t>
+              <a:t>・Marketing and Promotion</a:t>
             </a:r>
           </a:p>
         </p:txBody>
@@ -5970,15 +10032,15 @@
               <a:defRPr sz="900"/>
             </a:pPr>
             <a:r>
-              <a:t>・Subscription fee</a:t>
-            </a:r>
-          </a:p>
-          <a:p>
-            <a:pPr>
-              <a:defRPr sz="900"/>
-            </a:pPr>
-            <a:r>
-              <a:t>・Fees for service and support</a:t>
+              <a:t>・Subscription Fees</a:t>
+            </a:r>
+          </a:p>
+          <a:p>
+            <a:pPr>
+              <a:defRPr sz="900"/>
+            </a:pPr>
+            <a:r>
+              <a:t>・Service and Support Fees</a:t>
             </a:r>
           </a:p>
         </p:txBody>
@@ -6084,15 +10146,15 @@
               <a:defRPr sz="900"/>
             </a:pPr>
             <a:r>
-              <a:t>・On-premises infrastructure is difficult to scale</a:t>
-            </a:r>
-          </a:p>
-          <a:p>
-            <a:pPr>
-              <a:defRPr sz="900"/>
-            </a:pPr>
-            <a:r>
-              <a:t>・No way to quickly deploy your own application</a:t>
+              <a:t>・On-premise infrastructure is difficult to scale</a:t>
+            </a:r>
+          </a:p>
+          <a:p>
+            <a:pPr>
+              <a:defRPr sz="900"/>
+            </a:pPr>
+            <a:r>
+              <a:t>・No way to deploy own applications quickly</a:t>
             </a:r>
           </a:p>
         </p:txBody>
@@ -6140,15 +10202,15 @@
               <a:defRPr sz="900"/>
             </a:pPr>
             <a:r>
-              <a:t>・Serve as a cloud-based platform</a:t>
-            </a:r>
-          </a:p>
-          <a:p>
-            <a:pPr>
-              <a:defRPr sz="900"/>
-            </a:pPr>
-            <a:r>
-              <a:t>・Enables auto-scaling and IaC (Infrastructure as Code)</a:t>
+              <a:t>・Serving as a cloud-based platform</a:t>
+            </a:r>
+          </a:p>
+          <a:p>
+            <a:pPr>
+              <a:defRPr sz="900"/>
+            </a:pPr>
+            <a:r>
+              <a:t>・Automatic scaling and Infrastructure as Code (IaC)</a:t>
             </a:r>
           </a:p>
           <a:p>
@@ -6204,7 +10266,7 @@
               <a:defRPr sz="900"/>
             </a:pPr>
             <a:r>
-              <a:t>・number of users</a:t>
+              <a:t>・Number of users</a:t>
             </a:r>
           </a:p>
           <a:p>
@@ -6220,7 +10282,7 @@
               <a:defRPr sz="900"/>
             </a:pPr>
             <a:r>
-              <a:t>・average uptime</a:t>
+              <a:t>・Average uptime</a:t>
             </a:r>
           </a:p>
         </p:txBody>
@@ -6268,7 +10330,7 @@
               <a:defRPr sz="900"/>
             </a:pPr>
             <a:r>
-              <a:t>・A cloud service that makes everything from deployment to scaling easy</a:t>
+              <a:t>・Cloud services from deployment to scaling with ease</a:t>
             </a:r>
           </a:p>
         </p:txBody>
@@ -6316,15 +10378,15 @@
               <a:defRPr sz="900"/>
             </a:pPr>
             <a:r>
-              <a:t>・Red Hat's strong brand and existing customer base</a:t>
-            </a:r>
-          </a:p>
-          <a:p>
-            <a:pPr>
-              <a:defRPr sz="900"/>
-            </a:pPr>
-            <a:r>
-              <a:t>・Extensive community support due to the characteristics of open source</a:t>
+              <a:t>・Strong Red Hat brand and existing customer base</a:t>
+            </a:r>
+          </a:p>
+          <a:p>
+            <a:pPr>
+              <a:defRPr sz="900"/>
+            </a:pPr>
+            <a:r>
+              <a:t>・Extensive community support due to its open source nature</a:t>
             </a:r>
           </a:p>
         </p:txBody>
@@ -6372,7 +10434,7 @@
               <a:defRPr sz="900"/>
             </a:pPr>
             <a:r>
-              <a:t>・website</a:t>
+              <a:t>・Website</a:t>
             </a:r>
           </a:p>
           <a:p>
@@ -6388,7 +10450,7 @@
               <a:defRPr sz="900"/>
             </a:pPr>
             <a:r>
-              <a:t>・Open source community</a:t>
+              <a:t>・open source community</a:t>
             </a:r>
           </a:p>
         </p:txBody>
@@ -6436,23 +10498,23 @@
               <a:defRPr sz="900"/>
             </a:pPr>
             <a:r>
-              <a:t>・Developer</a:t>
-            </a:r>
-          </a:p>
-          <a:p>
-            <a:pPr>
-              <a:defRPr sz="900"/>
-            </a:pPr>
-            <a:r>
-              <a:t>・Small and medium-sized enterprises</a:t>
-            </a:r>
-          </a:p>
-          <a:p>
-            <a:pPr>
-              <a:defRPr sz="900"/>
-            </a:pPr>
-            <a:r>
-              <a:t>・Enterprise organization</a:t>
+              <a:t>・developer</a:t>
+            </a:r>
+          </a:p>
+          <a:p>
+            <a:pPr>
+              <a:defRPr sz="900"/>
+            </a:pPr>
+            <a:r>
+              <a:t>・smaller companies</a:t>
+            </a:r>
+          </a:p>
+          <a:p>
+            <a:pPr>
+              <a:defRPr sz="900"/>
+            </a:pPr>
+            <a:r>
+              <a:t>・Enterprise Organization</a:t>
             </a:r>
           </a:p>
         </p:txBody>
@@ -6516,7 +10578,7 @@
               <a:defRPr sz="900"/>
             </a:pPr>
             <a:r>
-              <a:t>・Marketing and promotion</a:t>
+              <a:t>・Marketing and Promotion</a:t>
             </a:r>
           </a:p>
         </p:txBody>
@@ -6564,15 +10626,15 @@
               <a:defRPr sz="900"/>
             </a:pPr>
             <a:r>
-              <a:t>・Subscription fee</a:t>
-            </a:r>
-          </a:p>
-          <a:p>
-            <a:pPr>
-              <a:defRPr sz="900"/>
-            </a:pPr>
-            <a:r>
-              <a:t>・Support and consulting</a:t>
+              <a:t>・Subscription Fees</a:t>
+            </a:r>
+          </a:p>
+          <a:p>
+            <a:pPr>
+              <a:defRPr sz="900"/>
+            </a:pPr>
+            <a:r>
+              <a:t>・Support and Consulting</a:t>
             </a:r>
           </a:p>
         </p:txBody>
@@ -6622,7 +10684,7 @@
               <a:defRPr sz="2000"/>
             </a:pPr>
             <a:r>
-              <a:t>Devise and commercialize Kubernetes assuming that Kubernetes does not exist (2023-07-08)</a:t>
+              <a:t>Kubernetes was invented and made into a business under the assumption that Kubernetes did not exist. (2023-07-08)</a:t>
             </a:r>
           </a:p>
         </p:txBody>
@@ -6678,15 +10740,15 @@
               <a:defRPr sz="900"/>
             </a:pPr>
             <a:r>
-              <a:t>・Ensuring system scalability and reliability</a:t>
-            </a:r>
-          </a:p>
-          <a:p>
-            <a:pPr>
-              <a:defRPr sz="900"/>
-            </a:pPr>
-            <a:r>
-              <a:t>・Complex state management of infrastructure</a:t>
+              <a:t>・Ensure system scalability and reliability</a:t>
+            </a:r>
+          </a:p>
+          <a:p>
+            <a:pPr>
+              <a:defRPr sz="900"/>
+            </a:pPr>
+            <a:r>
+              <a:t>・Complex infrastructure state management</a:t>
             </a:r>
           </a:p>
           <a:p>
@@ -6750,31 +10812,31 @@
               <a:defRPr sz="900"/>
             </a:pPr>
             <a:r>
-              <a:t>・Load balancing and service discovery</a:t>
-            </a:r>
-          </a:p>
-          <a:p>
-            <a:pPr>
-              <a:defRPr sz="900"/>
-            </a:pPr>
-            <a:r>
-              <a:t>・Manage state with infrastructure as code (IaC)</a:t>
-            </a:r>
-          </a:p>
-          <a:p>
-            <a:pPr>
-              <a:defRPr sz="900"/>
-            </a:pPr>
-            <a:r>
-              <a:t>・Automatic repair by reconciliation mechanism</a:t>
-            </a:r>
-          </a:p>
-          <a:p>
-            <a:pPr>
-              <a:defRPr sz="900"/>
-            </a:pPr>
-            <a:r>
-              <a:t>・Automated rollouts and rollbacks</a:t>
+              <a:t>・Load Balancing and Service Discovery</a:t>
+            </a:r>
+          </a:p>
+          <a:p>
+            <a:pPr>
+              <a:defRPr sz="900"/>
+            </a:pPr>
+            <a:r>
+              <a:t>・Infrastructure-as-Code (IaC) to manage status</a:t>
+            </a:r>
+          </a:p>
+          <a:p>
+            <a:pPr>
+              <a:defRPr sz="900"/>
+            </a:pPr>
+            <a:r>
+              <a:t>・Automatic repair by reconsiliation mechanism</a:t>
+            </a:r>
+          </a:p>
+          <a:p>
+            <a:pPr>
+              <a:defRPr sz="900"/>
+            </a:pPr>
+            <a:r>
+              <a:t>・Automated rollout and rollback</a:t>
             </a:r>
           </a:p>
         </p:txBody>
@@ -6830,15 +10892,15 @@
               <a:defRPr sz="900"/>
             </a:pPr>
             <a:r>
-              <a:t>・number of applications deployed</a:t>
-            </a:r>
-          </a:p>
-          <a:p>
-            <a:pPr>
-              <a:defRPr sz="900"/>
-            </a:pPr>
-            <a:r>
-              <a:t>・Earnings</a:t>
+              <a:t>・Number of deployed applications</a:t>
+            </a:r>
+          </a:p>
+          <a:p>
+            <a:pPr>
+              <a:defRPr sz="900"/>
+            </a:pPr>
+            <a:r>
+              <a:t>・earnings</a:t>
             </a:r>
           </a:p>
         </p:txBody>
@@ -6894,15 +10956,15 @@
               <a:defRPr sz="900"/>
             </a:pPr>
             <a:r>
-              <a:t>・Simplify management by codifying infrastructure</a:t>
-            </a:r>
-          </a:p>
-          <a:p>
-            <a:pPr>
-              <a:defRPr sz="900"/>
-            </a:pPr>
-            <a:r>
-              <a:t>・Automatic repair and reliability assurance through reconciliation</a:t>
+              <a:t>・Simplify management by coding infrastructure</a:t>
+            </a:r>
+          </a:p>
+          <a:p>
+            <a:pPr>
+              <a:defRPr sz="900"/>
+            </a:pPr>
+            <a:r>
+              <a:t>・Automatic repair and reliability assurance through reconsiliation</a:t>
             </a:r>
           </a:p>
         </p:txBody>
@@ -6950,15 +11012,15 @@
               <a:defRPr sz="900"/>
             </a:pPr>
             <a:r>
-              <a:t>・An early advantage for an era without Kubernetes</a:t>
-            </a:r>
-          </a:p>
-          <a:p>
-            <a:pPr>
-              <a:defRPr sz="900"/>
-            </a:pPr>
-            <a:r>
-              <a:t>・Deep cloud native technology knowledge and experience</a:t>
+              <a:t>・Initial Advantage for a time when Kubernetes does not exist</a:t>
+            </a:r>
+          </a:p>
+          <a:p>
+            <a:pPr>
+              <a:defRPr sz="900"/>
+            </a:pPr>
+            <a:r>
+              <a:t>・Deep cloud-native technology knowledge and experience</a:t>
             </a:r>
           </a:p>
         </p:txBody>
@@ -7006,15 +11068,15 @@
               <a:defRPr sz="900"/>
             </a:pPr>
             <a:r>
-              <a:t>・website</a:t>
-            </a:r>
-          </a:p>
-          <a:p>
-            <a:pPr>
-              <a:defRPr sz="900"/>
-            </a:pPr>
-            <a:r>
-              <a:t>・Cloud Marketplace</a:t>
+              <a:t>・Website</a:t>
+            </a:r>
+          </a:p>
+          <a:p>
+            <a:pPr>
+              <a:defRPr sz="900"/>
+            </a:pPr>
+            <a:r>
+              <a:t>・cloud marketplace</a:t>
             </a:r>
           </a:p>
           <a:p>
@@ -7086,7 +11148,7 @@
               <a:defRPr sz="900"/>
             </a:pPr>
             <a:r>
-              <a:t>・Enterprises requiring advanced application deployment</a:t>
+              <a:t>・Companies requiring advanced application deployment</a:t>
             </a:r>
           </a:p>
         </p:txBody>
@@ -7134,23 +11196,23 @@
               <a:defRPr sz="900"/>
             </a:pPr>
             <a:r>
-              <a:t>・Development and maintenance</a:t>
-            </a:r>
-          </a:p>
-          <a:p>
-            <a:pPr>
-              <a:defRPr sz="900"/>
-            </a:pPr>
-            <a:r>
-              <a:t>・Customer support</a:t>
-            </a:r>
-          </a:p>
-          <a:p>
-            <a:pPr>
-              <a:defRPr sz="900"/>
-            </a:pPr>
-            <a:r>
-              <a:t>・Marketing and promotion</a:t>
+              <a:t>・Development and Maintenance</a:t>
+            </a:r>
+          </a:p>
+          <a:p>
+            <a:pPr>
+              <a:defRPr sz="900"/>
+            </a:pPr>
+            <a:r>
+              <a:t>・Customer Support</a:t>
+            </a:r>
+          </a:p>
+          <a:p>
+            <a:pPr>
+              <a:defRPr sz="900"/>
+            </a:pPr>
+            <a:r>
+              <a:t>・Marketing and Promotion</a:t>
             </a:r>
           </a:p>
         </p:txBody>
@@ -7198,15 +11260,15 @@
               <a:defRPr sz="900"/>
             </a:pPr>
             <a:r>
-              <a:t>・Software license fee according to system scale</a:t>
-            </a:r>
-          </a:p>
-          <a:p>
-            <a:pPr>
-              <a:defRPr sz="900"/>
-            </a:pPr>
-            <a:r>
-              <a:t>・Fees for consulting and customization services</a:t>
+              <a:t>・Software license fee based on system size</a:t>
+            </a:r>
+          </a:p>
+          <a:p>
+            <a:pPr>
+              <a:defRPr sz="900"/>
+            </a:pPr>
+            <a:r>
+              <a:t>・Consulting and Customization Service Fees</a:t>
             </a:r>
           </a:p>
         </p:txBody>
@@ -7256,7 +11318,7 @@
               <a:defRPr sz="2000"/>
             </a:pPr>
             <a:r>
-              <a:t>Devise and commercialize SRE assuming that the concept of SRE does not exist (2003-08-01)</a:t>
+              <a:t>SRE was conceived and made into a business based on the assumption that the concept of SRE did not exist. (2003-08-01)</a:t>
             </a:r>
           </a:p>
         </p:txBody>
@@ -7304,7 +11366,7 @@
               <a:defRPr sz="900"/>
             </a:pPr>
             <a:r>
-              <a:t>・High system downtime and unreliability</a:t>
+              <a:t>・Lack of reliability due to frequent system downtime</a:t>
             </a:r>
           </a:p>
           <a:p>
@@ -7368,7 +11430,7 @@
               <a:defRPr sz="900"/>
             </a:pPr>
             <a:r>
-              <a:t>・New engineering role to integrate operations and development</a:t>
+              <a:t>・New engineering roles to integrate operations and development</a:t>
             </a:r>
           </a:p>
           <a:p>
@@ -7384,7 +11446,7 @@
               <a:defRPr sz="900"/>
             </a:pPr>
             <a:r>
-              <a:t>・Increased release speed through automation and IaC (Infrastructure as Code)</a:t>
+              <a:t>・Increased release speed through automation and Infrastructure as Code (IaC)</a:t>
             </a:r>
           </a:p>
         </p:txBody>
@@ -7440,15 +11502,15 @@
               <a:defRPr sz="900"/>
             </a:pPr>
             <a:r>
-              <a:t>・New feature release speed</a:t>
-            </a:r>
-          </a:p>
-          <a:p>
-            <a:pPr>
-              <a:defRPr sz="900"/>
-            </a:pPr>
-            <a:r>
-              <a:t>・system reliability</a:t>
+              <a:t>・Release speed of new features</a:t>
+            </a:r>
+          </a:p>
+          <a:p>
+            <a:pPr>
+              <a:defRPr sz="900"/>
+            </a:pPr>
+            <a:r>
+              <a:t>・System Reliability</a:t>
             </a:r>
           </a:p>
         </p:txBody>
@@ -7496,7 +11558,7 @@
               <a:defRPr sz="900"/>
             </a:pPr>
             <a:r>
-              <a:t>・Highly reliable system operation applying software engineering methods</a:t>
+              <a:t>・Reliable system operation by applying software engineering methods</a:t>
             </a:r>
           </a:p>
         </p:txBody>
@@ -7544,15 +11606,15 @@
               <a:defRPr sz="900"/>
             </a:pPr>
             <a:r>
-              <a:t>・Pioneer of new investment methods</a:t>
-            </a:r>
-          </a:p>
-          <a:p>
-            <a:pPr>
-              <a:defRPr sz="900"/>
-            </a:pPr>
-            <a:r>
-              <a:t>・Ability to improve both system reliability and speed of new feature release</a:t>
+              <a:t>・Pioneer of new operational methods</a:t>
+            </a:r>
+          </a:p>
+          <a:p>
+            <a:pPr>
+              <a:defRPr sz="900"/>
+            </a:pPr>
+            <a:r>
+              <a:t>・Ability to increase both system reliability and the speed at which new features are released</a:t>
             </a:r>
           </a:p>
         </p:txBody>
@@ -7608,15 +11670,15 @@
               <a:defRPr sz="900"/>
             </a:pPr>
             <a:r>
-              <a:t>・seminars, conferences</a:t>
-            </a:r>
-          </a:p>
-          <a:p>
-            <a:pPr>
-              <a:defRPr sz="900"/>
-            </a:pPr>
-            <a:r>
-              <a:t>・Partnerships (IT consulting firms, etc.)</a:t>
+              <a:t>・Seminars and Conferences</a:t>
+            </a:r>
+          </a:p>
+          <a:p>
+            <a:pPr>
+              <a:defRPr sz="900"/>
+            </a:pPr>
+            <a:r>
+              <a:t>・Partnerships (e.g., IT consulting firms)</a:t>
             </a:r>
           </a:p>
         </p:txBody>
@@ -7672,7 +11734,7 @@
               <a:defRPr sz="900"/>
             </a:pPr>
             <a:r>
-              <a:t>・Companies that feel they are slow to release new features</a:t>
+              <a:t>・Companies that feel that the release of new features is slow</a:t>
             </a:r>
           </a:p>
         </p:txBody>
@@ -7680,6 +11742,70 @@
       <p:sp>
         <p:nvSpPr>
           <p:cNvPr id="10" name="TextBox 9"/>
+          <p:cNvSpPr txBox="1"/>
+          <p:nvPr/>
+        </p:nvSpPr>
+        <p:spPr>
+          <a:xfrm>
+            <a:off x="457200" y="5577840"/>
+            <a:ext cx="6858000" cy="2194560"/>
+          </a:xfrm>
+          <a:prstGeom prst="rect">
+            <a:avLst/>
+          </a:prstGeom>
+          <a:noFill/>
+          <a:ln w="12700">
+            <a:solidFill>
+              <a:srgbClr val="000000"/>
+            </a:solidFill>
+          </a:ln>
+        </p:spPr>
+        <p:txBody>
+          <a:bodyPr wrap="square">
+            <a:noAutofit/>
+          </a:bodyPr>
+          <a:lstStyle/>
+          <a:p>
+            <a:pPr>
+              <a:defRPr sz="1600" u="sng">
+                <a:solidFill>
+                  <a:srgbClr val="008000"/>
+                </a:solidFill>
+              </a:defRPr>
+            </a:pPr>
+            <a:r>
+              <a:t>Cost Structure</a:t>
+            </a:r>
+          </a:p>
+          <a:p>
+            <a:pPr>
+              <a:defRPr sz="900"/>
+            </a:pPr>
+            <a:r>
+              <a:t>・Engineer Salary</a:t>
+            </a:r>
+          </a:p>
+          <a:p>
+            <a:pPr>
+              <a:defRPr sz="900"/>
+            </a:pPr>
+            <a:r>
+              <a:t>・Marketing and sales costs</a:t>
+            </a:r>
+          </a:p>
+          <a:p>
+            <a:pPr>
+              <a:defRPr sz="900"/>
+            </a:pPr>
+            <a:r>
+              <a:t>・R&amp;D</a:t>
+            </a:r>
+          </a:p>
+        </p:txBody>
+      </p:sp>
+      <p:sp>
+        <p:nvSpPr>
+          <p:cNvPr id="11" name="TextBox 10"/>
           <p:cNvSpPr txBox="1"/>
           <p:nvPr/>
         </p:nvSpPr>
@@ -7720,7 +11846,7 @@
               <a:defRPr sz="900"/>
             </a:pPr>
             <a:r>
-              <a:t>・Service contract fee</a:t>
+              <a:t>・service contract fee</a:t>
             </a:r>
           </a:p>
           <a:p>
@@ -7736,7 +11862,585 @@
               <a:defRPr sz="900"/>
             </a:pPr>
             <a:r>
-              <a:t>・Consulting fee</a:t>
+              <a:t>・Consulting Fee</a:t>
+            </a:r>
+          </a:p>
+        </p:txBody>
+      </p:sp>
+    </p:spTree>
+  </p:cSld>
+  <p:clrMapOvr>
+    <a:masterClrMapping/>
+  </p:clrMapOvr>
+</p:sld>
+</file>
+
+<file path=ppt/slides/slide9.xml><?xml version="1.0" encoding="utf-8"?>
+<p:sld xmlns:a="http://schemas.openxmlformats.org/drawingml/2006/main" xmlns:p="http://schemas.openxmlformats.org/presentationml/2006/main" xmlns:r="http://schemas.openxmlformats.org/officeDocument/2006/relationships">
+  <p:cSld>
+    <p:spTree>
+      <p:nvGrpSpPr>
+        <p:cNvPr id="1" name=""/>
+        <p:cNvGrpSpPr/>
+        <p:nvPr/>
+      </p:nvGrpSpPr>
+      <p:grpSpPr/>
+      <p:sp>
+        <p:nvSpPr>
+          <p:cNvPr id="2" name="TextBox 1"/>
+          <p:cNvSpPr txBox="1"/>
+          <p:nvPr/>
+        </p:nvSpPr>
+        <p:spPr>
+          <a:xfrm>
+            <a:off x="457200" y="457200"/>
+            <a:ext cx="13258800" cy="457200"/>
+          </a:xfrm>
+          <a:prstGeom prst="rect">
+            <a:avLst/>
+          </a:prstGeom>
+          <a:noFill/>
+        </p:spPr>
+        <p:txBody>
+          <a:bodyPr wrap="none">
+            <a:spAutoFit/>
+          </a:bodyPr>
+          <a:lstStyle/>
+          <a:p/>
+          <a:p>
+            <a:pPr algn="ctr">
+              <a:defRPr sz="2000"/>
+            </a:pPr>
+            <a:r>
+              <a:t>nCino (2012-07-12)</a:t>
+            </a:r>
+          </a:p>
+        </p:txBody>
+      </p:sp>
+      <p:sp>
+        <p:nvSpPr>
+          <p:cNvPr id="3" name="TextBox 2"/>
+          <p:cNvSpPr txBox="1"/>
+          <p:nvPr/>
+        </p:nvSpPr>
+        <p:spPr>
+          <a:xfrm>
+            <a:off x="457200" y="1188720"/>
+            <a:ext cx="2743200" cy="4389120"/>
+          </a:xfrm>
+          <a:prstGeom prst="rect">
+            <a:avLst/>
+          </a:prstGeom>
+          <a:noFill/>
+          <a:ln w="12700">
+            <a:solidFill>
+              <a:srgbClr val="000000"/>
+            </a:solidFill>
+          </a:ln>
+        </p:spPr>
+        <p:txBody>
+          <a:bodyPr wrap="square">
+            <a:noAutofit/>
+          </a:bodyPr>
+          <a:lstStyle/>
+          <a:p>
+            <a:pPr>
+              <a:defRPr sz="1600" u="sng">
+                <a:solidFill>
+                  <a:srgbClr val="008000"/>
+                </a:solidFill>
+              </a:defRPr>
+            </a:pPr>
+            <a:r>
+              <a:t>Problem</a:t>
+            </a:r>
+          </a:p>
+          <a:p>
+            <a:pPr>
+              <a:defRPr sz="900"/>
+            </a:pPr>
+            <a:r>
+              <a:t>・Inefficient and slow procedures due to legacy systems in the banking industry</a:t>
+            </a:r>
+          </a:p>
+          <a:p>
+            <a:pPr>
+              <a:defRPr sz="900"/>
+            </a:pPr>
+            <a:r>
+              <a:t>・Poor customer experience and low satisfaction</a:t>
+            </a:r>
+          </a:p>
+          <a:p>
+            <a:pPr>
+              <a:defRPr sz="900"/>
+            </a:pPr>
+            <a:r>
+              <a:t>・Difficulties in regulatory compliance</a:t>
+            </a:r>
+          </a:p>
+        </p:txBody>
+      </p:sp>
+      <p:sp>
+        <p:nvSpPr>
+          <p:cNvPr id="4" name="TextBox 3"/>
+          <p:cNvSpPr txBox="1"/>
+          <p:nvPr/>
+        </p:nvSpPr>
+        <p:spPr>
+          <a:xfrm>
+            <a:off x="3200400" y="1188720"/>
+            <a:ext cx="2743200" cy="2194560"/>
+          </a:xfrm>
+          <a:prstGeom prst="rect">
+            <a:avLst/>
+          </a:prstGeom>
+          <a:noFill/>
+          <a:ln w="12700">
+            <a:solidFill>
+              <a:srgbClr val="000000"/>
+            </a:solidFill>
+          </a:ln>
+        </p:spPr>
+        <p:txBody>
+          <a:bodyPr wrap="square">
+            <a:noAutofit/>
+          </a:bodyPr>
+          <a:lstStyle/>
+          <a:p>
+            <a:pPr>
+              <a:defRPr sz="1600" u="sng">
+                <a:solidFill>
+                  <a:srgbClr val="008000"/>
+                </a:solidFill>
+              </a:defRPr>
+            </a:pPr>
+            <a:r>
+              <a:t>Solution</a:t>
+            </a:r>
+          </a:p>
+          <a:p>
+            <a:pPr>
+              <a:defRPr sz="900"/>
+            </a:pPr>
+            <a:r>
+              <a:t>・Cloud-based centralized bank operating system</a:t>
+            </a:r>
+          </a:p>
+          <a:p>
+            <a:pPr>
+              <a:defRPr sz="900"/>
+            </a:pPr>
+            <a:r>
+              <a:t>・Digitization to improve customer service</a:t>
+            </a:r>
+          </a:p>
+          <a:p>
+            <a:pPr>
+              <a:defRPr sz="900"/>
+            </a:pPr>
+            <a:r>
+              <a:t>・Dashboard for real-time monitoring and reporting</a:t>
+            </a:r>
+          </a:p>
+        </p:txBody>
+      </p:sp>
+      <p:sp>
+        <p:nvSpPr>
+          <p:cNvPr id="5" name="TextBox 4"/>
+          <p:cNvSpPr txBox="1"/>
+          <p:nvPr/>
+        </p:nvSpPr>
+        <p:spPr>
+          <a:xfrm>
+            <a:off x="3200400" y="3383280"/>
+            <a:ext cx="2743200" cy="2194560"/>
+          </a:xfrm>
+          <a:prstGeom prst="rect">
+            <a:avLst/>
+          </a:prstGeom>
+          <a:noFill/>
+          <a:ln w="12700">
+            <a:solidFill>
+              <a:srgbClr val="000000"/>
+            </a:solidFill>
+          </a:ln>
+        </p:spPr>
+        <p:txBody>
+          <a:bodyPr wrap="square">
+            <a:noAutofit/>
+          </a:bodyPr>
+          <a:lstStyle/>
+          <a:p>
+            <a:pPr>
+              <a:defRPr sz="1600" u="sng">
+                <a:solidFill>
+                  <a:srgbClr val="008000"/>
+                </a:solidFill>
+              </a:defRPr>
+            </a:pPr>
+            <a:r>
+              <a:t>Key Metrics</a:t>
+            </a:r>
+          </a:p>
+          <a:p>
+            <a:pPr>
+              <a:defRPr sz="900"/>
+            </a:pPr>
+            <a:r>
+              <a:t>・Number of new banks registered on the platform</a:t>
+            </a:r>
+          </a:p>
+          <a:p>
+            <a:pPr>
+              <a:defRPr sz="900"/>
+            </a:pPr>
+            <a:r>
+              <a:t>・Transaction volume by bank</a:t>
+            </a:r>
+          </a:p>
+          <a:p>
+            <a:pPr>
+              <a:defRPr sz="900"/>
+            </a:pPr>
+            <a:r>
+              <a:t>・(degree of) customer satisfaction</a:t>
+            </a:r>
+          </a:p>
+        </p:txBody>
+      </p:sp>
+      <p:sp>
+        <p:nvSpPr>
+          <p:cNvPr id="6" name="TextBox 5"/>
+          <p:cNvSpPr txBox="1"/>
+          <p:nvPr/>
+        </p:nvSpPr>
+        <p:spPr>
+          <a:xfrm>
+            <a:off x="5943600" y="1188720"/>
+            <a:ext cx="2743200" cy="4389120"/>
+          </a:xfrm>
+          <a:prstGeom prst="rect">
+            <a:avLst/>
+          </a:prstGeom>
+          <a:noFill/>
+          <a:ln w="12700">
+            <a:solidFill>
+              <a:srgbClr val="000000"/>
+            </a:solidFill>
+          </a:ln>
+        </p:spPr>
+        <p:txBody>
+          <a:bodyPr wrap="square">
+            <a:noAutofit/>
+          </a:bodyPr>
+          <a:lstStyle/>
+          <a:p>
+            <a:pPr>
+              <a:defRPr sz="1600" u="sng">
+                <a:solidFill>
+                  <a:srgbClr val="008000"/>
+                </a:solidFill>
+              </a:defRPr>
+            </a:pPr>
+            <a:r>
+              <a:t>Unique Value Proposition</a:t>
+            </a:r>
+          </a:p>
+          <a:p>
+            <a:pPr>
+              <a:defRPr sz="900"/>
+            </a:pPr>
+            <a:r>
+              <a:t>・A centralized system that digitizes and streamlines the bank's business processes</a:t>
+            </a:r>
+          </a:p>
+        </p:txBody>
+      </p:sp>
+      <p:sp>
+        <p:nvSpPr>
+          <p:cNvPr id="7" name="TextBox 6"/>
+          <p:cNvSpPr txBox="1"/>
+          <p:nvPr/>
+        </p:nvSpPr>
+        <p:spPr>
+          <a:xfrm>
+            <a:off x="8686800" y="1188720"/>
+            <a:ext cx="2743200" cy="2194560"/>
+          </a:xfrm>
+          <a:prstGeom prst="rect">
+            <a:avLst/>
+          </a:prstGeom>
+          <a:noFill/>
+          <a:ln w="12700">
+            <a:solidFill>
+              <a:srgbClr val="000000"/>
+            </a:solidFill>
+          </a:ln>
+        </p:spPr>
+        <p:txBody>
+          <a:bodyPr wrap="square">
+            <a:noAutofit/>
+          </a:bodyPr>
+          <a:lstStyle/>
+          <a:p>
+            <a:pPr>
+              <a:defRPr sz="1600" u="sng">
+                <a:solidFill>
+                  <a:srgbClr val="008000"/>
+                </a:solidFill>
+              </a:defRPr>
+            </a:pPr>
+            <a:r>
+              <a:t>Unfair Advantage</a:t>
+            </a:r>
+          </a:p>
+          <a:p>
+            <a:pPr>
+              <a:defRPr sz="900"/>
+            </a:pPr>
+            <a:r>
+              <a:t>・Cloud-based platform developed from the beginning, unlike existing bank legacy systems</a:t>
+            </a:r>
+          </a:p>
+          <a:p>
+            <a:pPr>
+              <a:defRPr sz="900"/>
+            </a:pPr>
+            <a:r>
+              <a:t>・Services embedded within the Salesforce ecosystem</a:t>
+            </a:r>
+          </a:p>
+        </p:txBody>
+      </p:sp>
+      <p:sp>
+        <p:nvSpPr>
+          <p:cNvPr id="8" name="TextBox 7"/>
+          <p:cNvSpPr txBox="1"/>
+          <p:nvPr/>
+        </p:nvSpPr>
+        <p:spPr>
+          <a:xfrm>
+            <a:off x="8686800" y="3383280"/>
+            <a:ext cx="2743200" cy="2194560"/>
+          </a:xfrm>
+          <a:prstGeom prst="rect">
+            <a:avLst/>
+          </a:prstGeom>
+          <a:noFill/>
+          <a:ln w="12700">
+            <a:solidFill>
+              <a:srgbClr val="000000"/>
+            </a:solidFill>
+          </a:ln>
+        </p:spPr>
+        <p:txBody>
+          <a:bodyPr wrap="square">
+            <a:noAutofit/>
+          </a:bodyPr>
+          <a:lstStyle/>
+          <a:p>
+            <a:pPr>
+              <a:defRPr sz="1600" u="sng">
+                <a:solidFill>
+                  <a:srgbClr val="008000"/>
+                </a:solidFill>
+              </a:defRPr>
+            </a:pPr>
+            <a:r>
+              <a:t>Channels</a:t>
+            </a:r>
+          </a:p>
+          <a:p>
+            <a:pPr>
+              <a:defRPr sz="900"/>
+            </a:pPr>
+            <a:r>
+              <a:t>・Internet (websites, blogs, social media)</a:t>
+            </a:r>
+          </a:p>
+          <a:p>
+            <a:pPr>
+              <a:defRPr sz="900"/>
+            </a:pPr>
+            <a:r>
+              <a:t>・Direct partnerships with banks</a:t>
+            </a:r>
+          </a:p>
+        </p:txBody>
+      </p:sp>
+      <p:sp>
+        <p:nvSpPr>
+          <p:cNvPr id="9" name="TextBox 8"/>
+          <p:cNvSpPr txBox="1"/>
+          <p:nvPr/>
+        </p:nvSpPr>
+        <p:spPr>
+          <a:xfrm>
+            <a:off x="11430000" y="1188720"/>
+            <a:ext cx="2743200" cy="4389120"/>
+          </a:xfrm>
+          <a:prstGeom prst="rect">
+            <a:avLst/>
+          </a:prstGeom>
+          <a:noFill/>
+          <a:ln w="12700">
+            <a:solidFill>
+              <a:srgbClr val="000000"/>
+            </a:solidFill>
+          </a:ln>
+        </p:spPr>
+        <p:txBody>
+          <a:bodyPr wrap="square">
+            <a:noAutofit/>
+          </a:bodyPr>
+          <a:lstStyle/>
+          <a:p>
+            <a:pPr>
+              <a:defRPr sz="1600" u="sng">
+                <a:solidFill>
+                  <a:srgbClr val="008000"/>
+                </a:solidFill>
+              </a:defRPr>
+            </a:pPr>
+            <a:r>
+              <a:t>Customer Segments</a:t>
+            </a:r>
+          </a:p>
+          <a:p>
+            <a:pPr>
+              <a:defRPr sz="900"/>
+            </a:pPr>
+            <a:r>
+              <a:t>・Banks considering migration from legacy systems</a:t>
+            </a:r>
+          </a:p>
+          <a:p>
+            <a:pPr>
+              <a:defRPr sz="900"/>
+            </a:pPr>
+            <a:r>
+              <a:t>・Banks seeking to improve customer experience</a:t>
+            </a:r>
+          </a:p>
+        </p:txBody>
+      </p:sp>
+      <p:sp>
+        <p:nvSpPr>
+          <p:cNvPr id="10" name="TextBox 9"/>
+          <p:cNvSpPr txBox="1"/>
+          <p:nvPr/>
+        </p:nvSpPr>
+        <p:spPr>
+          <a:xfrm>
+            <a:off x="457200" y="5577840"/>
+            <a:ext cx="6858000" cy="2194560"/>
+          </a:xfrm>
+          <a:prstGeom prst="rect">
+            <a:avLst/>
+          </a:prstGeom>
+          <a:noFill/>
+          <a:ln w="12700">
+            <a:solidFill>
+              <a:srgbClr val="000000"/>
+            </a:solidFill>
+          </a:ln>
+        </p:spPr>
+        <p:txBody>
+          <a:bodyPr wrap="square">
+            <a:noAutofit/>
+          </a:bodyPr>
+          <a:lstStyle/>
+          <a:p>
+            <a:pPr>
+              <a:defRPr sz="1600" u="sng">
+                <a:solidFill>
+                  <a:srgbClr val="008000"/>
+                </a:solidFill>
+              </a:defRPr>
+            </a:pPr>
+            <a:r>
+              <a:t>Cost Structure</a:t>
+            </a:r>
+          </a:p>
+          <a:p>
+            <a:pPr>
+              <a:defRPr sz="900"/>
+            </a:pPr>
+            <a:r>
+              <a:t>・Engineer Salary</a:t>
+            </a:r>
+          </a:p>
+          <a:p>
+            <a:pPr>
+              <a:defRPr sz="900"/>
+            </a:pPr>
+            <a:r>
+              <a:t>・Cloud infrastructure maintenance costs</a:t>
+            </a:r>
+          </a:p>
+          <a:p>
+            <a:pPr>
+              <a:defRPr sz="900"/>
+            </a:pPr>
+            <a:r>
+              <a:t>・Marketing and sales costs</a:t>
+            </a:r>
+          </a:p>
+        </p:txBody>
+      </p:sp>
+      <p:sp>
+        <p:nvSpPr>
+          <p:cNvPr id="11" name="TextBox 10"/>
+          <p:cNvSpPr txBox="1"/>
+          <p:nvPr/>
+        </p:nvSpPr>
+        <p:spPr>
+          <a:xfrm>
+            <a:off x="7315200" y="5577840"/>
+            <a:ext cx="6858000" cy="2194560"/>
+          </a:xfrm>
+          <a:prstGeom prst="rect">
+            <a:avLst/>
+          </a:prstGeom>
+          <a:noFill/>
+          <a:ln w="12700">
+            <a:solidFill>
+              <a:srgbClr val="000000"/>
+            </a:solidFill>
+          </a:ln>
+        </p:spPr>
+        <p:txBody>
+          <a:bodyPr wrap="square">
+            <a:noAutofit/>
+          </a:bodyPr>
+          <a:lstStyle/>
+          <a:p>
+            <a:pPr>
+              <a:defRPr sz="1600" u="sng">
+                <a:solidFill>
+                  <a:srgbClr val="008000"/>
+                </a:solidFill>
+              </a:defRPr>
+            </a:pPr>
+            <a:r>
+              <a:t>Revenue Streams</a:t>
+            </a:r>
+          </a:p>
+          <a:p>
+            <a:pPr>
+              <a:defRPr sz="900"/>
+            </a:pPr>
+            <a:r>
+              <a:t>・Software subscription fees</a:t>
+            </a:r>
+          </a:p>
+          <a:p>
+            <a:pPr>
+              <a:defRPr sz="900"/>
+            </a:pPr>
+            <a:r>
+              <a:t>・Support and Customization Service Fees</a:t>
             </a:r>
           </a:p>
         </p:txBody>

--- a/sample_en.pptx
+++ b/sample_en.pptx
@@ -3178,7 +3178,7 @@
               <a:defRPr sz="900"/>
             </a:pPr>
             <a:r>
-              <a:t>・Searching web pages is incomplete and inconvenient</a:t>
+              <a:t>・Incomplete and inconvenient search of web pages</a:t>
             </a:r>
           </a:p>
           <a:p>
@@ -3258,7 +3258,7 @@
               <a:defRPr sz="900"/>
             </a:pPr>
             <a:r>
-              <a:t>・Organize and search web pages more efficiently</a:t>
+              <a:t>・Organize web pages and improve search efficiency</a:t>
             </a:r>
           </a:p>
         </p:txBody>
@@ -3322,7 +3322,7 @@
               <a:defRPr sz="900"/>
             </a:pPr>
             <a:r>
-              <a:t>・User Feedback</a:t>
+              <a:t>・User feedback</a:t>
             </a:r>
           </a:p>
         </p:txBody>
@@ -3370,15 +3370,15 @@
               <a:defRPr sz="900"/>
             </a:pPr>
             <a:r>
-              <a:t>・Quickly find the most relevant information</a:t>
-            </a:r>
-          </a:p>
-          <a:p>
-            <a:pPr>
-              <a:defRPr sz="900"/>
-            </a:pPr>
-            <a:r>
-              <a:t>・Powerful tools to explore the Web efficiently</a:t>
+              <a:t>・Find the most relevant information quickly</a:t>
+            </a:r>
+          </a:p>
+          <a:p>
+            <a:pPr>
+              <a:defRPr sz="900"/>
+            </a:pPr>
+            <a:r>
+              <a:t>・Powerful tools for efficient web exploration</a:t>
             </a:r>
           </a:p>
         </p:txBody>
@@ -3426,7 +3426,7 @@
               <a:defRPr sz="900"/>
             </a:pPr>
             <a:r>
-              <a:t>・Advanced Search Algorithm (PageRank)</a:t>
+              <a:t>・Advanced search algorithm (PageRank)</a:t>
             </a:r>
           </a:p>
           <a:p>
@@ -3482,7 +3482,7 @@
               <a:defRPr sz="900"/>
             </a:pPr>
             <a:r>
-              <a:t>・Website</a:t>
+              <a:t>・Websites</a:t>
             </a:r>
           </a:p>
           <a:p>
@@ -3498,7 +3498,7 @@
               <a:defRPr sz="900"/>
             </a:pPr>
             <a:r>
-              <a:t>・Media Exposure</a:t>
+              <a:t>・Media exposure</a:t>
             </a:r>
           </a:p>
         </p:txBody>
@@ -3546,15 +3546,15 @@
               <a:defRPr sz="900"/>
             </a:pPr>
             <a:r>
-              <a:t>・Internet users overall</a:t>
-            </a:r>
-          </a:p>
-          <a:p>
-            <a:pPr>
-              <a:defRPr sz="900"/>
-            </a:pPr>
-            <a:r>
-              <a:t>・People who need information for their business</a:t>
+              <a:t>・Overall Internet users</a:t>
+            </a:r>
+          </a:p>
+          <a:p>
+            <a:pPr>
+              <a:defRPr sz="900"/>
+            </a:pPr>
+            <a:r>
+              <a:t>・People who need information for their businesses</a:t>
             </a:r>
           </a:p>
         </p:txBody>
@@ -3602,23 +3602,23 @@
               <a:defRPr sz="900"/>
             </a:pPr>
             <a:r>
-              <a:t>・Maintain servers and infrastructure</a:t>
-            </a:r>
-          </a:p>
-          <a:p>
-            <a:pPr>
-              <a:defRPr sz="900"/>
-            </a:pPr>
-            <a:r>
-              <a:t>・Algorithm and Software Development</a:t>
-            </a:r>
-          </a:p>
-          <a:p>
-            <a:pPr>
-              <a:defRPr sz="900"/>
-            </a:pPr>
-            <a:r>
-              <a:t>・Marketing and Brand Building</a:t>
+              <a:t>・Maintaining servers and infrastructure</a:t>
+            </a:r>
+          </a:p>
+          <a:p>
+            <a:pPr>
+              <a:defRPr sz="900"/>
+            </a:pPr>
+            <a:r>
+              <a:t>・Algorithm and software development</a:t>
+            </a:r>
+          </a:p>
+          <a:p>
+            <a:pPr>
+              <a:defRPr sz="900"/>
+            </a:pPr>
+            <a:r>
+              <a:t>・Marketing and brand building</a:t>
             </a:r>
           </a:p>
         </p:txBody>
@@ -3764,15 +3764,15 @@
               <a:defRPr sz="900"/>
             </a:pPr>
             <a:r>
-              <a:t>・High cost of X-ray equipment</a:t>
-            </a:r>
-          </a:p>
-          <a:p>
-            <a:pPr>
-              <a:defRPr sz="900"/>
-            </a:pPr>
-            <a:r>
-              <a:t>・Limited medical diagnosis in inaccessible areas</a:t>
+              <a:t>・High cost of x-ray equipment</a:t>
+            </a:r>
+          </a:p>
+          <a:p>
+            <a:pPr>
+              <a:defRPr sz="900"/>
+            </a:pPr>
+            <a:r>
+              <a:t>・Limited availability of medical diagnostics in inaccessible areas</a:t>
             </a:r>
           </a:p>
           <a:p>
@@ -3844,7 +3844,7 @@
               <a:defRPr sz="900"/>
             </a:pPr>
             <a:r>
-              <a:t>・Immediate diagnostic support using AI</a:t>
+              <a:t>・Instant diagnostic support using AI</a:t>
             </a:r>
           </a:p>
         </p:txBody>
@@ -3908,7 +3908,7 @@
               <a:defRPr sz="900"/>
             </a:pPr>
             <a:r>
-              <a:t>・Diagnostic processing volume by AI</a:t>
+              <a:t>・AI-based diagnostic throughput</a:t>
             </a:r>
           </a:p>
         </p:txBody>
@@ -3956,7 +3956,7 @@
               <a:defRPr sz="900"/>
             </a:pPr>
             <a:r>
-              <a:t>・Provide low-cost, accessible x-ray diagnostic technology</a:t>
+              <a:t>・Provision of low-cost, accessible x-ray diagnostic technology</a:t>
             </a:r>
           </a:p>
         </p:txBody>
@@ -4004,15 +4004,15 @@
               <a:defRPr sz="900"/>
             </a:pPr>
             <a:r>
-              <a:t>・Development of innovative low-cost X-ray systems</a:t>
-            </a:r>
-          </a:p>
-          <a:p>
-            <a:pPr>
-              <a:defRPr sz="900"/>
-            </a:pPr>
-            <a:r>
-              <a:t>・Integrated solution combining cloud-based diagnostic platform</a:t>
+              <a:t>・Development of innovative low-cost x-ray systems</a:t>
+            </a:r>
+          </a:p>
+          <a:p>
+            <a:pPr>
+              <a:defRPr sz="900"/>
+            </a:pPr>
+            <a:r>
+              <a:t>・Integrated solutions combining cloud-based diagnostic platforms</a:t>
             </a:r>
           </a:p>
         </p:txBody>
@@ -4076,7 +4076,7 @@
               <a:defRPr sz="900"/>
             </a:pPr>
             <a:r>
-              <a:t>・Online (website, social media)</a:t>
+              <a:t>・Online (websites, social media)</a:t>
             </a:r>
           </a:p>
         </p:txBody>
@@ -4132,7 +4132,7 @@
               <a:defRPr sz="900"/>
             </a:pPr>
             <a:r>
-              <a:t>・Local clinics and small hospitals</a:t>
+              <a:t>・Rural clinics and small hospitals</a:t>
             </a:r>
           </a:p>
           <a:p>
@@ -4188,15 +4188,15 @@
               <a:defRPr sz="900"/>
             </a:pPr>
             <a:r>
-              <a:t>・R&amp;D Expenses</a:t>
-            </a:r>
-          </a:p>
-          <a:p>
-            <a:pPr>
-              <a:defRPr sz="900"/>
-            </a:pPr>
-            <a:r>
-              <a:t>・production cost</a:t>
+              <a:t>・Research and development costs</a:t>
+            </a:r>
+          </a:p>
+          <a:p>
+            <a:pPr>
+              <a:defRPr sz="900"/>
+            </a:pPr>
+            <a:r>
+              <a:t>・Production costs</a:t>
             </a:r>
           </a:p>
           <a:p>
@@ -4252,23 +4252,23 @@
               <a:defRPr sz="900"/>
             </a:pPr>
             <a:r>
-              <a:t>・Nanox.ARC for sale</a:t>
-            </a:r>
-          </a:p>
-          <a:p>
-            <a:pPr>
-              <a:defRPr sz="900"/>
-            </a:pPr>
-            <a:r>
-              <a:t>・Nanox.Cloud service fees</a:t>
-            </a:r>
-          </a:p>
-          <a:p>
-            <a:pPr>
-              <a:defRPr sz="900"/>
-            </a:pPr>
-            <a:r>
-              <a:t>・Fees for AI Diagnostic Support</a:t>
+              <a:t>・Sales of Nanox.ARC</a:t>
+            </a:r>
+          </a:p>
+          <a:p>
+            <a:pPr>
+              <a:defRPr sz="900"/>
+            </a:pPr>
+            <a:r>
+              <a:t>・Nanox.Cloud service usage fees</a:t>
+            </a:r>
+          </a:p>
+          <a:p>
+            <a:pPr>
+              <a:defRPr sz="900"/>
+            </a:pPr>
+            <a:r>
+              <a:t>・AI diagnostic support usage fees</a:t>
             </a:r>
           </a:p>
         </p:txBody>
@@ -4366,7 +4366,7 @@
               <a:defRPr sz="900"/>
             </a:pPr>
             <a:r>
-              <a:t>・Scaling issues with existing data warehouses</a:t>
+              <a:t>・Existing data warehouse scaling issues</a:t>
             </a:r>
           </a:p>
           <a:p>
@@ -4430,7 +4430,7 @@
               <a:defRPr sz="900"/>
             </a:pPr>
             <a:r>
-              <a:t>・Cloud-native data warehousing</a:t>
+              <a:t>・Cloud-native data warehouse</a:t>
             </a:r>
           </a:p>
           <a:p>
@@ -4558,7 +4558,7 @@
               <a:defRPr sz="900"/>
             </a:pPr>
             <a:r>
-              <a:t>・Provide a fast and scalable data warehouse in the cloud</a:t>
+              <a:t>・Fast and scalable data warehouse in the cloud</a:t>
             </a:r>
           </a:p>
         </p:txBody>
@@ -4614,7 +4614,7 @@
               <a:defRPr sz="900"/>
             </a:pPr>
             <a:r>
-              <a:t>・On-demand scaling and fee structure</a:t>
+              <a:t>・On-demand scaling and pricing structure</a:t>
             </a:r>
           </a:p>
         </p:txBody>
@@ -4670,7 +4670,7 @@
               <a:defRPr sz="900"/>
             </a:pPr>
             <a:r>
-              <a:t>・cloud marketplace</a:t>
+              <a:t>・Cloud Marketplace</a:t>
             </a:r>
           </a:p>
           <a:p>
@@ -4726,15 +4726,15 @@
               <a:defRPr sz="900"/>
             </a:pPr>
             <a:r>
-              <a:t>・enterprise</a:t>
-            </a:r>
-          </a:p>
-          <a:p>
-            <a:pPr>
-              <a:defRPr sz="900"/>
-            </a:pPr>
-            <a:r>
-              <a:t>・Tech Startups</a:t>
+              <a:t>・Large Enterprises</a:t>
+            </a:r>
+          </a:p>
+          <a:p>
+            <a:pPr>
+              <a:defRPr sz="900"/>
+            </a:pPr>
+            <a:r>
+              <a:t>・Tech startups</a:t>
             </a:r>
           </a:p>
           <a:p>
@@ -4854,15 +4854,15 @@
               <a:defRPr sz="900"/>
             </a:pPr>
             <a:r>
-              <a:t>・Billing based on usage volume</a:t>
-            </a:r>
-          </a:p>
-          <a:p>
-            <a:pPr>
-              <a:defRPr sz="900"/>
-            </a:pPr>
-            <a:r>
-              <a:t>・Rate plans for long-term use</a:t>
+              <a:t>・Usage-based billing</a:t>
+            </a:r>
+          </a:p>
+          <a:p>
+            <a:pPr>
+              <a:defRPr sz="900"/>
+            </a:pPr>
+            <a:r>
+              <a:t>・Pricing plans for long-term use</a:t>
             </a:r>
           </a:p>
           <a:p>
@@ -4968,7 +4968,7 @@
               <a:defRPr sz="900"/>
             </a:pPr>
             <a:r>
-              <a:t>・Difficult to utilize AI and big data</a:t>
+              <a:t>・Difficult to leverage AI and big data</a:t>
             </a:r>
           </a:p>
           <a:p>
@@ -5104,7 +5104,7 @@
               <a:defRPr sz="900"/>
             </a:pPr>
             <a:r>
-              <a:t>・data processing volume</a:t>
+              <a:t>・Data processing volume</a:t>
             </a:r>
           </a:p>
           <a:p>
@@ -5160,7 +5160,7 @@
               <a:defRPr sz="900"/>
             </a:pPr>
             <a:r>
-              <a:t>・AI-enabled business transformation platform</a:t>
+              <a:t>・Platform enables AI-enabled business transformation</a:t>
             </a:r>
           </a:p>
         </p:txBody>
@@ -5208,15 +5208,15 @@
               <a:defRPr sz="900"/>
             </a:pPr>
             <a:r>
-              <a:t>・Provide consistent AI solutions</a:t>
-            </a:r>
-          </a:p>
-          <a:p>
-            <a:pPr>
-              <a:defRPr sz="900"/>
-            </a:pPr>
-            <a:r>
-              <a:t>・High level of integration capability with existing systems</a:t>
+              <a:t>・Consistent AI solution delivery</a:t>
+            </a:r>
+          </a:p>
+          <a:p>
+            <a:pPr>
+              <a:defRPr sz="900"/>
+            </a:pPr>
+            <a:r>
+              <a:t>・Ability to highly integrate with existing systems</a:t>
             </a:r>
           </a:p>
         </p:txBody>
@@ -5272,15 +5272,15 @@
               <a:defRPr sz="900"/>
             </a:pPr>
             <a:r>
-              <a:t>・direct sales</a:t>
-            </a:r>
-          </a:p>
-          <a:p>
-            <a:pPr>
-              <a:defRPr sz="900"/>
-            </a:pPr>
-            <a:r>
-              <a:t>・partnership</a:t>
+              <a:t>・Direct Sales</a:t>
+            </a:r>
+          </a:p>
+          <a:p>
+            <a:pPr>
+              <a:defRPr sz="900"/>
+            </a:pPr>
+            <a:r>
+              <a:t>・Partnerships</a:t>
             </a:r>
           </a:p>
         </p:txBody>
@@ -5328,15 +5328,15 @@
               <a:defRPr sz="900"/>
             </a:pPr>
             <a:r>
-              <a:t>・enterprise</a:t>
-            </a:r>
-          </a:p>
-          <a:p>
-            <a:pPr>
-              <a:defRPr sz="900"/>
-            </a:pPr>
-            <a:r>
-              <a:t>・Enterprise Software Developer</a:t>
+              <a:t>・Large Enterprises</a:t>
+            </a:r>
+          </a:p>
+          <a:p>
+            <a:pPr>
+              <a:defRPr sz="900"/>
+            </a:pPr>
+            <a:r>
+              <a:t>・Enterprise Software Developers</a:t>
             </a:r>
           </a:p>
         </p:txBody>
@@ -5456,7 +5456,7 @@
               <a:defRPr sz="900"/>
             </a:pPr>
             <a:r>
-              <a:t>・Consulting fees for providing solutions</a:t>
+              <a:t>・Consulting fees for solution delivery</a:t>
             </a:r>
           </a:p>
           <a:p>
@@ -5562,7 +5562,7 @@
               <a:defRPr sz="900"/>
             </a:pPr>
             <a:r>
-              <a:t>・Advanced game development skills and resource requirements</a:t>
+              <a:t>・High skill and resource requirements for game development</a:t>
             </a:r>
           </a:p>
           <a:p>
@@ -5618,15 +5618,15 @@
               <a:defRPr sz="900"/>
             </a:pPr>
             <a:r>
-              <a:t>・Providing an integrated development environment that simplifies game development</a:t>
-            </a:r>
-          </a:p>
-          <a:p>
-            <a:pPr>
-              <a:defRPr sz="900"/>
-            </a:pPr>
-            <a:r>
-              <a:t>・One-click, multi-platform support</a:t>
+              <a:t>・Provides an integrated development environment that simplifies game development</a:t>
+            </a:r>
+          </a:p>
+          <a:p>
+            <a:pPr>
+              <a:defRPr sz="900"/>
+            </a:pPr>
+            <a:r>
+              <a:t>・Support for multiple platforms with a single click</a:t>
             </a:r>
           </a:p>
         </p:txBody>
@@ -5690,7 +5690,7 @@
               <a:defRPr sz="900"/>
             </a:pPr>
             <a:r>
-              <a:t>・Use of time</a:t>
+              <a:t>・Time of use</a:t>
             </a:r>
           </a:p>
         </p:txBody>
@@ -5738,7 +5738,7 @@
               <a:defRPr sz="900"/>
             </a:pPr>
             <a:r>
-              <a:t>・Game Development Made Easy for Everyone</a:t>
+              <a:t>・Game development made easy for everyone</a:t>
             </a:r>
           </a:p>
         </p:txBody>
@@ -5898,15 +5898,15 @@
               <a:defRPr sz="900"/>
             </a:pPr>
             <a:r>
-              <a:t>・game developer</a:t>
-            </a:r>
-          </a:p>
-          <a:p>
-            <a:pPr>
-              <a:defRPr sz="900"/>
-            </a:pPr>
-            <a:r>
-              <a:t>・educational institution</a:t>
+              <a:t>・Game Developers</a:t>
+            </a:r>
+          </a:p>
+          <a:p>
+            <a:pPr>
+              <a:defRPr sz="900"/>
+            </a:pPr>
+            <a:r>
+              <a:t>・Educational Institutions</a:t>
             </a:r>
           </a:p>
         </p:txBody>
@@ -5962,7 +5962,7 @@
               <a:defRPr sz="900"/>
             </a:pPr>
             <a:r>
-              <a:t>・marketing cost</a:t>
+              <a:t>・Marketing costs</a:t>
             </a:r>
           </a:p>
         </p:txBody>
@@ -6010,7 +6010,7 @@
               <a:defRPr sz="900"/>
             </a:pPr>
             <a:r>
-              <a:t>・Professional version licenses for sale</a:t>
+              <a:t>・Professional version license sales</a:t>
             </a:r>
           </a:p>
           <a:p>
@@ -6124,15 +6124,15 @@
               <a:defRPr sz="900"/>
             </a:pPr>
             <a:r>
-              <a:t>・Lack of a platform to give shape to one's ideas</a:t>
-            </a:r>
-          </a:p>
-          <a:p>
-            <a:pPr>
-              <a:defRPr sz="900"/>
-            </a:pPr>
-            <a:r>
-              <a:t>・Lack of safe online gaming environment for children</a:t>
+              <a:t>・Lack of a platform to give shape to their ideas</a:t>
+            </a:r>
+          </a:p>
+          <a:p>
+            <a:pPr>
+              <a:defRPr sz="900"/>
+            </a:pPr>
+            <a:r>
+              <a:t>・Lack of a safe online gaming environment for children</a:t>
             </a:r>
           </a:p>
         </p:txBody>
@@ -6252,7 +6252,7 @@
               <a:defRPr sz="900"/>
             </a:pPr>
             <a:r>
-              <a:t>・Average utilization time</a:t>
+              <a:t>・Average time spent on the site</a:t>
             </a:r>
           </a:p>
         </p:txBody>
@@ -6300,7 +6300,7 @@
               <a:defRPr sz="900"/>
             </a:pPr>
             <a:r>
-              <a:t>・Experience creating your own games and sharing them with others</a:t>
+              <a:t>・Experience of creating your own games and sharing them with others</a:t>
             </a:r>
           </a:p>
         </p:txBody>
@@ -6356,7 +6356,7 @@
               <a:defRPr sz="900"/>
             </a:pPr>
             <a:r>
-              <a:t>・High brand recognition and safety for children</a:t>
+              <a:t>・High brand awareness and safety for children</a:t>
             </a:r>
           </a:p>
         </p:txBody>
@@ -6412,7 +6412,7 @@
               <a:defRPr sz="900"/>
             </a:pPr>
             <a:r>
-              <a:t>・Mobile Apps</a:t>
+              <a:t>・Mobile apps</a:t>
             </a:r>
           </a:p>
         </p:txBody>
@@ -6460,7 +6460,7 @@
               <a:defRPr sz="900"/>
             </a:pPr>
             <a:r>
-              <a:t>・Children and Youth</a:t>
+              <a:t>・Children and youth</a:t>
             </a:r>
           </a:p>
           <a:p>
@@ -6524,15 +6524,15 @@
               <a:defRPr sz="900"/>
             </a:pPr>
             <a:r>
-              <a:t>・Moderation and norm reinforcement</a:t>
-            </a:r>
-          </a:p>
-          <a:p>
-            <a:pPr>
-              <a:defRPr sz="900"/>
-            </a:pPr>
-            <a:r>
-              <a:t>・marketing cost</a:t>
+              <a:t>・Moderation and norm enforcement</a:t>
+            </a:r>
+          </a:p>
+          <a:p>
+            <a:pPr>
+              <a:defRPr sz="900"/>
+            </a:pPr>
+            <a:r>
+              <a:t>・Marketing costs</a:t>
             </a:r>
           </a:p>
         </p:txBody>
@@ -6588,15 +6588,15 @@
               <a:defRPr sz="900"/>
             </a:pPr>
             <a:r>
-              <a:t>・Subscription Fees</a:t>
-            </a:r>
-          </a:p>
-          <a:p>
-            <a:pPr>
-              <a:defRPr sz="900"/>
-            </a:pPr>
-            <a:r>
-              <a:t>・Advertising Revenue</a:t>
+              <a:t>・Subscription fees</a:t>
+            </a:r>
+          </a:p>
+          <a:p>
+            <a:pPr>
+              <a:defRPr sz="900"/>
+            </a:pPr>
+            <a:r>
+              <a:t>・Advertising revenues</a:t>
             </a:r>
           </a:p>
         </p:txBody>
@@ -6694,7 +6694,7 @@
               <a:defRPr sz="900"/>
             </a:pPr>
             <a:r>
-              <a:t>・Highly oil-dependent vehicle industry</a:t>
+              <a:t>・Petroleum-dependent vehicle industry</a:t>
             </a:r>
           </a:p>
           <a:p>
@@ -6750,15 +6750,15 @@
               <a:defRPr sz="900"/>
             </a:pPr>
             <a:r>
-              <a:t>・Manufacture of high-performance, environmentally friendly electric vehicles</a:t>
-            </a:r>
-          </a:p>
-          <a:p>
-            <a:pPr>
-              <a:defRPr sz="900"/>
-            </a:pPr>
-            <a:r>
-              <a:t>・Battery Technology Innovation</a:t>
+              <a:t>・High Performance, Environmentally Friendly Electric Vehicle Manufacturing</a:t>
+            </a:r>
+          </a:p>
+          <a:p>
+            <a:pPr>
+              <a:defRPr sz="900"/>
+            </a:pPr>
+            <a:r>
+              <a:t>・Innovation in battery technology</a:t>
             </a:r>
           </a:p>
         </p:txBody>
@@ -6806,7 +6806,7 @@
               <a:defRPr sz="900"/>
             </a:pPr>
             <a:r>
-              <a:t>・Number of units sold</a:t>
+              <a:t>・Sales volume</a:t>
             </a:r>
           </a:p>
           <a:p>
@@ -6822,7 +6822,7 @@
               <a:defRPr sz="900"/>
             </a:pPr>
             <a:r>
-              <a:t>・earnings</a:t>
+              <a:t>・Profitability</a:t>
             </a:r>
           </a:p>
         </p:txBody>
@@ -6918,7 +6918,7 @@
               <a:defRPr sz="900"/>
             </a:pPr>
             <a:r>
-              <a:t>・Brand awareness and innovation</a:t>
+              <a:t>・Brand Awareness and Innovation</a:t>
             </a:r>
           </a:p>
           <a:p>
@@ -7086,23 +7086,23 @@
               <a:defRPr sz="900"/>
             </a:pPr>
             <a:r>
-              <a:t>・Manufacturing cost</a:t>
-            </a:r>
-          </a:p>
-          <a:p>
-            <a:pPr>
-              <a:defRPr sz="900"/>
-            </a:pPr>
-            <a:r>
-              <a:t>・R &amp; D</a:t>
-            </a:r>
-          </a:p>
-          <a:p>
-            <a:pPr>
-              <a:defRPr sz="900"/>
-            </a:pPr>
-            <a:r>
-              <a:t>・Operating and administrative expenses</a:t>
+              <a:t>・Manufacturing Costs</a:t>
+            </a:r>
+          </a:p>
+          <a:p>
+            <a:pPr>
+              <a:defRPr sz="900"/>
+            </a:pPr>
+            <a:r>
+              <a:t>・Research and development</a:t>
+            </a:r>
+          </a:p>
+          <a:p>
+            <a:pPr>
+              <a:defRPr sz="900"/>
+            </a:pPr>
+            <a:r>
+              <a:t>・Sales and administrative costs</a:t>
             </a:r>
           </a:p>
         </p:txBody>
@@ -7150,15 +7150,15 @@
               <a:defRPr sz="900"/>
             </a:pPr>
             <a:r>
-              <a:t>・Vehicle Sales</a:t>
-            </a:r>
-          </a:p>
-          <a:p>
-            <a:pPr>
-              <a:defRPr sz="900"/>
-            </a:pPr>
-            <a:r>
-              <a:t>・Services and Accessories</a:t>
+              <a:t>・Vehicle sales</a:t>
+            </a:r>
+          </a:p>
+          <a:p>
+            <a:pPr>
+              <a:defRPr sz="900"/>
+            </a:pPr>
+            <a:r>
+              <a:t>・Service and accessories</a:t>
             </a:r>
           </a:p>
         </p:txBody>
@@ -7256,15 +7256,15 @@
               <a:defRPr sz="900"/>
             </a:pPr>
             <a:r>
-              <a:t>・High-cost space exploration</a:t>
-            </a:r>
-          </a:p>
-          <a:p>
-            <a:pPr>
-              <a:defRPr sz="900"/>
-            </a:pPr>
-            <a:r>
-              <a:t>・Non-reusable rocket</a:t>
+              <a:t>・High Cost Space Exploration</a:t>
+            </a:r>
+          </a:p>
+          <a:p>
+            <a:pPr>
+              <a:defRPr sz="900"/>
+            </a:pPr>
+            <a:r>
+              <a:t>・Non-Reusable Launch Vehicles</a:t>
             </a:r>
           </a:p>
         </p:txBody>
@@ -7312,15 +7312,15 @@
               <a:defRPr sz="900"/>
             </a:pPr>
             <a:r>
-              <a:t>・Development of reusable rockets</a:t>
-            </a:r>
-          </a:p>
-          <a:p>
-            <a:pPr>
-              <a:defRPr sz="900"/>
-            </a:pPr>
-            <a:r>
-              <a:t>・Realization of low-cost space travel</a:t>
+              <a:t>・Development of reusable launch vehicles</a:t>
+            </a:r>
+          </a:p>
+          <a:p>
+            <a:pPr>
+              <a:defRPr sz="900"/>
+            </a:pPr>
+            <a:r>
+              <a:t>・Low-cost space travel</a:t>
             </a:r>
           </a:p>
         </p:txBody>
@@ -7432,7 +7432,7 @@
               <a:defRPr sz="900"/>
             </a:pPr>
             <a:r>
-              <a:t>・Allow humans to explore the universe and live on other planets</a:t>
+              <a:t>・Enable humans to explore space and live on other planets</a:t>
             </a:r>
           </a:p>
         </p:txBody>
@@ -7480,7 +7480,7 @@
               <a:defRPr sz="900"/>
             </a:pPr>
             <a:r>
-              <a:t>・Reusable Rocket Technology</a:t>
+              <a:t>・Reusable Launch Vehicle Technology</a:t>
             </a:r>
           </a:p>
           <a:p>
@@ -7536,15 +7536,15 @@
               <a:defRPr sz="900"/>
             </a:pPr>
             <a:r>
-              <a:t>・Government Contracts</a:t>
-            </a:r>
-          </a:p>
-          <a:p>
-            <a:pPr>
-              <a:defRPr sz="900"/>
-            </a:pPr>
-            <a:r>
-              <a:t>・Commercial Launch Agreement</a:t>
+              <a:t>・Government contracts</a:t>
+            </a:r>
+          </a:p>
+          <a:p>
+            <a:pPr>
+              <a:defRPr sz="900"/>
+            </a:pPr>
+            <a:r>
+              <a:t>・Commercial Launch Contracts</a:t>
             </a:r>
           </a:p>
         </p:txBody>
@@ -7592,15 +7592,15 @@
               <a:defRPr sz="900"/>
             </a:pPr>
             <a:r>
-              <a:t>・government body (agency)</a:t>
-            </a:r>
-          </a:p>
-          <a:p>
-            <a:pPr>
-              <a:defRPr sz="900"/>
-            </a:pPr>
-            <a:r>
-              <a:t>・satellite company</a:t>
+              <a:t>・Government agencies</a:t>
+            </a:r>
+          </a:p>
+          <a:p>
+            <a:pPr>
+              <a:defRPr sz="900"/>
+            </a:pPr>
+            <a:r>
+              <a:t>・Satellite companies</a:t>
             </a:r>
           </a:p>
         </p:txBody>
@@ -7648,23 +7648,23 @@
               <a:defRPr sz="900"/>
             </a:pPr>
             <a:r>
-              <a:t>・Rocket Development and Manufacturing</a:t>
-            </a:r>
-          </a:p>
-          <a:p>
-            <a:pPr>
-              <a:defRPr sz="900"/>
-            </a:pPr>
-            <a:r>
-              <a:t>・Launch costs</a:t>
-            </a:r>
-          </a:p>
-          <a:p>
-            <a:pPr>
-              <a:defRPr sz="900"/>
-            </a:pPr>
-            <a:r>
-              <a:t>・R &amp; D</a:t>
+              <a:t>・Rocket development and manufacturing</a:t>
+            </a:r>
+          </a:p>
+          <a:p>
+            <a:pPr>
+              <a:defRPr sz="900"/>
+            </a:pPr>
+            <a:r>
+              <a:t>・Launch Costs</a:t>
+            </a:r>
+          </a:p>
+          <a:p>
+            <a:pPr>
+              <a:defRPr sz="900"/>
+            </a:pPr>
+            <a:r>
+              <a:t>・Research and Development</a:t>
             </a:r>
           </a:p>
         </p:txBody>
@@ -7712,15 +7712,15 @@
               <a:defRPr sz="900"/>
             </a:pPr>
             <a:r>
-              <a:t>・launch contract</a:t>
-            </a:r>
-          </a:p>
-          <a:p>
-            <a:pPr>
-              <a:defRPr sz="900"/>
-            </a:pPr>
-            <a:r>
-              <a:t>・Income from space travel</a:t>
+              <a:t>・Launch Contracts</a:t>
+            </a:r>
+          </a:p>
+          <a:p>
+            <a:pPr>
+              <a:defRPr sz="900"/>
+            </a:pPr>
+            <a:r>
+              <a:t>・Revenue from space travel</a:t>
             </a:r>
           </a:p>
         </p:txBody>
@@ -7818,23 +7818,23 @@
               <a:defRPr sz="900"/>
             </a:pPr>
             <a:r>
-              <a:t>・Cab access is inconvenient and time consuming</a:t>
-            </a:r>
-          </a:p>
-          <a:p>
-            <a:pPr>
-              <a:defRPr sz="900"/>
-            </a:pPr>
-            <a:r>
-              <a:t>・Cab fares are high.</a:t>
-            </a:r>
-          </a:p>
-          <a:p>
-            <a:pPr>
-              <a:defRPr sz="900"/>
-            </a:pPr>
-            <a:r>
-              <a:t>・Difficult to book a hired car</a:t>
+              <a:t>・Cab service is inconvenient and time consuming</a:t>
+            </a:r>
+          </a:p>
+          <a:p>
+            <a:pPr>
+              <a:defRPr sz="900"/>
+            </a:pPr>
+            <a:r>
+              <a:t>・Cab fares are expensive</a:t>
+            </a:r>
+          </a:p>
+          <a:p>
+            <a:pPr>
+              <a:defRPr sz="900"/>
+            </a:pPr>
+            <a:r>
+              <a:t>・Difficult to reserve a hired car</a:t>
             </a:r>
           </a:p>
         </p:txBody>
@@ -7882,23 +7882,23 @@
               <a:defRPr sz="900"/>
             </a:pPr>
             <a:r>
-              <a:t>・A service that allows users to call for a car in real time through a smartphone app</a:t>
-            </a:r>
-          </a:p>
-          <a:p>
-            <a:pPr>
-              <a:defRPr sz="900"/>
-            </a:pPr>
-            <a:r>
-              <a:t>・Fixed price system with clear rates.</a:t>
-            </a:r>
-          </a:p>
-          <a:p>
-            <a:pPr>
-              <a:defRPr sz="900"/>
-            </a:pPr>
-            <a:r>
-              <a:t>・Providing premium hire services</a:t>
+              <a:t>・Real-time car hailing service through a smartphone app</a:t>
+            </a:r>
+          </a:p>
+          <a:p>
+            <a:pPr>
+              <a:defRPr sz="900"/>
+            </a:pPr>
+            <a:r>
+              <a:t>・Offers a fixed and clear fare</a:t>
+            </a:r>
+          </a:p>
+          <a:p>
+            <a:pPr>
+              <a:defRPr sz="900"/>
+            </a:pPr>
+            <a:r>
+              <a:t>・Provides premium hire car service</a:t>
             </a:r>
           </a:p>
         </p:txBody>
@@ -7954,15 +7954,15 @@
               <a:defRPr sz="900"/>
             </a:pPr>
             <a:r>
-              <a:t>・Number of Rides</a:t>
-            </a:r>
-          </a:p>
-          <a:p>
-            <a:pPr>
-              <a:defRPr sz="900"/>
-            </a:pPr>
-            <a:r>
-              <a:t>・User Feedback</a:t>
+              <a:t>・Number of rides</a:t>
+            </a:r>
+          </a:p>
+          <a:p>
+            <a:pPr>
+              <a:defRPr sz="900"/>
+            </a:pPr>
+            <a:r>
+              <a:t>・User feedback</a:t>
             </a:r>
           </a:p>
         </p:txBody>
@@ -8010,15 +8010,15 @@
               <a:defRPr sz="900"/>
             </a:pPr>
             <a:r>
-              <a:t>・Just tap to board anywhere</a:t>
-            </a:r>
-          </a:p>
-          <a:p>
-            <a:pPr>
-              <a:defRPr sz="900"/>
-            </a:pPr>
-            <a:r>
-              <a:t>・Know the fees in advance.</a:t>
+              <a:t>・Ride anywhere with just a tap</a:t>
+            </a:r>
+          </a:p>
+          <a:p>
+            <a:pPr>
+              <a:defRPr sz="900"/>
+            </a:pPr>
+            <a:r>
+              <a:t>・Know the fare in advance</a:t>
             </a:r>
           </a:p>
           <a:p>
@@ -8082,7 +8082,7 @@
               <a:defRPr sz="900"/>
             </a:pPr>
             <a:r>
-              <a:t>・New Vehicle Calling Experience Using Technology</a:t>
+              <a:t>・New vehicle call experience using technology</a:t>
             </a:r>
           </a:p>
         </p:txBody>
@@ -8130,7 +8130,7 @@
               <a:defRPr sz="900"/>
             </a:pPr>
             <a:r>
-              <a:t>・Smart Phone Apps</a:t>
+              <a:t>・Smartphone Apps</a:t>
             </a:r>
           </a:p>
           <a:p>
@@ -8146,7 +8146,7 @@
               <a:defRPr sz="900"/>
             </a:pPr>
             <a:r>
-              <a:t>・Media Exposure</a:t>
+              <a:t>・Media exposure</a:t>
             </a:r>
           </a:p>
         </p:txBody>
@@ -8194,15 +8194,15 @@
               <a:defRPr sz="900"/>
             </a:pPr>
             <a:r>
-              <a:t>・Affluent people seeking hire services</a:t>
-            </a:r>
-          </a:p>
-          <a:p>
-            <a:pPr>
-              <a:defRPr sz="900"/>
-            </a:pPr>
-            <a:r>
-              <a:t>・Businessmen who frequently use cabs</a:t>
+              <a:t>・High-net-worth individuals seeking for-hire services</a:t>
+            </a:r>
+          </a:p>
+          <a:p>
+            <a:pPr>
+              <a:defRPr sz="900"/>
+            </a:pPr>
+            <a:r>
+              <a:t>・Business people who frequently use cabs</a:t>
             </a:r>
           </a:p>
         </p:txBody>
@@ -8250,23 +8250,23 @@
               <a:defRPr sz="900"/>
             </a:pPr>
             <a:r>
-              <a:t>・Application development and maintenance</a:t>
-            </a:r>
-          </a:p>
-          <a:p>
-            <a:pPr>
-              <a:defRPr sz="900"/>
-            </a:pPr>
-            <a:r>
-              <a:t>・Marketing and Brand Building</a:t>
-            </a:r>
-          </a:p>
-          <a:p>
-            <a:pPr>
-              <a:defRPr sz="900"/>
-            </a:pPr>
-            <a:r>
-              <a:t>・Customer Support</a:t>
+              <a:t>・App development and maintenance</a:t>
+            </a:r>
+          </a:p>
+          <a:p>
+            <a:pPr>
+              <a:defRPr sz="900"/>
+            </a:pPr>
+            <a:r>
+              <a:t>・Marketing and brand building</a:t>
+            </a:r>
+          </a:p>
+          <a:p>
+            <a:pPr>
+              <a:defRPr sz="900"/>
+            </a:pPr>
+            <a:r>
+              <a:t>・Customer support</a:t>
             </a:r>
           </a:p>
         </p:txBody>
@@ -8314,15 +8314,15 @@
               <a:defRPr sz="900"/>
             </a:pPr>
             <a:r>
-              <a:t>・one's fare for a train or bus</a:t>
-            </a:r>
-          </a:p>
-          <a:p>
-            <a:pPr>
-              <a:defRPr sz="900"/>
-            </a:pPr>
-            <a:r>
-              <a:t>・Premium Service Offerings</a:t>
+              <a:t>・Ride fees</a:t>
+            </a:r>
+          </a:p>
+          <a:p>
+            <a:pPr>
+              <a:defRPr sz="900"/>
+            </a:pPr>
+            <a:r>
+              <a:t>・Premium service offerings</a:t>
             </a:r>
           </a:p>
         </p:txBody>
@@ -8420,7 +8420,7 @@
               <a:defRPr sz="900"/>
             </a:pPr>
             <a:r>
-              <a:t>・Expensive, low performance traditional disk-based storage</a:t>
+              <a:t>・Traditional disk-based storage with high cost and low performance</a:t>
             </a:r>
           </a:p>
           <a:p>
@@ -8548,7 +8548,7 @@
               <a:defRPr sz="900"/>
             </a:pPr>
             <a:r>
-              <a:t>・customer satisfaction</a:t>
+              <a:t>・Customer Satisfaction</a:t>
             </a:r>
           </a:p>
         </p:txBody>
@@ -8652,7 +8652,7 @@
               <a:defRPr sz="900"/>
             </a:pPr>
             <a:r>
-              <a:t>・Advanced data reduction techniques</a:t>
+              <a:t>・Advanced data reduction technology</a:t>
             </a:r>
           </a:p>
         </p:txBody>
@@ -8700,7 +8700,7 @@
               <a:defRPr sz="900"/>
             </a:pPr>
             <a:r>
-              <a:t>・Direct Sale</a:t>
+              <a:t>・Direct Sales</a:t>
             </a:r>
           </a:p>
           <a:p>
@@ -8756,15 +8756,15 @@
               <a:defRPr sz="900"/>
             </a:pPr>
             <a:r>
-              <a:t>・Data-driven enterprise</a:t>
-            </a:r>
-          </a:p>
-          <a:p>
-            <a:pPr>
-              <a:defRPr sz="900"/>
-            </a:pPr>
-            <a:r>
-              <a:t>・Businesses requiring high-performance storage</a:t>
+              <a:t>・Data-centric enterprise</a:t>
+            </a:r>
+          </a:p>
+          <a:p>
+            <a:pPr>
+              <a:defRPr sz="900"/>
+            </a:pPr>
+            <a:r>
+              <a:t>・Businesses requiring high performance storage</a:t>
             </a:r>
           </a:p>
         </p:txBody>
@@ -8884,7 +8884,7 @@
               <a:defRPr sz="900"/>
             </a:pPr>
             <a:r>
-              <a:t>・Support and Service Fees</a:t>
+              <a:t>・Support and service fees</a:t>
             </a:r>
           </a:p>
         </p:txBody>
@@ -8982,7 +8982,7 @@
               <a:defRPr sz="900"/>
             </a:pPr>
             <a:r>
-              <a:t>・Need to cope with increasing data volume</a:t>
+              <a:t>・Need to keep pace with increasing data volumes</a:t>
             </a:r>
           </a:p>
           <a:p>
@@ -9038,7 +9038,7 @@
               <a:defRPr sz="900"/>
             </a:pPr>
             <a:r>
-              <a:t>・Scalable all-flash storage solution</a:t>
+              <a:t>・Scalable all-flash storage solutions</a:t>
             </a:r>
           </a:p>
           <a:p>
@@ -9158,7 +9158,7 @@
               <a:defRPr sz="900"/>
             </a:pPr>
             <a:r>
-              <a:t>・Fast, simple, scalable cloud-enabled storage solutions</a:t>
+              <a:t>・Fast, simple, scalable cloud-ready storage solutions</a:t>
             </a:r>
           </a:p>
         </p:txBody>
@@ -9206,7 +9206,7 @@
               <a:defRPr sz="900"/>
             </a:pPr>
             <a:r>
-              <a:t>・Pioneer of all-flash storage</a:t>
+              <a:t>・Pioneer in all-flash storage</a:t>
             </a:r>
           </a:p>
           <a:p>
@@ -9262,7 +9262,7 @@
               <a:defRPr sz="900"/>
             </a:pPr>
             <a:r>
-              <a:t>・Direct Sale</a:t>
+              <a:t>・Direct Sales</a:t>
             </a:r>
           </a:p>
           <a:p>
@@ -9278,7 +9278,7 @@
               <a:defRPr sz="900"/>
             </a:pPr>
             <a:r>
-              <a:t>・cloud marketplace</a:t>
+              <a:t>・Cloud Marketplace</a:t>
             </a:r>
           </a:p>
         </p:txBody>
@@ -9326,7 +9326,7 @@
               <a:defRPr sz="900"/>
             </a:pPr>
             <a:r>
-              <a:t>・Data-driven enterprise</a:t>
+              <a:t>・Data-centric enterprise</a:t>
             </a:r>
           </a:p>
           <a:p>
@@ -9454,15 +9454,15 @@
               <a:defRPr sz="900"/>
             </a:pPr>
             <a:r>
-              <a:t>・Subscription to cloud services</a:t>
-            </a:r>
-          </a:p>
-          <a:p>
-            <a:pPr>
-              <a:defRPr sz="900"/>
-            </a:pPr>
-            <a:r>
-              <a:t>・Support and Service Fees</a:t>
+              <a:t>・Cloud service subscriptions</a:t>
+            </a:r>
+          </a:p>
+          <a:p>
+            <a:pPr>
+              <a:defRPr sz="900"/>
+            </a:pPr>
+            <a:r>
+              <a:t>・Support and service fees</a:t>
             </a:r>
           </a:p>
         </p:txBody>
@@ -9560,7 +9560,7 @@
               <a:defRPr sz="900"/>
             </a:pPr>
             <a:r>
-              <a:t>・Managing IT infrastructure is complex and time consuming</a:t>
+              <a:t>・IT infrastructure management is complex and time consuming</a:t>
             </a:r>
           </a:p>
           <a:p>
@@ -9624,23 +9624,23 @@
               <a:defRPr sz="900"/>
             </a:pPr>
             <a:r>
-              <a:t>・A platform of IT solutions offered in a single package</a:t>
-            </a:r>
-          </a:p>
-          <a:p>
-            <a:pPr>
-              <a:defRPr sz="900"/>
-            </a:pPr>
-            <a:r>
-              <a:t>・Cloud-like consumption model (OPEX-based)</a:t>
-            </a:r>
-          </a:p>
-          <a:p>
-            <a:pPr>
-              <a:defRPr sz="900"/>
-            </a:pPr>
-            <a:r>
-              <a:t>・Scale up and down according to the scope of application</a:t>
+              <a:t>・Platform of IT solutions delivered in bulk</a:t>
+            </a:r>
+          </a:p>
+          <a:p>
+            <a:pPr>
+              <a:defRPr sz="900"/>
+            </a:pPr>
+            <a:r>
+              <a:t>・Cloud-like consumption model (OPEX based)</a:t>
+            </a:r>
+          </a:p>
+          <a:p>
+            <a:pPr>
+              <a:defRPr sz="900"/>
+            </a:pPr>
+            <a:r>
+              <a:t>・Can scale up or down depending on scope of application</a:t>
             </a:r>
           </a:p>
         </p:txBody>
@@ -9696,15 +9696,15 @@
               <a:defRPr sz="900"/>
             </a:pPr>
             <a:r>
-              <a:t>・total contract amount</a:t>
-            </a:r>
-          </a:p>
-          <a:p>
-            <a:pPr>
-              <a:defRPr sz="900"/>
-            </a:pPr>
-            <a:r>
-              <a:t>・Uptime for service</a:t>
+              <a:t>・Total contract value</a:t>
+            </a:r>
+          </a:p>
+          <a:p>
+            <a:pPr>
+              <a:defRPr sz="900"/>
+            </a:pPr>
+            <a:r>
+              <a:t>・Uptime of service</a:t>
             </a:r>
           </a:p>
         </p:txBody>
@@ -9752,7 +9752,7 @@
               <a:defRPr sz="900"/>
             </a:pPr>
             <a:r>
-              <a:t>・Enable simple and flexible IT consumption and management</a:t>
+              <a:t>・Enables simple and flexible IT consumption and management</a:t>
             </a:r>
           </a:p>
         </p:txBody>
@@ -9800,7 +9800,7 @@
               <a:defRPr sz="900"/>
             </a:pPr>
             <a:r>
-              <a:t>・Dell EMC's existing product and customer base</a:t>
+              <a:t>・Existing Dell EMC product and customer base</a:t>
             </a:r>
           </a:p>
           <a:p>
@@ -9856,7 +9856,7 @@
               <a:defRPr sz="900"/>
             </a:pPr>
             <a:r>
-              <a:t>・Dell EMC's existing business channels</a:t>
+              <a:t>・Existing Dell EMC business channels</a:t>
             </a:r>
           </a:p>
           <a:p>
@@ -9912,15 +9912,15 @@
               <a:defRPr sz="900"/>
             </a:pPr>
             <a:r>
-              <a:t>・smaller companies</a:t>
-            </a:r>
-          </a:p>
-          <a:p>
-            <a:pPr>
-              <a:defRPr sz="900"/>
-            </a:pPr>
-            <a:r>
-              <a:t>・Enterprise Organization</a:t>
+              <a:t>・Small and Medium Businesses</a:t>
+            </a:r>
+          </a:p>
+          <a:p>
+            <a:pPr>
+              <a:defRPr sz="900"/>
+            </a:pPr>
+            <a:r>
+              <a:t>・Enterprise organizations</a:t>
             </a:r>
           </a:p>
         </p:txBody>
@@ -9968,23 +9968,23 @@
               <a:defRPr sz="900"/>
             </a:pPr>
             <a:r>
-              <a:t>・Platform development and maintenance</a:t>
-            </a:r>
-          </a:p>
-          <a:p>
-            <a:pPr>
-              <a:defRPr sz="900"/>
-            </a:pPr>
-            <a:r>
-              <a:t>・Hardware and software costs</a:t>
-            </a:r>
-          </a:p>
-          <a:p>
-            <a:pPr>
-              <a:defRPr sz="900"/>
-            </a:pPr>
-            <a:r>
-              <a:t>・Marketing and Promotion</a:t>
+              <a:t>・Platform Development and Maintenance</a:t>
+            </a:r>
+          </a:p>
+          <a:p>
+            <a:pPr>
+              <a:defRPr sz="900"/>
+            </a:pPr>
+            <a:r>
+              <a:t>・Hardware and Software Costs</a:t>
+            </a:r>
+          </a:p>
+          <a:p>
+            <a:pPr>
+              <a:defRPr sz="900"/>
+            </a:pPr>
+            <a:r>
+              <a:t>・Marketing and promotion</a:t>
             </a:r>
           </a:p>
         </p:txBody>
@@ -10032,15 +10032,15 @@
               <a:defRPr sz="900"/>
             </a:pPr>
             <a:r>
-              <a:t>・Subscription Fees</a:t>
-            </a:r>
-          </a:p>
-          <a:p>
-            <a:pPr>
-              <a:defRPr sz="900"/>
-            </a:pPr>
-            <a:r>
-              <a:t>・Service and Support Fees</a:t>
+              <a:t>・Subscription fees</a:t>
+            </a:r>
+          </a:p>
+          <a:p>
+            <a:pPr>
+              <a:defRPr sz="900"/>
+            </a:pPr>
+            <a:r>
+              <a:t>・Service and support fees</a:t>
             </a:r>
           </a:p>
         </p:txBody>
@@ -10154,7 +10154,7 @@
               <a:defRPr sz="900"/>
             </a:pPr>
             <a:r>
-              <a:t>・No way to deploy own applications quickly</a:t>
+              <a:t>・No way to deploy your own applications quickly</a:t>
             </a:r>
           </a:p>
         </p:txBody>
@@ -10202,15 +10202,15 @@
               <a:defRPr sz="900"/>
             </a:pPr>
             <a:r>
-              <a:t>・Serving as a cloud-based platform</a:t>
-            </a:r>
-          </a:p>
-          <a:p>
-            <a:pPr>
-              <a:defRPr sz="900"/>
-            </a:pPr>
-            <a:r>
-              <a:t>・Automatic scaling and Infrastructure as Code (IaC)</a:t>
+              <a:t>・Served as a cloud-based platform</a:t>
+            </a:r>
+          </a:p>
+          <a:p>
+            <a:pPr>
+              <a:defRPr sz="900"/>
+            </a:pPr>
+            <a:r>
+              <a:t>・Enables auto-scaling and Infrastructure as Code (IaC)</a:t>
             </a:r>
           </a:p>
           <a:p>
@@ -10330,7 +10330,7 @@
               <a:defRPr sz="900"/>
             </a:pPr>
             <a:r>
-              <a:t>・Cloud services from deployment to scaling with ease</a:t>
+              <a:t>・Cloud services for easy deployment and scaling</a:t>
             </a:r>
           </a:p>
         </p:txBody>
@@ -10386,7 +10386,7 @@
               <a:defRPr sz="900"/>
             </a:pPr>
             <a:r>
-              <a:t>・Extensive community support due to its open source nature</a:t>
+              <a:t>・Extensive community support due to its Open source nature</a:t>
             </a:r>
           </a:p>
         </p:txBody>
@@ -10450,7 +10450,7 @@
               <a:defRPr sz="900"/>
             </a:pPr>
             <a:r>
-              <a:t>・open source community</a:t>
+              <a:t>・Open source community</a:t>
             </a:r>
           </a:p>
         </p:txBody>
@@ -10498,23 +10498,23 @@
               <a:defRPr sz="900"/>
             </a:pPr>
             <a:r>
-              <a:t>・developer</a:t>
-            </a:r>
-          </a:p>
-          <a:p>
-            <a:pPr>
-              <a:defRPr sz="900"/>
-            </a:pPr>
-            <a:r>
-              <a:t>・smaller companies</a:t>
-            </a:r>
-          </a:p>
-          <a:p>
-            <a:pPr>
-              <a:defRPr sz="900"/>
-            </a:pPr>
-            <a:r>
-              <a:t>・Enterprise Organization</a:t>
+              <a:t>・Developers</a:t>
+            </a:r>
+          </a:p>
+          <a:p>
+            <a:pPr>
+              <a:defRPr sz="900"/>
+            </a:pPr>
+            <a:r>
+              <a:t>・Small and Medium Enterprises</a:t>
+            </a:r>
+          </a:p>
+          <a:p>
+            <a:pPr>
+              <a:defRPr sz="900"/>
+            </a:pPr>
+            <a:r>
+              <a:t>・Enterprise Organizations</a:t>
             </a:r>
           </a:p>
         </p:txBody>
@@ -10562,15 +10562,15 @@
               <a:defRPr sz="900"/>
             </a:pPr>
             <a:r>
-              <a:t>・Platform development and maintenance</a:t>
-            </a:r>
-          </a:p>
-          <a:p>
-            <a:pPr>
-              <a:defRPr sz="900"/>
-            </a:pPr>
-            <a:r>
-              <a:t>・Maintain cloud infrastructure</a:t>
+              <a:t>・Platform Development and Maintenance</a:t>
+            </a:r>
+          </a:p>
+          <a:p>
+            <a:pPr>
+              <a:defRPr sz="900"/>
+            </a:pPr>
+            <a:r>
+              <a:t>・Maintaining Cloud Infrastructure</a:t>
             </a:r>
           </a:p>
           <a:p>
@@ -10634,7 +10634,7 @@
               <a:defRPr sz="900"/>
             </a:pPr>
             <a:r>
-              <a:t>・Support and Consulting</a:t>
+              <a:t>・Support and consulting</a:t>
             </a:r>
           </a:p>
         </p:txBody>
@@ -10684,7 +10684,7 @@
               <a:defRPr sz="2000"/>
             </a:pPr>
             <a:r>
-              <a:t>Kubernetes was invented and made into a business under the assumption that Kubernetes did not exist. (2023-07-08)</a:t>
+              <a:t>Conceive Kubernetes and turn it into a business under the assumption that Kubernetes does not exist (2023-07-08)</a:t>
             </a:r>
           </a:p>
         </p:txBody>
@@ -10756,7 +10756,7 @@
               <a:defRPr sz="900"/>
             </a:pPr>
             <a:r>
-              <a:t>・Automated deployment and rolling updates</a:t>
+              <a:t>・Automate deployment and rolling updates</a:t>
             </a:r>
           </a:p>
         </p:txBody>
@@ -10812,23 +10812,23 @@
               <a:defRPr sz="900"/>
             </a:pPr>
             <a:r>
-              <a:t>・Load Balancing and Service Discovery</a:t>
-            </a:r>
-          </a:p>
-          <a:p>
-            <a:pPr>
-              <a:defRPr sz="900"/>
-            </a:pPr>
-            <a:r>
-              <a:t>・Infrastructure-as-Code (IaC) to manage status</a:t>
-            </a:r>
-          </a:p>
-          <a:p>
-            <a:pPr>
-              <a:defRPr sz="900"/>
-            </a:pPr>
-            <a:r>
-              <a:t>・Automatic repair by reconsiliation mechanism</a:t>
+              <a:t>・Load balancing and service discovery</a:t>
+            </a:r>
+          </a:p>
+          <a:p>
+            <a:pPr>
+              <a:defRPr sz="900"/>
+            </a:pPr>
+            <a:r>
+              <a:t>・Manage state with Infrastructure as Code (IaC)</a:t>
+            </a:r>
+          </a:p>
+          <a:p>
+            <a:pPr>
+              <a:defRPr sz="900"/>
+            </a:pPr>
+            <a:r>
+              <a:t>・Automatic repair with reconsiliation mechanism</a:t>
             </a:r>
           </a:p>
           <a:p>
@@ -10900,7 +10900,7 @@
               <a:defRPr sz="900"/>
             </a:pPr>
             <a:r>
-              <a:t>・earnings</a:t>
+              <a:t>・Revenue</a:t>
             </a:r>
           </a:p>
         </p:txBody>
@@ -10956,15 +10956,15 @@
               <a:defRPr sz="900"/>
             </a:pPr>
             <a:r>
-              <a:t>・Simplify management by coding infrastructure</a:t>
-            </a:r>
-          </a:p>
-          <a:p>
-            <a:pPr>
-              <a:defRPr sz="900"/>
-            </a:pPr>
-            <a:r>
-              <a:t>・Automatic repair and reliability assurance through reconsiliation</a:t>
+              <a:t>・Coding of infrastructure to simplify management</a:t>
+            </a:r>
+          </a:p>
+          <a:p>
+            <a:pPr>
+              <a:defRPr sz="900"/>
+            </a:pPr>
+            <a:r>
+              <a:t>・Reconciliation to ensure automatic repair and reliability</a:t>
             </a:r>
           </a:p>
         </p:txBody>
@@ -11012,7 +11012,7 @@
               <a:defRPr sz="900"/>
             </a:pPr>
             <a:r>
-              <a:t>・Initial Advantage for a time when Kubernetes does not exist</a:t>
+              <a:t>・Initial advantage for a time when Kubernetes does not exist</a:t>
             </a:r>
           </a:p>
           <a:p>
@@ -11076,7 +11076,7 @@
               <a:defRPr sz="900"/>
             </a:pPr>
             <a:r>
-              <a:t>・cloud marketplace</a:t>
+              <a:t>・Cloud Marketplace</a:t>
             </a:r>
           </a:p>
           <a:p>
@@ -11148,7 +11148,7 @@
               <a:defRPr sz="900"/>
             </a:pPr>
             <a:r>
-              <a:t>・Companies requiring advanced application deployment</a:t>
+              <a:t>・Enterprises requiring advanced application deployment</a:t>
             </a:r>
           </a:p>
         </p:txBody>
@@ -11196,23 +11196,23 @@
               <a:defRPr sz="900"/>
             </a:pPr>
             <a:r>
-              <a:t>・Development and Maintenance</a:t>
-            </a:r>
-          </a:p>
-          <a:p>
-            <a:pPr>
-              <a:defRPr sz="900"/>
-            </a:pPr>
-            <a:r>
-              <a:t>・Customer Support</a:t>
-            </a:r>
-          </a:p>
-          <a:p>
-            <a:pPr>
-              <a:defRPr sz="900"/>
-            </a:pPr>
-            <a:r>
-              <a:t>・Marketing and Promotion</a:t>
+              <a:t>・Development and maintenance</a:t>
+            </a:r>
+          </a:p>
+          <a:p>
+            <a:pPr>
+              <a:defRPr sz="900"/>
+            </a:pPr>
+            <a:r>
+              <a:t>・Customer support</a:t>
+            </a:r>
+          </a:p>
+          <a:p>
+            <a:pPr>
+              <a:defRPr sz="900"/>
+            </a:pPr>
+            <a:r>
+              <a:t>・Marketing and promotion</a:t>
             </a:r>
           </a:p>
         </p:txBody>
@@ -11260,15 +11260,15 @@
               <a:defRPr sz="900"/>
             </a:pPr>
             <a:r>
-              <a:t>・Software license fee based on system size</a:t>
-            </a:r>
-          </a:p>
-          <a:p>
-            <a:pPr>
-              <a:defRPr sz="900"/>
-            </a:pPr>
-            <a:r>
-              <a:t>・Consulting and Customization Service Fees</a:t>
+              <a:t>・Software license fees based on system size</a:t>
+            </a:r>
+          </a:p>
+          <a:p>
+            <a:pPr>
+              <a:defRPr sz="900"/>
+            </a:pPr>
+            <a:r>
+              <a:t>・Consulting and customization service fees</a:t>
             </a:r>
           </a:p>
         </p:txBody>
@@ -11318,7 +11318,7 @@
               <a:defRPr sz="2000"/>
             </a:pPr>
             <a:r>
-              <a:t>SRE was conceived and made into a business based on the assumption that the concept of SRE did not exist. (2003-08-01)</a:t>
+              <a:t>SRE is conceived and made into a business based on the assumption that the concept of SRE does not exist (2003-08-01)</a:t>
             </a:r>
           </a:p>
         </p:txBody>
@@ -11438,7 +11438,7 @@
               <a:defRPr sz="900"/>
             </a:pPr>
             <a:r>
-              <a:t>・System operation applying software engineering principles</a:t>
+              <a:t>・System operations applying software engineering principles</a:t>
             </a:r>
           </a:p>
           <a:p>
@@ -11494,7 +11494,7 @@
               <a:defRPr sz="900"/>
             </a:pPr>
             <a:r>
-              <a:t>・User system downtime</a:t>
+              <a:t>・System downtime for users</a:t>
             </a:r>
           </a:p>
           <a:p>
@@ -11510,7 +11510,7 @@
               <a:defRPr sz="900"/>
             </a:pPr>
             <a:r>
-              <a:t>・System Reliability</a:t>
+              <a:t>・System reliability</a:t>
             </a:r>
           </a:p>
         </p:txBody>
@@ -11606,15 +11606,15 @@
               <a:defRPr sz="900"/>
             </a:pPr>
             <a:r>
-              <a:t>・Pioneer of new operational methods</a:t>
-            </a:r>
-          </a:p>
-          <a:p>
-            <a:pPr>
-              <a:defRPr sz="900"/>
-            </a:pPr>
-            <a:r>
-              <a:t>・Ability to increase both system reliability and the speed at which new features are released</a:t>
+              <a:t>・Pioneer new operational methodologies</a:t>
+            </a:r>
+          </a:p>
+          <a:p>
+            <a:pPr>
+              <a:defRPr sz="900"/>
+            </a:pPr>
+            <a:r>
+              <a:t>・Ability to improve both system reliability and release speed of new features</a:t>
             </a:r>
           </a:p>
         </p:txBody>
@@ -11670,7 +11670,7 @@
               <a:defRPr sz="900"/>
             </a:pPr>
             <a:r>
-              <a:t>・Seminars and Conferences</a:t>
+              <a:t>・Seminars and conferences</a:t>
             </a:r>
           </a:p>
           <a:p>
@@ -11734,7 +11734,7 @@
               <a:defRPr sz="900"/>
             </a:pPr>
             <a:r>
-              <a:t>・Companies that feel that the release of new features is slow</a:t>
+              <a:t>・Companies experiencing slow release of new features</a:t>
             </a:r>
           </a:p>
         </p:txBody>
@@ -11782,7 +11782,7 @@
               <a:defRPr sz="900"/>
             </a:pPr>
             <a:r>
-              <a:t>・Engineer Salary</a:t>
+              <a:t>・Engineer salaries</a:t>
             </a:r>
           </a:p>
           <a:p>
@@ -11846,23 +11846,23 @@
               <a:defRPr sz="900"/>
             </a:pPr>
             <a:r>
-              <a:t>・service contract fee</a:t>
-            </a:r>
-          </a:p>
-          <a:p>
-            <a:pPr>
-              <a:defRPr sz="900"/>
-            </a:pPr>
-            <a:r>
-              <a:t>・Software license fee</a:t>
-            </a:r>
-          </a:p>
-          <a:p>
-            <a:pPr>
-              <a:defRPr sz="900"/>
-            </a:pPr>
-            <a:r>
-              <a:t>・Consulting Fee</a:t>
+              <a:t>・Service contract fees</a:t>
+            </a:r>
+          </a:p>
+          <a:p>
+            <a:pPr>
+              <a:defRPr sz="900"/>
+            </a:pPr>
+            <a:r>
+              <a:t>・Software license fees</a:t>
+            </a:r>
+          </a:p>
+          <a:p>
+            <a:pPr>
+              <a:defRPr sz="900"/>
+            </a:pPr>
+            <a:r>
+              <a:t>・Consulting fees</a:t>
             </a:r>
           </a:p>
         </p:txBody>
@@ -12024,7 +12024,7 @@
               <a:defRPr sz="900"/>
             </a:pPr>
             <a:r>
-              <a:t>・Cloud-based centralized bank operating system</a:t>
+              <a:t>・Cloud-based centralized banking operating system</a:t>
             </a:r>
           </a:p>
           <a:p>
@@ -12096,15 +12096,15 @@
               <a:defRPr sz="900"/>
             </a:pPr>
             <a:r>
-              <a:t>・Transaction volume by bank</a:t>
-            </a:r>
-          </a:p>
-          <a:p>
-            <a:pPr>
-              <a:defRPr sz="900"/>
-            </a:pPr>
-            <a:r>
-              <a:t>・(degree of) customer satisfaction</a:t>
+              <a:t>・Volume of transactions by banks</a:t>
+            </a:r>
+          </a:p>
+          <a:p>
+            <a:pPr>
+              <a:defRPr sz="900"/>
+            </a:pPr>
+            <a:r>
+              <a:t>・Customer satisfaction</a:t>
             </a:r>
           </a:p>
         </p:txBody>
@@ -12200,7 +12200,7 @@
               <a:defRPr sz="900"/>
             </a:pPr>
             <a:r>
-              <a:t>・Cloud-based platform developed from the beginning, unlike existing bank legacy systems</a:t>
+              <a:t>・Platform developed from the beginning as cloud-based, unlike existing bank legacy systems</a:t>
             </a:r>
           </a:p>
           <a:p>
@@ -12312,15 +12312,15 @@
               <a:defRPr sz="900"/>
             </a:pPr>
             <a:r>
-              <a:t>・Banks considering migration from legacy systems</a:t>
-            </a:r>
-          </a:p>
-          <a:p>
-            <a:pPr>
-              <a:defRPr sz="900"/>
-            </a:pPr>
-            <a:r>
-              <a:t>・Banks seeking to improve customer experience</a:t>
+              <a:t>・Banks looking to migrate from legacy systems</a:t>
+            </a:r>
+          </a:p>
+          <a:p>
+            <a:pPr>
+              <a:defRPr sz="900"/>
+            </a:pPr>
+            <a:r>
+              <a:t>・Banks looking to improve customer experience</a:t>
             </a:r>
           </a:p>
         </p:txBody>
@@ -12368,7 +12368,7 @@
               <a:defRPr sz="900"/>
             </a:pPr>
             <a:r>
-              <a:t>・Engineer Salary</a:t>
+              <a:t>・Engineer salaries</a:t>
             </a:r>
           </a:p>
           <a:p>
@@ -12440,7 +12440,7 @@
               <a:defRPr sz="900"/>
             </a:pPr>
             <a:r>
-              <a:t>・Support and Customization Service Fees</a:t>
+              <a:t>・Support and customization service fees</a:t>
             </a:r>
           </a:p>
         </p:txBody>

--- a/sample_en.pptx
+++ b/sample_en.pptx
@@ -3112,7 +3112,7 @@
         <p:spPr>
           <a:xfrm>
             <a:off x="457200" y="457200"/>
-            <a:ext cx="13258800" cy="457200"/>
+            <a:ext cx="11887200" cy="457200"/>
           </a:xfrm>
           <a:prstGeom prst="rect">
             <a:avLst/>
@@ -3126,11 +3126,11 @@
           <a:lstStyle/>
           <a:p/>
           <a:p>
-            <a:pPr algn="ctr">
+            <a:pPr algn="l">
               <a:defRPr sz="2000"/>
             </a:pPr>
             <a:r>
-              <a:t>Google (at the beginning) (1998-09-04)</a:t>
+              <a:t>Google (at the beginning)</a:t>
             </a:r>
           </a:p>
         </p:txBody>
@@ -3138,6 +3138,38 @@
       <p:sp>
         <p:nvSpPr>
           <p:cNvPr id="3" name="TextBox 2"/>
+          <p:cNvSpPr txBox="1"/>
+          <p:nvPr/>
+        </p:nvSpPr>
+        <p:spPr>
+          <a:xfrm>
+            <a:off x="12801600" y="457200"/>
+            <a:ext cx="914400" cy="457200"/>
+          </a:xfrm>
+          <a:prstGeom prst="rect">
+            <a:avLst/>
+          </a:prstGeom>
+          <a:noFill/>
+        </p:spPr>
+        <p:txBody>
+          <a:bodyPr wrap="none">
+            <a:spAutoFit/>
+          </a:bodyPr>
+          <a:lstStyle/>
+          <a:p/>
+          <a:p>
+            <a:pPr algn="r">
+              <a:defRPr sz="2000"/>
+            </a:pPr>
+            <a:r>
+              <a:t>1998-09-04</a:t>
+            </a:r>
+          </a:p>
+        </p:txBody>
+      </p:sp>
+      <p:sp>
+        <p:nvSpPr>
+          <p:cNvPr id="4" name="TextBox 3"/>
           <p:cNvSpPr txBox="1"/>
           <p:nvPr/>
         </p:nvSpPr>
@@ -3201,7 +3233,7 @@
       </p:sp>
       <p:sp>
         <p:nvSpPr>
-          <p:cNvPr id="4" name="TextBox 3"/>
+          <p:cNvPr id="5" name="TextBox 4"/>
           <p:cNvSpPr txBox="1"/>
           <p:nvPr/>
         </p:nvSpPr>
@@ -3265,7 +3297,7 @@
       </p:sp>
       <p:sp>
         <p:nvSpPr>
-          <p:cNvPr id="5" name="TextBox 4"/>
+          <p:cNvPr id="6" name="TextBox 5"/>
           <p:cNvSpPr txBox="1"/>
           <p:nvPr/>
         </p:nvSpPr>
@@ -3329,7 +3361,7 @@
       </p:sp>
       <p:sp>
         <p:nvSpPr>
-          <p:cNvPr id="6" name="TextBox 5"/>
+          <p:cNvPr id="7" name="TextBox 6"/>
           <p:cNvSpPr txBox="1"/>
           <p:nvPr/>
         </p:nvSpPr>
@@ -3385,7 +3417,7 @@
       </p:sp>
       <p:sp>
         <p:nvSpPr>
-          <p:cNvPr id="7" name="TextBox 6"/>
+          <p:cNvPr id="8" name="TextBox 7"/>
           <p:cNvSpPr txBox="1"/>
           <p:nvPr/>
         </p:nvSpPr>
@@ -3441,7 +3473,7 @@
       </p:sp>
       <p:sp>
         <p:nvSpPr>
-          <p:cNvPr id="8" name="TextBox 7"/>
+          <p:cNvPr id="9" name="TextBox 8"/>
           <p:cNvSpPr txBox="1"/>
           <p:nvPr/>
         </p:nvSpPr>
@@ -3505,7 +3537,7 @@
       </p:sp>
       <p:sp>
         <p:nvSpPr>
-          <p:cNvPr id="9" name="TextBox 8"/>
+          <p:cNvPr id="10" name="TextBox 9"/>
           <p:cNvSpPr txBox="1"/>
           <p:nvPr/>
         </p:nvSpPr>
@@ -3561,7 +3593,7 @@
       </p:sp>
       <p:sp>
         <p:nvSpPr>
-          <p:cNvPr id="10" name="TextBox 9"/>
+          <p:cNvPr id="11" name="TextBox 10"/>
           <p:cNvSpPr txBox="1"/>
           <p:nvPr/>
         </p:nvSpPr>
@@ -3625,7 +3657,7 @@
       </p:sp>
       <p:sp>
         <p:nvSpPr>
-          <p:cNvPr id="11" name="TextBox 10"/>
+          <p:cNvPr id="12" name="TextBox 11"/>
           <p:cNvSpPr txBox="1"/>
           <p:nvPr/>
         </p:nvSpPr>
@@ -3698,7 +3730,7 @@
         <p:spPr>
           <a:xfrm>
             <a:off x="457200" y="457200"/>
-            <a:ext cx="13258800" cy="457200"/>
+            <a:ext cx="11887200" cy="457200"/>
           </a:xfrm>
           <a:prstGeom prst="rect">
             <a:avLst/>
@@ -3712,11 +3744,11 @@
           <a:lstStyle/>
           <a:p/>
           <a:p>
-            <a:pPr algn="ctr">
+            <a:pPr algn="l">
               <a:defRPr sz="2000"/>
             </a:pPr>
             <a:r>
-              <a:t>NANOX (2016-01-01)</a:t>
+              <a:t>NANOX</a:t>
             </a:r>
           </a:p>
         </p:txBody>
@@ -3724,6 +3756,38 @@
       <p:sp>
         <p:nvSpPr>
           <p:cNvPr id="3" name="TextBox 2"/>
+          <p:cNvSpPr txBox="1"/>
+          <p:nvPr/>
+        </p:nvSpPr>
+        <p:spPr>
+          <a:xfrm>
+            <a:off x="12801600" y="457200"/>
+            <a:ext cx="914400" cy="457200"/>
+          </a:xfrm>
+          <a:prstGeom prst="rect">
+            <a:avLst/>
+          </a:prstGeom>
+          <a:noFill/>
+        </p:spPr>
+        <p:txBody>
+          <a:bodyPr wrap="none">
+            <a:spAutoFit/>
+          </a:bodyPr>
+          <a:lstStyle/>
+          <a:p/>
+          <a:p>
+            <a:pPr algn="r">
+              <a:defRPr sz="2000"/>
+            </a:pPr>
+            <a:r>
+              <a:t>2016-01-01</a:t>
+            </a:r>
+          </a:p>
+        </p:txBody>
+      </p:sp>
+      <p:sp>
+        <p:nvSpPr>
+          <p:cNvPr id="4" name="TextBox 3"/>
           <p:cNvSpPr txBox="1"/>
           <p:nvPr/>
         </p:nvSpPr>
@@ -3787,7 +3851,7 @@
       </p:sp>
       <p:sp>
         <p:nvSpPr>
-          <p:cNvPr id="4" name="TextBox 3"/>
+          <p:cNvPr id="5" name="TextBox 4"/>
           <p:cNvSpPr txBox="1"/>
           <p:nvPr/>
         </p:nvSpPr>
@@ -3851,7 +3915,7 @@
       </p:sp>
       <p:sp>
         <p:nvSpPr>
-          <p:cNvPr id="5" name="TextBox 4"/>
+          <p:cNvPr id="6" name="TextBox 5"/>
           <p:cNvSpPr txBox="1"/>
           <p:nvPr/>
         </p:nvSpPr>
@@ -3915,7 +3979,7 @@
       </p:sp>
       <p:sp>
         <p:nvSpPr>
-          <p:cNvPr id="6" name="TextBox 5"/>
+          <p:cNvPr id="7" name="TextBox 6"/>
           <p:cNvSpPr txBox="1"/>
           <p:nvPr/>
         </p:nvSpPr>
@@ -3963,7 +4027,7 @@
       </p:sp>
       <p:sp>
         <p:nvSpPr>
-          <p:cNvPr id="7" name="TextBox 6"/>
+          <p:cNvPr id="8" name="TextBox 7"/>
           <p:cNvSpPr txBox="1"/>
           <p:nvPr/>
         </p:nvSpPr>
@@ -4019,7 +4083,7 @@
       </p:sp>
       <p:sp>
         <p:nvSpPr>
-          <p:cNvPr id="8" name="TextBox 7"/>
+          <p:cNvPr id="9" name="TextBox 8"/>
           <p:cNvSpPr txBox="1"/>
           <p:nvPr/>
         </p:nvSpPr>
@@ -4083,7 +4147,7 @@
       </p:sp>
       <p:sp>
         <p:nvSpPr>
-          <p:cNvPr id="9" name="TextBox 8"/>
+          <p:cNvPr id="10" name="TextBox 9"/>
           <p:cNvSpPr txBox="1"/>
           <p:nvPr/>
         </p:nvSpPr>
@@ -4147,7 +4211,7 @@
       </p:sp>
       <p:sp>
         <p:nvSpPr>
-          <p:cNvPr id="10" name="TextBox 9"/>
+          <p:cNvPr id="11" name="TextBox 10"/>
           <p:cNvSpPr txBox="1"/>
           <p:nvPr/>
         </p:nvSpPr>
@@ -4211,7 +4275,7 @@
       </p:sp>
       <p:sp>
         <p:nvSpPr>
-          <p:cNvPr id="11" name="TextBox 10"/>
+          <p:cNvPr id="12" name="TextBox 11"/>
           <p:cNvSpPr txBox="1"/>
           <p:nvPr/>
         </p:nvSpPr>
@@ -4300,7 +4364,7 @@
         <p:spPr>
           <a:xfrm>
             <a:off x="457200" y="457200"/>
-            <a:ext cx="13258800" cy="457200"/>
+            <a:ext cx="11887200" cy="457200"/>
           </a:xfrm>
           <a:prstGeom prst="rect">
             <a:avLst/>
@@ -4314,11 +4378,11 @@
           <a:lstStyle/>
           <a:p/>
           <a:p>
-            <a:pPr algn="ctr">
+            <a:pPr algn="l">
               <a:defRPr sz="2000"/>
             </a:pPr>
             <a:r>
-              <a:t>Snowflake (2012-07-01)</a:t>
+              <a:t>Snowflake</a:t>
             </a:r>
           </a:p>
         </p:txBody>
@@ -4326,6 +4390,38 @@
       <p:sp>
         <p:nvSpPr>
           <p:cNvPr id="3" name="TextBox 2"/>
+          <p:cNvSpPr txBox="1"/>
+          <p:nvPr/>
+        </p:nvSpPr>
+        <p:spPr>
+          <a:xfrm>
+            <a:off x="12801600" y="457200"/>
+            <a:ext cx="914400" cy="457200"/>
+          </a:xfrm>
+          <a:prstGeom prst="rect">
+            <a:avLst/>
+          </a:prstGeom>
+          <a:noFill/>
+        </p:spPr>
+        <p:txBody>
+          <a:bodyPr wrap="none">
+            <a:spAutoFit/>
+          </a:bodyPr>
+          <a:lstStyle/>
+          <a:p/>
+          <a:p>
+            <a:pPr algn="r">
+              <a:defRPr sz="2000"/>
+            </a:pPr>
+            <a:r>
+              <a:t>2012-07-01</a:t>
+            </a:r>
+          </a:p>
+        </p:txBody>
+      </p:sp>
+      <p:sp>
+        <p:nvSpPr>
+          <p:cNvPr id="4" name="TextBox 3"/>
           <p:cNvSpPr txBox="1"/>
           <p:nvPr/>
         </p:nvSpPr>
@@ -4389,7 +4485,7 @@
       </p:sp>
       <p:sp>
         <p:nvSpPr>
-          <p:cNvPr id="4" name="TextBox 3"/>
+          <p:cNvPr id="5" name="TextBox 4"/>
           <p:cNvSpPr txBox="1"/>
           <p:nvPr/>
         </p:nvSpPr>
@@ -4453,7 +4549,7 @@
       </p:sp>
       <p:sp>
         <p:nvSpPr>
-          <p:cNvPr id="5" name="TextBox 4"/>
+          <p:cNvPr id="6" name="TextBox 5"/>
           <p:cNvSpPr txBox="1"/>
           <p:nvPr/>
         </p:nvSpPr>
@@ -4517,7 +4613,7 @@
       </p:sp>
       <p:sp>
         <p:nvSpPr>
-          <p:cNvPr id="6" name="TextBox 5"/>
+          <p:cNvPr id="7" name="TextBox 6"/>
           <p:cNvSpPr txBox="1"/>
           <p:nvPr/>
         </p:nvSpPr>
@@ -4565,7 +4661,7 @@
       </p:sp>
       <p:sp>
         <p:nvSpPr>
-          <p:cNvPr id="7" name="TextBox 6"/>
+          <p:cNvPr id="8" name="TextBox 7"/>
           <p:cNvSpPr txBox="1"/>
           <p:nvPr/>
         </p:nvSpPr>
@@ -4621,7 +4717,7 @@
       </p:sp>
       <p:sp>
         <p:nvSpPr>
-          <p:cNvPr id="8" name="TextBox 7"/>
+          <p:cNvPr id="9" name="TextBox 8"/>
           <p:cNvSpPr txBox="1"/>
           <p:nvPr/>
         </p:nvSpPr>
@@ -4685,7 +4781,7 @@
       </p:sp>
       <p:sp>
         <p:nvSpPr>
-          <p:cNvPr id="9" name="TextBox 8"/>
+          <p:cNvPr id="10" name="TextBox 9"/>
           <p:cNvSpPr txBox="1"/>
           <p:nvPr/>
         </p:nvSpPr>
@@ -4749,7 +4845,7 @@
       </p:sp>
       <p:sp>
         <p:nvSpPr>
-          <p:cNvPr id="10" name="TextBox 9"/>
+          <p:cNvPr id="11" name="TextBox 10"/>
           <p:cNvSpPr txBox="1"/>
           <p:nvPr/>
         </p:nvSpPr>
@@ -4813,7 +4909,7 @@
       </p:sp>
       <p:sp>
         <p:nvSpPr>
-          <p:cNvPr id="11" name="TextBox 10"/>
+          <p:cNvPr id="12" name="TextBox 11"/>
           <p:cNvSpPr txBox="1"/>
           <p:nvPr/>
         </p:nvSpPr>
@@ -4902,7 +4998,7 @@
         <p:spPr>
           <a:xfrm>
             <a:off x="457200" y="457200"/>
-            <a:ext cx="13258800" cy="457200"/>
+            <a:ext cx="11887200" cy="457200"/>
           </a:xfrm>
           <a:prstGeom prst="rect">
             <a:avLst/>
@@ -4916,11 +5012,11 @@
           <a:lstStyle/>
           <a:p/>
           <a:p>
-            <a:pPr algn="ctr">
+            <a:pPr algn="l">
               <a:defRPr sz="2000"/>
             </a:pPr>
             <a:r>
-              <a:t>C3.AI (2009-01-01)</a:t>
+              <a:t>C3.AI</a:t>
             </a:r>
           </a:p>
         </p:txBody>
@@ -4928,6 +5024,38 @@
       <p:sp>
         <p:nvSpPr>
           <p:cNvPr id="3" name="TextBox 2"/>
+          <p:cNvSpPr txBox="1"/>
+          <p:nvPr/>
+        </p:nvSpPr>
+        <p:spPr>
+          <a:xfrm>
+            <a:off x="12801600" y="457200"/>
+            <a:ext cx="914400" cy="457200"/>
+          </a:xfrm>
+          <a:prstGeom prst="rect">
+            <a:avLst/>
+          </a:prstGeom>
+          <a:noFill/>
+        </p:spPr>
+        <p:txBody>
+          <a:bodyPr wrap="none">
+            <a:spAutoFit/>
+          </a:bodyPr>
+          <a:lstStyle/>
+          <a:p/>
+          <a:p>
+            <a:pPr algn="r">
+              <a:defRPr sz="2000"/>
+            </a:pPr>
+            <a:r>
+              <a:t>2009-01-01</a:t>
+            </a:r>
+          </a:p>
+        </p:txBody>
+      </p:sp>
+      <p:sp>
+        <p:nvSpPr>
+          <p:cNvPr id="4" name="TextBox 3"/>
           <p:cNvSpPr txBox="1"/>
           <p:nvPr/>
         </p:nvSpPr>
@@ -4991,7 +5119,7 @@
       </p:sp>
       <p:sp>
         <p:nvSpPr>
-          <p:cNvPr id="4" name="TextBox 3"/>
+          <p:cNvPr id="5" name="TextBox 4"/>
           <p:cNvSpPr txBox="1"/>
           <p:nvPr/>
         </p:nvSpPr>
@@ -5055,7 +5183,7 @@
       </p:sp>
       <p:sp>
         <p:nvSpPr>
-          <p:cNvPr id="5" name="TextBox 4"/>
+          <p:cNvPr id="6" name="TextBox 5"/>
           <p:cNvSpPr txBox="1"/>
           <p:nvPr/>
         </p:nvSpPr>
@@ -5119,7 +5247,7 @@
       </p:sp>
       <p:sp>
         <p:nvSpPr>
-          <p:cNvPr id="6" name="TextBox 5"/>
+          <p:cNvPr id="7" name="TextBox 6"/>
           <p:cNvSpPr txBox="1"/>
           <p:nvPr/>
         </p:nvSpPr>
@@ -5167,7 +5295,7 @@
       </p:sp>
       <p:sp>
         <p:nvSpPr>
-          <p:cNvPr id="7" name="TextBox 6"/>
+          <p:cNvPr id="8" name="TextBox 7"/>
           <p:cNvSpPr txBox="1"/>
           <p:nvPr/>
         </p:nvSpPr>
@@ -5223,7 +5351,7 @@
       </p:sp>
       <p:sp>
         <p:nvSpPr>
-          <p:cNvPr id="8" name="TextBox 7"/>
+          <p:cNvPr id="9" name="TextBox 8"/>
           <p:cNvSpPr txBox="1"/>
           <p:nvPr/>
         </p:nvSpPr>
@@ -5287,7 +5415,7 @@
       </p:sp>
       <p:sp>
         <p:nvSpPr>
-          <p:cNvPr id="9" name="TextBox 8"/>
+          <p:cNvPr id="10" name="TextBox 9"/>
           <p:cNvSpPr txBox="1"/>
           <p:nvPr/>
         </p:nvSpPr>
@@ -5343,7 +5471,7 @@
       </p:sp>
       <p:sp>
         <p:nvSpPr>
-          <p:cNvPr id="10" name="TextBox 9"/>
+          <p:cNvPr id="11" name="TextBox 10"/>
           <p:cNvSpPr txBox="1"/>
           <p:nvPr/>
         </p:nvSpPr>
@@ -5407,7 +5535,7 @@
       </p:sp>
       <p:sp>
         <p:nvSpPr>
-          <p:cNvPr id="11" name="TextBox 10"/>
+          <p:cNvPr id="12" name="TextBox 11"/>
           <p:cNvSpPr txBox="1"/>
           <p:nvPr/>
         </p:nvSpPr>
@@ -5496,7 +5624,7 @@
         <p:spPr>
           <a:xfrm>
             <a:off x="457200" y="457200"/>
-            <a:ext cx="13258800" cy="457200"/>
+            <a:ext cx="11887200" cy="457200"/>
           </a:xfrm>
           <a:prstGeom prst="rect">
             <a:avLst/>
@@ -5510,11 +5638,11 @@
           <a:lstStyle/>
           <a:p/>
           <a:p>
-            <a:pPr algn="ctr">
+            <a:pPr algn="l">
               <a:defRPr sz="2000"/>
             </a:pPr>
             <a:r>
-              <a:t>Unity (2004-08-02)</a:t>
+              <a:t>Unity</a:t>
             </a:r>
           </a:p>
         </p:txBody>
@@ -5522,6 +5650,38 @@
       <p:sp>
         <p:nvSpPr>
           <p:cNvPr id="3" name="TextBox 2"/>
+          <p:cNvSpPr txBox="1"/>
+          <p:nvPr/>
+        </p:nvSpPr>
+        <p:spPr>
+          <a:xfrm>
+            <a:off x="12801600" y="457200"/>
+            <a:ext cx="914400" cy="457200"/>
+          </a:xfrm>
+          <a:prstGeom prst="rect">
+            <a:avLst/>
+          </a:prstGeom>
+          <a:noFill/>
+        </p:spPr>
+        <p:txBody>
+          <a:bodyPr wrap="none">
+            <a:spAutoFit/>
+          </a:bodyPr>
+          <a:lstStyle/>
+          <a:p/>
+          <a:p>
+            <a:pPr algn="r">
+              <a:defRPr sz="2000"/>
+            </a:pPr>
+            <a:r>
+              <a:t>2004-08-02</a:t>
+            </a:r>
+          </a:p>
+        </p:txBody>
+      </p:sp>
+      <p:sp>
+        <p:nvSpPr>
+          <p:cNvPr id="4" name="TextBox 3"/>
           <p:cNvSpPr txBox="1"/>
           <p:nvPr/>
         </p:nvSpPr>
@@ -5577,7 +5737,7 @@
       </p:sp>
       <p:sp>
         <p:nvSpPr>
-          <p:cNvPr id="4" name="TextBox 3"/>
+          <p:cNvPr id="5" name="TextBox 4"/>
           <p:cNvSpPr txBox="1"/>
           <p:nvPr/>
         </p:nvSpPr>
@@ -5633,7 +5793,7 @@
       </p:sp>
       <p:sp>
         <p:nvSpPr>
-          <p:cNvPr id="5" name="TextBox 4"/>
+          <p:cNvPr id="6" name="TextBox 5"/>
           <p:cNvSpPr txBox="1"/>
           <p:nvPr/>
         </p:nvSpPr>
@@ -5697,7 +5857,7 @@
       </p:sp>
       <p:sp>
         <p:nvSpPr>
-          <p:cNvPr id="6" name="TextBox 5"/>
+          <p:cNvPr id="7" name="TextBox 6"/>
           <p:cNvSpPr txBox="1"/>
           <p:nvPr/>
         </p:nvSpPr>
@@ -5745,7 +5905,7 @@
       </p:sp>
       <p:sp>
         <p:nvSpPr>
-          <p:cNvPr id="7" name="TextBox 6"/>
+          <p:cNvPr id="8" name="TextBox 7"/>
           <p:cNvSpPr txBox="1"/>
           <p:nvPr/>
         </p:nvSpPr>
@@ -5801,7 +5961,7 @@
       </p:sp>
       <p:sp>
         <p:nvSpPr>
-          <p:cNvPr id="8" name="TextBox 7"/>
+          <p:cNvPr id="9" name="TextBox 8"/>
           <p:cNvSpPr txBox="1"/>
           <p:nvPr/>
         </p:nvSpPr>
@@ -5857,7 +6017,7 @@
       </p:sp>
       <p:sp>
         <p:nvSpPr>
-          <p:cNvPr id="9" name="TextBox 8"/>
+          <p:cNvPr id="10" name="TextBox 9"/>
           <p:cNvSpPr txBox="1"/>
           <p:nvPr/>
         </p:nvSpPr>
@@ -5913,7 +6073,7 @@
       </p:sp>
       <p:sp>
         <p:nvSpPr>
-          <p:cNvPr id="10" name="TextBox 9"/>
+          <p:cNvPr id="11" name="TextBox 10"/>
           <p:cNvSpPr txBox="1"/>
           <p:nvPr/>
         </p:nvSpPr>
@@ -5969,7 +6129,7 @@
       </p:sp>
       <p:sp>
         <p:nvSpPr>
-          <p:cNvPr id="11" name="TextBox 10"/>
+          <p:cNvPr id="12" name="TextBox 11"/>
           <p:cNvSpPr txBox="1"/>
           <p:nvPr/>
         </p:nvSpPr>
@@ -6058,7 +6218,7 @@
         <p:spPr>
           <a:xfrm>
             <a:off x="457200" y="457200"/>
-            <a:ext cx="13258800" cy="457200"/>
+            <a:ext cx="11887200" cy="457200"/>
           </a:xfrm>
           <a:prstGeom prst="rect">
             <a:avLst/>
@@ -6072,11 +6232,11 @@
           <a:lstStyle/>
           <a:p/>
           <a:p>
-            <a:pPr algn="ctr">
+            <a:pPr algn="l">
               <a:defRPr sz="2000"/>
             </a:pPr>
             <a:r>
-              <a:t>Roblox (2006-09-01)</a:t>
+              <a:t>Roblox</a:t>
             </a:r>
           </a:p>
         </p:txBody>
@@ -6084,6 +6244,38 @@
       <p:sp>
         <p:nvSpPr>
           <p:cNvPr id="3" name="TextBox 2"/>
+          <p:cNvSpPr txBox="1"/>
+          <p:nvPr/>
+        </p:nvSpPr>
+        <p:spPr>
+          <a:xfrm>
+            <a:off x="12801600" y="457200"/>
+            <a:ext cx="914400" cy="457200"/>
+          </a:xfrm>
+          <a:prstGeom prst="rect">
+            <a:avLst/>
+          </a:prstGeom>
+          <a:noFill/>
+        </p:spPr>
+        <p:txBody>
+          <a:bodyPr wrap="none">
+            <a:spAutoFit/>
+          </a:bodyPr>
+          <a:lstStyle/>
+          <a:p/>
+          <a:p>
+            <a:pPr algn="r">
+              <a:defRPr sz="2000"/>
+            </a:pPr>
+            <a:r>
+              <a:t>2006-09-01</a:t>
+            </a:r>
+          </a:p>
+        </p:txBody>
+      </p:sp>
+      <p:sp>
+        <p:nvSpPr>
+          <p:cNvPr id="4" name="TextBox 3"/>
           <p:cNvSpPr txBox="1"/>
           <p:nvPr/>
         </p:nvSpPr>
@@ -6139,7 +6331,7 @@
       </p:sp>
       <p:sp>
         <p:nvSpPr>
-          <p:cNvPr id="4" name="TextBox 3"/>
+          <p:cNvPr id="5" name="TextBox 4"/>
           <p:cNvSpPr txBox="1"/>
           <p:nvPr/>
         </p:nvSpPr>
@@ -6195,7 +6387,7 @@
       </p:sp>
       <p:sp>
         <p:nvSpPr>
-          <p:cNvPr id="5" name="TextBox 4"/>
+          <p:cNvPr id="6" name="TextBox 5"/>
           <p:cNvSpPr txBox="1"/>
           <p:nvPr/>
         </p:nvSpPr>
@@ -6259,7 +6451,7 @@
       </p:sp>
       <p:sp>
         <p:nvSpPr>
-          <p:cNvPr id="6" name="TextBox 5"/>
+          <p:cNvPr id="7" name="TextBox 6"/>
           <p:cNvSpPr txBox="1"/>
           <p:nvPr/>
         </p:nvSpPr>
@@ -6307,7 +6499,7 @@
       </p:sp>
       <p:sp>
         <p:nvSpPr>
-          <p:cNvPr id="7" name="TextBox 6"/>
+          <p:cNvPr id="8" name="TextBox 7"/>
           <p:cNvSpPr txBox="1"/>
           <p:nvPr/>
         </p:nvSpPr>
@@ -6363,7 +6555,7 @@
       </p:sp>
       <p:sp>
         <p:nvSpPr>
-          <p:cNvPr id="8" name="TextBox 7"/>
+          <p:cNvPr id="9" name="TextBox 8"/>
           <p:cNvSpPr txBox="1"/>
           <p:nvPr/>
         </p:nvSpPr>
@@ -6419,7 +6611,7 @@
       </p:sp>
       <p:sp>
         <p:nvSpPr>
-          <p:cNvPr id="9" name="TextBox 8"/>
+          <p:cNvPr id="10" name="TextBox 9"/>
           <p:cNvSpPr txBox="1"/>
           <p:nvPr/>
         </p:nvSpPr>
@@ -6475,7 +6667,7 @@
       </p:sp>
       <p:sp>
         <p:nvSpPr>
-          <p:cNvPr id="10" name="TextBox 9"/>
+          <p:cNvPr id="11" name="TextBox 10"/>
           <p:cNvSpPr txBox="1"/>
           <p:nvPr/>
         </p:nvSpPr>
@@ -6539,7 +6731,7 @@
       </p:sp>
       <p:sp>
         <p:nvSpPr>
-          <p:cNvPr id="11" name="TextBox 10"/>
+          <p:cNvPr id="12" name="TextBox 11"/>
           <p:cNvSpPr txBox="1"/>
           <p:nvPr/>
         </p:nvSpPr>
@@ -6628,7 +6820,7 @@
         <p:spPr>
           <a:xfrm>
             <a:off x="457200" y="457200"/>
-            <a:ext cx="13258800" cy="457200"/>
+            <a:ext cx="11887200" cy="457200"/>
           </a:xfrm>
           <a:prstGeom prst="rect">
             <a:avLst/>
@@ -6642,11 +6834,11 @@
           <a:lstStyle/>
           <a:p/>
           <a:p>
-            <a:pPr algn="ctr">
+            <a:pPr algn="l">
               <a:defRPr sz="2000"/>
             </a:pPr>
             <a:r>
-              <a:t>Tesla (2003-07-01)</a:t>
+              <a:t>Tesla</a:t>
             </a:r>
           </a:p>
         </p:txBody>
@@ -6654,6 +6846,38 @@
       <p:sp>
         <p:nvSpPr>
           <p:cNvPr id="3" name="TextBox 2"/>
+          <p:cNvSpPr txBox="1"/>
+          <p:nvPr/>
+        </p:nvSpPr>
+        <p:spPr>
+          <a:xfrm>
+            <a:off x="12801600" y="457200"/>
+            <a:ext cx="914400" cy="457200"/>
+          </a:xfrm>
+          <a:prstGeom prst="rect">
+            <a:avLst/>
+          </a:prstGeom>
+          <a:noFill/>
+        </p:spPr>
+        <p:txBody>
+          <a:bodyPr wrap="none">
+            <a:spAutoFit/>
+          </a:bodyPr>
+          <a:lstStyle/>
+          <a:p/>
+          <a:p>
+            <a:pPr algn="r">
+              <a:defRPr sz="2000"/>
+            </a:pPr>
+            <a:r>
+              <a:t>2003-07-01</a:t>
+            </a:r>
+          </a:p>
+        </p:txBody>
+      </p:sp>
+      <p:sp>
+        <p:nvSpPr>
+          <p:cNvPr id="4" name="TextBox 3"/>
           <p:cNvSpPr txBox="1"/>
           <p:nvPr/>
         </p:nvSpPr>
@@ -6709,7 +6933,7 @@
       </p:sp>
       <p:sp>
         <p:nvSpPr>
-          <p:cNvPr id="4" name="TextBox 3"/>
+          <p:cNvPr id="5" name="TextBox 4"/>
           <p:cNvSpPr txBox="1"/>
           <p:nvPr/>
         </p:nvSpPr>
@@ -6765,7 +6989,7 @@
       </p:sp>
       <p:sp>
         <p:nvSpPr>
-          <p:cNvPr id="5" name="TextBox 4"/>
+          <p:cNvPr id="6" name="TextBox 5"/>
           <p:cNvSpPr txBox="1"/>
           <p:nvPr/>
         </p:nvSpPr>
@@ -6829,7 +7053,7 @@
       </p:sp>
       <p:sp>
         <p:nvSpPr>
-          <p:cNvPr id="6" name="TextBox 5"/>
+          <p:cNvPr id="7" name="TextBox 6"/>
           <p:cNvSpPr txBox="1"/>
           <p:nvPr/>
         </p:nvSpPr>
@@ -6877,7 +7101,7 @@
       </p:sp>
       <p:sp>
         <p:nvSpPr>
-          <p:cNvPr id="7" name="TextBox 6"/>
+          <p:cNvPr id="8" name="TextBox 7"/>
           <p:cNvSpPr txBox="1"/>
           <p:nvPr/>
         </p:nvSpPr>
@@ -6933,7 +7157,7 @@
       </p:sp>
       <p:sp>
         <p:nvSpPr>
-          <p:cNvPr id="8" name="TextBox 7"/>
+          <p:cNvPr id="9" name="TextBox 8"/>
           <p:cNvSpPr txBox="1"/>
           <p:nvPr/>
         </p:nvSpPr>
@@ -6989,7 +7213,7 @@
       </p:sp>
       <p:sp>
         <p:nvSpPr>
-          <p:cNvPr id="9" name="TextBox 8"/>
+          <p:cNvPr id="10" name="TextBox 9"/>
           <p:cNvSpPr txBox="1"/>
           <p:nvPr/>
         </p:nvSpPr>
@@ -7045,7 +7269,7 @@
       </p:sp>
       <p:sp>
         <p:nvSpPr>
-          <p:cNvPr id="10" name="TextBox 9"/>
+          <p:cNvPr id="11" name="TextBox 10"/>
           <p:cNvSpPr txBox="1"/>
           <p:nvPr/>
         </p:nvSpPr>
@@ -7109,7 +7333,7 @@
       </p:sp>
       <p:sp>
         <p:nvSpPr>
-          <p:cNvPr id="11" name="TextBox 10"/>
+          <p:cNvPr id="12" name="TextBox 11"/>
           <p:cNvSpPr txBox="1"/>
           <p:nvPr/>
         </p:nvSpPr>
@@ -7190,7 +7414,7 @@
         <p:spPr>
           <a:xfrm>
             <a:off x="457200" y="457200"/>
-            <a:ext cx="13258800" cy="457200"/>
+            <a:ext cx="11887200" cy="457200"/>
           </a:xfrm>
           <a:prstGeom prst="rect">
             <a:avLst/>
@@ -7204,11 +7428,11 @@
           <a:lstStyle/>
           <a:p/>
           <a:p>
-            <a:pPr algn="ctr">
+            <a:pPr algn="l">
               <a:defRPr sz="2000"/>
             </a:pPr>
             <a:r>
-              <a:t>SpaceX (2002-03-14)</a:t>
+              <a:t>SpaceX</a:t>
             </a:r>
           </a:p>
         </p:txBody>
@@ -7216,6 +7440,38 @@
       <p:sp>
         <p:nvSpPr>
           <p:cNvPr id="3" name="TextBox 2"/>
+          <p:cNvSpPr txBox="1"/>
+          <p:nvPr/>
+        </p:nvSpPr>
+        <p:spPr>
+          <a:xfrm>
+            <a:off x="12801600" y="457200"/>
+            <a:ext cx="914400" cy="457200"/>
+          </a:xfrm>
+          <a:prstGeom prst="rect">
+            <a:avLst/>
+          </a:prstGeom>
+          <a:noFill/>
+        </p:spPr>
+        <p:txBody>
+          <a:bodyPr wrap="none">
+            <a:spAutoFit/>
+          </a:bodyPr>
+          <a:lstStyle/>
+          <a:p/>
+          <a:p>
+            <a:pPr algn="r">
+              <a:defRPr sz="2000"/>
+            </a:pPr>
+            <a:r>
+              <a:t>2002-03-14</a:t>
+            </a:r>
+          </a:p>
+        </p:txBody>
+      </p:sp>
+      <p:sp>
+        <p:nvSpPr>
+          <p:cNvPr id="4" name="TextBox 3"/>
           <p:cNvSpPr txBox="1"/>
           <p:nvPr/>
         </p:nvSpPr>
@@ -7271,7 +7527,7 @@
       </p:sp>
       <p:sp>
         <p:nvSpPr>
-          <p:cNvPr id="4" name="TextBox 3"/>
+          <p:cNvPr id="5" name="TextBox 4"/>
           <p:cNvSpPr txBox="1"/>
           <p:nvPr/>
         </p:nvSpPr>
@@ -7327,7 +7583,7 @@
       </p:sp>
       <p:sp>
         <p:nvSpPr>
-          <p:cNvPr id="5" name="TextBox 4"/>
+          <p:cNvPr id="6" name="TextBox 5"/>
           <p:cNvSpPr txBox="1"/>
           <p:nvPr/>
         </p:nvSpPr>
@@ -7391,7 +7647,7 @@
       </p:sp>
       <p:sp>
         <p:nvSpPr>
-          <p:cNvPr id="6" name="TextBox 5"/>
+          <p:cNvPr id="7" name="TextBox 6"/>
           <p:cNvSpPr txBox="1"/>
           <p:nvPr/>
         </p:nvSpPr>
@@ -7439,7 +7695,7 @@
       </p:sp>
       <p:sp>
         <p:nvSpPr>
-          <p:cNvPr id="7" name="TextBox 6"/>
+          <p:cNvPr id="8" name="TextBox 7"/>
           <p:cNvSpPr txBox="1"/>
           <p:nvPr/>
         </p:nvSpPr>
@@ -7495,7 +7751,7 @@
       </p:sp>
       <p:sp>
         <p:nvSpPr>
-          <p:cNvPr id="8" name="TextBox 7"/>
+          <p:cNvPr id="9" name="TextBox 8"/>
           <p:cNvSpPr txBox="1"/>
           <p:nvPr/>
         </p:nvSpPr>
@@ -7551,7 +7807,7 @@
       </p:sp>
       <p:sp>
         <p:nvSpPr>
-          <p:cNvPr id="9" name="TextBox 8"/>
+          <p:cNvPr id="10" name="TextBox 9"/>
           <p:cNvSpPr txBox="1"/>
           <p:nvPr/>
         </p:nvSpPr>
@@ -7607,7 +7863,7 @@
       </p:sp>
       <p:sp>
         <p:nvSpPr>
-          <p:cNvPr id="10" name="TextBox 9"/>
+          <p:cNvPr id="11" name="TextBox 10"/>
           <p:cNvSpPr txBox="1"/>
           <p:nvPr/>
         </p:nvSpPr>
@@ -7671,7 +7927,7 @@
       </p:sp>
       <p:sp>
         <p:nvSpPr>
-          <p:cNvPr id="11" name="TextBox 10"/>
+          <p:cNvPr id="12" name="TextBox 11"/>
           <p:cNvSpPr txBox="1"/>
           <p:nvPr/>
         </p:nvSpPr>
@@ -7752,7 +8008,7 @@
         <p:spPr>
           <a:xfrm>
             <a:off x="457200" y="457200"/>
-            <a:ext cx="13258800" cy="457200"/>
+            <a:ext cx="11887200" cy="457200"/>
           </a:xfrm>
           <a:prstGeom prst="rect">
             <a:avLst/>
@@ -7766,11 +8022,11 @@
           <a:lstStyle/>
           <a:p/>
           <a:p>
-            <a:pPr algn="ctr">
+            <a:pPr algn="l">
               <a:defRPr sz="2000"/>
             </a:pPr>
             <a:r>
-              <a:t>Uber (at the beginning) (2009-03-01)</a:t>
+              <a:t>Uber (at the beginning)</a:t>
             </a:r>
           </a:p>
         </p:txBody>
@@ -7778,6 +8034,38 @@
       <p:sp>
         <p:nvSpPr>
           <p:cNvPr id="3" name="TextBox 2"/>
+          <p:cNvSpPr txBox="1"/>
+          <p:nvPr/>
+        </p:nvSpPr>
+        <p:spPr>
+          <a:xfrm>
+            <a:off x="12801600" y="457200"/>
+            <a:ext cx="914400" cy="457200"/>
+          </a:xfrm>
+          <a:prstGeom prst="rect">
+            <a:avLst/>
+          </a:prstGeom>
+          <a:noFill/>
+        </p:spPr>
+        <p:txBody>
+          <a:bodyPr wrap="none">
+            <a:spAutoFit/>
+          </a:bodyPr>
+          <a:lstStyle/>
+          <a:p/>
+          <a:p>
+            <a:pPr algn="r">
+              <a:defRPr sz="2000"/>
+            </a:pPr>
+            <a:r>
+              <a:t>2009-03-01</a:t>
+            </a:r>
+          </a:p>
+        </p:txBody>
+      </p:sp>
+      <p:sp>
+        <p:nvSpPr>
+          <p:cNvPr id="4" name="TextBox 3"/>
           <p:cNvSpPr txBox="1"/>
           <p:nvPr/>
         </p:nvSpPr>
@@ -7841,7 +8129,7 @@
       </p:sp>
       <p:sp>
         <p:nvSpPr>
-          <p:cNvPr id="4" name="TextBox 3"/>
+          <p:cNvPr id="5" name="TextBox 4"/>
           <p:cNvSpPr txBox="1"/>
           <p:nvPr/>
         </p:nvSpPr>
@@ -7905,7 +8193,7 @@
       </p:sp>
       <p:sp>
         <p:nvSpPr>
-          <p:cNvPr id="5" name="TextBox 4"/>
+          <p:cNvPr id="6" name="TextBox 5"/>
           <p:cNvSpPr txBox="1"/>
           <p:nvPr/>
         </p:nvSpPr>
@@ -7969,7 +8257,7 @@
       </p:sp>
       <p:sp>
         <p:nvSpPr>
-          <p:cNvPr id="6" name="TextBox 5"/>
+          <p:cNvPr id="7" name="TextBox 6"/>
           <p:cNvSpPr txBox="1"/>
           <p:nvPr/>
         </p:nvSpPr>
@@ -8033,7 +8321,7 @@
       </p:sp>
       <p:sp>
         <p:nvSpPr>
-          <p:cNvPr id="7" name="TextBox 6"/>
+          <p:cNvPr id="8" name="TextBox 7"/>
           <p:cNvSpPr txBox="1"/>
           <p:nvPr/>
         </p:nvSpPr>
@@ -8089,7 +8377,7 @@
       </p:sp>
       <p:sp>
         <p:nvSpPr>
-          <p:cNvPr id="8" name="TextBox 7"/>
+          <p:cNvPr id="9" name="TextBox 8"/>
           <p:cNvSpPr txBox="1"/>
           <p:nvPr/>
         </p:nvSpPr>
@@ -8153,7 +8441,7 @@
       </p:sp>
       <p:sp>
         <p:nvSpPr>
-          <p:cNvPr id="9" name="TextBox 8"/>
+          <p:cNvPr id="10" name="TextBox 9"/>
           <p:cNvSpPr txBox="1"/>
           <p:nvPr/>
         </p:nvSpPr>
@@ -8209,7 +8497,7 @@
       </p:sp>
       <p:sp>
         <p:nvSpPr>
-          <p:cNvPr id="10" name="TextBox 9"/>
+          <p:cNvPr id="11" name="TextBox 10"/>
           <p:cNvSpPr txBox="1"/>
           <p:nvPr/>
         </p:nvSpPr>
@@ -8273,7 +8561,7 @@
       </p:sp>
       <p:sp>
         <p:nvSpPr>
-          <p:cNvPr id="11" name="TextBox 10"/>
+          <p:cNvPr id="12" name="TextBox 11"/>
           <p:cNvSpPr txBox="1"/>
           <p:nvPr/>
         </p:nvSpPr>
@@ -8354,7 +8642,7 @@
         <p:spPr>
           <a:xfrm>
             <a:off x="457200" y="457200"/>
-            <a:ext cx="13258800" cy="457200"/>
+            <a:ext cx="11887200" cy="457200"/>
           </a:xfrm>
           <a:prstGeom prst="rect">
             <a:avLst/>
@@ -8368,11 +8656,11 @@
           <a:lstStyle/>
           <a:p/>
           <a:p>
-            <a:pPr algn="ctr">
+            <a:pPr algn="l">
               <a:defRPr sz="2000"/>
             </a:pPr>
             <a:r>
-              <a:t>Pure Storage (at the beginning) (2009-10-01)</a:t>
+              <a:t>Pure Storage (at the beginning)</a:t>
             </a:r>
           </a:p>
         </p:txBody>
@@ -8380,6 +8668,38 @@
       <p:sp>
         <p:nvSpPr>
           <p:cNvPr id="3" name="TextBox 2"/>
+          <p:cNvSpPr txBox="1"/>
+          <p:nvPr/>
+        </p:nvSpPr>
+        <p:spPr>
+          <a:xfrm>
+            <a:off x="12801600" y="457200"/>
+            <a:ext cx="914400" cy="457200"/>
+          </a:xfrm>
+          <a:prstGeom prst="rect">
+            <a:avLst/>
+          </a:prstGeom>
+          <a:noFill/>
+        </p:spPr>
+        <p:txBody>
+          <a:bodyPr wrap="none">
+            <a:spAutoFit/>
+          </a:bodyPr>
+          <a:lstStyle/>
+          <a:p/>
+          <a:p>
+            <a:pPr algn="r">
+              <a:defRPr sz="2000"/>
+            </a:pPr>
+            <a:r>
+              <a:t>2009-10-01</a:t>
+            </a:r>
+          </a:p>
+        </p:txBody>
+      </p:sp>
+      <p:sp>
+        <p:nvSpPr>
+          <p:cNvPr id="4" name="TextBox 3"/>
           <p:cNvSpPr txBox="1"/>
           <p:nvPr/>
         </p:nvSpPr>
@@ -8435,7 +8755,7 @@
       </p:sp>
       <p:sp>
         <p:nvSpPr>
-          <p:cNvPr id="4" name="TextBox 3"/>
+          <p:cNvPr id="5" name="TextBox 4"/>
           <p:cNvSpPr txBox="1"/>
           <p:nvPr/>
         </p:nvSpPr>
@@ -8491,7 +8811,7 @@
       </p:sp>
       <p:sp>
         <p:nvSpPr>
-          <p:cNvPr id="5" name="TextBox 4"/>
+          <p:cNvPr id="6" name="TextBox 5"/>
           <p:cNvSpPr txBox="1"/>
           <p:nvPr/>
         </p:nvSpPr>
@@ -8555,7 +8875,7 @@
       </p:sp>
       <p:sp>
         <p:nvSpPr>
-          <p:cNvPr id="6" name="TextBox 5"/>
+          <p:cNvPr id="7" name="TextBox 6"/>
           <p:cNvSpPr txBox="1"/>
           <p:nvPr/>
         </p:nvSpPr>
@@ -8603,7 +8923,7 @@
       </p:sp>
       <p:sp>
         <p:nvSpPr>
-          <p:cNvPr id="7" name="TextBox 6"/>
+          <p:cNvPr id="8" name="TextBox 7"/>
           <p:cNvSpPr txBox="1"/>
           <p:nvPr/>
         </p:nvSpPr>
@@ -8659,7 +8979,7 @@
       </p:sp>
       <p:sp>
         <p:nvSpPr>
-          <p:cNvPr id="8" name="TextBox 7"/>
+          <p:cNvPr id="9" name="TextBox 8"/>
           <p:cNvSpPr txBox="1"/>
           <p:nvPr/>
         </p:nvSpPr>
@@ -8715,7 +9035,7 @@
       </p:sp>
       <p:sp>
         <p:nvSpPr>
-          <p:cNvPr id="9" name="TextBox 8"/>
+          <p:cNvPr id="10" name="TextBox 9"/>
           <p:cNvSpPr txBox="1"/>
           <p:nvPr/>
         </p:nvSpPr>
@@ -8771,7 +9091,7 @@
       </p:sp>
       <p:sp>
         <p:nvSpPr>
-          <p:cNvPr id="10" name="TextBox 9"/>
+          <p:cNvPr id="11" name="TextBox 10"/>
           <p:cNvSpPr txBox="1"/>
           <p:nvPr/>
         </p:nvSpPr>
@@ -8835,7 +9155,7 @@
       </p:sp>
       <p:sp>
         <p:nvSpPr>
-          <p:cNvPr id="11" name="TextBox 10"/>
+          <p:cNvPr id="12" name="TextBox 11"/>
           <p:cNvSpPr txBox="1"/>
           <p:nvPr/>
         </p:nvSpPr>
@@ -8916,7 +9236,7 @@
         <p:spPr>
           <a:xfrm>
             <a:off x="457200" y="457200"/>
-            <a:ext cx="13258800" cy="457200"/>
+            <a:ext cx="11887200" cy="457200"/>
           </a:xfrm>
           <a:prstGeom prst="rect">
             <a:avLst/>
@@ -8930,11 +9250,11 @@
           <a:lstStyle/>
           <a:p/>
           <a:p>
-            <a:pPr algn="ctr">
+            <a:pPr algn="l">
               <a:defRPr sz="2000"/>
             </a:pPr>
             <a:r>
-              <a:t>Pure Storage (current) (2023-07-08)</a:t>
+              <a:t>Pure Storage (current)</a:t>
             </a:r>
           </a:p>
         </p:txBody>
@@ -8942,6 +9262,38 @@
       <p:sp>
         <p:nvSpPr>
           <p:cNvPr id="3" name="TextBox 2"/>
+          <p:cNvSpPr txBox="1"/>
+          <p:nvPr/>
+        </p:nvSpPr>
+        <p:spPr>
+          <a:xfrm>
+            <a:off x="12801600" y="457200"/>
+            <a:ext cx="914400" cy="457200"/>
+          </a:xfrm>
+          <a:prstGeom prst="rect">
+            <a:avLst/>
+          </a:prstGeom>
+          <a:noFill/>
+        </p:spPr>
+        <p:txBody>
+          <a:bodyPr wrap="none">
+            <a:spAutoFit/>
+          </a:bodyPr>
+          <a:lstStyle/>
+          <a:p/>
+          <a:p>
+            <a:pPr algn="r">
+              <a:defRPr sz="2000"/>
+            </a:pPr>
+            <a:r>
+              <a:t>2023-07-08</a:t>
+            </a:r>
+          </a:p>
+        </p:txBody>
+      </p:sp>
+      <p:sp>
+        <p:nvSpPr>
+          <p:cNvPr id="4" name="TextBox 3"/>
           <p:cNvSpPr txBox="1"/>
           <p:nvPr/>
         </p:nvSpPr>
@@ -8997,7 +9349,7 @@
       </p:sp>
       <p:sp>
         <p:nvSpPr>
-          <p:cNvPr id="4" name="TextBox 3"/>
+          <p:cNvPr id="5" name="TextBox 4"/>
           <p:cNvSpPr txBox="1"/>
           <p:nvPr/>
         </p:nvSpPr>
@@ -9053,7 +9405,7 @@
       </p:sp>
       <p:sp>
         <p:nvSpPr>
-          <p:cNvPr id="5" name="TextBox 4"/>
+          <p:cNvPr id="6" name="TextBox 5"/>
           <p:cNvSpPr txBox="1"/>
           <p:nvPr/>
         </p:nvSpPr>
@@ -9117,7 +9469,7 @@
       </p:sp>
       <p:sp>
         <p:nvSpPr>
-          <p:cNvPr id="6" name="TextBox 5"/>
+          <p:cNvPr id="7" name="TextBox 6"/>
           <p:cNvSpPr txBox="1"/>
           <p:nvPr/>
         </p:nvSpPr>
@@ -9165,7 +9517,7 @@
       </p:sp>
       <p:sp>
         <p:nvSpPr>
-          <p:cNvPr id="7" name="TextBox 6"/>
+          <p:cNvPr id="8" name="TextBox 7"/>
           <p:cNvSpPr txBox="1"/>
           <p:nvPr/>
         </p:nvSpPr>
@@ -9221,7 +9573,7 @@
       </p:sp>
       <p:sp>
         <p:nvSpPr>
-          <p:cNvPr id="8" name="TextBox 7"/>
+          <p:cNvPr id="9" name="TextBox 8"/>
           <p:cNvSpPr txBox="1"/>
           <p:nvPr/>
         </p:nvSpPr>
@@ -9285,7 +9637,7 @@
       </p:sp>
       <p:sp>
         <p:nvSpPr>
-          <p:cNvPr id="9" name="TextBox 8"/>
+          <p:cNvPr id="10" name="TextBox 9"/>
           <p:cNvSpPr txBox="1"/>
           <p:nvPr/>
         </p:nvSpPr>
@@ -9341,7 +9693,7 @@
       </p:sp>
       <p:sp>
         <p:nvSpPr>
-          <p:cNvPr id="10" name="TextBox 9"/>
+          <p:cNvPr id="11" name="TextBox 10"/>
           <p:cNvSpPr txBox="1"/>
           <p:nvPr/>
         </p:nvSpPr>
@@ -9405,7 +9757,7 @@
       </p:sp>
       <p:sp>
         <p:nvSpPr>
-          <p:cNvPr id="11" name="TextBox 10"/>
+          <p:cNvPr id="12" name="TextBox 11"/>
           <p:cNvSpPr txBox="1"/>
           <p:nvPr/>
         </p:nvSpPr>
@@ -9494,7 +9846,7 @@
         <p:spPr>
           <a:xfrm>
             <a:off x="457200" y="457200"/>
-            <a:ext cx="13258800" cy="457200"/>
+            <a:ext cx="11887200" cy="457200"/>
           </a:xfrm>
           <a:prstGeom prst="rect">
             <a:avLst/>
@@ -9508,11 +9860,11 @@
           <a:lstStyle/>
           <a:p/>
           <a:p>
-            <a:pPr algn="ctr">
+            <a:pPr algn="l">
               <a:defRPr sz="2000"/>
             </a:pPr>
             <a:r>
-              <a:t>Dell EMC APEX (at the beginning) (2021-10-01)</a:t>
+              <a:t>Dell EMC APEX (at the beginning)</a:t>
             </a:r>
           </a:p>
         </p:txBody>
@@ -9520,6 +9872,38 @@
       <p:sp>
         <p:nvSpPr>
           <p:cNvPr id="3" name="TextBox 2"/>
+          <p:cNvSpPr txBox="1"/>
+          <p:nvPr/>
+        </p:nvSpPr>
+        <p:spPr>
+          <a:xfrm>
+            <a:off x="12801600" y="457200"/>
+            <a:ext cx="914400" cy="457200"/>
+          </a:xfrm>
+          <a:prstGeom prst="rect">
+            <a:avLst/>
+          </a:prstGeom>
+          <a:noFill/>
+        </p:spPr>
+        <p:txBody>
+          <a:bodyPr wrap="none">
+            <a:spAutoFit/>
+          </a:bodyPr>
+          <a:lstStyle/>
+          <a:p/>
+          <a:p>
+            <a:pPr algn="r">
+              <a:defRPr sz="2000"/>
+            </a:pPr>
+            <a:r>
+              <a:t>2021-10-01</a:t>
+            </a:r>
+          </a:p>
+        </p:txBody>
+      </p:sp>
+      <p:sp>
+        <p:nvSpPr>
+          <p:cNvPr id="4" name="TextBox 3"/>
           <p:cNvSpPr txBox="1"/>
           <p:nvPr/>
         </p:nvSpPr>
@@ -9583,7 +9967,7 @@
       </p:sp>
       <p:sp>
         <p:nvSpPr>
-          <p:cNvPr id="4" name="TextBox 3"/>
+          <p:cNvPr id="5" name="TextBox 4"/>
           <p:cNvSpPr txBox="1"/>
           <p:nvPr/>
         </p:nvSpPr>
@@ -9647,7 +10031,7 @@
       </p:sp>
       <p:sp>
         <p:nvSpPr>
-          <p:cNvPr id="5" name="TextBox 4"/>
+          <p:cNvPr id="6" name="TextBox 5"/>
           <p:cNvSpPr txBox="1"/>
           <p:nvPr/>
         </p:nvSpPr>
@@ -9711,7 +10095,7 @@
       </p:sp>
       <p:sp>
         <p:nvSpPr>
-          <p:cNvPr id="6" name="TextBox 5"/>
+          <p:cNvPr id="7" name="TextBox 6"/>
           <p:cNvSpPr txBox="1"/>
           <p:nvPr/>
         </p:nvSpPr>
@@ -9759,7 +10143,7 @@
       </p:sp>
       <p:sp>
         <p:nvSpPr>
-          <p:cNvPr id="7" name="TextBox 6"/>
+          <p:cNvPr id="8" name="TextBox 7"/>
           <p:cNvSpPr txBox="1"/>
           <p:nvPr/>
         </p:nvSpPr>
@@ -9815,7 +10199,7 @@
       </p:sp>
       <p:sp>
         <p:nvSpPr>
-          <p:cNvPr id="8" name="TextBox 7"/>
+          <p:cNvPr id="9" name="TextBox 8"/>
           <p:cNvSpPr txBox="1"/>
           <p:nvPr/>
         </p:nvSpPr>
@@ -9871,7 +10255,7 @@
       </p:sp>
       <p:sp>
         <p:nvSpPr>
-          <p:cNvPr id="9" name="TextBox 8"/>
+          <p:cNvPr id="10" name="TextBox 9"/>
           <p:cNvSpPr txBox="1"/>
           <p:nvPr/>
         </p:nvSpPr>
@@ -9927,7 +10311,7 @@
       </p:sp>
       <p:sp>
         <p:nvSpPr>
-          <p:cNvPr id="10" name="TextBox 9"/>
+          <p:cNvPr id="11" name="TextBox 10"/>
           <p:cNvSpPr txBox="1"/>
           <p:nvPr/>
         </p:nvSpPr>
@@ -9991,7 +10375,7 @@
       </p:sp>
       <p:sp>
         <p:nvSpPr>
-          <p:cNvPr id="11" name="TextBox 10"/>
+          <p:cNvPr id="12" name="TextBox 11"/>
           <p:cNvSpPr txBox="1"/>
           <p:nvPr/>
         </p:nvSpPr>
@@ -10072,7 +10456,7 @@
         <p:spPr>
           <a:xfrm>
             <a:off x="457200" y="457200"/>
-            <a:ext cx="13258800" cy="457200"/>
+            <a:ext cx="11887200" cy="457200"/>
           </a:xfrm>
           <a:prstGeom prst="rect">
             <a:avLst/>
@@ -10086,11 +10470,11 @@
           <a:lstStyle/>
           <a:p/>
           <a:p>
-            <a:pPr algn="ctr">
+            <a:pPr algn="l">
               <a:defRPr sz="2000"/>
             </a:pPr>
             <a:r>
-              <a:t>OpenShift (at the beginning) (2011-05-04)</a:t>
+              <a:t>OpenShift (at the beginning)</a:t>
             </a:r>
           </a:p>
         </p:txBody>
@@ -10098,6 +10482,38 @@
       <p:sp>
         <p:nvSpPr>
           <p:cNvPr id="3" name="TextBox 2"/>
+          <p:cNvSpPr txBox="1"/>
+          <p:nvPr/>
+        </p:nvSpPr>
+        <p:spPr>
+          <a:xfrm>
+            <a:off x="12801600" y="457200"/>
+            <a:ext cx="914400" cy="457200"/>
+          </a:xfrm>
+          <a:prstGeom prst="rect">
+            <a:avLst/>
+          </a:prstGeom>
+          <a:noFill/>
+        </p:spPr>
+        <p:txBody>
+          <a:bodyPr wrap="none">
+            <a:spAutoFit/>
+          </a:bodyPr>
+          <a:lstStyle/>
+          <a:p/>
+          <a:p>
+            <a:pPr algn="r">
+              <a:defRPr sz="2000"/>
+            </a:pPr>
+            <a:r>
+              <a:t>2011-05-04</a:t>
+            </a:r>
+          </a:p>
+        </p:txBody>
+      </p:sp>
+      <p:sp>
+        <p:nvSpPr>
+          <p:cNvPr id="4" name="TextBox 3"/>
           <p:cNvSpPr txBox="1"/>
           <p:nvPr/>
         </p:nvSpPr>
@@ -10161,7 +10577,7 @@
       </p:sp>
       <p:sp>
         <p:nvSpPr>
-          <p:cNvPr id="4" name="TextBox 3"/>
+          <p:cNvPr id="5" name="TextBox 4"/>
           <p:cNvSpPr txBox="1"/>
           <p:nvPr/>
         </p:nvSpPr>
@@ -10225,7 +10641,7 @@
       </p:sp>
       <p:sp>
         <p:nvSpPr>
-          <p:cNvPr id="5" name="TextBox 4"/>
+          <p:cNvPr id="6" name="TextBox 5"/>
           <p:cNvSpPr txBox="1"/>
           <p:nvPr/>
         </p:nvSpPr>
@@ -10289,7 +10705,7 @@
       </p:sp>
       <p:sp>
         <p:nvSpPr>
-          <p:cNvPr id="6" name="TextBox 5"/>
+          <p:cNvPr id="7" name="TextBox 6"/>
           <p:cNvSpPr txBox="1"/>
           <p:nvPr/>
         </p:nvSpPr>
@@ -10337,7 +10753,7 @@
       </p:sp>
       <p:sp>
         <p:nvSpPr>
-          <p:cNvPr id="7" name="TextBox 6"/>
+          <p:cNvPr id="8" name="TextBox 7"/>
           <p:cNvSpPr txBox="1"/>
           <p:nvPr/>
         </p:nvSpPr>
@@ -10393,7 +10809,7 @@
       </p:sp>
       <p:sp>
         <p:nvSpPr>
-          <p:cNvPr id="8" name="TextBox 7"/>
+          <p:cNvPr id="9" name="TextBox 8"/>
           <p:cNvSpPr txBox="1"/>
           <p:nvPr/>
         </p:nvSpPr>
@@ -10457,7 +10873,7 @@
       </p:sp>
       <p:sp>
         <p:nvSpPr>
-          <p:cNvPr id="9" name="TextBox 8"/>
+          <p:cNvPr id="10" name="TextBox 9"/>
           <p:cNvSpPr txBox="1"/>
           <p:nvPr/>
         </p:nvSpPr>
@@ -10521,7 +10937,7 @@
       </p:sp>
       <p:sp>
         <p:nvSpPr>
-          <p:cNvPr id="10" name="TextBox 9"/>
+          <p:cNvPr id="11" name="TextBox 10"/>
           <p:cNvSpPr txBox="1"/>
           <p:nvPr/>
         </p:nvSpPr>
@@ -10585,7 +11001,7 @@
       </p:sp>
       <p:sp>
         <p:nvSpPr>
-          <p:cNvPr id="11" name="TextBox 10"/>
+          <p:cNvPr id="12" name="TextBox 11"/>
           <p:cNvSpPr txBox="1"/>
           <p:nvPr/>
         </p:nvSpPr>
@@ -10666,7 +11082,7 @@
         <p:spPr>
           <a:xfrm>
             <a:off x="457200" y="457200"/>
-            <a:ext cx="13258800" cy="457200"/>
+            <a:ext cx="11887200" cy="457200"/>
           </a:xfrm>
           <a:prstGeom prst="rect">
             <a:avLst/>
@@ -10680,11 +11096,11 @@
           <a:lstStyle/>
           <a:p/>
           <a:p>
-            <a:pPr algn="ctr">
+            <a:pPr algn="l">
               <a:defRPr sz="2000"/>
             </a:pPr>
             <a:r>
-              <a:t>Conceive Kubernetes and turn it into a business under the assumption that Kubernetes does not exist (2023-07-08)</a:t>
+              <a:t>Conceive Kubernetes and turn it into a business under the assumption that Kubernetes does not exist</a:t>
             </a:r>
           </a:p>
         </p:txBody>
@@ -10692,6 +11108,38 @@
       <p:sp>
         <p:nvSpPr>
           <p:cNvPr id="3" name="TextBox 2"/>
+          <p:cNvSpPr txBox="1"/>
+          <p:nvPr/>
+        </p:nvSpPr>
+        <p:spPr>
+          <a:xfrm>
+            <a:off x="12801600" y="457200"/>
+            <a:ext cx="914400" cy="457200"/>
+          </a:xfrm>
+          <a:prstGeom prst="rect">
+            <a:avLst/>
+          </a:prstGeom>
+          <a:noFill/>
+        </p:spPr>
+        <p:txBody>
+          <a:bodyPr wrap="none">
+            <a:spAutoFit/>
+          </a:bodyPr>
+          <a:lstStyle/>
+          <a:p/>
+          <a:p>
+            <a:pPr algn="r">
+              <a:defRPr sz="2000"/>
+            </a:pPr>
+            <a:r>
+              <a:t>2023-07-08</a:t>
+            </a:r>
+          </a:p>
+        </p:txBody>
+      </p:sp>
+      <p:sp>
+        <p:nvSpPr>
+          <p:cNvPr id="4" name="TextBox 3"/>
           <p:cNvSpPr txBox="1"/>
           <p:nvPr/>
         </p:nvSpPr>
@@ -10763,7 +11211,7 @@
       </p:sp>
       <p:sp>
         <p:nvSpPr>
-          <p:cNvPr id="4" name="TextBox 3"/>
+          <p:cNvPr id="5" name="TextBox 4"/>
           <p:cNvSpPr txBox="1"/>
           <p:nvPr/>
         </p:nvSpPr>
@@ -10843,7 +11291,7 @@
       </p:sp>
       <p:sp>
         <p:nvSpPr>
-          <p:cNvPr id="5" name="TextBox 4"/>
+          <p:cNvPr id="6" name="TextBox 5"/>
           <p:cNvSpPr txBox="1"/>
           <p:nvPr/>
         </p:nvSpPr>
@@ -10907,7 +11355,7 @@
       </p:sp>
       <p:sp>
         <p:nvSpPr>
-          <p:cNvPr id="6" name="TextBox 5"/>
+          <p:cNvPr id="7" name="TextBox 6"/>
           <p:cNvSpPr txBox="1"/>
           <p:nvPr/>
         </p:nvSpPr>
@@ -10971,7 +11419,7 @@
       </p:sp>
       <p:sp>
         <p:nvSpPr>
-          <p:cNvPr id="7" name="TextBox 6"/>
+          <p:cNvPr id="8" name="TextBox 7"/>
           <p:cNvSpPr txBox="1"/>
           <p:nvPr/>
         </p:nvSpPr>
@@ -11027,7 +11475,7 @@
       </p:sp>
       <p:sp>
         <p:nvSpPr>
-          <p:cNvPr id="8" name="TextBox 7"/>
+          <p:cNvPr id="9" name="TextBox 8"/>
           <p:cNvSpPr txBox="1"/>
           <p:nvPr/>
         </p:nvSpPr>
@@ -11091,7 +11539,7 @@
       </p:sp>
       <p:sp>
         <p:nvSpPr>
-          <p:cNvPr id="9" name="TextBox 8"/>
+          <p:cNvPr id="10" name="TextBox 9"/>
           <p:cNvSpPr txBox="1"/>
           <p:nvPr/>
         </p:nvSpPr>
@@ -11155,7 +11603,7 @@
       </p:sp>
       <p:sp>
         <p:nvSpPr>
-          <p:cNvPr id="10" name="TextBox 9"/>
+          <p:cNvPr id="11" name="TextBox 10"/>
           <p:cNvSpPr txBox="1"/>
           <p:nvPr/>
         </p:nvSpPr>
@@ -11219,7 +11667,7 @@
       </p:sp>
       <p:sp>
         <p:nvSpPr>
-          <p:cNvPr id="11" name="TextBox 10"/>
+          <p:cNvPr id="12" name="TextBox 11"/>
           <p:cNvSpPr txBox="1"/>
           <p:nvPr/>
         </p:nvSpPr>
@@ -11300,7 +11748,7 @@
         <p:spPr>
           <a:xfrm>
             <a:off x="457200" y="457200"/>
-            <a:ext cx="13258800" cy="457200"/>
+            <a:ext cx="11887200" cy="457200"/>
           </a:xfrm>
           <a:prstGeom prst="rect">
             <a:avLst/>
@@ -11314,11 +11762,11 @@
           <a:lstStyle/>
           <a:p/>
           <a:p>
-            <a:pPr algn="ctr">
+            <a:pPr algn="l">
               <a:defRPr sz="2000"/>
             </a:pPr>
             <a:r>
-              <a:t>SRE is conceived and made into a business based on the assumption that the concept of SRE does not exist (2003-08-01)</a:t>
+              <a:t>SRE is conceived and made into a business based on the assumption that the concept of SRE does not exist</a:t>
             </a:r>
           </a:p>
         </p:txBody>
@@ -11326,6 +11774,38 @@
       <p:sp>
         <p:nvSpPr>
           <p:cNvPr id="3" name="TextBox 2"/>
+          <p:cNvSpPr txBox="1"/>
+          <p:nvPr/>
+        </p:nvSpPr>
+        <p:spPr>
+          <a:xfrm>
+            <a:off x="12801600" y="457200"/>
+            <a:ext cx="914400" cy="457200"/>
+          </a:xfrm>
+          <a:prstGeom prst="rect">
+            <a:avLst/>
+          </a:prstGeom>
+          <a:noFill/>
+        </p:spPr>
+        <p:txBody>
+          <a:bodyPr wrap="none">
+            <a:spAutoFit/>
+          </a:bodyPr>
+          <a:lstStyle/>
+          <a:p/>
+          <a:p>
+            <a:pPr algn="r">
+              <a:defRPr sz="2000"/>
+            </a:pPr>
+            <a:r>
+              <a:t>2003-08-01</a:t>
+            </a:r>
+          </a:p>
+        </p:txBody>
+      </p:sp>
+      <p:sp>
+        <p:nvSpPr>
+          <p:cNvPr id="4" name="TextBox 3"/>
           <p:cNvSpPr txBox="1"/>
           <p:nvPr/>
         </p:nvSpPr>
@@ -11389,7 +11869,7 @@
       </p:sp>
       <p:sp>
         <p:nvSpPr>
-          <p:cNvPr id="4" name="TextBox 3"/>
+          <p:cNvPr id="5" name="TextBox 4"/>
           <p:cNvSpPr txBox="1"/>
           <p:nvPr/>
         </p:nvSpPr>
@@ -11453,7 +11933,7 @@
       </p:sp>
       <p:sp>
         <p:nvSpPr>
-          <p:cNvPr id="5" name="TextBox 4"/>
+          <p:cNvPr id="6" name="TextBox 5"/>
           <p:cNvSpPr txBox="1"/>
           <p:nvPr/>
         </p:nvSpPr>
@@ -11517,7 +11997,7 @@
       </p:sp>
       <p:sp>
         <p:nvSpPr>
-          <p:cNvPr id="6" name="TextBox 5"/>
+          <p:cNvPr id="7" name="TextBox 6"/>
           <p:cNvSpPr txBox="1"/>
           <p:nvPr/>
         </p:nvSpPr>
@@ -11565,7 +12045,7 @@
       </p:sp>
       <p:sp>
         <p:nvSpPr>
-          <p:cNvPr id="7" name="TextBox 6"/>
+          <p:cNvPr id="8" name="TextBox 7"/>
           <p:cNvSpPr txBox="1"/>
           <p:nvPr/>
         </p:nvSpPr>
@@ -11621,7 +12101,7 @@
       </p:sp>
       <p:sp>
         <p:nvSpPr>
-          <p:cNvPr id="8" name="TextBox 7"/>
+          <p:cNvPr id="9" name="TextBox 8"/>
           <p:cNvSpPr txBox="1"/>
           <p:nvPr/>
         </p:nvSpPr>
@@ -11685,7 +12165,7 @@
       </p:sp>
       <p:sp>
         <p:nvSpPr>
-          <p:cNvPr id="9" name="TextBox 8"/>
+          <p:cNvPr id="10" name="TextBox 9"/>
           <p:cNvSpPr txBox="1"/>
           <p:nvPr/>
         </p:nvSpPr>
@@ -11741,7 +12221,7 @@
       </p:sp>
       <p:sp>
         <p:nvSpPr>
-          <p:cNvPr id="10" name="TextBox 9"/>
+          <p:cNvPr id="11" name="TextBox 10"/>
           <p:cNvSpPr txBox="1"/>
           <p:nvPr/>
         </p:nvSpPr>
@@ -11805,7 +12285,7 @@
       </p:sp>
       <p:sp>
         <p:nvSpPr>
-          <p:cNvPr id="11" name="TextBox 10"/>
+          <p:cNvPr id="12" name="TextBox 11"/>
           <p:cNvSpPr txBox="1"/>
           <p:nvPr/>
         </p:nvSpPr>
@@ -11894,7 +12374,7 @@
         <p:spPr>
           <a:xfrm>
             <a:off x="457200" y="457200"/>
-            <a:ext cx="13258800" cy="457200"/>
+            <a:ext cx="11887200" cy="457200"/>
           </a:xfrm>
           <a:prstGeom prst="rect">
             <a:avLst/>
@@ -11908,11 +12388,11 @@
           <a:lstStyle/>
           <a:p/>
           <a:p>
-            <a:pPr algn="ctr">
+            <a:pPr algn="l">
               <a:defRPr sz="2000"/>
             </a:pPr>
             <a:r>
-              <a:t>nCino (2012-07-12)</a:t>
+              <a:t>nCino</a:t>
             </a:r>
           </a:p>
         </p:txBody>
@@ -11920,6 +12400,38 @@
       <p:sp>
         <p:nvSpPr>
           <p:cNvPr id="3" name="TextBox 2"/>
+          <p:cNvSpPr txBox="1"/>
+          <p:nvPr/>
+        </p:nvSpPr>
+        <p:spPr>
+          <a:xfrm>
+            <a:off x="12801600" y="457200"/>
+            <a:ext cx="914400" cy="457200"/>
+          </a:xfrm>
+          <a:prstGeom prst="rect">
+            <a:avLst/>
+          </a:prstGeom>
+          <a:noFill/>
+        </p:spPr>
+        <p:txBody>
+          <a:bodyPr wrap="none">
+            <a:spAutoFit/>
+          </a:bodyPr>
+          <a:lstStyle/>
+          <a:p/>
+          <a:p>
+            <a:pPr algn="r">
+              <a:defRPr sz="2000"/>
+            </a:pPr>
+            <a:r>
+              <a:t>2012-07-12</a:t>
+            </a:r>
+          </a:p>
+        </p:txBody>
+      </p:sp>
+      <p:sp>
+        <p:nvSpPr>
+          <p:cNvPr id="4" name="TextBox 3"/>
           <p:cNvSpPr txBox="1"/>
           <p:nvPr/>
         </p:nvSpPr>
@@ -11983,7 +12495,7 @@
       </p:sp>
       <p:sp>
         <p:nvSpPr>
-          <p:cNvPr id="4" name="TextBox 3"/>
+          <p:cNvPr id="5" name="TextBox 4"/>
           <p:cNvSpPr txBox="1"/>
           <p:nvPr/>
         </p:nvSpPr>
@@ -12047,7 +12559,7 @@
       </p:sp>
       <p:sp>
         <p:nvSpPr>
-          <p:cNvPr id="5" name="TextBox 4"/>
+          <p:cNvPr id="6" name="TextBox 5"/>
           <p:cNvSpPr txBox="1"/>
           <p:nvPr/>
         </p:nvSpPr>
@@ -12111,7 +12623,7 @@
       </p:sp>
       <p:sp>
         <p:nvSpPr>
-          <p:cNvPr id="6" name="TextBox 5"/>
+          <p:cNvPr id="7" name="TextBox 6"/>
           <p:cNvSpPr txBox="1"/>
           <p:nvPr/>
         </p:nvSpPr>
@@ -12159,7 +12671,7 @@
       </p:sp>
       <p:sp>
         <p:nvSpPr>
-          <p:cNvPr id="7" name="TextBox 6"/>
+          <p:cNvPr id="8" name="TextBox 7"/>
           <p:cNvSpPr txBox="1"/>
           <p:nvPr/>
         </p:nvSpPr>
@@ -12215,7 +12727,7 @@
       </p:sp>
       <p:sp>
         <p:nvSpPr>
-          <p:cNvPr id="8" name="TextBox 7"/>
+          <p:cNvPr id="9" name="TextBox 8"/>
           <p:cNvSpPr txBox="1"/>
           <p:nvPr/>
         </p:nvSpPr>
@@ -12271,7 +12783,7 @@
       </p:sp>
       <p:sp>
         <p:nvSpPr>
-          <p:cNvPr id="9" name="TextBox 8"/>
+          <p:cNvPr id="10" name="TextBox 9"/>
           <p:cNvSpPr txBox="1"/>
           <p:nvPr/>
         </p:nvSpPr>
@@ -12327,7 +12839,7 @@
       </p:sp>
       <p:sp>
         <p:nvSpPr>
-          <p:cNvPr id="10" name="TextBox 9"/>
+          <p:cNvPr id="11" name="TextBox 10"/>
           <p:cNvSpPr txBox="1"/>
           <p:nvPr/>
         </p:nvSpPr>
@@ -12391,7 +12903,7 @@
       </p:sp>
       <p:sp>
         <p:nvSpPr>
-          <p:cNvPr id="11" name="TextBox 10"/>
+          <p:cNvPr id="12" name="TextBox 11"/>
           <p:cNvSpPr txBox="1"/>
           <p:nvPr/>
         </p:nvSpPr>

--- a/sample_en.pptx
+++ b/sample_en.pptx
@@ -4020,7 +4020,7 @@
               <a:defRPr sz="900"/>
             </a:pPr>
             <a:r>
-              <a:t>・Provision of low-cost, accessible x-ray diagnostic technology</a:t>
+              <a:t>・Provision of low-cost, accessible X-ray diagnostic technology</a:t>
             </a:r>
           </a:p>
         </p:txBody>
@@ -9462,7 +9462,7 @@
               <a:defRPr sz="900"/>
             </a:pPr>
             <a:r>
-              <a:t>・Number of subscriptions to cloud services</a:t>
+              <a:t>・Number of cloud service subscriptions</a:t>
             </a:r>
           </a:p>
         </p:txBody>

--- a/sample_en.pptx
+++ b/sample_en.pptx
@@ -4050,7 +4050,7 @@
               </a:defRPr>
             </a:pPr>
             <a:r>
-              <a:t>•Volume of diagnostic processing by AI</a:t>
+              <a:t>•AI-based diagnostic throughput</a:t>
             </a:r>
           </a:p>
         </p:txBody>
@@ -6384,7 +6384,7 @@
               </a:defRPr>
             </a:pPr>
             <a:r>
-              <a:t>•Development and maintenance costs</a:t>
+              <a:t>•Development and Maintenance Costs</a:t>
             </a:r>
           </a:p>
           <a:p>
@@ -10017,7 +10017,7 @@
               </a:defRPr>
             </a:pPr>
             <a:r>
-              <a:t>•Number of cloud service subscriptions</a:t>
+              <a:t>•Number of subscriptions to cloud services</a:t>
             </a:r>
           </a:p>
         </p:txBody>

--- a/sample_en.pptx
+++ b/sample_en.pptx
@@ -3205,7 +3205,7 @@
               </a:defRPr>
             </a:pPr>
             <a:r>
-              <a:t>Problem</a:t>
+              <a:t>2. Problem</a:t>
             </a:r>
           </a:p>
           <a:p>
@@ -3276,7 +3276,7 @@
               </a:defRPr>
             </a:pPr>
             <a:r>
-              <a:t>Solution</a:t>
+              <a:t>4. Solution</a:t>
             </a:r>
           </a:p>
           <a:p>
@@ -3347,7 +3347,7 @@
               </a:defRPr>
             </a:pPr>
             <a:r>
-              <a:t>Key Metrics</a:t>
+              <a:t>8. Key Metrics</a:t>
             </a:r>
           </a:p>
           <a:p>
@@ -3418,7 +3418,7 @@
               </a:defRPr>
             </a:pPr>
             <a:r>
-              <a:t>Unique Value Proposition</a:t>
+              <a:t>3. Unique Value Proposition</a:t>
             </a:r>
           </a:p>
           <a:p>
@@ -3479,7 +3479,7 @@
               </a:defRPr>
             </a:pPr>
             <a:r>
-              <a:t>Unfair Advantage</a:t>
+              <a:t>9. Unfair Advantage</a:t>
             </a:r>
           </a:p>
           <a:p>
@@ -3540,7 +3540,7 @@
               </a:defRPr>
             </a:pPr>
             <a:r>
-              <a:t>Channels</a:t>
+              <a:t>5. Channels</a:t>
             </a:r>
           </a:p>
           <a:p>
@@ -3611,7 +3611,7 @@
               </a:defRPr>
             </a:pPr>
             <a:r>
-              <a:t>Customer Segments</a:t>
+              <a:t>1. Customer Segments</a:t>
             </a:r>
           </a:p>
           <a:p>
@@ -3672,7 +3672,7 @@
               </a:defRPr>
             </a:pPr>
             <a:r>
-              <a:t>Cost Structure</a:t>
+              <a:t>7. Cost Structure</a:t>
             </a:r>
           </a:p>
           <a:p>
@@ -3743,7 +3743,7 @@
               </a:defRPr>
             </a:pPr>
             <a:r>
-              <a:t>Revenue Streams</a:t>
+              <a:t>6. Revenue Streams</a:t>
             </a:r>
           </a:p>
           <a:p>
@@ -3878,7 +3878,7 @@
               </a:defRPr>
             </a:pPr>
             <a:r>
-              <a:t>Problem</a:t>
+              <a:t>2. Problem</a:t>
             </a:r>
           </a:p>
           <a:p>
@@ -3949,7 +3949,7 @@
               </a:defRPr>
             </a:pPr>
             <a:r>
-              <a:t>Solution</a:t>
+              <a:t>4. Solution</a:t>
             </a:r>
           </a:p>
           <a:p>
@@ -4020,7 +4020,7 @@
               </a:defRPr>
             </a:pPr>
             <a:r>
-              <a:t>Key Metrics</a:t>
+              <a:t>8. Key Metrics</a:t>
             </a:r>
           </a:p>
           <a:p>
@@ -4091,17 +4091,17 @@
               </a:defRPr>
             </a:pPr>
             <a:r>
-              <a:t>Unique Value Proposition</a:t>
-            </a:r>
-          </a:p>
-          <a:p>
-            <a:pPr>
-              <a:defRPr sz="1000">
-                <a:latin typeface="Yu Gothic UI"/>
-              </a:defRPr>
-            </a:pPr>
-            <a:r>
-              <a:t>•Provision of low-cost, accessible X-ray diagnostic technology</a:t>
+              <a:t>3. Unique Value Proposition</a:t>
+            </a:r>
+          </a:p>
+          <a:p>
+            <a:pPr>
+              <a:defRPr sz="1000">
+                <a:latin typeface="Yu Gothic UI"/>
+              </a:defRPr>
+            </a:pPr>
+            <a:r>
+              <a:t>•Provision of low-cost, accessible x-ray diagnostic technology</a:t>
             </a:r>
           </a:p>
         </p:txBody>
@@ -4142,7 +4142,7 @@
               </a:defRPr>
             </a:pPr>
             <a:r>
-              <a:t>Unfair Advantage</a:t>
+              <a:t>9. Unfair Advantage</a:t>
             </a:r>
           </a:p>
           <a:p>
@@ -4203,7 +4203,7 @@
               </a:defRPr>
             </a:pPr>
             <a:r>
-              <a:t>Channels</a:t>
+              <a:t>5. Channels</a:t>
             </a:r>
           </a:p>
           <a:p>
@@ -4274,7 +4274,7 @@
               </a:defRPr>
             </a:pPr>
             <a:r>
-              <a:t>Customer Segments</a:t>
+              <a:t>1. Customer Segments</a:t>
             </a:r>
           </a:p>
           <a:p>
@@ -4345,7 +4345,7 @@
               </a:defRPr>
             </a:pPr>
             <a:r>
-              <a:t>Cost Structure</a:t>
+              <a:t>7. Cost Structure</a:t>
             </a:r>
           </a:p>
           <a:p>
@@ -4416,7 +4416,7 @@
               </a:defRPr>
             </a:pPr>
             <a:r>
-              <a:t>Revenue Streams</a:t>
+              <a:t>6. Revenue Streams</a:t>
             </a:r>
           </a:p>
           <a:p>
@@ -4571,7 +4571,7 @@
               </a:defRPr>
             </a:pPr>
             <a:r>
-              <a:t>Problem</a:t>
+              <a:t>2. Problem</a:t>
             </a:r>
           </a:p>
           <a:p>
@@ -4642,7 +4642,7 @@
               </a:defRPr>
             </a:pPr>
             <a:r>
-              <a:t>Solution</a:t>
+              <a:t>4. Solution</a:t>
             </a:r>
           </a:p>
           <a:p>
@@ -4713,7 +4713,7 @@
               </a:defRPr>
             </a:pPr>
             <a:r>
-              <a:t>Key Metrics</a:t>
+              <a:t>8. Key Metrics</a:t>
             </a:r>
           </a:p>
           <a:p>
@@ -4784,7 +4784,7 @@
               </a:defRPr>
             </a:pPr>
             <a:r>
-              <a:t>Unique Value Proposition</a:t>
+              <a:t>3. Unique Value Proposition</a:t>
             </a:r>
           </a:p>
           <a:p>
@@ -4835,7 +4835,7 @@
               </a:defRPr>
             </a:pPr>
             <a:r>
-              <a:t>Unfair Advantage</a:t>
+              <a:t>9. Unfair Advantage</a:t>
             </a:r>
           </a:p>
           <a:p>
@@ -4896,7 +4896,7 @@
               </a:defRPr>
             </a:pPr>
             <a:r>
-              <a:t>Channels</a:t>
+              <a:t>5. Channels</a:t>
             </a:r>
           </a:p>
           <a:p>
@@ -4967,7 +4967,7 @@
               </a:defRPr>
             </a:pPr>
             <a:r>
-              <a:t>Customer Segments</a:t>
+              <a:t>1. Customer Segments</a:t>
             </a:r>
           </a:p>
           <a:p>
@@ -5038,7 +5038,7 @@
               </a:defRPr>
             </a:pPr>
             <a:r>
-              <a:t>Cost Structure</a:t>
+              <a:t>7. Cost Structure</a:t>
             </a:r>
           </a:p>
           <a:p>
@@ -5109,7 +5109,7 @@
               </a:defRPr>
             </a:pPr>
             <a:r>
-              <a:t>Revenue Streams</a:t>
+              <a:t>6. Revenue Streams</a:t>
             </a:r>
           </a:p>
           <a:p>
@@ -5264,7 +5264,7 @@
               </a:defRPr>
             </a:pPr>
             <a:r>
-              <a:t>Problem</a:t>
+              <a:t>2. Problem</a:t>
             </a:r>
           </a:p>
           <a:p>
@@ -5335,7 +5335,7 @@
               </a:defRPr>
             </a:pPr>
             <a:r>
-              <a:t>Solution</a:t>
+              <a:t>4. Solution</a:t>
             </a:r>
           </a:p>
           <a:p>
@@ -5406,7 +5406,7 @@
               </a:defRPr>
             </a:pPr>
             <a:r>
-              <a:t>Key Metrics</a:t>
+              <a:t>8. Key Metrics</a:t>
             </a:r>
           </a:p>
           <a:p>
@@ -5477,7 +5477,7 @@
               </a:defRPr>
             </a:pPr>
             <a:r>
-              <a:t>Unique Value Proposition</a:t>
+              <a:t>3. Unique Value Proposition</a:t>
             </a:r>
           </a:p>
           <a:p>
@@ -5528,7 +5528,7 @@
               </a:defRPr>
             </a:pPr>
             <a:r>
-              <a:t>Unfair Advantage</a:t>
+              <a:t>9. Unfair Advantage</a:t>
             </a:r>
           </a:p>
           <a:p>
@@ -5589,7 +5589,7 @@
               </a:defRPr>
             </a:pPr>
             <a:r>
-              <a:t>Channels</a:t>
+              <a:t>5. Channels</a:t>
             </a:r>
           </a:p>
           <a:p>
@@ -5660,7 +5660,7 @@
               </a:defRPr>
             </a:pPr>
             <a:r>
-              <a:t>Customer Segments</a:t>
+              <a:t>1. Customer Segments</a:t>
             </a:r>
           </a:p>
           <a:p>
@@ -5721,7 +5721,7 @@
               </a:defRPr>
             </a:pPr>
             <a:r>
-              <a:t>Cost Structure</a:t>
+              <a:t>7. Cost Structure</a:t>
             </a:r>
           </a:p>
           <a:p>
@@ -5792,7 +5792,7 @@
               </a:defRPr>
             </a:pPr>
             <a:r>
-              <a:t>Revenue Streams</a:t>
+              <a:t>6. Revenue Streams</a:t>
             </a:r>
           </a:p>
           <a:p>
@@ -5947,7 +5947,7 @@
               </a:defRPr>
             </a:pPr>
             <a:r>
-              <a:t>Problem</a:t>
+              <a:t>2. Problem</a:t>
             </a:r>
           </a:p>
           <a:p>
@@ -6008,7 +6008,7 @@
               </a:defRPr>
             </a:pPr>
             <a:r>
-              <a:t>Solution</a:t>
+              <a:t>4. Solution</a:t>
             </a:r>
           </a:p>
           <a:p>
@@ -6069,7 +6069,7 @@
               </a:defRPr>
             </a:pPr>
             <a:r>
-              <a:t>Key Metrics</a:t>
+              <a:t>8. Key Metrics</a:t>
             </a:r>
           </a:p>
           <a:p>
@@ -6140,7 +6140,7 @@
               </a:defRPr>
             </a:pPr>
             <a:r>
-              <a:t>Unique Value Proposition</a:t>
+              <a:t>3. Unique Value Proposition</a:t>
             </a:r>
           </a:p>
           <a:p>
@@ -6191,7 +6191,7 @@
               </a:defRPr>
             </a:pPr>
             <a:r>
-              <a:t>Unfair Advantage</a:t>
+              <a:t>9. Unfair Advantage</a:t>
             </a:r>
           </a:p>
           <a:p>
@@ -6252,7 +6252,7 @@
               </a:defRPr>
             </a:pPr>
             <a:r>
-              <a:t>Channels</a:t>
+              <a:t>5. Channels</a:t>
             </a:r>
           </a:p>
           <a:p>
@@ -6313,7 +6313,7 @@
               </a:defRPr>
             </a:pPr>
             <a:r>
-              <a:t>Customer Segments</a:t>
+              <a:t>1. Customer Segments</a:t>
             </a:r>
           </a:p>
           <a:p>
@@ -6374,17 +6374,17 @@
               </a:defRPr>
             </a:pPr>
             <a:r>
-              <a:t>Cost Structure</a:t>
-            </a:r>
-          </a:p>
-          <a:p>
-            <a:pPr>
-              <a:defRPr sz="1000">
-                <a:latin typeface="Yu Gothic UI"/>
-              </a:defRPr>
-            </a:pPr>
-            <a:r>
-              <a:t>•Development and Maintenance Costs</a:t>
+              <a:t>7. Cost Structure</a:t>
+            </a:r>
+          </a:p>
+          <a:p>
+            <a:pPr>
+              <a:defRPr sz="1000">
+                <a:latin typeface="Yu Gothic UI"/>
+              </a:defRPr>
+            </a:pPr>
+            <a:r>
+              <a:t>•Development and maintenance costs</a:t>
             </a:r>
           </a:p>
           <a:p>
@@ -6435,7 +6435,7 @@
               </a:defRPr>
             </a:pPr>
             <a:r>
-              <a:t>Revenue Streams</a:t>
+              <a:t>6. Revenue Streams</a:t>
             </a:r>
           </a:p>
           <a:p>
@@ -6590,7 +6590,7 @@
               </a:defRPr>
             </a:pPr>
             <a:r>
-              <a:t>Problem</a:t>
+              <a:t>2. Problem</a:t>
             </a:r>
           </a:p>
           <a:p>
@@ -6651,7 +6651,7 @@
               </a:defRPr>
             </a:pPr>
             <a:r>
-              <a:t>Solution</a:t>
+              <a:t>4. Solution</a:t>
             </a:r>
           </a:p>
           <a:p>
@@ -6712,7 +6712,7 @@
               </a:defRPr>
             </a:pPr>
             <a:r>
-              <a:t>Key Metrics</a:t>
+              <a:t>8. Key Metrics</a:t>
             </a:r>
           </a:p>
           <a:p>
@@ -6783,7 +6783,7 @@
               </a:defRPr>
             </a:pPr>
             <a:r>
-              <a:t>Unique Value Proposition</a:t>
+              <a:t>3. Unique Value Proposition</a:t>
             </a:r>
           </a:p>
           <a:p>
@@ -6834,7 +6834,7 @@
               </a:defRPr>
             </a:pPr>
             <a:r>
-              <a:t>Unfair Advantage</a:t>
+              <a:t>9. Unfair Advantage</a:t>
             </a:r>
           </a:p>
           <a:p>
@@ -6895,7 +6895,7 @@
               </a:defRPr>
             </a:pPr>
             <a:r>
-              <a:t>Channels</a:t>
+              <a:t>5. Channels</a:t>
             </a:r>
           </a:p>
           <a:p>
@@ -6956,7 +6956,7 @@
               </a:defRPr>
             </a:pPr>
             <a:r>
-              <a:t>Customer Segments</a:t>
+              <a:t>1. Customer Segments</a:t>
             </a:r>
           </a:p>
           <a:p>
@@ -7017,7 +7017,7 @@
               </a:defRPr>
             </a:pPr>
             <a:r>
-              <a:t>Cost Structure</a:t>
+              <a:t>7. Cost Structure</a:t>
             </a:r>
           </a:p>
           <a:p>
@@ -7088,7 +7088,7 @@
               </a:defRPr>
             </a:pPr>
             <a:r>
-              <a:t>Revenue Streams</a:t>
+              <a:t>6. Revenue Streams</a:t>
             </a:r>
           </a:p>
           <a:p>
@@ -7243,7 +7243,7 @@
               </a:defRPr>
             </a:pPr>
             <a:r>
-              <a:t>Problem</a:t>
+              <a:t>2. Problem</a:t>
             </a:r>
           </a:p>
           <a:p>
@@ -7304,7 +7304,7 @@
               </a:defRPr>
             </a:pPr>
             <a:r>
-              <a:t>Solution</a:t>
+              <a:t>4. Solution</a:t>
             </a:r>
           </a:p>
           <a:p>
@@ -7365,7 +7365,7 @@
               </a:defRPr>
             </a:pPr>
             <a:r>
-              <a:t>Key Metrics</a:t>
+              <a:t>8. Key Metrics</a:t>
             </a:r>
           </a:p>
           <a:p>
@@ -7436,7 +7436,7 @@
               </a:defRPr>
             </a:pPr>
             <a:r>
-              <a:t>Unique Value Proposition</a:t>
+              <a:t>3. Unique Value Proposition</a:t>
             </a:r>
           </a:p>
           <a:p>
@@ -7487,7 +7487,7 @@
               </a:defRPr>
             </a:pPr>
             <a:r>
-              <a:t>Unfair Advantage</a:t>
+              <a:t>9. Unfair Advantage</a:t>
             </a:r>
           </a:p>
           <a:p>
@@ -7548,7 +7548,7 @@
               </a:defRPr>
             </a:pPr>
             <a:r>
-              <a:t>Channels</a:t>
+              <a:t>5. Channels</a:t>
             </a:r>
           </a:p>
           <a:p>
@@ -7609,7 +7609,7 @@
               </a:defRPr>
             </a:pPr>
             <a:r>
-              <a:t>Customer Segments</a:t>
+              <a:t>1. Customer Segments</a:t>
             </a:r>
           </a:p>
           <a:p>
@@ -7670,7 +7670,7 @@
               </a:defRPr>
             </a:pPr>
             <a:r>
-              <a:t>Cost Structure</a:t>
+              <a:t>7. Cost Structure</a:t>
             </a:r>
           </a:p>
           <a:p>
@@ -7741,7 +7741,7 @@
               </a:defRPr>
             </a:pPr>
             <a:r>
-              <a:t>Revenue Streams</a:t>
+              <a:t>6. Revenue Streams</a:t>
             </a:r>
           </a:p>
           <a:p>
@@ -7886,7 +7886,7 @@
               </a:defRPr>
             </a:pPr>
             <a:r>
-              <a:t>Problem</a:t>
+              <a:t>2. Problem</a:t>
             </a:r>
           </a:p>
           <a:p>
@@ -7947,7 +7947,7 @@
               </a:defRPr>
             </a:pPr>
             <a:r>
-              <a:t>Solution</a:t>
+              <a:t>4. Solution</a:t>
             </a:r>
           </a:p>
           <a:p>
@@ -8008,7 +8008,7 @@
               </a:defRPr>
             </a:pPr>
             <a:r>
-              <a:t>Key Metrics</a:t>
+              <a:t>8. Key Metrics</a:t>
             </a:r>
           </a:p>
           <a:p>
@@ -8079,7 +8079,7 @@
               </a:defRPr>
             </a:pPr>
             <a:r>
-              <a:t>Unique Value Proposition</a:t>
+              <a:t>3. Unique Value Proposition</a:t>
             </a:r>
           </a:p>
           <a:p>
@@ -8130,7 +8130,7 @@
               </a:defRPr>
             </a:pPr>
             <a:r>
-              <a:t>Unfair Advantage</a:t>
+              <a:t>9. Unfair Advantage</a:t>
             </a:r>
           </a:p>
           <a:p>
@@ -8191,7 +8191,7 @@
               </a:defRPr>
             </a:pPr>
             <a:r>
-              <a:t>Channels</a:t>
+              <a:t>5. Channels</a:t>
             </a:r>
           </a:p>
           <a:p>
@@ -8252,7 +8252,7 @@
               </a:defRPr>
             </a:pPr>
             <a:r>
-              <a:t>Customer Segments</a:t>
+              <a:t>1. Customer Segments</a:t>
             </a:r>
           </a:p>
           <a:p>
@@ -8313,7 +8313,7 @@
               </a:defRPr>
             </a:pPr>
             <a:r>
-              <a:t>Cost Structure</a:t>
+              <a:t>7. Cost Structure</a:t>
             </a:r>
           </a:p>
           <a:p>
@@ -8384,7 +8384,7 @@
               </a:defRPr>
             </a:pPr>
             <a:r>
-              <a:t>Revenue Streams</a:t>
+              <a:t>6. Revenue Streams</a:t>
             </a:r>
           </a:p>
           <a:p>
@@ -8529,7 +8529,7 @@
               </a:defRPr>
             </a:pPr>
             <a:r>
-              <a:t>Problem</a:t>
+              <a:t>2. Problem</a:t>
             </a:r>
           </a:p>
           <a:p>
@@ -8600,7 +8600,7 @@
               </a:defRPr>
             </a:pPr>
             <a:r>
-              <a:t>Solution</a:t>
+              <a:t>4. Solution</a:t>
             </a:r>
           </a:p>
           <a:p>
@@ -8671,7 +8671,7 @@
               </a:defRPr>
             </a:pPr>
             <a:r>
-              <a:t>Key Metrics</a:t>
+              <a:t>8. Key Metrics</a:t>
             </a:r>
           </a:p>
           <a:p>
@@ -8742,7 +8742,7 @@
               </a:defRPr>
             </a:pPr>
             <a:r>
-              <a:t>Unique Value Proposition</a:t>
+              <a:t>3. Unique Value Proposition</a:t>
             </a:r>
           </a:p>
           <a:p>
@@ -8813,7 +8813,7 @@
               </a:defRPr>
             </a:pPr>
             <a:r>
-              <a:t>Unfair Advantage</a:t>
+              <a:t>9. Unfair Advantage</a:t>
             </a:r>
           </a:p>
           <a:p>
@@ -8874,7 +8874,7 @@
               </a:defRPr>
             </a:pPr>
             <a:r>
-              <a:t>Channels</a:t>
+              <a:t>5. Channels</a:t>
             </a:r>
           </a:p>
           <a:p>
@@ -8945,7 +8945,7 @@
               </a:defRPr>
             </a:pPr>
             <a:r>
-              <a:t>Customer Segments</a:t>
+              <a:t>1. Customer Segments</a:t>
             </a:r>
           </a:p>
           <a:p>
@@ -9006,7 +9006,7 @@
               </a:defRPr>
             </a:pPr>
             <a:r>
-              <a:t>Cost Structure</a:t>
+              <a:t>7. Cost Structure</a:t>
             </a:r>
           </a:p>
           <a:p>
@@ -9077,7 +9077,7 @@
               </a:defRPr>
             </a:pPr>
             <a:r>
-              <a:t>Revenue Streams</a:t>
+              <a:t>6. Revenue Streams</a:t>
             </a:r>
           </a:p>
           <a:p>
@@ -9222,7 +9222,7 @@
               </a:defRPr>
             </a:pPr>
             <a:r>
-              <a:t>Problem</a:t>
+              <a:t>2. Problem</a:t>
             </a:r>
           </a:p>
           <a:p>
@@ -9283,7 +9283,7 @@
               </a:defRPr>
             </a:pPr>
             <a:r>
-              <a:t>Solution</a:t>
+              <a:t>4. Solution</a:t>
             </a:r>
           </a:p>
           <a:p>
@@ -9344,7 +9344,7 @@
               </a:defRPr>
             </a:pPr>
             <a:r>
-              <a:t>Key Metrics</a:t>
+              <a:t>8. Key Metrics</a:t>
             </a:r>
           </a:p>
           <a:p>
@@ -9415,7 +9415,7 @@
               </a:defRPr>
             </a:pPr>
             <a:r>
-              <a:t>Unique Value Proposition</a:t>
+              <a:t>3. Unique Value Proposition</a:t>
             </a:r>
           </a:p>
           <a:p>
@@ -9466,7 +9466,7 @@
               </a:defRPr>
             </a:pPr>
             <a:r>
-              <a:t>Unfair Advantage</a:t>
+              <a:t>9. Unfair Advantage</a:t>
             </a:r>
           </a:p>
           <a:p>
@@ -9527,7 +9527,7 @@
               </a:defRPr>
             </a:pPr>
             <a:r>
-              <a:t>Channels</a:t>
+              <a:t>5. Channels</a:t>
             </a:r>
           </a:p>
           <a:p>
@@ -9588,7 +9588,7 @@
               </a:defRPr>
             </a:pPr>
             <a:r>
-              <a:t>Customer Segments</a:t>
+              <a:t>1. Customer Segments</a:t>
             </a:r>
           </a:p>
           <a:p>
@@ -9649,7 +9649,7 @@
               </a:defRPr>
             </a:pPr>
             <a:r>
-              <a:t>Cost Structure</a:t>
+              <a:t>7. Cost Structure</a:t>
             </a:r>
           </a:p>
           <a:p>
@@ -9720,7 +9720,7 @@
               </a:defRPr>
             </a:pPr>
             <a:r>
-              <a:t>Revenue Streams</a:t>
+              <a:t>6. Revenue Streams</a:t>
             </a:r>
           </a:p>
           <a:p>
@@ -9865,7 +9865,7 @@
               </a:defRPr>
             </a:pPr>
             <a:r>
-              <a:t>Problem</a:t>
+              <a:t>2. Problem</a:t>
             </a:r>
           </a:p>
           <a:p>
@@ -9926,7 +9926,7 @@
               </a:defRPr>
             </a:pPr>
             <a:r>
-              <a:t>Solution</a:t>
+              <a:t>4. Solution</a:t>
             </a:r>
           </a:p>
           <a:p>
@@ -9987,7 +9987,7 @@
               </a:defRPr>
             </a:pPr>
             <a:r>
-              <a:t>Key Metrics</a:t>
+              <a:t>8. Key Metrics</a:t>
             </a:r>
           </a:p>
           <a:p>
@@ -10058,7 +10058,7 @@
               </a:defRPr>
             </a:pPr>
             <a:r>
-              <a:t>Unique Value Proposition</a:t>
+              <a:t>3. Unique Value Proposition</a:t>
             </a:r>
           </a:p>
           <a:p>
@@ -10109,7 +10109,7 @@
               </a:defRPr>
             </a:pPr>
             <a:r>
-              <a:t>Unfair Advantage</a:t>
+              <a:t>9. Unfair Advantage</a:t>
             </a:r>
           </a:p>
           <a:p>
@@ -10170,7 +10170,7 @@
               </a:defRPr>
             </a:pPr>
             <a:r>
-              <a:t>Channels</a:t>
+              <a:t>5. Channels</a:t>
             </a:r>
           </a:p>
           <a:p>
@@ -10241,7 +10241,7 @@
               </a:defRPr>
             </a:pPr>
             <a:r>
-              <a:t>Customer Segments</a:t>
+              <a:t>1. Customer Segments</a:t>
             </a:r>
           </a:p>
           <a:p>
@@ -10302,7 +10302,7 @@
               </a:defRPr>
             </a:pPr>
             <a:r>
-              <a:t>Cost Structure</a:t>
+              <a:t>7. Cost Structure</a:t>
             </a:r>
           </a:p>
           <a:p>
@@ -10373,7 +10373,7 @@
               </a:defRPr>
             </a:pPr>
             <a:r>
-              <a:t>Revenue Streams</a:t>
+              <a:t>6. Revenue Streams</a:t>
             </a:r>
           </a:p>
           <a:p>
@@ -10528,7 +10528,7 @@
               </a:defRPr>
             </a:pPr>
             <a:r>
-              <a:t>Problem</a:t>
+              <a:t>2. Problem</a:t>
             </a:r>
           </a:p>
           <a:p>
@@ -10599,7 +10599,7 @@
               </a:defRPr>
             </a:pPr>
             <a:r>
-              <a:t>Solution</a:t>
+              <a:t>4. Solution</a:t>
             </a:r>
           </a:p>
           <a:p>
@@ -10670,7 +10670,7 @@
               </a:defRPr>
             </a:pPr>
             <a:r>
-              <a:t>Key Metrics</a:t>
+              <a:t>8. Key Metrics</a:t>
             </a:r>
           </a:p>
           <a:p>
@@ -10741,7 +10741,7 @@
               </a:defRPr>
             </a:pPr>
             <a:r>
-              <a:t>Unique Value Proposition</a:t>
+              <a:t>3. Unique Value Proposition</a:t>
             </a:r>
           </a:p>
           <a:p>
@@ -10792,7 +10792,7 @@
               </a:defRPr>
             </a:pPr>
             <a:r>
-              <a:t>Unfair Advantage</a:t>
+              <a:t>9. Unfair Advantage</a:t>
             </a:r>
           </a:p>
           <a:p>
@@ -10853,7 +10853,7 @@
               </a:defRPr>
             </a:pPr>
             <a:r>
-              <a:t>Channels</a:t>
+              <a:t>5. Channels</a:t>
             </a:r>
           </a:p>
           <a:p>
@@ -10914,7 +10914,7 @@
               </a:defRPr>
             </a:pPr>
             <a:r>
-              <a:t>Customer Segments</a:t>
+              <a:t>1. Customer Segments</a:t>
             </a:r>
           </a:p>
           <a:p>
@@ -10975,7 +10975,7 @@
               </a:defRPr>
             </a:pPr>
             <a:r>
-              <a:t>Cost Structure</a:t>
+              <a:t>7. Cost Structure</a:t>
             </a:r>
           </a:p>
           <a:p>
@@ -11046,7 +11046,7 @@
               </a:defRPr>
             </a:pPr>
             <a:r>
-              <a:t>Revenue Streams</a:t>
+              <a:t>6. Revenue Streams</a:t>
             </a:r>
           </a:p>
           <a:p>
@@ -11191,7 +11191,7 @@
               </a:defRPr>
             </a:pPr>
             <a:r>
-              <a:t>Problem</a:t>
+              <a:t>2. Problem</a:t>
             </a:r>
           </a:p>
           <a:p>
@@ -11262,7 +11262,7 @@
               </a:defRPr>
             </a:pPr>
             <a:r>
-              <a:t>Solution</a:t>
+              <a:t>4. Solution</a:t>
             </a:r>
           </a:p>
           <a:p>
@@ -11333,7 +11333,7 @@
               </a:defRPr>
             </a:pPr>
             <a:r>
-              <a:t>Key Metrics</a:t>
+              <a:t>8. Key Metrics</a:t>
             </a:r>
           </a:p>
           <a:p>
@@ -11404,7 +11404,7 @@
               </a:defRPr>
             </a:pPr>
             <a:r>
-              <a:t>Unique Value Proposition</a:t>
+              <a:t>3. Unique Value Proposition</a:t>
             </a:r>
           </a:p>
           <a:p>
@@ -11455,7 +11455,7 @@
               </a:defRPr>
             </a:pPr>
             <a:r>
-              <a:t>Unfair Advantage</a:t>
+              <a:t>9. Unfair Advantage</a:t>
             </a:r>
           </a:p>
           <a:p>
@@ -11516,7 +11516,7 @@
               </a:defRPr>
             </a:pPr>
             <a:r>
-              <a:t>Channels</a:t>
+              <a:t>5. Channels</a:t>
             </a:r>
           </a:p>
           <a:p>
@@ -11587,7 +11587,7 @@
               </a:defRPr>
             </a:pPr>
             <a:r>
-              <a:t>Customer Segments</a:t>
+              <a:t>1. Customer Segments</a:t>
             </a:r>
           </a:p>
           <a:p>
@@ -11658,7 +11658,7 @@
               </a:defRPr>
             </a:pPr>
             <a:r>
-              <a:t>Cost Structure</a:t>
+              <a:t>7. Cost Structure</a:t>
             </a:r>
           </a:p>
           <a:p>
@@ -11729,7 +11729,7 @@
               </a:defRPr>
             </a:pPr>
             <a:r>
-              <a:t>Revenue Streams</a:t>
+              <a:t>6. Revenue Streams</a:t>
             </a:r>
           </a:p>
           <a:p>
@@ -11874,7 +11874,7 @@
               </a:defRPr>
             </a:pPr>
             <a:r>
-              <a:t>Problem</a:t>
+              <a:t>2. Problem</a:t>
             </a:r>
           </a:p>
           <a:p>
@@ -11955,7 +11955,7 @@
               </a:defRPr>
             </a:pPr>
             <a:r>
-              <a:t>Solution</a:t>
+              <a:t>4. Solution</a:t>
             </a:r>
           </a:p>
           <a:p>
@@ -11995,7 +11995,7 @@
               </a:defRPr>
             </a:pPr>
             <a:r>
-              <a:t>•Automated repair with reconsiliation mechanism</a:t>
+              <a:t>•Automatic repair with reconsiliation mechanism</a:t>
             </a:r>
           </a:p>
           <a:p>
@@ -12046,7 +12046,7 @@
               </a:defRPr>
             </a:pPr>
             <a:r>
-              <a:t>Key Metrics</a:t>
+              <a:t>8. Key Metrics</a:t>
             </a:r>
           </a:p>
           <a:p>
@@ -12117,7 +12117,7 @@
               </a:defRPr>
             </a:pPr>
             <a:r>
-              <a:t>Unique Value Proposition</a:t>
+              <a:t>3. Unique Value Proposition</a:t>
             </a:r>
           </a:p>
           <a:p>
@@ -12188,7 +12188,7 @@
               </a:defRPr>
             </a:pPr>
             <a:r>
-              <a:t>Unfair Advantage</a:t>
+              <a:t>9. Unfair Advantage</a:t>
             </a:r>
           </a:p>
           <a:p>
@@ -12249,7 +12249,7 @@
               </a:defRPr>
             </a:pPr>
             <a:r>
-              <a:t>Channels</a:t>
+              <a:t>5. Channels</a:t>
             </a:r>
           </a:p>
           <a:p>
@@ -12320,7 +12320,7 @@
               </a:defRPr>
             </a:pPr>
             <a:r>
-              <a:t>Customer Segments</a:t>
+              <a:t>1. Customer Segments</a:t>
             </a:r>
           </a:p>
           <a:p>
@@ -12391,7 +12391,7 @@
               </a:defRPr>
             </a:pPr>
             <a:r>
-              <a:t>Cost Structure</a:t>
+              <a:t>7. Cost Structure</a:t>
             </a:r>
           </a:p>
           <a:p>
@@ -12462,7 +12462,7 @@
               </a:defRPr>
             </a:pPr>
             <a:r>
-              <a:t>Revenue Streams</a:t>
+              <a:t>6. Revenue Streams</a:t>
             </a:r>
           </a:p>
           <a:p>
@@ -12607,7 +12607,7 @@
               </a:defRPr>
             </a:pPr>
             <a:r>
-              <a:t>Problem</a:t>
+              <a:t>2. Problem</a:t>
             </a:r>
           </a:p>
           <a:p>
@@ -12678,7 +12678,7 @@
               </a:defRPr>
             </a:pPr>
             <a:r>
-              <a:t>Solution</a:t>
+              <a:t>4. Solution</a:t>
             </a:r>
           </a:p>
           <a:p>
@@ -12749,7 +12749,7 @@
               </a:defRPr>
             </a:pPr>
             <a:r>
-              <a:t>Key Metrics</a:t>
+              <a:t>8. Key Metrics</a:t>
             </a:r>
           </a:p>
           <a:p>
@@ -12820,7 +12820,7 @@
               </a:defRPr>
             </a:pPr>
             <a:r>
-              <a:t>Unique Value Proposition</a:t>
+              <a:t>3. Unique Value Proposition</a:t>
             </a:r>
           </a:p>
           <a:p>
@@ -12871,7 +12871,7 @@
               </a:defRPr>
             </a:pPr>
             <a:r>
-              <a:t>Unfair Advantage</a:t>
+              <a:t>9. Unfair Advantage</a:t>
             </a:r>
           </a:p>
           <a:p>
@@ -12932,7 +12932,7 @@
               </a:defRPr>
             </a:pPr>
             <a:r>
-              <a:t>Channels</a:t>
+              <a:t>5. Channels</a:t>
             </a:r>
           </a:p>
           <a:p>
@@ -13003,7 +13003,7 @@
               </a:defRPr>
             </a:pPr>
             <a:r>
-              <a:t>Customer Segments</a:t>
+              <a:t>1. Customer Segments</a:t>
             </a:r>
           </a:p>
           <a:p>
@@ -13064,7 +13064,7 @@
               </a:defRPr>
             </a:pPr>
             <a:r>
-              <a:t>Cost Structure</a:t>
+              <a:t>7. Cost Structure</a:t>
             </a:r>
           </a:p>
           <a:p>
@@ -13135,7 +13135,7 @@
               </a:defRPr>
             </a:pPr>
             <a:r>
-              <a:t>Revenue Streams</a:t>
+              <a:t>6. Revenue Streams</a:t>
             </a:r>
           </a:p>
           <a:p>
@@ -13290,7 +13290,7 @@
               </a:defRPr>
             </a:pPr>
             <a:r>
-              <a:t>Problem</a:t>
+              <a:t>2. Problem</a:t>
             </a:r>
           </a:p>
           <a:p>
@@ -13361,7 +13361,7 @@
               </a:defRPr>
             </a:pPr>
             <a:r>
-              <a:t>Solution</a:t>
+              <a:t>4. Solution</a:t>
             </a:r>
           </a:p>
           <a:p>
@@ -13432,7 +13432,7 @@
               </a:defRPr>
             </a:pPr>
             <a:r>
-              <a:t>Key Metrics</a:t>
+              <a:t>8. Key Metrics</a:t>
             </a:r>
           </a:p>
           <a:p>
@@ -13503,7 +13503,7 @@
               </a:defRPr>
             </a:pPr>
             <a:r>
-              <a:t>Unique Value Proposition</a:t>
+              <a:t>3. Unique Value Proposition</a:t>
             </a:r>
           </a:p>
           <a:p>
@@ -13554,7 +13554,7 @@
               </a:defRPr>
             </a:pPr>
             <a:r>
-              <a:t>Unfair Advantage</a:t>
+              <a:t>9. Unfair Advantage</a:t>
             </a:r>
           </a:p>
           <a:p>
@@ -13615,7 +13615,7 @@
               </a:defRPr>
             </a:pPr>
             <a:r>
-              <a:t>Channels</a:t>
+              <a:t>5. Channels</a:t>
             </a:r>
           </a:p>
           <a:p>
@@ -13676,7 +13676,7 @@
               </a:defRPr>
             </a:pPr>
             <a:r>
-              <a:t>Customer Segments</a:t>
+              <a:t>1. Customer Segments</a:t>
             </a:r>
           </a:p>
           <a:p>
@@ -13737,7 +13737,7 @@
               </a:defRPr>
             </a:pPr>
             <a:r>
-              <a:t>Cost Structure</a:t>
+              <a:t>7. Cost Structure</a:t>
             </a:r>
           </a:p>
           <a:p>
@@ -13808,7 +13808,7 @@
               </a:defRPr>
             </a:pPr>
             <a:r>
-              <a:t>Revenue Streams</a:t>
+              <a:t>6. Revenue Streams</a:t>
             </a:r>
           </a:p>
           <a:p>

--- a/sample_en.pptx
+++ b/sample_en.pptx
@@ -3127,6 +3127,9 @@
           <a:p>
             <a:pPr algn="l">
               <a:defRPr sz="2000">
+                <a:solidFill>
+                  <a:srgbClr val="000000"/>
+                </a:solidFill>
                 <a:latin typeface="Yu Gothic UI"/>
               </a:defRPr>
             </a:pPr>
@@ -3160,6 +3163,9 @@
           <a:p>
             <a:pPr algn="r">
               <a:defRPr sz="2000">
+                <a:solidFill>
+                  <a:srgbClr val="000000"/>
+                </a:solidFill>
                 <a:latin typeface="Yu Gothic UI"/>
               </a:defRPr>
             </a:pPr>
@@ -3211,6 +3217,9 @@
           <a:p>
             <a:pPr>
               <a:defRPr sz="1000">
+                <a:solidFill>
+                  <a:srgbClr val="000000"/>
+                </a:solidFill>
                 <a:latin typeface="Yu Gothic UI"/>
               </a:defRPr>
             </a:pPr>
@@ -3221,6 +3230,9 @@
           <a:p>
             <a:pPr>
               <a:defRPr sz="1000">
+                <a:solidFill>
+                  <a:srgbClr val="000000"/>
+                </a:solidFill>
                 <a:latin typeface="Yu Gothic UI"/>
               </a:defRPr>
             </a:pPr>
@@ -3231,6 +3243,9 @@
           <a:p>
             <a:pPr>
               <a:defRPr sz="1000">
+                <a:solidFill>
+                  <a:srgbClr val="000000"/>
+                </a:solidFill>
                 <a:latin typeface="Yu Gothic UI"/>
               </a:defRPr>
             </a:pPr>
@@ -3282,6 +3297,9 @@
           <a:p>
             <a:pPr>
               <a:defRPr sz="1000">
+                <a:solidFill>
+                  <a:srgbClr val="000000"/>
+                </a:solidFill>
                 <a:latin typeface="Yu Gothic UI"/>
               </a:defRPr>
             </a:pPr>
@@ -3292,6 +3310,9 @@
           <a:p>
             <a:pPr>
               <a:defRPr sz="1000">
+                <a:solidFill>
+                  <a:srgbClr val="000000"/>
+                </a:solidFill>
                 <a:latin typeface="Yu Gothic UI"/>
               </a:defRPr>
             </a:pPr>
@@ -3302,6 +3323,9 @@
           <a:p>
             <a:pPr>
               <a:defRPr sz="1000">
+                <a:solidFill>
+                  <a:srgbClr val="000000"/>
+                </a:solidFill>
                 <a:latin typeface="Yu Gothic UI"/>
               </a:defRPr>
             </a:pPr>
@@ -3353,6 +3377,9 @@
           <a:p>
             <a:pPr>
               <a:defRPr sz="1000">
+                <a:solidFill>
+                  <a:srgbClr val="000000"/>
+                </a:solidFill>
                 <a:latin typeface="Yu Gothic UI"/>
               </a:defRPr>
             </a:pPr>
@@ -3363,6 +3390,9 @@
           <a:p>
             <a:pPr>
               <a:defRPr sz="1000">
+                <a:solidFill>
+                  <a:srgbClr val="000000"/>
+                </a:solidFill>
                 <a:latin typeface="Yu Gothic UI"/>
               </a:defRPr>
             </a:pPr>
@@ -3373,6 +3403,9 @@
           <a:p>
             <a:pPr>
               <a:defRPr sz="1000">
+                <a:solidFill>
+                  <a:srgbClr val="000000"/>
+                </a:solidFill>
                 <a:latin typeface="Yu Gothic UI"/>
               </a:defRPr>
             </a:pPr>
@@ -3424,6 +3457,9 @@
           <a:p>
             <a:pPr>
               <a:defRPr sz="1000">
+                <a:solidFill>
+                  <a:srgbClr val="000000"/>
+                </a:solidFill>
                 <a:latin typeface="Yu Gothic UI"/>
               </a:defRPr>
             </a:pPr>
@@ -3434,6 +3470,9 @@
           <a:p>
             <a:pPr>
               <a:defRPr sz="1000">
+                <a:solidFill>
+                  <a:srgbClr val="000000"/>
+                </a:solidFill>
                 <a:latin typeface="Yu Gothic UI"/>
               </a:defRPr>
             </a:pPr>
@@ -3485,6 +3524,9 @@
           <a:p>
             <a:pPr>
               <a:defRPr sz="1000">
+                <a:solidFill>
+                  <a:srgbClr val="000000"/>
+                </a:solidFill>
                 <a:latin typeface="Yu Gothic UI"/>
               </a:defRPr>
             </a:pPr>
@@ -3495,6 +3537,9 @@
           <a:p>
             <a:pPr>
               <a:defRPr sz="1000">
+                <a:solidFill>
+                  <a:srgbClr val="000000"/>
+                </a:solidFill>
                 <a:latin typeface="Yu Gothic UI"/>
               </a:defRPr>
             </a:pPr>
@@ -3546,6 +3591,9 @@
           <a:p>
             <a:pPr>
               <a:defRPr sz="1000">
+                <a:solidFill>
+                  <a:srgbClr val="000000"/>
+                </a:solidFill>
                 <a:latin typeface="Yu Gothic UI"/>
               </a:defRPr>
             </a:pPr>
@@ -3556,6 +3604,9 @@
           <a:p>
             <a:pPr>
               <a:defRPr sz="1000">
+                <a:solidFill>
+                  <a:srgbClr val="000000"/>
+                </a:solidFill>
                 <a:latin typeface="Yu Gothic UI"/>
               </a:defRPr>
             </a:pPr>
@@ -3566,6 +3617,9 @@
           <a:p>
             <a:pPr>
               <a:defRPr sz="1000">
+                <a:solidFill>
+                  <a:srgbClr val="000000"/>
+                </a:solidFill>
                 <a:latin typeface="Yu Gothic UI"/>
               </a:defRPr>
             </a:pPr>
@@ -3617,6 +3671,9 @@
           <a:p>
             <a:pPr>
               <a:defRPr sz="1000">
+                <a:solidFill>
+                  <a:srgbClr val="000000"/>
+                </a:solidFill>
                 <a:latin typeface="Yu Gothic UI"/>
               </a:defRPr>
             </a:pPr>
@@ -3627,6 +3684,9 @@
           <a:p>
             <a:pPr>
               <a:defRPr sz="1000">
+                <a:solidFill>
+                  <a:srgbClr val="000000"/>
+                </a:solidFill>
                 <a:latin typeface="Yu Gothic UI"/>
               </a:defRPr>
             </a:pPr>
@@ -3678,6 +3738,9 @@
           <a:p>
             <a:pPr>
               <a:defRPr sz="1000">
+                <a:solidFill>
+                  <a:srgbClr val="000000"/>
+                </a:solidFill>
                 <a:latin typeface="Yu Gothic UI"/>
               </a:defRPr>
             </a:pPr>
@@ -3688,6 +3751,9 @@
           <a:p>
             <a:pPr>
               <a:defRPr sz="1000">
+                <a:solidFill>
+                  <a:srgbClr val="000000"/>
+                </a:solidFill>
                 <a:latin typeface="Yu Gothic UI"/>
               </a:defRPr>
             </a:pPr>
@@ -3698,6 +3764,9 @@
           <a:p>
             <a:pPr>
               <a:defRPr sz="1000">
+                <a:solidFill>
+                  <a:srgbClr val="000000"/>
+                </a:solidFill>
                 <a:latin typeface="Yu Gothic UI"/>
               </a:defRPr>
             </a:pPr>
@@ -3749,6 +3818,9 @@
           <a:p>
             <a:pPr>
               <a:defRPr sz="1000">
+                <a:solidFill>
+                  <a:srgbClr val="000000"/>
+                </a:solidFill>
                 <a:latin typeface="Yu Gothic UI"/>
               </a:defRPr>
             </a:pPr>
@@ -3800,6 +3872,9 @@
           <a:p>
             <a:pPr algn="l">
               <a:defRPr sz="2000">
+                <a:solidFill>
+                  <a:srgbClr val="000000"/>
+                </a:solidFill>
                 <a:latin typeface="Yu Gothic UI"/>
               </a:defRPr>
             </a:pPr>
@@ -3833,6 +3908,9 @@
           <a:p>
             <a:pPr algn="r">
               <a:defRPr sz="2000">
+                <a:solidFill>
+                  <a:srgbClr val="000000"/>
+                </a:solidFill>
                 <a:latin typeface="Yu Gothic UI"/>
               </a:defRPr>
             </a:pPr>
@@ -3884,6 +3962,9 @@
           <a:p>
             <a:pPr>
               <a:defRPr sz="1000">
+                <a:solidFill>
+                  <a:srgbClr val="000000"/>
+                </a:solidFill>
                 <a:latin typeface="Yu Gothic UI"/>
               </a:defRPr>
             </a:pPr>
@@ -3894,6 +3975,9 @@
           <a:p>
             <a:pPr>
               <a:defRPr sz="1000">
+                <a:solidFill>
+                  <a:srgbClr val="000000"/>
+                </a:solidFill>
                 <a:latin typeface="Yu Gothic UI"/>
               </a:defRPr>
             </a:pPr>
@@ -3904,6 +3988,9 @@
           <a:p>
             <a:pPr>
               <a:defRPr sz="1000">
+                <a:solidFill>
+                  <a:srgbClr val="000000"/>
+                </a:solidFill>
                 <a:latin typeface="Yu Gothic UI"/>
               </a:defRPr>
             </a:pPr>
@@ -3955,6 +4042,9 @@
           <a:p>
             <a:pPr>
               <a:defRPr sz="1000">
+                <a:solidFill>
+                  <a:srgbClr val="000000"/>
+                </a:solidFill>
                 <a:latin typeface="Yu Gothic UI"/>
               </a:defRPr>
             </a:pPr>
@@ -3965,6 +4055,9 @@
           <a:p>
             <a:pPr>
               <a:defRPr sz="1000">
+                <a:solidFill>
+                  <a:srgbClr val="000000"/>
+                </a:solidFill>
                 <a:latin typeface="Yu Gothic UI"/>
               </a:defRPr>
             </a:pPr>
@@ -3975,6 +4068,9 @@
           <a:p>
             <a:pPr>
               <a:defRPr sz="1000">
+                <a:solidFill>
+                  <a:srgbClr val="000000"/>
+                </a:solidFill>
                 <a:latin typeface="Yu Gothic UI"/>
               </a:defRPr>
             </a:pPr>
@@ -4026,6 +4122,9 @@
           <a:p>
             <a:pPr>
               <a:defRPr sz="1000">
+                <a:solidFill>
+                  <a:srgbClr val="000000"/>
+                </a:solidFill>
                 <a:latin typeface="Yu Gothic UI"/>
               </a:defRPr>
             </a:pPr>
@@ -4036,6 +4135,9 @@
           <a:p>
             <a:pPr>
               <a:defRPr sz="1000">
+                <a:solidFill>
+                  <a:srgbClr val="000000"/>
+                </a:solidFill>
                 <a:latin typeface="Yu Gothic UI"/>
               </a:defRPr>
             </a:pPr>
@@ -4046,6 +4148,9 @@
           <a:p>
             <a:pPr>
               <a:defRPr sz="1000">
+                <a:solidFill>
+                  <a:srgbClr val="000000"/>
+                </a:solidFill>
                 <a:latin typeface="Yu Gothic UI"/>
               </a:defRPr>
             </a:pPr>
@@ -4097,6 +4202,9 @@
           <a:p>
             <a:pPr>
               <a:defRPr sz="1000">
+                <a:solidFill>
+                  <a:srgbClr val="000000"/>
+                </a:solidFill>
                 <a:latin typeface="Yu Gothic UI"/>
               </a:defRPr>
             </a:pPr>
@@ -4148,6 +4256,9 @@
           <a:p>
             <a:pPr>
               <a:defRPr sz="1000">
+                <a:solidFill>
+                  <a:srgbClr val="000000"/>
+                </a:solidFill>
                 <a:latin typeface="Yu Gothic UI"/>
               </a:defRPr>
             </a:pPr>
@@ -4158,6 +4269,9 @@
           <a:p>
             <a:pPr>
               <a:defRPr sz="1000">
+                <a:solidFill>
+                  <a:srgbClr val="000000"/>
+                </a:solidFill>
                 <a:latin typeface="Yu Gothic UI"/>
               </a:defRPr>
             </a:pPr>
@@ -4209,6 +4323,9 @@
           <a:p>
             <a:pPr>
               <a:defRPr sz="1000">
+                <a:solidFill>
+                  <a:srgbClr val="000000"/>
+                </a:solidFill>
                 <a:latin typeface="Yu Gothic UI"/>
               </a:defRPr>
             </a:pPr>
@@ -4219,6 +4336,9 @@
           <a:p>
             <a:pPr>
               <a:defRPr sz="1000">
+                <a:solidFill>
+                  <a:srgbClr val="000000"/>
+                </a:solidFill>
                 <a:latin typeface="Yu Gothic UI"/>
               </a:defRPr>
             </a:pPr>
@@ -4229,6 +4349,9 @@
           <a:p>
             <a:pPr>
               <a:defRPr sz="1000">
+                <a:solidFill>
+                  <a:srgbClr val="000000"/>
+                </a:solidFill>
                 <a:latin typeface="Yu Gothic UI"/>
               </a:defRPr>
             </a:pPr>
@@ -4280,6 +4403,9 @@
           <a:p>
             <a:pPr>
               <a:defRPr sz="1000">
+                <a:solidFill>
+                  <a:srgbClr val="000000"/>
+                </a:solidFill>
                 <a:latin typeface="Yu Gothic UI"/>
               </a:defRPr>
             </a:pPr>
@@ -4290,6 +4416,9 @@
           <a:p>
             <a:pPr>
               <a:defRPr sz="1000">
+                <a:solidFill>
+                  <a:srgbClr val="000000"/>
+                </a:solidFill>
                 <a:latin typeface="Yu Gothic UI"/>
               </a:defRPr>
             </a:pPr>
@@ -4300,6 +4429,9 @@
           <a:p>
             <a:pPr>
               <a:defRPr sz="1000">
+                <a:solidFill>
+                  <a:srgbClr val="000000"/>
+                </a:solidFill>
                 <a:latin typeface="Yu Gothic UI"/>
               </a:defRPr>
             </a:pPr>
@@ -4351,6 +4483,9 @@
           <a:p>
             <a:pPr>
               <a:defRPr sz="1000">
+                <a:solidFill>
+                  <a:srgbClr val="000000"/>
+                </a:solidFill>
                 <a:latin typeface="Yu Gothic UI"/>
               </a:defRPr>
             </a:pPr>
@@ -4361,6 +4496,9 @@
           <a:p>
             <a:pPr>
               <a:defRPr sz="1000">
+                <a:solidFill>
+                  <a:srgbClr val="000000"/>
+                </a:solidFill>
                 <a:latin typeface="Yu Gothic UI"/>
               </a:defRPr>
             </a:pPr>
@@ -4371,6 +4509,9 @@
           <a:p>
             <a:pPr>
               <a:defRPr sz="1000">
+                <a:solidFill>
+                  <a:srgbClr val="000000"/>
+                </a:solidFill>
                 <a:latin typeface="Yu Gothic UI"/>
               </a:defRPr>
             </a:pPr>
@@ -4422,6 +4563,9 @@
           <a:p>
             <a:pPr>
               <a:defRPr sz="1000">
+                <a:solidFill>
+                  <a:srgbClr val="000000"/>
+                </a:solidFill>
                 <a:latin typeface="Yu Gothic UI"/>
               </a:defRPr>
             </a:pPr>
@@ -4432,6 +4576,9 @@
           <a:p>
             <a:pPr>
               <a:defRPr sz="1000">
+                <a:solidFill>
+                  <a:srgbClr val="000000"/>
+                </a:solidFill>
                 <a:latin typeface="Yu Gothic UI"/>
               </a:defRPr>
             </a:pPr>
@@ -4442,6 +4589,9 @@
           <a:p>
             <a:pPr>
               <a:defRPr sz="1000">
+                <a:solidFill>
+                  <a:srgbClr val="000000"/>
+                </a:solidFill>
                 <a:latin typeface="Yu Gothic UI"/>
               </a:defRPr>
             </a:pPr>
@@ -4493,6 +4643,9 @@
           <a:p>
             <a:pPr algn="l">
               <a:defRPr sz="2000">
+                <a:solidFill>
+                  <a:srgbClr val="000000"/>
+                </a:solidFill>
                 <a:latin typeface="Yu Gothic UI"/>
               </a:defRPr>
             </a:pPr>
@@ -4526,6 +4679,9 @@
           <a:p>
             <a:pPr algn="r">
               <a:defRPr sz="2000">
+                <a:solidFill>
+                  <a:srgbClr val="000000"/>
+                </a:solidFill>
                 <a:latin typeface="Yu Gothic UI"/>
               </a:defRPr>
             </a:pPr>
@@ -4577,6 +4733,9 @@
           <a:p>
             <a:pPr>
               <a:defRPr sz="1000">
+                <a:solidFill>
+                  <a:srgbClr val="000000"/>
+                </a:solidFill>
                 <a:latin typeface="Yu Gothic UI"/>
               </a:defRPr>
             </a:pPr>
@@ -4587,6 +4746,9 @@
           <a:p>
             <a:pPr>
               <a:defRPr sz="1000">
+                <a:solidFill>
+                  <a:srgbClr val="000000"/>
+                </a:solidFill>
                 <a:latin typeface="Yu Gothic UI"/>
               </a:defRPr>
             </a:pPr>
@@ -4597,6 +4759,9 @@
           <a:p>
             <a:pPr>
               <a:defRPr sz="1000">
+                <a:solidFill>
+                  <a:srgbClr val="000000"/>
+                </a:solidFill>
                 <a:latin typeface="Yu Gothic UI"/>
               </a:defRPr>
             </a:pPr>
@@ -4648,6 +4813,9 @@
           <a:p>
             <a:pPr>
               <a:defRPr sz="1000">
+                <a:solidFill>
+                  <a:srgbClr val="000000"/>
+                </a:solidFill>
                 <a:latin typeface="Yu Gothic UI"/>
               </a:defRPr>
             </a:pPr>
@@ -4658,6 +4826,9 @@
           <a:p>
             <a:pPr>
               <a:defRPr sz="1000">
+                <a:solidFill>
+                  <a:srgbClr val="000000"/>
+                </a:solidFill>
                 <a:latin typeface="Yu Gothic UI"/>
               </a:defRPr>
             </a:pPr>
@@ -4668,6 +4839,9 @@
           <a:p>
             <a:pPr>
               <a:defRPr sz="1000">
+                <a:solidFill>
+                  <a:srgbClr val="000000"/>
+                </a:solidFill>
                 <a:latin typeface="Yu Gothic UI"/>
               </a:defRPr>
             </a:pPr>
@@ -4719,6 +4893,9 @@
           <a:p>
             <a:pPr>
               <a:defRPr sz="1000">
+                <a:solidFill>
+                  <a:srgbClr val="000000"/>
+                </a:solidFill>
                 <a:latin typeface="Yu Gothic UI"/>
               </a:defRPr>
             </a:pPr>
@@ -4729,6 +4906,9 @@
           <a:p>
             <a:pPr>
               <a:defRPr sz="1000">
+                <a:solidFill>
+                  <a:srgbClr val="000000"/>
+                </a:solidFill>
                 <a:latin typeface="Yu Gothic UI"/>
               </a:defRPr>
             </a:pPr>
@@ -4739,6 +4919,9 @@
           <a:p>
             <a:pPr>
               <a:defRPr sz="1000">
+                <a:solidFill>
+                  <a:srgbClr val="000000"/>
+                </a:solidFill>
                 <a:latin typeface="Yu Gothic UI"/>
               </a:defRPr>
             </a:pPr>
@@ -4790,6 +4973,9 @@
           <a:p>
             <a:pPr>
               <a:defRPr sz="1000">
+                <a:solidFill>
+                  <a:srgbClr val="000000"/>
+                </a:solidFill>
                 <a:latin typeface="Yu Gothic UI"/>
               </a:defRPr>
             </a:pPr>
@@ -4841,6 +5027,9 @@
           <a:p>
             <a:pPr>
               <a:defRPr sz="1000">
+                <a:solidFill>
+                  <a:srgbClr val="000000"/>
+                </a:solidFill>
                 <a:latin typeface="Yu Gothic UI"/>
               </a:defRPr>
             </a:pPr>
@@ -4851,6 +5040,9 @@
           <a:p>
             <a:pPr>
               <a:defRPr sz="1000">
+                <a:solidFill>
+                  <a:srgbClr val="000000"/>
+                </a:solidFill>
                 <a:latin typeface="Yu Gothic UI"/>
               </a:defRPr>
             </a:pPr>
@@ -4902,6 +5094,9 @@
           <a:p>
             <a:pPr>
               <a:defRPr sz="1000">
+                <a:solidFill>
+                  <a:srgbClr val="000000"/>
+                </a:solidFill>
                 <a:latin typeface="Yu Gothic UI"/>
               </a:defRPr>
             </a:pPr>
@@ -4912,6 +5107,9 @@
           <a:p>
             <a:pPr>
               <a:defRPr sz="1000">
+                <a:solidFill>
+                  <a:srgbClr val="000000"/>
+                </a:solidFill>
                 <a:latin typeface="Yu Gothic UI"/>
               </a:defRPr>
             </a:pPr>
@@ -4922,6 +5120,9 @@
           <a:p>
             <a:pPr>
               <a:defRPr sz="1000">
+                <a:solidFill>
+                  <a:srgbClr val="000000"/>
+                </a:solidFill>
                 <a:latin typeface="Yu Gothic UI"/>
               </a:defRPr>
             </a:pPr>
@@ -4973,6 +5174,9 @@
           <a:p>
             <a:pPr>
               <a:defRPr sz="1000">
+                <a:solidFill>
+                  <a:srgbClr val="000000"/>
+                </a:solidFill>
                 <a:latin typeface="Yu Gothic UI"/>
               </a:defRPr>
             </a:pPr>
@@ -4983,6 +5187,9 @@
           <a:p>
             <a:pPr>
               <a:defRPr sz="1000">
+                <a:solidFill>
+                  <a:srgbClr val="000000"/>
+                </a:solidFill>
                 <a:latin typeface="Yu Gothic UI"/>
               </a:defRPr>
             </a:pPr>
@@ -4993,6 +5200,9 @@
           <a:p>
             <a:pPr>
               <a:defRPr sz="1000">
+                <a:solidFill>
+                  <a:srgbClr val="000000"/>
+                </a:solidFill>
                 <a:latin typeface="Yu Gothic UI"/>
               </a:defRPr>
             </a:pPr>
@@ -5044,6 +5254,9 @@
           <a:p>
             <a:pPr>
               <a:defRPr sz="1000">
+                <a:solidFill>
+                  <a:srgbClr val="000000"/>
+                </a:solidFill>
                 <a:latin typeface="Yu Gothic UI"/>
               </a:defRPr>
             </a:pPr>
@@ -5054,6 +5267,9 @@
           <a:p>
             <a:pPr>
               <a:defRPr sz="1000">
+                <a:solidFill>
+                  <a:srgbClr val="000000"/>
+                </a:solidFill>
                 <a:latin typeface="Yu Gothic UI"/>
               </a:defRPr>
             </a:pPr>
@@ -5064,6 +5280,9 @@
           <a:p>
             <a:pPr>
               <a:defRPr sz="1000">
+                <a:solidFill>
+                  <a:srgbClr val="000000"/>
+                </a:solidFill>
                 <a:latin typeface="Yu Gothic UI"/>
               </a:defRPr>
             </a:pPr>
@@ -5115,6 +5334,9 @@
           <a:p>
             <a:pPr>
               <a:defRPr sz="1000">
+                <a:solidFill>
+                  <a:srgbClr val="000000"/>
+                </a:solidFill>
                 <a:latin typeface="Yu Gothic UI"/>
               </a:defRPr>
             </a:pPr>
@@ -5125,6 +5347,9 @@
           <a:p>
             <a:pPr>
               <a:defRPr sz="1000">
+                <a:solidFill>
+                  <a:srgbClr val="000000"/>
+                </a:solidFill>
                 <a:latin typeface="Yu Gothic UI"/>
               </a:defRPr>
             </a:pPr>
@@ -5135,6 +5360,9 @@
           <a:p>
             <a:pPr>
               <a:defRPr sz="1000">
+                <a:solidFill>
+                  <a:srgbClr val="000000"/>
+                </a:solidFill>
                 <a:latin typeface="Yu Gothic UI"/>
               </a:defRPr>
             </a:pPr>
@@ -5186,6 +5414,9 @@
           <a:p>
             <a:pPr algn="l">
               <a:defRPr sz="2000">
+                <a:solidFill>
+                  <a:srgbClr val="000000"/>
+                </a:solidFill>
                 <a:latin typeface="Yu Gothic UI"/>
               </a:defRPr>
             </a:pPr>
@@ -5219,6 +5450,9 @@
           <a:p>
             <a:pPr algn="r">
               <a:defRPr sz="2000">
+                <a:solidFill>
+                  <a:srgbClr val="000000"/>
+                </a:solidFill>
                 <a:latin typeface="Yu Gothic UI"/>
               </a:defRPr>
             </a:pPr>
@@ -5270,6 +5504,9 @@
           <a:p>
             <a:pPr>
               <a:defRPr sz="1000">
+                <a:solidFill>
+                  <a:srgbClr val="000000"/>
+                </a:solidFill>
                 <a:latin typeface="Yu Gothic UI"/>
               </a:defRPr>
             </a:pPr>
@@ -5280,6 +5517,9 @@
           <a:p>
             <a:pPr>
               <a:defRPr sz="1000">
+                <a:solidFill>
+                  <a:srgbClr val="000000"/>
+                </a:solidFill>
                 <a:latin typeface="Yu Gothic UI"/>
               </a:defRPr>
             </a:pPr>
@@ -5290,6 +5530,9 @@
           <a:p>
             <a:pPr>
               <a:defRPr sz="1000">
+                <a:solidFill>
+                  <a:srgbClr val="000000"/>
+                </a:solidFill>
                 <a:latin typeface="Yu Gothic UI"/>
               </a:defRPr>
             </a:pPr>
@@ -5341,6 +5584,9 @@
           <a:p>
             <a:pPr>
               <a:defRPr sz="1000">
+                <a:solidFill>
+                  <a:srgbClr val="000000"/>
+                </a:solidFill>
                 <a:latin typeface="Yu Gothic UI"/>
               </a:defRPr>
             </a:pPr>
@@ -5351,6 +5597,9 @@
           <a:p>
             <a:pPr>
               <a:defRPr sz="1000">
+                <a:solidFill>
+                  <a:srgbClr val="000000"/>
+                </a:solidFill>
                 <a:latin typeface="Yu Gothic UI"/>
               </a:defRPr>
             </a:pPr>
@@ -5361,6 +5610,9 @@
           <a:p>
             <a:pPr>
               <a:defRPr sz="1000">
+                <a:solidFill>
+                  <a:srgbClr val="000000"/>
+                </a:solidFill>
                 <a:latin typeface="Yu Gothic UI"/>
               </a:defRPr>
             </a:pPr>
@@ -5412,6 +5664,9 @@
           <a:p>
             <a:pPr>
               <a:defRPr sz="1000">
+                <a:solidFill>
+                  <a:srgbClr val="000000"/>
+                </a:solidFill>
                 <a:latin typeface="Yu Gothic UI"/>
               </a:defRPr>
             </a:pPr>
@@ -5422,6 +5677,9 @@
           <a:p>
             <a:pPr>
               <a:defRPr sz="1000">
+                <a:solidFill>
+                  <a:srgbClr val="000000"/>
+                </a:solidFill>
                 <a:latin typeface="Yu Gothic UI"/>
               </a:defRPr>
             </a:pPr>
@@ -5432,6 +5690,9 @@
           <a:p>
             <a:pPr>
               <a:defRPr sz="1000">
+                <a:solidFill>
+                  <a:srgbClr val="000000"/>
+                </a:solidFill>
                 <a:latin typeface="Yu Gothic UI"/>
               </a:defRPr>
             </a:pPr>
@@ -5483,6 +5744,9 @@
           <a:p>
             <a:pPr>
               <a:defRPr sz="1000">
+                <a:solidFill>
+                  <a:srgbClr val="000000"/>
+                </a:solidFill>
                 <a:latin typeface="Yu Gothic UI"/>
               </a:defRPr>
             </a:pPr>
@@ -5534,6 +5798,9 @@
           <a:p>
             <a:pPr>
               <a:defRPr sz="1000">
+                <a:solidFill>
+                  <a:srgbClr val="000000"/>
+                </a:solidFill>
                 <a:latin typeface="Yu Gothic UI"/>
               </a:defRPr>
             </a:pPr>
@@ -5544,6 +5811,9 @@
           <a:p>
             <a:pPr>
               <a:defRPr sz="1000">
+                <a:solidFill>
+                  <a:srgbClr val="000000"/>
+                </a:solidFill>
                 <a:latin typeface="Yu Gothic UI"/>
               </a:defRPr>
             </a:pPr>
@@ -5595,6 +5865,9 @@
           <a:p>
             <a:pPr>
               <a:defRPr sz="1000">
+                <a:solidFill>
+                  <a:srgbClr val="000000"/>
+                </a:solidFill>
                 <a:latin typeface="Yu Gothic UI"/>
               </a:defRPr>
             </a:pPr>
@@ -5605,6 +5878,9 @@
           <a:p>
             <a:pPr>
               <a:defRPr sz="1000">
+                <a:solidFill>
+                  <a:srgbClr val="000000"/>
+                </a:solidFill>
                 <a:latin typeface="Yu Gothic UI"/>
               </a:defRPr>
             </a:pPr>
@@ -5615,6 +5891,9 @@
           <a:p>
             <a:pPr>
               <a:defRPr sz="1000">
+                <a:solidFill>
+                  <a:srgbClr val="000000"/>
+                </a:solidFill>
                 <a:latin typeface="Yu Gothic UI"/>
               </a:defRPr>
             </a:pPr>
@@ -5666,6 +5945,9 @@
           <a:p>
             <a:pPr>
               <a:defRPr sz="1000">
+                <a:solidFill>
+                  <a:srgbClr val="000000"/>
+                </a:solidFill>
                 <a:latin typeface="Yu Gothic UI"/>
               </a:defRPr>
             </a:pPr>
@@ -5676,6 +5958,9 @@
           <a:p>
             <a:pPr>
               <a:defRPr sz="1000">
+                <a:solidFill>
+                  <a:srgbClr val="000000"/>
+                </a:solidFill>
                 <a:latin typeface="Yu Gothic UI"/>
               </a:defRPr>
             </a:pPr>
@@ -5727,6 +6012,9 @@
           <a:p>
             <a:pPr>
               <a:defRPr sz="1000">
+                <a:solidFill>
+                  <a:srgbClr val="000000"/>
+                </a:solidFill>
                 <a:latin typeface="Yu Gothic UI"/>
               </a:defRPr>
             </a:pPr>
@@ -5737,6 +6025,9 @@
           <a:p>
             <a:pPr>
               <a:defRPr sz="1000">
+                <a:solidFill>
+                  <a:srgbClr val="000000"/>
+                </a:solidFill>
                 <a:latin typeface="Yu Gothic UI"/>
               </a:defRPr>
             </a:pPr>
@@ -5747,6 +6038,9 @@
           <a:p>
             <a:pPr>
               <a:defRPr sz="1000">
+                <a:solidFill>
+                  <a:srgbClr val="000000"/>
+                </a:solidFill>
                 <a:latin typeface="Yu Gothic UI"/>
               </a:defRPr>
             </a:pPr>
@@ -5798,6 +6092,9 @@
           <a:p>
             <a:pPr>
               <a:defRPr sz="1000">
+                <a:solidFill>
+                  <a:srgbClr val="000000"/>
+                </a:solidFill>
                 <a:latin typeface="Yu Gothic UI"/>
               </a:defRPr>
             </a:pPr>
@@ -5808,6 +6105,9 @@
           <a:p>
             <a:pPr>
               <a:defRPr sz="1000">
+                <a:solidFill>
+                  <a:srgbClr val="000000"/>
+                </a:solidFill>
                 <a:latin typeface="Yu Gothic UI"/>
               </a:defRPr>
             </a:pPr>
@@ -5818,6 +6118,9 @@
           <a:p>
             <a:pPr>
               <a:defRPr sz="1000">
+                <a:solidFill>
+                  <a:srgbClr val="000000"/>
+                </a:solidFill>
                 <a:latin typeface="Yu Gothic UI"/>
               </a:defRPr>
             </a:pPr>
@@ -5869,6 +6172,9 @@
           <a:p>
             <a:pPr algn="l">
               <a:defRPr sz="2000">
+                <a:solidFill>
+                  <a:srgbClr val="000000"/>
+                </a:solidFill>
                 <a:latin typeface="Yu Gothic UI"/>
               </a:defRPr>
             </a:pPr>
@@ -5902,6 +6208,9 @@
           <a:p>
             <a:pPr algn="r">
               <a:defRPr sz="2000">
+                <a:solidFill>
+                  <a:srgbClr val="000000"/>
+                </a:solidFill>
                 <a:latin typeface="Yu Gothic UI"/>
               </a:defRPr>
             </a:pPr>
@@ -5953,6 +6262,9 @@
           <a:p>
             <a:pPr>
               <a:defRPr sz="1000">
+                <a:solidFill>
+                  <a:srgbClr val="000000"/>
+                </a:solidFill>
                 <a:latin typeface="Yu Gothic UI"/>
               </a:defRPr>
             </a:pPr>
@@ -5963,6 +6275,9 @@
           <a:p>
             <a:pPr>
               <a:defRPr sz="1000">
+                <a:solidFill>
+                  <a:srgbClr val="000000"/>
+                </a:solidFill>
                 <a:latin typeface="Yu Gothic UI"/>
               </a:defRPr>
             </a:pPr>
@@ -6014,6 +6329,9 @@
           <a:p>
             <a:pPr>
               <a:defRPr sz="1000">
+                <a:solidFill>
+                  <a:srgbClr val="000000"/>
+                </a:solidFill>
                 <a:latin typeface="Yu Gothic UI"/>
               </a:defRPr>
             </a:pPr>
@@ -6024,6 +6342,9 @@
           <a:p>
             <a:pPr>
               <a:defRPr sz="1000">
+                <a:solidFill>
+                  <a:srgbClr val="000000"/>
+                </a:solidFill>
                 <a:latin typeface="Yu Gothic UI"/>
               </a:defRPr>
             </a:pPr>
@@ -6075,6 +6396,9 @@
           <a:p>
             <a:pPr>
               <a:defRPr sz="1000">
+                <a:solidFill>
+                  <a:srgbClr val="000000"/>
+                </a:solidFill>
                 <a:latin typeface="Yu Gothic UI"/>
               </a:defRPr>
             </a:pPr>
@@ -6085,6 +6409,9 @@
           <a:p>
             <a:pPr>
               <a:defRPr sz="1000">
+                <a:solidFill>
+                  <a:srgbClr val="000000"/>
+                </a:solidFill>
                 <a:latin typeface="Yu Gothic UI"/>
               </a:defRPr>
             </a:pPr>
@@ -6095,6 +6422,9 @@
           <a:p>
             <a:pPr>
               <a:defRPr sz="1000">
+                <a:solidFill>
+                  <a:srgbClr val="000000"/>
+                </a:solidFill>
                 <a:latin typeface="Yu Gothic UI"/>
               </a:defRPr>
             </a:pPr>
@@ -6146,6 +6476,9 @@
           <a:p>
             <a:pPr>
               <a:defRPr sz="1000">
+                <a:solidFill>
+                  <a:srgbClr val="000000"/>
+                </a:solidFill>
                 <a:latin typeface="Yu Gothic UI"/>
               </a:defRPr>
             </a:pPr>
@@ -6197,6 +6530,9 @@
           <a:p>
             <a:pPr>
               <a:defRPr sz="1000">
+                <a:solidFill>
+                  <a:srgbClr val="000000"/>
+                </a:solidFill>
                 <a:latin typeface="Yu Gothic UI"/>
               </a:defRPr>
             </a:pPr>
@@ -6207,6 +6543,9 @@
           <a:p>
             <a:pPr>
               <a:defRPr sz="1000">
+                <a:solidFill>
+                  <a:srgbClr val="000000"/>
+                </a:solidFill>
                 <a:latin typeface="Yu Gothic UI"/>
               </a:defRPr>
             </a:pPr>
@@ -6258,6 +6597,9 @@
           <a:p>
             <a:pPr>
               <a:defRPr sz="1000">
+                <a:solidFill>
+                  <a:srgbClr val="000000"/>
+                </a:solidFill>
                 <a:latin typeface="Yu Gothic UI"/>
               </a:defRPr>
             </a:pPr>
@@ -6268,6 +6610,9 @@
           <a:p>
             <a:pPr>
               <a:defRPr sz="1000">
+                <a:solidFill>
+                  <a:srgbClr val="000000"/>
+                </a:solidFill>
                 <a:latin typeface="Yu Gothic UI"/>
               </a:defRPr>
             </a:pPr>
@@ -6319,6 +6664,9 @@
           <a:p>
             <a:pPr>
               <a:defRPr sz="1000">
+                <a:solidFill>
+                  <a:srgbClr val="000000"/>
+                </a:solidFill>
                 <a:latin typeface="Yu Gothic UI"/>
               </a:defRPr>
             </a:pPr>
@@ -6329,6 +6677,9 @@
           <a:p>
             <a:pPr>
               <a:defRPr sz="1000">
+                <a:solidFill>
+                  <a:srgbClr val="000000"/>
+                </a:solidFill>
                 <a:latin typeface="Yu Gothic UI"/>
               </a:defRPr>
             </a:pPr>
@@ -6380,6 +6731,9 @@
           <a:p>
             <a:pPr>
               <a:defRPr sz="1000">
+                <a:solidFill>
+                  <a:srgbClr val="000000"/>
+                </a:solidFill>
                 <a:latin typeface="Yu Gothic UI"/>
               </a:defRPr>
             </a:pPr>
@@ -6390,6 +6744,9 @@
           <a:p>
             <a:pPr>
               <a:defRPr sz="1000">
+                <a:solidFill>
+                  <a:srgbClr val="000000"/>
+                </a:solidFill>
                 <a:latin typeface="Yu Gothic UI"/>
               </a:defRPr>
             </a:pPr>
@@ -6441,6 +6798,9 @@
           <a:p>
             <a:pPr>
               <a:defRPr sz="1000">
+                <a:solidFill>
+                  <a:srgbClr val="000000"/>
+                </a:solidFill>
                 <a:latin typeface="Yu Gothic UI"/>
               </a:defRPr>
             </a:pPr>
@@ -6451,6 +6811,9 @@
           <a:p>
             <a:pPr>
               <a:defRPr sz="1000">
+                <a:solidFill>
+                  <a:srgbClr val="000000"/>
+                </a:solidFill>
                 <a:latin typeface="Yu Gothic UI"/>
               </a:defRPr>
             </a:pPr>
@@ -6461,6 +6824,9 @@
           <a:p>
             <a:pPr>
               <a:defRPr sz="1000">
+                <a:solidFill>
+                  <a:srgbClr val="000000"/>
+                </a:solidFill>
                 <a:latin typeface="Yu Gothic UI"/>
               </a:defRPr>
             </a:pPr>
@@ -6512,6 +6878,9 @@
           <a:p>
             <a:pPr algn="l">
               <a:defRPr sz="2000">
+                <a:solidFill>
+                  <a:srgbClr val="000000"/>
+                </a:solidFill>
                 <a:latin typeface="Yu Gothic UI"/>
               </a:defRPr>
             </a:pPr>
@@ -6545,6 +6914,9 @@
           <a:p>
             <a:pPr algn="r">
               <a:defRPr sz="2000">
+                <a:solidFill>
+                  <a:srgbClr val="000000"/>
+                </a:solidFill>
                 <a:latin typeface="Yu Gothic UI"/>
               </a:defRPr>
             </a:pPr>
@@ -6596,6 +6968,9 @@
           <a:p>
             <a:pPr>
               <a:defRPr sz="1000">
+                <a:solidFill>
+                  <a:srgbClr val="000000"/>
+                </a:solidFill>
                 <a:latin typeface="Yu Gothic UI"/>
               </a:defRPr>
             </a:pPr>
@@ -6606,6 +6981,9 @@
           <a:p>
             <a:pPr>
               <a:defRPr sz="1000">
+                <a:solidFill>
+                  <a:srgbClr val="000000"/>
+                </a:solidFill>
                 <a:latin typeface="Yu Gothic UI"/>
               </a:defRPr>
             </a:pPr>
@@ -6657,6 +7035,9 @@
           <a:p>
             <a:pPr>
               <a:defRPr sz="1000">
+                <a:solidFill>
+                  <a:srgbClr val="000000"/>
+                </a:solidFill>
                 <a:latin typeface="Yu Gothic UI"/>
               </a:defRPr>
             </a:pPr>
@@ -6667,6 +7048,9 @@
           <a:p>
             <a:pPr>
               <a:defRPr sz="1000">
+                <a:solidFill>
+                  <a:srgbClr val="000000"/>
+                </a:solidFill>
                 <a:latin typeface="Yu Gothic UI"/>
               </a:defRPr>
             </a:pPr>
@@ -6718,6 +7102,9 @@
           <a:p>
             <a:pPr>
               <a:defRPr sz="1000">
+                <a:solidFill>
+                  <a:srgbClr val="000000"/>
+                </a:solidFill>
                 <a:latin typeface="Yu Gothic UI"/>
               </a:defRPr>
             </a:pPr>
@@ -6728,6 +7115,9 @@
           <a:p>
             <a:pPr>
               <a:defRPr sz="1000">
+                <a:solidFill>
+                  <a:srgbClr val="000000"/>
+                </a:solidFill>
                 <a:latin typeface="Yu Gothic UI"/>
               </a:defRPr>
             </a:pPr>
@@ -6738,6 +7128,9 @@
           <a:p>
             <a:pPr>
               <a:defRPr sz="1000">
+                <a:solidFill>
+                  <a:srgbClr val="000000"/>
+                </a:solidFill>
                 <a:latin typeface="Yu Gothic UI"/>
               </a:defRPr>
             </a:pPr>
@@ -6789,6 +7182,9 @@
           <a:p>
             <a:pPr>
               <a:defRPr sz="1000">
+                <a:solidFill>
+                  <a:srgbClr val="000000"/>
+                </a:solidFill>
                 <a:latin typeface="Yu Gothic UI"/>
               </a:defRPr>
             </a:pPr>
@@ -6840,6 +7236,9 @@
           <a:p>
             <a:pPr>
               <a:defRPr sz="1000">
+                <a:solidFill>
+                  <a:srgbClr val="000000"/>
+                </a:solidFill>
                 <a:latin typeface="Yu Gothic UI"/>
               </a:defRPr>
             </a:pPr>
@@ -6850,6 +7249,9 @@
           <a:p>
             <a:pPr>
               <a:defRPr sz="1000">
+                <a:solidFill>
+                  <a:srgbClr val="000000"/>
+                </a:solidFill>
                 <a:latin typeface="Yu Gothic UI"/>
               </a:defRPr>
             </a:pPr>
@@ -6901,6 +7303,9 @@
           <a:p>
             <a:pPr>
               <a:defRPr sz="1000">
+                <a:solidFill>
+                  <a:srgbClr val="000000"/>
+                </a:solidFill>
                 <a:latin typeface="Yu Gothic UI"/>
               </a:defRPr>
             </a:pPr>
@@ -6911,6 +7316,9 @@
           <a:p>
             <a:pPr>
               <a:defRPr sz="1000">
+                <a:solidFill>
+                  <a:srgbClr val="000000"/>
+                </a:solidFill>
                 <a:latin typeface="Yu Gothic UI"/>
               </a:defRPr>
             </a:pPr>
@@ -6962,6 +7370,9 @@
           <a:p>
             <a:pPr>
               <a:defRPr sz="1000">
+                <a:solidFill>
+                  <a:srgbClr val="000000"/>
+                </a:solidFill>
                 <a:latin typeface="Yu Gothic UI"/>
               </a:defRPr>
             </a:pPr>
@@ -6972,6 +7383,9 @@
           <a:p>
             <a:pPr>
               <a:defRPr sz="1000">
+                <a:solidFill>
+                  <a:srgbClr val="000000"/>
+                </a:solidFill>
                 <a:latin typeface="Yu Gothic UI"/>
               </a:defRPr>
             </a:pPr>
@@ -7023,6 +7437,9 @@
           <a:p>
             <a:pPr>
               <a:defRPr sz="1000">
+                <a:solidFill>
+                  <a:srgbClr val="000000"/>
+                </a:solidFill>
                 <a:latin typeface="Yu Gothic UI"/>
               </a:defRPr>
             </a:pPr>
@@ -7033,6 +7450,9 @@
           <a:p>
             <a:pPr>
               <a:defRPr sz="1000">
+                <a:solidFill>
+                  <a:srgbClr val="000000"/>
+                </a:solidFill>
                 <a:latin typeface="Yu Gothic UI"/>
               </a:defRPr>
             </a:pPr>
@@ -7043,6 +7463,9 @@
           <a:p>
             <a:pPr>
               <a:defRPr sz="1000">
+                <a:solidFill>
+                  <a:srgbClr val="000000"/>
+                </a:solidFill>
                 <a:latin typeface="Yu Gothic UI"/>
               </a:defRPr>
             </a:pPr>
@@ -7094,6 +7517,9 @@
           <a:p>
             <a:pPr>
               <a:defRPr sz="1000">
+                <a:solidFill>
+                  <a:srgbClr val="000000"/>
+                </a:solidFill>
                 <a:latin typeface="Yu Gothic UI"/>
               </a:defRPr>
             </a:pPr>
@@ -7104,6 +7530,9 @@
           <a:p>
             <a:pPr>
               <a:defRPr sz="1000">
+                <a:solidFill>
+                  <a:srgbClr val="000000"/>
+                </a:solidFill>
                 <a:latin typeface="Yu Gothic UI"/>
               </a:defRPr>
             </a:pPr>
@@ -7114,6 +7543,9 @@
           <a:p>
             <a:pPr>
               <a:defRPr sz="1000">
+                <a:solidFill>
+                  <a:srgbClr val="000000"/>
+                </a:solidFill>
                 <a:latin typeface="Yu Gothic UI"/>
               </a:defRPr>
             </a:pPr>
@@ -7165,6 +7597,9 @@
           <a:p>
             <a:pPr algn="l">
               <a:defRPr sz="2000">
+                <a:solidFill>
+                  <a:srgbClr val="000000"/>
+                </a:solidFill>
                 <a:latin typeface="Yu Gothic UI"/>
               </a:defRPr>
             </a:pPr>
@@ -7198,6 +7633,9 @@
           <a:p>
             <a:pPr algn="r">
               <a:defRPr sz="2000">
+                <a:solidFill>
+                  <a:srgbClr val="000000"/>
+                </a:solidFill>
                 <a:latin typeface="Yu Gothic UI"/>
               </a:defRPr>
             </a:pPr>
@@ -7249,6 +7687,9 @@
           <a:p>
             <a:pPr>
               <a:defRPr sz="1000">
+                <a:solidFill>
+                  <a:srgbClr val="000000"/>
+                </a:solidFill>
                 <a:latin typeface="Yu Gothic UI"/>
               </a:defRPr>
             </a:pPr>
@@ -7259,6 +7700,9 @@
           <a:p>
             <a:pPr>
               <a:defRPr sz="1000">
+                <a:solidFill>
+                  <a:srgbClr val="000000"/>
+                </a:solidFill>
                 <a:latin typeface="Yu Gothic UI"/>
               </a:defRPr>
             </a:pPr>
@@ -7310,6 +7754,9 @@
           <a:p>
             <a:pPr>
               <a:defRPr sz="1000">
+                <a:solidFill>
+                  <a:srgbClr val="000000"/>
+                </a:solidFill>
                 <a:latin typeface="Yu Gothic UI"/>
               </a:defRPr>
             </a:pPr>
@@ -7320,6 +7767,9 @@
           <a:p>
             <a:pPr>
               <a:defRPr sz="1000">
+                <a:solidFill>
+                  <a:srgbClr val="000000"/>
+                </a:solidFill>
                 <a:latin typeface="Yu Gothic UI"/>
               </a:defRPr>
             </a:pPr>
@@ -7371,6 +7821,9 @@
           <a:p>
             <a:pPr>
               <a:defRPr sz="1000">
+                <a:solidFill>
+                  <a:srgbClr val="000000"/>
+                </a:solidFill>
                 <a:latin typeface="Yu Gothic UI"/>
               </a:defRPr>
             </a:pPr>
@@ -7381,6 +7834,9 @@
           <a:p>
             <a:pPr>
               <a:defRPr sz="1000">
+                <a:solidFill>
+                  <a:srgbClr val="000000"/>
+                </a:solidFill>
                 <a:latin typeface="Yu Gothic UI"/>
               </a:defRPr>
             </a:pPr>
@@ -7391,6 +7847,9 @@
           <a:p>
             <a:pPr>
               <a:defRPr sz="1000">
+                <a:solidFill>
+                  <a:srgbClr val="000000"/>
+                </a:solidFill>
                 <a:latin typeface="Yu Gothic UI"/>
               </a:defRPr>
             </a:pPr>
@@ -7442,6 +7901,9 @@
           <a:p>
             <a:pPr>
               <a:defRPr sz="1000">
+                <a:solidFill>
+                  <a:srgbClr val="000000"/>
+                </a:solidFill>
                 <a:latin typeface="Yu Gothic UI"/>
               </a:defRPr>
             </a:pPr>
@@ -7493,6 +7955,9 @@
           <a:p>
             <a:pPr>
               <a:defRPr sz="1000">
+                <a:solidFill>
+                  <a:srgbClr val="000000"/>
+                </a:solidFill>
                 <a:latin typeface="Yu Gothic UI"/>
               </a:defRPr>
             </a:pPr>
@@ -7503,6 +7968,9 @@
           <a:p>
             <a:pPr>
               <a:defRPr sz="1000">
+                <a:solidFill>
+                  <a:srgbClr val="000000"/>
+                </a:solidFill>
                 <a:latin typeface="Yu Gothic UI"/>
               </a:defRPr>
             </a:pPr>
@@ -7554,6 +8022,9 @@
           <a:p>
             <a:pPr>
               <a:defRPr sz="1000">
+                <a:solidFill>
+                  <a:srgbClr val="000000"/>
+                </a:solidFill>
                 <a:latin typeface="Yu Gothic UI"/>
               </a:defRPr>
             </a:pPr>
@@ -7564,6 +8035,9 @@
           <a:p>
             <a:pPr>
               <a:defRPr sz="1000">
+                <a:solidFill>
+                  <a:srgbClr val="000000"/>
+                </a:solidFill>
                 <a:latin typeface="Yu Gothic UI"/>
               </a:defRPr>
             </a:pPr>
@@ -7615,6 +8089,9 @@
           <a:p>
             <a:pPr>
               <a:defRPr sz="1000">
+                <a:solidFill>
+                  <a:srgbClr val="000000"/>
+                </a:solidFill>
                 <a:latin typeface="Yu Gothic UI"/>
               </a:defRPr>
             </a:pPr>
@@ -7625,6 +8102,9 @@
           <a:p>
             <a:pPr>
               <a:defRPr sz="1000">
+                <a:solidFill>
+                  <a:srgbClr val="000000"/>
+                </a:solidFill>
                 <a:latin typeface="Yu Gothic UI"/>
               </a:defRPr>
             </a:pPr>
@@ -7676,6 +8156,9 @@
           <a:p>
             <a:pPr>
               <a:defRPr sz="1000">
+                <a:solidFill>
+                  <a:srgbClr val="000000"/>
+                </a:solidFill>
                 <a:latin typeface="Yu Gothic UI"/>
               </a:defRPr>
             </a:pPr>
@@ -7686,6 +8169,9 @@
           <a:p>
             <a:pPr>
               <a:defRPr sz="1000">
+                <a:solidFill>
+                  <a:srgbClr val="000000"/>
+                </a:solidFill>
                 <a:latin typeface="Yu Gothic UI"/>
               </a:defRPr>
             </a:pPr>
@@ -7696,6 +8182,9 @@
           <a:p>
             <a:pPr>
               <a:defRPr sz="1000">
+                <a:solidFill>
+                  <a:srgbClr val="000000"/>
+                </a:solidFill>
                 <a:latin typeface="Yu Gothic UI"/>
               </a:defRPr>
             </a:pPr>
@@ -7747,6 +8236,9 @@
           <a:p>
             <a:pPr>
               <a:defRPr sz="1000">
+                <a:solidFill>
+                  <a:srgbClr val="000000"/>
+                </a:solidFill>
                 <a:latin typeface="Yu Gothic UI"/>
               </a:defRPr>
             </a:pPr>
@@ -7757,6 +8249,9 @@
           <a:p>
             <a:pPr>
               <a:defRPr sz="1000">
+                <a:solidFill>
+                  <a:srgbClr val="000000"/>
+                </a:solidFill>
                 <a:latin typeface="Yu Gothic UI"/>
               </a:defRPr>
             </a:pPr>
@@ -7808,6 +8303,9 @@
           <a:p>
             <a:pPr algn="l">
               <a:defRPr sz="2000">
+                <a:solidFill>
+                  <a:srgbClr val="000000"/>
+                </a:solidFill>
                 <a:latin typeface="Yu Gothic UI"/>
               </a:defRPr>
             </a:pPr>
@@ -7841,6 +8339,9 @@
           <a:p>
             <a:pPr algn="r">
               <a:defRPr sz="2000">
+                <a:solidFill>
+                  <a:srgbClr val="000000"/>
+                </a:solidFill>
                 <a:latin typeface="Yu Gothic UI"/>
               </a:defRPr>
             </a:pPr>
@@ -7892,6 +8393,9 @@
           <a:p>
             <a:pPr>
               <a:defRPr sz="1000">
+                <a:solidFill>
+                  <a:srgbClr val="000000"/>
+                </a:solidFill>
                 <a:latin typeface="Yu Gothic UI"/>
               </a:defRPr>
             </a:pPr>
@@ -7902,6 +8406,9 @@
           <a:p>
             <a:pPr>
               <a:defRPr sz="1000">
+                <a:solidFill>
+                  <a:srgbClr val="000000"/>
+                </a:solidFill>
                 <a:latin typeface="Yu Gothic UI"/>
               </a:defRPr>
             </a:pPr>
@@ -7953,6 +8460,9 @@
           <a:p>
             <a:pPr>
               <a:defRPr sz="1000">
+                <a:solidFill>
+                  <a:srgbClr val="000000"/>
+                </a:solidFill>
                 <a:latin typeface="Yu Gothic UI"/>
               </a:defRPr>
             </a:pPr>
@@ -7963,6 +8473,9 @@
           <a:p>
             <a:pPr>
               <a:defRPr sz="1000">
+                <a:solidFill>
+                  <a:srgbClr val="000000"/>
+                </a:solidFill>
                 <a:latin typeface="Yu Gothic UI"/>
               </a:defRPr>
             </a:pPr>
@@ -8014,6 +8527,9 @@
           <a:p>
             <a:pPr>
               <a:defRPr sz="1000">
+                <a:solidFill>
+                  <a:srgbClr val="000000"/>
+                </a:solidFill>
                 <a:latin typeface="Yu Gothic UI"/>
               </a:defRPr>
             </a:pPr>
@@ -8024,6 +8540,9 @@
           <a:p>
             <a:pPr>
               <a:defRPr sz="1000">
+                <a:solidFill>
+                  <a:srgbClr val="000000"/>
+                </a:solidFill>
                 <a:latin typeface="Yu Gothic UI"/>
               </a:defRPr>
             </a:pPr>
@@ -8034,6 +8553,9 @@
           <a:p>
             <a:pPr>
               <a:defRPr sz="1000">
+                <a:solidFill>
+                  <a:srgbClr val="000000"/>
+                </a:solidFill>
                 <a:latin typeface="Yu Gothic UI"/>
               </a:defRPr>
             </a:pPr>
@@ -8085,6 +8607,9 @@
           <a:p>
             <a:pPr>
               <a:defRPr sz="1000">
+                <a:solidFill>
+                  <a:srgbClr val="000000"/>
+                </a:solidFill>
                 <a:latin typeface="Yu Gothic UI"/>
               </a:defRPr>
             </a:pPr>
@@ -8136,6 +8661,9 @@
           <a:p>
             <a:pPr>
               <a:defRPr sz="1000">
+                <a:solidFill>
+                  <a:srgbClr val="000000"/>
+                </a:solidFill>
                 <a:latin typeface="Yu Gothic UI"/>
               </a:defRPr>
             </a:pPr>
@@ -8146,6 +8674,9 @@
           <a:p>
             <a:pPr>
               <a:defRPr sz="1000">
+                <a:solidFill>
+                  <a:srgbClr val="000000"/>
+                </a:solidFill>
                 <a:latin typeface="Yu Gothic UI"/>
               </a:defRPr>
             </a:pPr>
@@ -8197,6 +8728,9 @@
           <a:p>
             <a:pPr>
               <a:defRPr sz="1000">
+                <a:solidFill>
+                  <a:srgbClr val="000000"/>
+                </a:solidFill>
                 <a:latin typeface="Yu Gothic UI"/>
               </a:defRPr>
             </a:pPr>
@@ -8207,6 +8741,9 @@
           <a:p>
             <a:pPr>
               <a:defRPr sz="1000">
+                <a:solidFill>
+                  <a:srgbClr val="000000"/>
+                </a:solidFill>
                 <a:latin typeface="Yu Gothic UI"/>
               </a:defRPr>
             </a:pPr>
@@ -8258,6 +8795,9 @@
           <a:p>
             <a:pPr>
               <a:defRPr sz="1000">
+                <a:solidFill>
+                  <a:srgbClr val="000000"/>
+                </a:solidFill>
                 <a:latin typeface="Yu Gothic UI"/>
               </a:defRPr>
             </a:pPr>
@@ -8268,6 +8808,9 @@
           <a:p>
             <a:pPr>
               <a:defRPr sz="1000">
+                <a:solidFill>
+                  <a:srgbClr val="000000"/>
+                </a:solidFill>
                 <a:latin typeface="Yu Gothic UI"/>
               </a:defRPr>
             </a:pPr>
@@ -8319,6 +8862,9 @@
           <a:p>
             <a:pPr>
               <a:defRPr sz="1000">
+                <a:solidFill>
+                  <a:srgbClr val="000000"/>
+                </a:solidFill>
                 <a:latin typeface="Yu Gothic UI"/>
               </a:defRPr>
             </a:pPr>
@@ -8329,6 +8875,9 @@
           <a:p>
             <a:pPr>
               <a:defRPr sz="1000">
+                <a:solidFill>
+                  <a:srgbClr val="000000"/>
+                </a:solidFill>
                 <a:latin typeface="Yu Gothic UI"/>
               </a:defRPr>
             </a:pPr>
@@ -8339,6 +8888,9 @@
           <a:p>
             <a:pPr>
               <a:defRPr sz="1000">
+                <a:solidFill>
+                  <a:srgbClr val="000000"/>
+                </a:solidFill>
                 <a:latin typeface="Yu Gothic UI"/>
               </a:defRPr>
             </a:pPr>
@@ -8390,6 +8942,9 @@
           <a:p>
             <a:pPr>
               <a:defRPr sz="1000">
+                <a:solidFill>
+                  <a:srgbClr val="000000"/>
+                </a:solidFill>
                 <a:latin typeface="Yu Gothic UI"/>
               </a:defRPr>
             </a:pPr>
@@ -8400,6 +8955,9 @@
           <a:p>
             <a:pPr>
               <a:defRPr sz="1000">
+                <a:solidFill>
+                  <a:srgbClr val="000000"/>
+                </a:solidFill>
                 <a:latin typeface="Yu Gothic UI"/>
               </a:defRPr>
             </a:pPr>
@@ -8451,6 +9009,9 @@
           <a:p>
             <a:pPr algn="l">
               <a:defRPr sz="2000">
+                <a:solidFill>
+                  <a:srgbClr val="000000"/>
+                </a:solidFill>
                 <a:latin typeface="Yu Gothic UI"/>
               </a:defRPr>
             </a:pPr>
@@ -8484,6 +9045,9 @@
           <a:p>
             <a:pPr algn="r">
               <a:defRPr sz="2000">
+                <a:solidFill>
+                  <a:srgbClr val="000000"/>
+                </a:solidFill>
                 <a:latin typeface="Yu Gothic UI"/>
               </a:defRPr>
             </a:pPr>
@@ -8535,6 +9099,9 @@
           <a:p>
             <a:pPr>
               <a:defRPr sz="1000">
+                <a:solidFill>
+                  <a:srgbClr val="000000"/>
+                </a:solidFill>
                 <a:latin typeface="Yu Gothic UI"/>
               </a:defRPr>
             </a:pPr>
@@ -8545,6 +9112,9 @@
           <a:p>
             <a:pPr>
               <a:defRPr sz="1000">
+                <a:solidFill>
+                  <a:srgbClr val="000000"/>
+                </a:solidFill>
                 <a:latin typeface="Yu Gothic UI"/>
               </a:defRPr>
             </a:pPr>
@@ -8555,6 +9125,9 @@
           <a:p>
             <a:pPr>
               <a:defRPr sz="1000">
+                <a:solidFill>
+                  <a:srgbClr val="000000"/>
+                </a:solidFill>
                 <a:latin typeface="Yu Gothic UI"/>
               </a:defRPr>
             </a:pPr>
@@ -8606,6 +9179,9 @@
           <a:p>
             <a:pPr>
               <a:defRPr sz="1000">
+                <a:solidFill>
+                  <a:srgbClr val="000000"/>
+                </a:solidFill>
                 <a:latin typeface="Yu Gothic UI"/>
               </a:defRPr>
             </a:pPr>
@@ -8616,6 +9192,9 @@
           <a:p>
             <a:pPr>
               <a:defRPr sz="1000">
+                <a:solidFill>
+                  <a:srgbClr val="000000"/>
+                </a:solidFill>
                 <a:latin typeface="Yu Gothic UI"/>
               </a:defRPr>
             </a:pPr>
@@ -8626,6 +9205,9 @@
           <a:p>
             <a:pPr>
               <a:defRPr sz="1000">
+                <a:solidFill>
+                  <a:srgbClr val="000000"/>
+                </a:solidFill>
                 <a:latin typeface="Yu Gothic UI"/>
               </a:defRPr>
             </a:pPr>
@@ -8677,6 +9259,9 @@
           <a:p>
             <a:pPr>
               <a:defRPr sz="1000">
+                <a:solidFill>
+                  <a:srgbClr val="000000"/>
+                </a:solidFill>
                 <a:latin typeface="Yu Gothic UI"/>
               </a:defRPr>
             </a:pPr>
@@ -8687,6 +9272,9 @@
           <a:p>
             <a:pPr>
               <a:defRPr sz="1000">
+                <a:solidFill>
+                  <a:srgbClr val="000000"/>
+                </a:solidFill>
                 <a:latin typeface="Yu Gothic UI"/>
               </a:defRPr>
             </a:pPr>
@@ -8697,6 +9285,9 @@
           <a:p>
             <a:pPr>
               <a:defRPr sz="1000">
+                <a:solidFill>
+                  <a:srgbClr val="000000"/>
+                </a:solidFill>
                 <a:latin typeface="Yu Gothic UI"/>
               </a:defRPr>
             </a:pPr>
@@ -8748,6 +9339,9 @@
           <a:p>
             <a:pPr>
               <a:defRPr sz="1000">
+                <a:solidFill>
+                  <a:srgbClr val="000000"/>
+                </a:solidFill>
                 <a:latin typeface="Yu Gothic UI"/>
               </a:defRPr>
             </a:pPr>
@@ -8758,6 +9352,9 @@
           <a:p>
             <a:pPr>
               <a:defRPr sz="1000">
+                <a:solidFill>
+                  <a:srgbClr val="000000"/>
+                </a:solidFill>
                 <a:latin typeface="Yu Gothic UI"/>
               </a:defRPr>
             </a:pPr>
@@ -8768,6 +9365,9 @@
           <a:p>
             <a:pPr>
               <a:defRPr sz="1000">
+                <a:solidFill>
+                  <a:srgbClr val="000000"/>
+                </a:solidFill>
                 <a:latin typeface="Yu Gothic UI"/>
               </a:defRPr>
             </a:pPr>
@@ -8819,6 +9419,9 @@
           <a:p>
             <a:pPr>
               <a:defRPr sz="1000">
+                <a:solidFill>
+                  <a:srgbClr val="000000"/>
+                </a:solidFill>
                 <a:latin typeface="Yu Gothic UI"/>
               </a:defRPr>
             </a:pPr>
@@ -8829,6 +9432,9 @@
           <a:p>
             <a:pPr>
               <a:defRPr sz="1000">
+                <a:solidFill>
+                  <a:srgbClr val="000000"/>
+                </a:solidFill>
                 <a:latin typeface="Yu Gothic UI"/>
               </a:defRPr>
             </a:pPr>
@@ -8880,6 +9486,9 @@
           <a:p>
             <a:pPr>
               <a:defRPr sz="1000">
+                <a:solidFill>
+                  <a:srgbClr val="000000"/>
+                </a:solidFill>
                 <a:latin typeface="Yu Gothic UI"/>
               </a:defRPr>
             </a:pPr>
@@ -8890,6 +9499,9 @@
           <a:p>
             <a:pPr>
               <a:defRPr sz="1000">
+                <a:solidFill>
+                  <a:srgbClr val="000000"/>
+                </a:solidFill>
                 <a:latin typeface="Yu Gothic UI"/>
               </a:defRPr>
             </a:pPr>
@@ -8900,6 +9512,9 @@
           <a:p>
             <a:pPr>
               <a:defRPr sz="1000">
+                <a:solidFill>
+                  <a:srgbClr val="000000"/>
+                </a:solidFill>
                 <a:latin typeface="Yu Gothic UI"/>
               </a:defRPr>
             </a:pPr>
@@ -8951,6 +9566,9 @@
           <a:p>
             <a:pPr>
               <a:defRPr sz="1000">
+                <a:solidFill>
+                  <a:srgbClr val="000000"/>
+                </a:solidFill>
                 <a:latin typeface="Yu Gothic UI"/>
               </a:defRPr>
             </a:pPr>
@@ -8961,6 +9579,9 @@
           <a:p>
             <a:pPr>
               <a:defRPr sz="1000">
+                <a:solidFill>
+                  <a:srgbClr val="000000"/>
+                </a:solidFill>
                 <a:latin typeface="Yu Gothic UI"/>
               </a:defRPr>
             </a:pPr>
@@ -9012,6 +9633,9 @@
           <a:p>
             <a:pPr>
               <a:defRPr sz="1000">
+                <a:solidFill>
+                  <a:srgbClr val="000000"/>
+                </a:solidFill>
                 <a:latin typeface="Yu Gothic UI"/>
               </a:defRPr>
             </a:pPr>
@@ -9022,6 +9646,9 @@
           <a:p>
             <a:pPr>
               <a:defRPr sz="1000">
+                <a:solidFill>
+                  <a:srgbClr val="000000"/>
+                </a:solidFill>
                 <a:latin typeface="Yu Gothic UI"/>
               </a:defRPr>
             </a:pPr>
@@ -9032,6 +9659,9 @@
           <a:p>
             <a:pPr>
               <a:defRPr sz="1000">
+                <a:solidFill>
+                  <a:srgbClr val="000000"/>
+                </a:solidFill>
                 <a:latin typeface="Yu Gothic UI"/>
               </a:defRPr>
             </a:pPr>
@@ -9083,6 +9713,9 @@
           <a:p>
             <a:pPr>
               <a:defRPr sz="1000">
+                <a:solidFill>
+                  <a:srgbClr val="000000"/>
+                </a:solidFill>
                 <a:latin typeface="Yu Gothic UI"/>
               </a:defRPr>
             </a:pPr>
@@ -9093,6 +9726,9 @@
           <a:p>
             <a:pPr>
               <a:defRPr sz="1000">
+                <a:solidFill>
+                  <a:srgbClr val="000000"/>
+                </a:solidFill>
                 <a:latin typeface="Yu Gothic UI"/>
               </a:defRPr>
             </a:pPr>
@@ -9144,6 +9780,9 @@
           <a:p>
             <a:pPr algn="l">
               <a:defRPr sz="2000">
+                <a:solidFill>
+                  <a:srgbClr val="000000"/>
+                </a:solidFill>
                 <a:latin typeface="Yu Gothic UI"/>
               </a:defRPr>
             </a:pPr>
@@ -9177,6 +9816,9 @@
           <a:p>
             <a:pPr algn="r">
               <a:defRPr sz="2000">
+                <a:solidFill>
+                  <a:srgbClr val="000000"/>
+                </a:solidFill>
                 <a:latin typeface="Yu Gothic UI"/>
               </a:defRPr>
             </a:pPr>
@@ -9228,6 +9870,9 @@
           <a:p>
             <a:pPr>
               <a:defRPr sz="1000">
+                <a:solidFill>
+                  <a:srgbClr val="000000"/>
+                </a:solidFill>
                 <a:latin typeface="Yu Gothic UI"/>
               </a:defRPr>
             </a:pPr>
@@ -9238,6 +9883,9 @@
           <a:p>
             <a:pPr>
               <a:defRPr sz="1000">
+                <a:solidFill>
+                  <a:srgbClr val="000000"/>
+                </a:solidFill>
                 <a:latin typeface="Yu Gothic UI"/>
               </a:defRPr>
             </a:pPr>
@@ -9289,6 +9937,9 @@
           <a:p>
             <a:pPr>
               <a:defRPr sz="1000">
+                <a:solidFill>
+                  <a:srgbClr val="000000"/>
+                </a:solidFill>
                 <a:latin typeface="Yu Gothic UI"/>
               </a:defRPr>
             </a:pPr>
@@ -9299,6 +9950,9 @@
           <a:p>
             <a:pPr>
               <a:defRPr sz="1000">
+                <a:solidFill>
+                  <a:srgbClr val="000000"/>
+                </a:solidFill>
                 <a:latin typeface="Yu Gothic UI"/>
               </a:defRPr>
             </a:pPr>
@@ -9350,6 +10004,9 @@
           <a:p>
             <a:pPr>
               <a:defRPr sz="1000">
+                <a:solidFill>
+                  <a:srgbClr val="000000"/>
+                </a:solidFill>
                 <a:latin typeface="Yu Gothic UI"/>
               </a:defRPr>
             </a:pPr>
@@ -9360,6 +10017,9 @@
           <a:p>
             <a:pPr>
               <a:defRPr sz="1000">
+                <a:solidFill>
+                  <a:srgbClr val="000000"/>
+                </a:solidFill>
                 <a:latin typeface="Yu Gothic UI"/>
               </a:defRPr>
             </a:pPr>
@@ -9370,6 +10030,9 @@
           <a:p>
             <a:pPr>
               <a:defRPr sz="1000">
+                <a:solidFill>
+                  <a:srgbClr val="000000"/>
+                </a:solidFill>
                 <a:latin typeface="Yu Gothic UI"/>
               </a:defRPr>
             </a:pPr>
@@ -9421,6 +10084,9 @@
           <a:p>
             <a:pPr>
               <a:defRPr sz="1000">
+                <a:solidFill>
+                  <a:srgbClr val="000000"/>
+                </a:solidFill>
                 <a:latin typeface="Yu Gothic UI"/>
               </a:defRPr>
             </a:pPr>
@@ -9472,6 +10138,9 @@
           <a:p>
             <a:pPr>
               <a:defRPr sz="1000">
+                <a:solidFill>
+                  <a:srgbClr val="000000"/>
+                </a:solidFill>
                 <a:latin typeface="Yu Gothic UI"/>
               </a:defRPr>
             </a:pPr>
@@ -9482,6 +10151,9 @@
           <a:p>
             <a:pPr>
               <a:defRPr sz="1000">
+                <a:solidFill>
+                  <a:srgbClr val="000000"/>
+                </a:solidFill>
                 <a:latin typeface="Yu Gothic UI"/>
               </a:defRPr>
             </a:pPr>
@@ -9533,6 +10205,9 @@
           <a:p>
             <a:pPr>
               <a:defRPr sz="1000">
+                <a:solidFill>
+                  <a:srgbClr val="000000"/>
+                </a:solidFill>
                 <a:latin typeface="Yu Gothic UI"/>
               </a:defRPr>
             </a:pPr>
@@ -9543,6 +10218,9 @@
           <a:p>
             <a:pPr>
               <a:defRPr sz="1000">
+                <a:solidFill>
+                  <a:srgbClr val="000000"/>
+                </a:solidFill>
                 <a:latin typeface="Yu Gothic UI"/>
               </a:defRPr>
             </a:pPr>
@@ -9594,6 +10272,9 @@
           <a:p>
             <a:pPr>
               <a:defRPr sz="1000">
+                <a:solidFill>
+                  <a:srgbClr val="000000"/>
+                </a:solidFill>
                 <a:latin typeface="Yu Gothic UI"/>
               </a:defRPr>
             </a:pPr>
@@ -9604,6 +10285,9 @@
           <a:p>
             <a:pPr>
               <a:defRPr sz="1000">
+                <a:solidFill>
+                  <a:srgbClr val="000000"/>
+                </a:solidFill>
                 <a:latin typeface="Yu Gothic UI"/>
               </a:defRPr>
             </a:pPr>
@@ -9655,6 +10339,9 @@
           <a:p>
             <a:pPr>
               <a:defRPr sz="1000">
+                <a:solidFill>
+                  <a:srgbClr val="000000"/>
+                </a:solidFill>
                 <a:latin typeface="Yu Gothic UI"/>
               </a:defRPr>
             </a:pPr>
@@ -9665,6 +10352,9 @@
           <a:p>
             <a:pPr>
               <a:defRPr sz="1000">
+                <a:solidFill>
+                  <a:srgbClr val="000000"/>
+                </a:solidFill>
                 <a:latin typeface="Yu Gothic UI"/>
               </a:defRPr>
             </a:pPr>
@@ -9675,6 +10365,9 @@
           <a:p>
             <a:pPr>
               <a:defRPr sz="1000">
+                <a:solidFill>
+                  <a:srgbClr val="000000"/>
+                </a:solidFill>
                 <a:latin typeface="Yu Gothic UI"/>
               </a:defRPr>
             </a:pPr>
@@ -9726,6 +10419,9 @@
           <a:p>
             <a:pPr>
               <a:defRPr sz="1000">
+                <a:solidFill>
+                  <a:srgbClr val="000000"/>
+                </a:solidFill>
                 <a:latin typeface="Yu Gothic UI"/>
               </a:defRPr>
             </a:pPr>
@@ -9736,6 +10432,9 @@
           <a:p>
             <a:pPr>
               <a:defRPr sz="1000">
+                <a:solidFill>
+                  <a:srgbClr val="000000"/>
+                </a:solidFill>
                 <a:latin typeface="Yu Gothic UI"/>
               </a:defRPr>
             </a:pPr>
@@ -9787,6 +10486,9 @@
           <a:p>
             <a:pPr algn="l">
               <a:defRPr sz="2000">
+                <a:solidFill>
+                  <a:srgbClr val="000000"/>
+                </a:solidFill>
                 <a:latin typeface="Yu Gothic UI"/>
               </a:defRPr>
             </a:pPr>
@@ -9820,6 +10522,9 @@
           <a:p>
             <a:pPr algn="r">
               <a:defRPr sz="2000">
+                <a:solidFill>
+                  <a:srgbClr val="000000"/>
+                </a:solidFill>
                 <a:latin typeface="Yu Gothic UI"/>
               </a:defRPr>
             </a:pPr>
@@ -9871,6 +10576,9 @@
           <a:p>
             <a:pPr>
               <a:defRPr sz="1000">
+                <a:solidFill>
+                  <a:srgbClr val="000000"/>
+                </a:solidFill>
                 <a:latin typeface="Yu Gothic UI"/>
               </a:defRPr>
             </a:pPr>
@@ -9881,6 +10589,9 @@
           <a:p>
             <a:pPr>
               <a:defRPr sz="1000">
+                <a:solidFill>
+                  <a:srgbClr val="000000"/>
+                </a:solidFill>
                 <a:latin typeface="Yu Gothic UI"/>
               </a:defRPr>
             </a:pPr>
@@ -9932,6 +10643,9 @@
           <a:p>
             <a:pPr>
               <a:defRPr sz="1000">
+                <a:solidFill>
+                  <a:srgbClr val="000000"/>
+                </a:solidFill>
                 <a:latin typeface="Yu Gothic UI"/>
               </a:defRPr>
             </a:pPr>
@@ -9942,6 +10656,9 @@
           <a:p>
             <a:pPr>
               <a:defRPr sz="1000">
+                <a:solidFill>
+                  <a:srgbClr val="000000"/>
+                </a:solidFill>
                 <a:latin typeface="Yu Gothic UI"/>
               </a:defRPr>
             </a:pPr>
@@ -9993,6 +10710,9 @@
           <a:p>
             <a:pPr>
               <a:defRPr sz="1000">
+                <a:solidFill>
+                  <a:srgbClr val="000000"/>
+                </a:solidFill>
                 <a:latin typeface="Yu Gothic UI"/>
               </a:defRPr>
             </a:pPr>
@@ -10003,6 +10723,9 @@
           <a:p>
             <a:pPr>
               <a:defRPr sz="1000">
+                <a:solidFill>
+                  <a:srgbClr val="000000"/>
+                </a:solidFill>
                 <a:latin typeface="Yu Gothic UI"/>
               </a:defRPr>
             </a:pPr>
@@ -10013,6 +10736,9 @@
           <a:p>
             <a:pPr>
               <a:defRPr sz="1000">
+                <a:solidFill>
+                  <a:srgbClr val="000000"/>
+                </a:solidFill>
                 <a:latin typeface="Yu Gothic UI"/>
               </a:defRPr>
             </a:pPr>
@@ -10064,6 +10790,9 @@
           <a:p>
             <a:pPr>
               <a:defRPr sz="1000">
+                <a:solidFill>
+                  <a:srgbClr val="000000"/>
+                </a:solidFill>
                 <a:latin typeface="Yu Gothic UI"/>
               </a:defRPr>
             </a:pPr>
@@ -10115,6 +10844,9 @@
           <a:p>
             <a:pPr>
               <a:defRPr sz="1000">
+                <a:solidFill>
+                  <a:srgbClr val="000000"/>
+                </a:solidFill>
                 <a:latin typeface="Yu Gothic UI"/>
               </a:defRPr>
             </a:pPr>
@@ -10125,6 +10857,9 @@
           <a:p>
             <a:pPr>
               <a:defRPr sz="1000">
+                <a:solidFill>
+                  <a:srgbClr val="000000"/>
+                </a:solidFill>
                 <a:latin typeface="Yu Gothic UI"/>
               </a:defRPr>
             </a:pPr>
@@ -10176,6 +10911,9 @@
           <a:p>
             <a:pPr>
               <a:defRPr sz="1000">
+                <a:solidFill>
+                  <a:srgbClr val="000000"/>
+                </a:solidFill>
                 <a:latin typeface="Yu Gothic UI"/>
               </a:defRPr>
             </a:pPr>
@@ -10186,6 +10924,9 @@
           <a:p>
             <a:pPr>
               <a:defRPr sz="1000">
+                <a:solidFill>
+                  <a:srgbClr val="000000"/>
+                </a:solidFill>
                 <a:latin typeface="Yu Gothic UI"/>
               </a:defRPr>
             </a:pPr>
@@ -10196,6 +10937,9 @@
           <a:p>
             <a:pPr>
               <a:defRPr sz="1000">
+                <a:solidFill>
+                  <a:srgbClr val="000000"/>
+                </a:solidFill>
                 <a:latin typeface="Yu Gothic UI"/>
               </a:defRPr>
             </a:pPr>
@@ -10247,6 +10991,9 @@
           <a:p>
             <a:pPr>
               <a:defRPr sz="1000">
+                <a:solidFill>
+                  <a:srgbClr val="000000"/>
+                </a:solidFill>
                 <a:latin typeface="Yu Gothic UI"/>
               </a:defRPr>
             </a:pPr>
@@ -10257,6 +11004,9 @@
           <a:p>
             <a:pPr>
               <a:defRPr sz="1000">
+                <a:solidFill>
+                  <a:srgbClr val="000000"/>
+                </a:solidFill>
                 <a:latin typeface="Yu Gothic UI"/>
               </a:defRPr>
             </a:pPr>
@@ -10308,6 +11058,9 @@
           <a:p>
             <a:pPr>
               <a:defRPr sz="1000">
+                <a:solidFill>
+                  <a:srgbClr val="000000"/>
+                </a:solidFill>
                 <a:latin typeface="Yu Gothic UI"/>
               </a:defRPr>
             </a:pPr>
@@ -10318,6 +11071,9 @@
           <a:p>
             <a:pPr>
               <a:defRPr sz="1000">
+                <a:solidFill>
+                  <a:srgbClr val="000000"/>
+                </a:solidFill>
                 <a:latin typeface="Yu Gothic UI"/>
               </a:defRPr>
             </a:pPr>
@@ -10328,6 +11084,9 @@
           <a:p>
             <a:pPr>
               <a:defRPr sz="1000">
+                <a:solidFill>
+                  <a:srgbClr val="000000"/>
+                </a:solidFill>
                 <a:latin typeface="Yu Gothic UI"/>
               </a:defRPr>
             </a:pPr>
@@ -10379,6 +11138,9 @@
           <a:p>
             <a:pPr>
               <a:defRPr sz="1000">
+                <a:solidFill>
+                  <a:srgbClr val="000000"/>
+                </a:solidFill>
                 <a:latin typeface="Yu Gothic UI"/>
               </a:defRPr>
             </a:pPr>
@@ -10389,6 +11151,9 @@
           <a:p>
             <a:pPr>
               <a:defRPr sz="1000">
+                <a:solidFill>
+                  <a:srgbClr val="000000"/>
+                </a:solidFill>
                 <a:latin typeface="Yu Gothic UI"/>
               </a:defRPr>
             </a:pPr>
@@ -10399,6 +11164,9 @@
           <a:p>
             <a:pPr>
               <a:defRPr sz="1000">
+                <a:solidFill>
+                  <a:srgbClr val="000000"/>
+                </a:solidFill>
                 <a:latin typeface="Yu Gothic UI"/>
               </a:defRPr>
             </a:pPr>
@@ -10450,6 +11218,9 @@
           <a:p>
             <a:pPr algn="l">
               <a:defRPr sz="2000">
+                <a:solidFill>
+                  <a:srgbClr val="000000"/>
+                </a:solidFill>
                 <a:latin typeface="Yu Gothic UI"/>
               </a:defRPr>
             </a:pPr>
@@ -10483,6 +11254,9 @@
           <a:p>
             <a:pPr algn="r">
               <a:defRPr sz="2000">
+                <a:solidFill>
+                  <a:srgbClr val="000000"/>
+                </a:solidFill>
                 <a:latin typeface="Yu Gothic UI"/>
               </a:defRPr>
             </a:pPr>
@@ -10534,6 +11308,9 @@
           <a:p>
             <a:pPr>
               <a:defRPr sz="1000">
+                <a:solidFill>
+                  <a:srgbClr val="000000"/>
+                </a:solidFill>
                 <a:latin typeface="Yu Gothic UI"/>
               </a:defRPr>
             </a:pPr>
@@ -10544,6 +11321,9 @@
           <a:p>
             <a:pPr>
               <a:defRPr sz="1000">
+                <a:solidFill>
+                  <a:srgbClr val="000000"/>
+                </a:solidFill>
                 <a:latin typeface="Yu Gothic UI"/>
               </a:defRPr>
             </a:pPr>
@@ -10554,6 +11334,9 @@
           <a:p>
             <a:pPr>
               <a:defRPr sz="1000">
+                <a:solidFill>
+                  <a:srgbClr val="000000"/>
+                </a:solidFill>
                 <a:latin typeface="Yu Gothic UI"/>
               </a:defRPr>
             </a:pPr>
@@ -10605,6 +11388,9 @@
           <a:p>
             <a:pPr>
               <a:defRPr sz="1000">
+                <a:solidFill>
+                  <a:srgbClr val="000000"/>
+                </a:solidFill>
                 <a:latin typeface="Yu Gothic UI"/>
               </a:defRPr>
             </a:pPr>
@@ -10615,6 +11401,9 @@
           <a:p>
             <a:pPr>
               <a:defRPr sz="1000">
+                <a:solidFill>
+                  <a:srgbClr val="000000"/>
+                </a:solidFill>
                 <a:latin typeface="Yu Gothic UI"/>
               </a:defRPr>
             </a:pPr>
@@ -10625,6 +11414,9 @@
           <a:p>
             <a:pPr>
               <a:defRPr sz="1000">
+                <a:solidFill>
+                  <a:srgbClr val="000000"/>
+                </a:solidFill>
                 <a:latin typeface="Yu Gothic UI"/>
               </a:defRPr>
             </a:pPr>
@@ -10676,6 +11468,9 @@
           <a:p>
             <a:pPr>
               <a:defRPr sz="1000">
+                <a:solidFill>
+                  <a:srgbClr val="000000"/>
+                </a:solidFill>
                 <a:latin typeface="Yu Gothic UI"/>
               </a:defRPr>
             </a:pPr>
@@ -10686,6 +11481,9 @@
           <a:p>
             <a:pPr>
               <a:defRPr sz="1000">
+                <a:solidFill>
+                  <a:srgbClr val="000000"/>
+                </a:solidFill>
                 <a:latin typeface="Yu Gothic UI"/>
               </a:defRPr>
             </a:pPr>
@@ -10696,6 +11494,9 @@
           <a:p>
             <a:pPr>
               <a:defRPr sz="1000">
+                <a:solidFill>
+                  <a:srgbClr val="000000"/>
+                </a:solidFill>
                 <a:latin typeface="Yu Gothic UI"/>
               </a:defRPr>
             </a:pPr>
@@ -10747,6 +11548,9 @@
           <a:p>
             <a:pPr>
               <a:defRPr sz="1000">
+                <a:solidFill>
+                  <a:srgbClr val="000000"/>
+                </a:solidFill>
                 <a:latin typeface="Yu Gothic UI"/>
               </a:defRPr>
             </a:pPr>
@@ -10798,6 +11602,9 @@
           <a:p>
             <a:pPr>
               <a:defRPr sz="1000">
+                <a:solidFill>
+                  <a:srgbClr val="000000"/>
+                </a:solidFill>
                 <a:latin typeface="Yu Gothic UI"/>
               </a:defRPr>
             </a:pPr>
@@ -10808,6 +11615,9 @@
           <a:p>
             <a:pPr>
               <a:defRPr sz="1000">
+                <a:solidFill>
+                  <a:srgbClr val="000000"/>
+                </a:solidFill>
                 <a:latin typeface="Yu Gothic UI"/>
               </a:defRPr>
             </a:pPr>
@@ -10859,6 +11669,9 @@
           <a:p>
             <a:pPr>
               <a:defRPr sz="1000">
+                <a:solidFill>
+                  <a:srgbClr val="000000"/>
+                </a:solidFill>
                 <a:latin typeface="Yu Gothic UI"/>
               </a:defRPr>
             </a:pPr>
@@ -10869,6 +11682,9 @@
           <a:p>
             <a:pPr>
               <a:defRPr sz="1000">
+                <a:solidFill>
+                  <a:srgbClr val="000000"/>
+                </a:solidFill>
                 <a:latin typeface="Yu Gothic UI"/>
               </a:defRPr>
             </a:pPr>
@@ -10920,6 +11736,9 @@
           <a:p>
             <a:pPr>
               <a:defRPr sz="1000">
+                <a:solidFill>
+                  <a:srgbClr val="000000"/>
+                </a:solidFill>
                 <a:latin typeface="Yu Gothic UI"/>
               </a:defRPr>
             </a:pPr>
@@ -10930,6 +11749,9 @@
           <a:p>
             <a:pPr>
               <a:defRPr sz="1000">
+                <a:solidFill>
+                  <a:srgbClr val="000000"/>
+                </a:solidFill>
                 <a:latin typeface="Yu Gothic UI"/>
               </a:defRPr>
             </a:pPr>
@@ -10981,6 +11803,9 @@
           <a:p>
             <a:pPr>
               <a:defRPr sz="1000">
+                <a:solidFill>
+                  <a:srgbClr val="000000"/>
+                </a:solidFill>
                 <a:latin typeface="Yu Gothic UI"/>
               </a:defRPr>
             </a:pPr>
@@ -10991,6 +11816,9 @@
           <a:p>
             <a:pPr>
               <a:defRPr sz="1000">
+                <a:solidFill>
+                  <a:srgbClr val="000000"/>
+                </a:solidFill>
                 <a:latin typeface="Yu Gothic UI"/>
               </a:defRPr>
             </a:pPr>
@@ -11001,6 +11829,9 @@
           <a:p>
             <a:pPr>
               <a:defRPr sz="1000">
+                <a:solidFill>
+                  <a:srgbClr val="000000"/>
+                </a:solidFill>
                 <a:latin typeface="Yu Gothic UI"/>
               </a:defRPr>
             </a:pPr>
@@ -11052,6 +11883,9 @@
           <a:p>
             <a:pPr>
               <a:defRPr sz="1000">
+                <a:solidFill>
+                  <a:srgbClr val="000000"/>
+                </a:solidFill>
                 <a:latin typeface="Yu Gothic UI"/>
               </a:defRPr>
             </a:pPr>
@@ -11062,6 +11896,9 @@
           <a:p>
             <a:pPr>
               <a:defRPr sz="1000">
+                <a:solidFill>
+                  <a:srgbClr val="000000"/>
+                </a:solidFill>
                 <a:latin typeface="Yu Gothic UI"/>
               </a:defRPr>
             </a:pPr>
@@ -11113,6 +11950,9 @@
           <a:p>
             <a:pPr algn="l">
               <a:defRPr sz="2000">
+                <a:solidFill>
+                  <a:srgbClr val="000000"/>
+                </a:solidFill>
                 <a:latin typeface="Yu Gothic UI"/>
               </a:defRPr>
             </a:pPr>
@@ -11146,6 +11986,9 @@
           <a:p>
             <a:pPr algn="r">
               <a:defRPr sz="2000">
+                <a:solidFill>
+                  <a:srgbClr val="000000"/>
+                </a:solidFill>
                 <a:latin typeface="Yu Gothic UI"/>
               </a:defRPr>
             </a:pPr>
@@ -11197,6 +12040,9 @@
           <a:p>
             <a:pPr>
               <a:defRPr sz="1000">
+                <a:solidFill>
+                  <a:srgbClr val="000000"/>
+                </a:solidFill>
                 <a:latin typeface="Yu Gothic UI"/>
               </a:defRPr>
             </a:pPr>
@@ -11207,6 +12053,9 @@
           <a:p>
             <a:pPr>
               <a:defRPr sz="1000">
+                <a:solidFill>
+                  <a:srgbClr val="000000"/>
+                </a:solidFill>
                 <a:latin typeface="Yu Gothic UI"/>
               </a:defRPr>
             </a:pPr>
@@ -11217,6 +12066,9 @@
           <a:p>
             <a:pPr>
               <a:defRPr sz="1000">
+                <a:solidFill>
+                  <a:srgbClr val="000000"/>
+                </a:solidFill>
                 <a:latin typeface="Yu Gothic UI"/>
               </a:defRPr>
             </a:pPr>
@@ -11268,6 +12120,9 @@
           <a:p>
             <a:pPr>
               <a:defRPr sz="1000">
+                <a:solidFill>
+                  <a:srgbClr val="000000"/>
+                </a:solidFill>
                 <a:latin typeface="Yu Gothic UI"/>
               </a:defRPr>
             </a:pPr>
@@ -11278,6 +12133,9 @@
           <a:p>
             <a:pPr>
               <a:defRPr sz="1000">
+                <a:solidFill>
+                  <a:srgbClr val="000000"/>
+                </a:solidFill>
                 <a:latin typeface="Yu Gothic UI"/>
               </a:defRPr>
             </a:pPr>
@@ -11288,6 +12146,9 @@
           <a:p>
             <a:pPr>
               <a:defRPr sz="1000">
+                <a:solidFill>
+                  <a:srgbClr val="000000"/>
+                </a:solidFill>
                 <a:latin typeface="Yu Gothic UI"/>
               </a:defRPr>
             </a:pPr>
@@ -11339,6 +12200,9 @@
           <a:p>
             <a:pPr>
               <a:defRPr sz="1000">
+                <a:solidFill>
+                  <a:srgbClr val="000000"/>
+                </a:solidFill>
                 <a:latin typeface="Yu Gothic UI"/>
               </a:defRPr>
             </a:pPr>
@@ -11349,6 +12213,9 @@
           <a:p>
             <a:pPr>
               <a:defRPr sz="1000">
+                <a:solidFill>
+                  <a:srgbClr val="000000"/>
+                </a:solidFill>
                 <a:latin typeface="Yu Gothic UI"/>
               </a:defRPr>
             </a:pPr>
@@ -11359,6 +12226,9 @@
           <a:p>
             <a:pPr>
               <a:defRPr sz="1000">
+                <a:solidFill>
+                  <a:srgbClr val="000000"/>
+                </a:solidFill>
                 <a:latin typeface="Yu Gothic UI"/>
               </a:defRPr>
             </a:pPr>
@@ -11410,6 +12280,9 @@
           <a:p>
             <a:pPr>
               <a:defRPr sz="1000">
+                <a:solidFill>
+                  <a:srgbClr val="000000"/>
+                </a:solidFill>
                 <a:latin typeface="Yu Gothic UI"/>
               </a:defRPr>
             </a:pPr>
@@ -11461,6 +12334,9 @@
           <a:p>
             <a:pPr>
               <a:defRPr sz="1000">
+                <a:solidFill>
+                  <a:srgbClr val="000000"/>
+                </a:solidFill>
                 <a:latin typeface="Yu Gothic UI"/>
               </a:defRPr>
             </a:pPr>
@@ -11471,6 +12347,9 @@
           <a:p>
             <a:pPr>
               <a:defRPr sz="1000">
+                <a:solidFill>
+                  <a:srgbClr val="000000"/>
+                </a:solidFill>
                 <a:latin typeface="Yu Gothic UI"/>
               </a:defRPr>
             </a:pPr>
@@ -11522,6 +12401,9 @@
           <a:p>
             <a:pPr>
               <a:defRPr sz="1000">
+                <a:solidFill>
+                  <a:srgbClr val="000000"/>
+                </a:solidFill>
                 <a:latin typeface="Yu Gothic UI"/>
               </a:defRPr>
             </a:pPr>
@@ -11532,6 +12414,9 @@
           <a:p>
             <a:pPr>
               <a:defRPr sz="1000">
+                <a:solidFill>
+                  <a:srgbClr val="000000"/>
+                </a:solidFill>
                 <a:latin typeface="Yu Gothic UI"/>
               </a:defRPr>
             </a:pPr>
@@ -11542,6 +12427,9 @@
           <a:p>
             <a:pPr>
               <a:defRPr sz="1000">
+                <a:solidFill>
+                  <a:srgbClr val="000000"/>
+                </a:solidFill>
                 <a:latin typeface="Yu Gothic UI"/>
               </a:defRPr>
             </a:pPr>
@@ -11593,6 +12481,9 @@
           <a:p>
             <a:pPr>
               <a:defRPr sz="1000">
+                <a:solidFill>
+                  <a:srgbClr val="000000"/>
+                </a:solidFill>
                 <a:latin typeface="Yu Gothic UI"/>
               </a:defRPr>
             </a:pPr>
@@ -11603,6 +12494,9 @@
           <a:p>
             <a:pPr>
               <a:defRPr sz="1000">
+                <a:solidFill>
+                  <a:srgbClr val="000000"/>
+                </a:solidFill>
                 <a:latin typeface="Yu Gothic UI"/>
               </a:defRPr>
             </a:pPr>
@@ -11613,6 +12507,9 @@
           <a:p>
             <a:pPr>
               <a:defRPr sz="1000">
+                <a:solidFill>
+                  <a:srgbClr val="000000"/>
+                </a:solidFill>
                 <a:latin typeface="Yu Gothic UI"/>
               </a:defRPr>
             </a:pPr>
@@ -11664,6 +12561,9 @@
           <a:p>
             <a:pPr>
               <a:defRPr sz="1000">
+                <a:solidFill>
+                  <a:srgbClr val="000000"/>
+                </a:solidFill>
                 <a:latin typeface="Yu Gothic UI"/>
               </a:defRPr>
             </a:pPr>
@@ -11674,6 +12574,9 @@
           <a:p>
             <a:pPr>
               <a:defRPr sz="1000">
+                <a:solidFill>
+                  <a:srgbClr val="000000"/>
+                </a:solidFill>
                 <a:latin typeface="Yu Gothic UI"/>
               </a:defRPr>
             </a:pPr>
@@ -11684,6 +12587,9 @@
           <a:p>
             <a:pPr>
               <a:defRPr sz="1000">
+                <a:solidFill>
+                  <a:srgbClr val="000000"/>
+                </a:solidFill>
                 <a:latin typeface="Yu Gothic UI"/>
               </a:defRPr>
             </a:pPr>
@@ -11735,6 +12641,9 @@
           <a:p>
             <a:pPr>
               <a:defRPr sz="1000">
+                <a:solidFill>
+                  <a:srgbClr val="000000"/>
+                </a:solidFill>
                 <a:latin typeface="Yu Gothic UI"/>
               </a:defRPr>
             </a:pPr>
@@ -11745,6 +12654,9 @@
           <a:p>
             <a:pPr>
               <a:defRPr sz="1000">
+                <a:solidFill>
+                  <a:srgbClr val="000000"/>
+                </a:solidFill>
                 <a:latin typeface="Yu Gothic UI"/>
               </a:defRPr>
             </a:pPr>
@@ -11796,6 +12708,9 @@
           <a:p>
             <a:pPr algn="l">
               <a:defRPr sz="2000">
+                <a:solidFill>
+                  <a:srgbClr val="000000"/>
+                </a:solidFill>
                 <a:latin typeface="Yu Gothic UI"/>
               </a:defRPr>
             </a:pPr>
@@ -11829,6 +12744,9 @@
           <a:p>
             <a:pPr algn="r">
               <a:defRPr sz="2000">
+                <a:solidFill>
+                  <a:srgbClr val="000000"/>
+                </a:solidFill>
                 <a:latin typeface="Yu Gothic UI"/>
               </a:defRPr>
             </a:pPr>
@@ -11880,6 +12798,9 @@
           <a:p>
             <a:pPr>
               <a:defRPr sz="1000">
+                <a:solidFill>
+                  <a:srgbClr val="000000"/>
+                </a:solidFill>
                 <a:latin typeface="Yu Gothic UI"/>
               </a:defRPr>
             </a:pPr>
@@ -11890,6 +12811,9 @@
           <a:p>
             <a:pPr>
               <a:defRPr sz="1000">
+                <a:solidFill>
+                  <a:srgbClr val="000000"/>
+                </a:solidFill>
                 <a:latin typeface="Yu Gothic UI"/>
               </a:defRPr>
             </a:pPr>
@@ -11900,6 +12824,9 @@
           <a:p>
             <a:pPr>
               <a:defRPr sz="1000">
+                <a:solidFill>
+                  <a:srgbClr val="000000"/>
+                </a:solidFill>
                 <a:latin typeface="Yu Gothic UI"/>
               </a:defRPr>
             </a:pPr>
@@ -11910,6 +12837,9 @@
           <a:p>
             <a:pPr>
               <a:defRPr sz="1000">
+                <a:solidFill>
+                  <a:srgbClr val="000000"/>
+                </a:solidFill>
                 <a:latin typeface="Yu Gothic UI"/>
               </a:defRPr>
             </a:pPr>
@@ -11961,6 +12891,9 @@
           <a:p>
             <a:pPr>
               <a:defRPr sz="1000">
+                <a:solidFill>
+                  <a:srgbClr val="000000"/>
+                </a:solidFill>
                 <a:latin typeface="Yu Gothic UI"/>
               </a:defRPr>
             </a:pPr>
@@ -11971,6 +12904,9 @@
           <a:p>
             <a:pPr>
               <a:defRPr sz="1000">
+                <a:solidFill>
+                  <a:srgbClr val="000000"/>
+                </a:solidFill>
                 <a:latin typeface="Yu Gothic UI"/>
               </a:defRPr>
             </a:pPr>
@@ -11981,6 +12917,9 @@
           <a:p>
             <a:pPr>
               <a:defRPr sz="1000">
+                <a:solidFill>
+                  <a:srgbClr val="000000"/>
+                </a:solidFill>
                 <a:latin typeface="Yu Gothic UI"/>
               </a:defRPr>
             </a:pPr>
@@ -11991,6 +12930,9 @@
           <a:p>
             <a:pPr>
               <a:defRPr sz="1000">
+                <a:solidFill>
+                  <a:srgbClr val="000000"/>
+                </a:solidFill>
                 <a:latin typeface="Yu Gothic UI"/>
               </a:defRPr>
             </a:pPr>
@@ -12001,6 +12943,9 @@
           <a:p>
             <a:pPr>
               <a:defRPr sz="1000">
+                <a:solidFill>
+                  <a:srgbClr val="000000"/>
+                </a:solidFill>
                 <a:latin typeface="Yu Gothic UI"/>
               </a:defRPr>
             </a:pPr>
@@ -12052,6 +12997,9 @@
           <a:p>
             <a:pPr>
               <a:defRPr sz="1000">
+                <a:solidFill>
+                  <a:srgbClr val="000000"/>
+                </a:solidFill>
                 <a:latin typeface="Yu Gothic UI"/>
               </a:defRPr>
             </a:pPr>
@@ -12062,6 +13010,9 @@
           <a:p>
             <a:pPr>
               <a:defRPr sz="1000">
+                <a:solidFill>
+                  <a:srgbClr val="000000"/>
+                </a:solidFill>
                 <a:latin typeface="Yu Gothic UI"/>
               </a:defRPr>
             </a:pPr>
@@ -12072,6 +13023,9 @@
           <a:p>
             <a:pPr>
               <a:defRPr sz="1000">
+                <a:solidFill>
+                  <a:srgbClr val="000000"/>
+                </a:solidFill>
                 <a:latin typeface="Yu Gothic UI"/>
               </a:defRPr>
             </a:pPr>
@@ -12123,6 +13077,9 @@
           <a:p>
             <a:pPr>
               <a:defRPr sz="1000">
+                <a:solidFill>
+                  <a:srgbClr val="000000"/>
+                </a:solidFill>
                 <a:latin typeface="Yu Gothic UI"/>
               </a:defRPr>
             </a:pPr>
@@ -12133,6 +13090,9 @@
           <a:p>
             <a:pPr>
               <a:defRPr sz="1000">
+                <a:solidFill>
+                  <a:srgbClr val="000000"/>
+                </a:solidFill>
                 <a:latin typeface="Yu Gothic UI"/>
               </a:defRPr>
             </a:pPr>
@@ -12143,6 +13103,9 @@
           <a:p>
             <a:pPr>
               <a:defRPr sz="1000">
+                <a:solidFill>
+                  <a:srgbClr val="000000"/>
+                </a:solidFill>
                 <a:latin typeface="Yu Gothic UI"/>
               </a:defRPr>
             </a:pPr>
@@ -12194,6 +13157,9 @@
           <a:p>
             <a:pPr>
               <a:defRPr sz="1000">
+                <a:solidFill>
+                  <a:srgbClr val="000000"/>
+                </a:solidFill>
                 <a:latin typeface="Yu Gothic UI"/>
               </a:defRPr>
             </a:pPr>
@@ -12204,6 +13170,9 @@
           <a:p>
             <a:pPr>
               <a:defRPr sz="1000">
+                <a:solidFill>
+                  <a:srgbClr val="000000"/>
+                </a:solidFill>
                 <a:latin typeface="Yu Gothic UI"/>
               </a:defRPr>
             </a:pPr>
@@ -12255,6 +13224,9 @@
           <a:p>
             <a:pPr>
               <a:defRPr sz="1000">
+                <a:solidFill>
+                  <a:srgbClr val="000000"/>
+                </a:solidFill>
                 <a:latin typeface="Yu Gothic UI"/>
               </a:defRPr>
             </a:pPr>
@@ -12265,6 +13237,9 @@
           <a:p>
             <a:pPr>
               <a:defRPr sz="1000">
+                <a:solidFill>
+                  <a:srgbClr val="000000"/>
+                </a:solidFill>
                 <a:latin typeface="Yu Gothic UI"/>
               </a:defRPr>
             </a:pPr>
@@ -12275,6 +13250,9 @@
           <a:p>
             <a:pPr>
               <a:defRPr sz="1000">
+                <a:solidFill>
+                  <a:srgbClr val="000000"/>
+                </a:solidFill>
                 <a:latin typeface="Yu Gothic UI"/>
               </a:defRPr>
             </a:pPr>
@@ -12326,6 +13304,9 @@
           <a:p>
             <a:pPr>
               <a:defRPr sz="1000">
+                <a:solidFill>
+                  <a:srgbClr val="000000"/>
+                </a:solidFill>
                 <a:latin typeface="Yu Gothic UI"/>
               </a:defRPr>
             </a:pPr>
@@ -12336,6 +13317,9 @@
           <a:p>
             <a:pPr>
               <a:defRPr sz="1000">
+                <a:solidFill>
+                  <a:srgbClr val="000000"/>
+                </a:solidFill>
                 <a:latin typeface="Yu Gothic UI"/>
               </a:defRPr>
             </a:pPr>
@@ -12346,6 +13330,9 @@
           <a:p>
             <a:pPr>
               <a:defRPr sz="1000">
+                <a:solidFill>
+                  <a:srgbClr val="000000"/>
+                </a:solidFill>
                 <a:latin typeface="Yu Gothic UI"/>
               </a:defRPr>
             </a:pPr>
@@ -12397,6 +13384,9 @@
           <a:p>
             <a:pPr>
               <a:defRPr sz="1000">
+                <a:solidFill>
+                  <a:srgbClr val="000000"/>
+                </a:solidFill>
                 <a:latin typeface="Yu Gothic UI"/>
               </a:defRPr>
             </a:pPr>
@@ -12407,6 +13397,9 @@
           <a:p>
             <a:pPr>
               <a:defRPr sz="1000">
+                <a:solidFill>
+                  <a:srgbClr val="000000"/>
+                </a:solidFill>
                 <a:latin typeface="Yu Gothic UI"/>
               </a:defRPr>
             </a:pPr>
@@ -12417,6 +13410,9 @@
           <a:p>
             <a:pPr>
               <a:defRPr sz="1000">
+                <a:solidFill>
+                  <a:srgbClr val="000000"/>
+                </a:solidFill>
                 <a:latin typeface="Yu Gothic UI"/>
               </a:defRPr>
             </a:pPr>
@@ -12468,6 +13464,9 @@
           <a:p>
             <a:pPr>
               <a:defRPr sz="1000">
+                <a:solidFill>
+                  <a:srgbClr val="000000"/>
+                </a:solidFill>
                 <a:latin typeface="Yu Gothic UI"/>
               </a:defRPr>
             </a:pPr>
@@ -12478,6 +13477,9 @@
           <a:p>
             <a:pPr>
               <a:defRPr sz="1000">
+                <a:solidFill>
+                  <a:srgbClr val="000000"/>
+                </a:solidFill>
                 <a:latin typeface="Yu Gothic UI"/>
               </a:defRPr>
             </a:pPr>
@@ -12529,6 +13531,9 @@
           <a:p>
             <a:pPr algn="l">
               <a:defRPr sz="2000">
+                <a:solidFill>
+                  <a:srgbClr val="000000"/>
+                </a:solidFill>
                 <a:latin typeface="Yu Gothic UI"/>
               </a:defRPr>
             </a:pPr>
@@ -12562,6 +13567,9 @@
           <a:p>
             <a:pPr algn="r">
               <a:defRPr sz="2000">
+                <a:solidFill>
+                  <a:srgbClr val="000000"/>
+                </a:solidFill>
                 <a:latin typeface="Yu Gothic UI"/>
               </a:defRPr>
             </a:pPr>
@@ -12613,6 +13621,9 @@
           <a:p>
             <a:pPr>
               <a:defRPr sz="1000">
+                <a:solidFill>
+                  <a:srgbClr val="000000"/>
+                </a:solidFill>
                 <a:latin typeface="Yu Gothic UI"/>
               </a:defRPr>
             </a:pPr>
@@ -12623,6 +13634,9 @@
           <a:p>
             <a:pPr>
               <a:defRPr sz="1000">
+                <a:solidFill>
+                  <a:srgbClr val="000000"/>
+                </a:solidFill>
                 <a:latin typeface="Yu Gothic UI"/>
               </a:defRPr>
             </a:pPr>
@@ -12633,6 +13647,9 @@
           <a:p>
             <a:pPr>
               <a:defRPr sz="1000">
+                <a:solidFill>
+                  <a:srgbClr val="000000"/>
+                </a:solidFill>
                 <a:latin typeface="Yu Gothic UI"/>
               </a:defRPr>
             </a:pPr>
@@ -12684,6 +13701,9 @@
           <a:p>
             <a:pPr>
               <a:defRPr sz="1000">
+                <a:solidFill>
+                  <a:srgbClr val="000000"/>
+                </a:solidFill>
                 <a:latin typeface="Yu Gothic UI"/>
               </a:defRPr>
             </a:pPr>
@@ -12694,6 +13714,9 @@
           <a:p>
             <a:pPr>
               <a:defRPr sz="1000">
+                <a:solidFill>
+                  <a:srgbClr val="000000"/>
+                </a:solidFill>
                 <a:latin typeface="Yu Gothic UI"/>
               </a:defRPr>
             </a:pPr>
@@ -12704,6 +13727,9 @@
           <a:p>
             <a:pPr>
               <a:defRPr sz="1000">
+                <a:solidFill>
+                  <a:srgbClr val="000000"/>
+                </a:solidFill>
                 <a:latin typeface="Yu Gothic UI"/>
               </a:defRPr>
             </a:pPr>
@@ -12755,6 +13781,9 @@
           <a:p>
             <a:pPr>
               <a:defRPr sz="1000">
+                <a:solidFill>
+                  <a:srgbClr val="000000"/>
+                </a:solidFill>
                 <a:latin typeface="Yu Gothic UI"/>
               </a:defRPr>
             </a:pPr>
@@ -12765,6 +13794,9 @@
           <a:p>
             <a:pPr>
               <a:defRPr sz="1000">
+                <a:solidFill>
+                  <a:srgbClr val="000000"/>
+                </a:solidFill>
                 <a:latin typeface="Yu Gothic UI"/>
               </a:defRPr>
             </a:pPr>
@@ -12775,6 +13807,9 @@
           <a:p>
             <a:pPr>
               <a:defRPr sz="1000">
+                <a:solidFill>
+                  <a:srgbClr val="000000"/>
+                </a:solidFill>
                 <a:latin typeface="Yu Gothic UI"/>
               </a:defRPr>
             </a:pPr>
@@ -12826,6 +13861,9 @@
           <a:p>
             <a:pPr>
               <a:defRPr sz="1000">
+                <a:solidFill>
+                  <a:srgbClr val="000000"/>
+                </a:solidFill>
                 <a:latin typeface="Yu Gothic UI"/>
               </a:defRPr>
             </a:pPr>
@@ -12877,6 +13915,9 @@
           <a:p>
             <a:pPr>
               <a:defRPr sz="1000">
+                <a:solidFill>
+                  <a:srgbClr val="000000"/>
+                </a:solidFill>
                 <a:latin typeface="Yu Gothic UI"/>
               </a:defRPr>
             </a:pPr>
@@ -12887,6 +13928,9 @@
           <a:p>
             <a:pPr>
               <a:defRPr sz="1000">
+                <a:solidFill>
+                  <a:srgbClr val="000000"/>
+                </a:solidFill>
                 <a:latin typeface="Yu Gothic UI"/>
               </a:defRPr>
             </a:pPr>
@@ -12938,6 +13982,9 @@
           <a:p>
             <a:pPr>
               <a:defRPr sz="1000">
+                <a:solidFill>
+                  <a:srgbClr val="000000"/>
+                </a:solidFill>
                 <a:latin typeface="Yu Gothic UI"/>
               </a:defRPr>
             </a:pPr>
@@ -12948,6 +13995,9 @@
           <a:p>
             <a:pPr>
               <a:defRPr sz="1000">
+                <a:solidFill>
+                  <a:srgbClr val="000000"/>
+                </a:solidFill>
                 <a:latin typeface="Yu Gothic UI"/>
               </a:defRPr>
             </a:pPr>
@@ -12958,6 +14008,9 @@
           <a:p>
             <a:pPr>
               <a:defRPr sz="1000">
+                <a:solidFill>
+                  <a:srgbClr val="000000"/>
+                </a:solidFill>
                 <a:latin typeface="Yu Gothic UI"/>
               </a:defRPr>
             </a:pPr>
@@ -13009,6 +14062,9 @@
           <a:p>
             <a:pPr>
               <a:defRPr sz="1000">
+                <a:solidFill>
+                  <a:srgbClr val="000000"/>
+                </a:solidFill>
                 <a:latin typeface="Yu Gothic UI"/>
               </a:defRPr>
             </a:pPr>
@@ -13019,6 +14075,9 @@
           <a:p>
             <a:pPr>
               <a:defRPr sz="1000">
+                <a:solidFill>
+                  <a:srgbClr val="000000"/>
+                </a:solidFill>
                 <a:latin typeface="Yu Gothic UI"/>
               </a:defRPr>
             </a:pPr>
@@ -13070,6 +14129,9 @@
           <a:p>
             <a:pPr>
               <a:defRPr sz="1000">
+                <a:solidFill>
+                  <a:srgbClr val="000000"/>
+                </a:solidFill>
                 <a:latin typeface="Yu Gothic UI"/>
               </a:defRPr>
             </a:pPr>
@@ -13080,6 +14142,9 @@
           <a:p>
             <a:pPr>
               <a:defRPr sz="1000">
+                <a:solidFill>
+                  <a:srgbClr val="000000"/>
+                </a:solidFill>
                 <a:latin typeface="Yu Gothic UI"/>
               </a:defRPr>
             </a:pPr>
@@ -13090,6 +14155,9 @@
           <a:p>
             <a:pPr>
               <a:defRPr sz="1000">
+                <a:solidFill>
+                  <a:srgbClr val="000000"/>
+                </a:solidFill>
                 <a:latin typeface="Yu Gothic UI"/>
               </a:defRPr>
             </a:pPr>
@@ -13141,6 +14209,9 @@
           <a:p>
             <a:pPr>
               <a:defRPr sz="1000">
+                <a:solidFill>
+                  <a:srgbClr val="000000"/>
+                </a:solidFill>
                 <a:latin typeface="Yu Gothic UI"/>
               </a:defRPr>
             </a:pPr>
@@ -13151,6 +14222,9 @@
           <a:p>
             <a:pPr>
               <a:defRPr sz="1000">
+                <a:solidFill>
+                  <a:srgbClr val="000000"/>
+                </a:solidFill>
                 <a:latin typeface="Yu Gothic UI"/>
               </a:defRPr>
             </a:pPr>
@@ -13161,6 +14235,9 @@
           <a:p>
             <a:pPr>
               <a:defRPr sz="1000">
+                <a:solidFill>
+                  <a:srgbClr val="000000"/>
+                </a:solidFill>
                 <a:latin typeface="Yu Gothic UI"/>
               </a:defRPr>
             </a:pPr>
@@ -13212,6 +14289,9 @@
           <a:p>
             <a:pPr algn="l">
               <a:defRPr sz="2000">
+                <a:solidFill>
+                  <a:srgbClr val="000000"/>
+                </a:solidFill>
                 <a:latin typeface="Yu Gothic UI"/>
               </a:defRPr>
             </a:pPr>
@@ -13245,6 +14325,9 @@
           <a:p>
             <a:pPr algn="r">
               <a:defRPr sz="2000">
+                <a:solidFill>
+                  <a:srgbClr val="000000"/>
+                </a:solidFill>
                 <a:latin typeface="Yu Gothic UI"/>
               </a:defRPr>
             </a:pPr>
@@ -13296,6 +14379,9 @@
           <a:p>
             <a:pPr>
               <a:defRPr sz="1000">
+                <a:solidFill>
+                  <a:srgbClr val="000000"/>
+                </a:solidFill>
                 <a:latin typeface="Yu Gothic UI"/>
               </a:defRPr>
             </a:pPr>
@@ -13306,6 +14392,9 @@
           <a:p>
             <a:pPr>
               <a:defRPr sz="1000">
+                <a:solidFill>
+                  <a:srgbClr val="000000"/>
+                </a:solidFill>
                 <a:latin typeface="Yu Gothic UI"/>
               </a:defRPr>
             </a:pPr>
@@ -13316,6 +14405,9 @@
           <a:p>
             <a:pPr>
               <a:defRPr sz="1000">
+                <a:solidFill>
+                  <a:srgbClr val="000000"/>
+                </a:solidFill>
                 <a:latin typeface="Yu Gothic UI"/>
               </a:defRPr>
             </a:pPr>
@@ -13367,6 +14459,9 @@
           <a:p>
             <a:pPr>
               <a:defRPr sz="1000">
+                <a:solidFill>
+                  <a:srgbClr val="000000"/>
+                </a:solidFill>
                 <a:latin typeface="Yu Gothic UI"/>
               </a:defRPr>
             </a:pPr>
@@ -13377,6 +14472,9 @@
           <a:p>
             <a:pPr>
               <a:defRPr sz="1000">
+                <a:solidFill>
+                  <a:srgbClr val="000000"/>
+                </a:solidFill>
                 <a:latin typeface="Yu Gothic UI"/>
               </a:defRPr>
             </a:pPr>
@@ -13387,6 +14485,9 @@
           <a:p>
             <a:pPr>
               <a:defRPr sz="1000">
+                <a:solidFill>
+                  <a:srgbClr val="000000"/>
+                </a:solidFill>
                 <a:latin typeface="Yu Gothic UI"/>
               </a:defRPr>
             </a:pPr>
@@ -13438,6 +14539,9 @@
           <a:p>
             <a:pPr>
               <a:defRPr sz="1000">
+                <a:solidFill>
+                  <a:srgbClr val="000000"/>
+                </a:solidFill>
                 <a:latin typeface="Yu Gothic UI"/>
               </a:defRPr>
             </a:pPr>
@@ -13448,6 +14552,9 @@
           <a:p>
             <a:pPr>
               <a:defRPr sz="1000">
+                <a:solidFill>
+                  <a:srgbClr val="000000"/>
+                </a:solidFill>
                 <a:latin typeface="Yu Gothic UI"/>
               </a:defRPr>
             </a:pPr>
@@ -13458,6 +14565,9 @@
           <a:p>
             <a:pPr>
               <a:defRPr sz="1000">
+                <a:solidFill>
+                  <a:srgbClr val="000000"/>
+                </a:solidFill>
                 <a:latin typeface="Yu Gothic UI"/>
               </a:defRPr>
             </a:pPr>
@@ -13509,6 +14619,9 @@
           <a:p>
             <a:pPr>
               <a:defRPr sz="1000">
+                <a:solidFill>
+                  <a:srgbClr val="000000"/>
+                </a:solidFill>
                 <a:latin typeface="Yu Gothic UI"/>
               </a:defRPr>
             </a:pPr>
@@ -13560,6 +14673,9 @@
           <a:p>
             <a:pPr>
               <a:defRPr sz="1000">
+                <a:solidFill>
+                  <a:srgbClr val="000000"/>
+                </a:solidFill>
                 <a:latin typeface="Yu Gothic UI"/>
               </a:defRPr>
             </a:pPr>
@@ -13570,6 +14686,9 @@
           <a:p>
             <a:pPr>
               <a:defRPr sz="1000">
+                <a:solidFill>
+                  <a:srgbClr val="000000"/>
+                </a:solidFill>
                 <a:latin typeface="Yu Gothic UI"/>
               </a:defRPr>
             </a:pPr>
@@ -13621,6 +14740,9 @@
           <a:p>
             <a:pPr>
               <a:defRPr sz="1000">
+                <a:solidFill>
+                  <a:srgbClr val="000000"/>
+                </a:solidFill>
                 <a:latin typeface="Yu Gothic UI"/>
               </a:defRPr>
             </a:pPr>
@@ -13631,6 +14753,9 @@
           <a:p>
             <a:pPr>
               <a:defRPr sz="1000">
+                <a:solidFill>
+                  <a:srgbClr val="000000"/>
+                </a:solidFill>
                 <a:latin typeface="Yu Gothic UI"/>
               </a:defRPr>
             </a:pPr>
@@ -13682,6 +14807,9 @@
           <a:p>
             <a:pPr>
               <a:defRPr sz="1000">
+                <a:solidFill>
+                  <a:srgbClr val="000000"/>
+                </a:solidFill>
                 <a:latin typeface="Yu Gothic UI"/>
               </a:defRPr>
             </a:pPr>
@@ -13692,6 +14820,9 @@
           <a:p>
             <a:pPr>
               <a:defRPr sz="1000">
+                <a:solidFill>
+                  <a:srgbClr val="000000"/>
+                </a:solidFill>
                 <a:latin typeface="Yu Gothic UI"/>
               </a:defRPr>
             </a:pPr>
@@ -13743,6 +14874,9 @@
           <a:p>
             <a:pPr>
               <a:defRPr sz="1000">
+                <a:solidFill>
+                  <a:srgbClr val="000000"/>
+                </a:solidFill>
                 <a:latin typeface="Yu Gothic UI"/>
               </a:defRPr>
             </a:pPr>
@@ -13753,6 +14887,9 @@
           <a:p>
             <a:pPr>
               <a:defRPr sz="1000">
+                <a:solidFill>
+                  <a:srgbClr val="000000"/>
+                </a:solidFill>
                 <a:latin typeface="Yu Gothic UI"/>
               </a:defRPr>
             </a:pPr>
@@ -13763,6 +14900,9 @@
           <a:p>
             <a:pPr>
               <a:defRPr sz="1000">
+                <a:solidFill>
+                  <a:srgbClr val="000000"/>
+                </a:solidFill>
                 <a:latin typeface="Yu Gothic UI"/>
               </a:defRPr>
             </a:pPr>
@@ -13814,6 +14954,9 @@
           <a:p>
             <a:pPr>
               <a:defRPr sz="1000">
+                <a:solidFill>
+                  <a:srgbClr val="000000"/>
+                </a:solidFill>
                 <a:latin typeface="Yu Gothic UI"/>
               </a:defRPr>
             </a:pPr>
@@ -13824,6 +14967,9 @@
           <a:p>
             <a:pPr>
               <a:defRPr sz="1000">
+                <a:solidFill>
+                  <a:srgbClr val="000000"/>
+                </a:solidFill>
                 <a:latin typeface="Yu Gothic UI"/>
               </a:defRPr>
             </a:pPr>
